--- a/tutorial-01-intro.pptx
+++ b/tutorial-01-intro.pptx
@@ -217,7 +217,7 @@
           <a:p>
             <a:fld id="{775CE290-E0F5-444C-B849-A8F17CD4104C}" type="datetimeFigureOut">
               <a:rPr lang="en-US" smtClean="0"/>
-              <a:t>9/8/14</a:t>
+              <a:t>9/9/14</a:t>
             </a:fld>
             <a:endParaRPr lang="en-US"/>
           </a:p>
@@ -383,7 +383,7 @@
           <a:p>
             <a:fld id="{AD53A24C-4135-094C-957B-35852E7EDFA4}" type="datetimeFigureOut">
               <a:rPr lang="en-US" smtClean="0"/>
-              <a:t>9/8/14</a:t>
+              <a:t>9/9/14</a:t>
             </a:fld>
             <a:endParaRPr lang="en-US"/>
           </a:p>
@@ -1036,7 +1036,7 @@
           <a:p>
             <a:fld id="{B594EA25-E4F4-3746-A0BA-A11E27330E0F}" type="datetime2">
               <a:rPr lang="en-US" smtClean="0"/>
-              <a:t>Monday, September 8, 14</a:t>
+              <a:t>Tuesday, September 9, 14</a:t>
             </a:fld>
             <a:endParaRPr lang="en-US"/>
           </a:p>
@@ -1339,7 +1339,7 @@
                 <a:latin typeface="Times New Roman"/>
                 <a:cs typeface="Times New Roman"/>
               </a:rPr>
-              <a:t>September 8, 2014</a:t>
+              <a:t>September 9, 2014</a:t>
             </a:fld>
             <a:endParaRPr lang="en-US" dirty="0">
               <a:latin typeface="Times New Roman"/>
@@ -1437,8 +1437,8 @@
         </p:nvSpPr>
         <p:spPr>
           <a:xfrm>
-            <a:off x="457200" y="792080"/>
-            <a:ext cx="2139696" cy="1261872"/>
+            <a:off x="261865" y="161144"/>
+            <a:ext cx="2335031" cy="1261872"/>
           </a:xfrm>
         </p:spPr>
         <p:txBody>
@@ -1471,8 +1471,8 @@
         </p:nvSpPr>
         <p:spPr>
           <a:xfrm>
-            <a:off x="2971800" y="792080"/>
-            <a:ext cx="5715000" cy="5577840"/>
+            <a:off x="2971799" y="161144"/>
+            <a:ext cx="5905425" cy="6208776"/>
           </a:xfrm>
         </p:spPr>
         <p:txBody>
@@ -1556,8 +1556,8 @@
         </p:nvSpPr>
         <p:spPr>
           <a:xfrm>
-            <a:off x="457201" y="2130552"/>
-            <a:ext cx="2139696" cy="4243615"/>
+            <a:off x="261865" y="1625600"/>
+            <a:ext cx="2335032" cy="4748567"/>
           </a:xfrm>
         </p:spPr>
         <p:txBody>
@@ -1626,7 +1626,7 @@
           <a:p>
             <a:fld id="{EA699BF9-66CB-F244-8E74-7B1BE1C77046}" type="datetime2">
               <a:rPr lang="en-US" smtClean="0"/>
-              <a:t>Monday, September 8, 14</a:t>
+              <a:t>Tuesday, September 9, 14</a:t>
             </a:fld>
             <a:endParaRPr lang="en-US"/>
           </a:p>
@@ -1687,9 +1687,9 @@
           <p:nvPr/>
         </p:nvCxnSpPr>
         <p:spPr>
-          <a:xfrm rot="5400000">
-            <a:off x="-13116" y="3580206"/>
-            <a:ext cx="5577840" cy="1588"/>
+          <a:xfrm>
+            <a:off x="2775010" y="161144"/>
+            <a:ext cx="0" cy="6208776"/>
           </a:xfrm>
           <a:prstGeom prst="line">
             <a:avLst/>
@@ -1752,8 +1752,8 @@
         </p:nvSpPr>
         <p:spPr>
           <a:xfrm>
-            <a:off x="457200" y="792480"/>
-            <a:ext cx="2142680" cy="1264920"/>
+            <a:off x="258881" y="160020"/>
+            <a:ext cx="2338015" cy="1264920"/>
           </a:xfrm>
         </p:spPr>
         <p:txBody>
@@ -1786,8 +1786,8 @@
         </p:nvSpPr>
         <p:spPr>
           <a:xfrm>
-            <a:off x="2858610" y="838201"/>
-            <a:ext cx="5904390" cy="5500456"/>
+            <a:off x="2858609" y="160020"/>
+            <a:ext cx="6018615" cy="6178637"/>
           </a:xfrm>
           <a:solidFill>
             <a:schemeClr val="bg2"/>
@@ -1867,8 +1867,8 @@
         </p:nvSpPr>
         <p:spPr>
           <a:xfrm>
-            <a:off x="457200" y="2133600"/>
-            <a:ext cx="2139696" cy="4242816"/>
+            <a:off x="261865" y="1663700"/>
+            <a:ext cx="2335031" cy="4712716"/>
           </a:xfrm>
         </p:spPr>
         <p:txBody>
@@ -1937,7 +1937,7 @@
           <a:p>
             <a:fld id="{D300BE84-9843-8B4F-B3C8-647B06AC46C9}" type="datetime2">
               <a:rPr lang="en-US" smtClean="0"/>
-              <a:t>Monday, September 8, 14</a:t>
+              <a:t>Tuesday, September 9, 14</a:t>
             </a:fld>
             <a:endParaRPr lang="en-US"/>
           </a:p>
@@ -2108,7 +2108,7 @@
           <a:p>
             <a:fld id="{C460AE39-2092-A945-8296-F25085B9A0F1}" type="datetime2">
               <a:rPr lang="en-US" smtClean="0"/>
-              <a:t>Monday, September 8, 14</a:t>
+              <a:t>Tuesday, September 9, 14</a:t>
             </a:fld>
             <a:endParaRPr lang="en-US"/>
           </a:p>
@@ -2199,7 +2199,7 @@
         </p:nvSpPr>
         <p:spPr>
           <a:xfrm>
-            <a:off x="6629400" y="609600"/>
+            <a:off x="6819825" y="508000"/>
             <a:ext cx="2057400" cy="5867400"/>
           </a:xfrm>
         </p:spPr>
@@ -2227,8 +2227,8 @@
         </p:nvSpPr>
         <p:spPr>
           <a:xfrm>
-            <a:off x="457200" y="609600"/>
-            <a:ext cx="6019800" cy="5867400"/>
+            <a:off x="261865" y="508000"/>
+            <a:ext cx="6405635" cy="5867400"/>
           </a:xfrm>
         </p:spPr>
         <p:txBody>
@@ -2289,7 +2289,7 @@
           <a:p>
             <a:fld id="{63BC7E9D-3218-5E49-A867-E087AB2F4618}" type="datetime2">
               <a:rPr lang="en-US" smtClean="0"/>
-              <a:t>Monday, September 8, 14</a:t>
+              <a:t>Tuesday, September 9, 14</a:t>
             </a:fld>
             <a:endParaRPr lang="en-US"/>
           </a:p>
@@ -2460,7 +2460,7 @@
           <a:p>
             <a:fld id="{34621E95-60A9-FF44-9869-513D9D7A859F}" type="datetime2">
               <a:rPr lang="en-US" smtClean="0"/>
-              <a:t>Monday, September 8, 14</a:t>
+              <a:t>Tuesday, September 9, 14</a:t>
             </a:fld>
             <a:endParaRPr lang="en-US"/>
           </a:p>
@@ -2579,7 +2579,7 @@
           <a:p>
             <a:fld id="{BD5AFB16-13FE-DF4A-8CB7-09756A57B2EA}" type="datetime2">
               <a:rPr lang="en-US" smtClean="0"/>
-              <a:t>Monday, September 8, 14</a:t>
+              <a:t>Tuesday, September 9, 14</a:t>
             </a:fld>
             <a:endParaRPr lang="en-US" dirty="0"/>
           </a:p>
@@ -2645,8 +2645,8 @@
         </p:nvSpPr>
         <p:spPr>
           <a:xfrm>
-            <a:off x="457200" y="909977"/>
-            <a:ext cx="8229600" cy="1118512"/>
+            <a:off x="261865" y="909977"/>
+            <a:ext cx="8615360" cy="1118512"/>
           </a:xfrm>
         </p:spPr>
         <p:txBody>
@@ -2702,8 +2702,8 @@
         </p:nvSpPr>
         <p:spPr>
           <a:xfrm>
-            <a:off x="457200" y="2198574"/>
-            <a:ext cx="8229600" cy="1119049"/>
+            <a:off x="261865" y="2198574"/>
+            <a:ext cx="8615360" cy="1119049"/>
           </a:xfrm>
         </p:spPr>
         <p:txBody>
@@ -2759,8 +2759,8 @@
         </p:nvSpPr>
         <p:spPr>
           <a:xfrm>
-            <a:off x="457200" y="3583427"/>
-            <a:ext cx="8229600" cy="1136650"/>
+            <a:off x="261865" y="3583427"/>
+            <a:ext cx="8615360" cy="1136650"/>
           </a:xfrm>
         </p:spPr>
         <p:txBody>
@@ -2769,38 +2769,38 @@
           <a:p>
             <a:pPr lvl="0"/>
             <a:r>
-              <a:rPr lang="en-US" smtClean="0"/>
+              <a:rPr lang="en-US" dirty="0" smtClean="0"/>
               <a:t>Click to edit Master text styles</a:t>
             </a:r>
           </a:p>
           <a:p>
             <a:pPr lvl="1"/>
             <a:r>
-              <a:rPr lang="en-US" smtClean="0"/>
+              <a:rPr lang="en-US" dirty="0" smtClean="0"/>
               <a:t>Second level</a:t>
             </a:r>
           </a:p>
           <a:p>
             <a:pPr lvl="2"/>
             <a:r>
-              <a:rPr lang="en-US" smtClean="0"/>
+              <a:rPr lang="en-US" dirty="0" smtClean="0"/>
               <a:t>Third level</a:t>
             </a:r>
           </a:p>
           <a:p>
             <a:pPr lvl="3"/>
             <a:r>
-              <a:rPr lang="en-US" smtClean="0"/>
+              <a:rPr lang="en-US" dirty="0" smtClean="0"/>
               <a:t>Fourth level</a:t>
             </a:r>
           </a:p>
           <a:p>
             <a:pPr lvl="4"/>
             <a:r>
-              <a:rPr lang="en-US" smtClean="0"/>
+              <a:rPr lang="en-US" dirty="0" smtClean="0"/>
               <a:t>Fifth level</a:t>
             </a:r>
-            <a:endParaRPr lang="en-US"/>
+            <a:endParaRPr lang="en-US" dirty="0"/>
           </a:p>
         </p:txBody>
       </p:sp>
@@ -2816,8 +2816,8 @@
         </p:nvSpPr>
         <p:spPr>
           <a:xfrm>
-            <a:off x="457200" y="5043465"/>
-            <a:ext cx="8229600" cy="1136791"/>
+            <a:off x="261865" y="5043465"/>
+            <a:ext cx="8615360" cy="1136791"/>
           </a:xfrm>
         </p:spPr>
         <p:txBody>
@@ -2826,38 +2826,38 @@
           <a:p>
             <a:pPr lvl="0"/>
             <a:r>
-              <a:rPr lang="en-US" smtClean="0"/>
+              <a:rPr lang="en-US" dirty="0" smtClean="0"/>
               <a:t>Click to edit Master text styles</a:t>
             </a:r>
           </a:p>
           <a:p>
             <a:pPr lvl="1"/>
             <a:r>
-              <a:rPr lang="en-US" smtClean="0"/>
+              <a:rPr lang="en-US" dirty="0" smtClean="0"/>
               <a:t>Second level</a:t>
             </a:r>
           </a:p>
           <a:p>
             <a:pPr lvl="2"/>
             <a:r>
-              <a:rPr lang="en-US" smtClean="0"/>
+              <a:rPr lang="en-US" dirty="0" smtClean="0"/>
               <a:t>Third level</a:t>
             </a:r>
           </a:p>
           <a:p>
             <a:pPr lvl="3"/>
             <a:r>
-              <a:rPr lang="en-US" smtClean="0"/>
+              <a:rPr lang="en-US" dirty="0" smtClean="0"/>
               <a:t>Fourth level</a:t>
             </a:r>
           </a:p>
           <a:p>
             <a:pPr lvl="4"/>
             <a:r>
-              <a:rPr lang="en-US" smtClean="0"/>
+              <a:rPr lang="en-US" dirty="0" smtClean="0"/>
               <a:t>Fifth level</a:t>
             </a:r>
-            <a:endParaRPr lang="en-US"/>
+            <a:endParaRPr lang="en-US" dirty="0"/>
           </a:p>
         </p:txBody>
       </p:sp>
@@ -3066,7 +3066,7 @@
           <a:p>
             <a:fld id="{1BDEC705-8EA9-6C46-8E3B-2CAC7E2C0F7D}" type="datetime2">
               <a:rPr lang="en-US" smtClean="0"/>
-              <a:t>Monday, September 8, 14</a:t>
+              <a:t>Tuesday, September 9, 14</a:t>
             </a:fld>
             <a:endParaRPr lang="en-US"/>
           </a:p>
@@ -3215,8 +3215,8 @@
         </p:nvSpPr>
         <p:spPr>
           <a:xfrm>
-            <a:off x="457200" y="935846"/>
-            <a:ext cx="4038600" cy="5455810"/>
+            <a:off x="261866" y="935846"/>
+            <a:ext cx="4114800" cy="5455810"/>
           </a:xfrm>
         </p:spPr>
         <p:txBody>
@@ -3300,8 +3300,8 @@
         </p:nvSpPr>
         <p:spPr>
           <a:xfrm>
-            <a:off x="4648200" y="935846"/>
-            <a:ext cx="4038600" cy="5455810"/>
+            <a:off x="4737099" y="935846"/>
+            <a:ext cx="4140125" cy="5455810"/>
           </a:xfrm>
         </p:spPr>
         <p:txBody>
@@ -3397,7 +3397,7 @@
           <a:p>
             <a:fld id="{BF613BD3-C5FD-9543-B738-679BF38D8C83}" type="datetime2">
               <a:rPr lang="en-US" smtClean="0"/>
-              <a:t>Monday, September 8, 14</a:t>
+              <a:t>Tuesday, September 9, 14</a:t>
             </a:fld>
             <a:endParaRPr lang="en-US" dirty="0"/>
           </a:p>
@@ -3522,8 +3522,8 @@
         </p:nvSpPr>
         <p:spPr>
           <a:xfrm>
-            <a:off x="457200" y="1676400"/>
-            <a:ext cx="3931920" cy="639762"/>
+            <a:off x="261865" y="914400"/>
+            <a:ext cx="4114800" cy="639762"/>
           </a:xfrm>
           <a:noFill/>
           <a:ln>
@@ -3610,8 +3610,8 @@
         </p:nvSpPr>
         <p:spPr>
           <a:xfrm>
-            <a:off x="457200" y="2438400"/>
-            <a:ext cx="3931920" cy="3951288"/>
+            <a:off x="261865" y="1714500"/>
+            <a:ext cx="4114800" cy="4675188"/>
           </a:xfrm>
         </p:spPr>
         <p:txBody>
@@ -3695,8 +3695,8 @@
         </p:nvSpPr>
         <p:spPr>
           <a:xfrm>
-            <a:off x="4754880" y="1676400"/>
-            <a:ext cx="3931920" cy="639762"/>
+            <a:off x="4737100" y="914400"/>
+            <a:ext cx="4140125" cy="639762"/>
           </a:xfrm>
           <a:noFill/>
           <a:ln>
@@ -3786,8 +3786,8 @@
         </p:nvSpPr>
         <p:spPr>
           <a:xfrm>
-            <a:off x="4754880" y="2438400"/>
-            <a:ext cx="3931920" cy="3951288"/>
+            <a:off x="4737100" y="1714500"/>
+            <a:ext cx="4140125" cy="4675188"/>
           </a:xfrm>
         </p:spPr>
         <p:txBody>
@@ -3824,35 +3824,35 @@
           <a:p>
             <a:pPr lvl="0"/>
             <a:r>
-              <a:rPr lang="en-US" smtClean="0"/>
+              <a:rPr lang="en-US" dirty="0" smtClean="0"/>
               <a:t>Click to edit Master text styles</a:t>
             </a:r>
           </a:p>
           <a:p>
             <a:pPr lvl="1"/>
             <a:r>
-              <a:rPr lang="en-US" smtClean="0"/>
+              <a:rPr lang="en-US" dirty="0" smtClean="0"/>
               <a:t>Second level</a:t>
             </a:r>
           </a:p>
           <a:p>
             <a:pPr lvl="2"/>
             <a:r>
-              <a:rPr lang="en-US" smtClean="0"/>
+              <a:rPr lang="en-US" dirty="0" smtClean="0"/>
               <a:t>Third level</a:t>
             </a:r>
           </a:p>
           <a:p>
             <a:pPr lvl="3"/>
             <a:r>
-              <a:rPr lang="en-US" smtClean="0"/>
+              <a:rPr lang="en-US" dirty="0" smtClean="0"/>
               <a:t>Fourth level</a:t>
             </a:r>
           </a:p>
           <a:p>
             <a:pPr lvl="4"/>
             <a:r>
-              <a:rPr lang="en-US" smtClean="0"/>
+              <a:rPr lang="en-US" dirty="0" smtClean="0"/>
               <a:t>Fifth level</a:t>
             </a:r>
             <a:endParaRPr lang="en-US" dirty="0"/>
@@ -3876,7 +3876,7 @@
           <a:p>
             <a:fld id="{4B5E4F0C-9A9C-5448-99FD-D30288B385C9}" type="datetime2">
               <a:rPr lang="en-US" smtClean="0"/>
-              <a:t>Monday, September 8, 14</a:t>
+              <a:t>Tuesday, September 9, 14</a:t>
             </a:fld>
             <a:endParaRPr lang="en-US"/>
           </a:p>
@@ -3990,8 +3990,8 @@
         </p:nvSpPr>
         <p:spPr>
           <a:xfrm>
-            <a:off x="457200" y="935846"/>
-            <a:ext cx="4038600" cy="3140187"/>
+            <a:off x="261866" y="935846"/>
+            <a:ext cx="4114800" cy="3140187"/>
           </a:xfrm>
         </p:spPr>
         <p:txBody>
@@ -4075,8 +4075,8 @@
         </p:nvSpPr>
         <p:spPr>
           <a:xfrm>
-            <a:off x="4648200" y="935846"/>
-            <a:ext cx="4038600" cy="3140187"/>
+            <a:off x="4737100" y="935846"/>
+            <a:ext cx="4140124" cy="3140187"/>
           </a:xfrm>
         </p:spPr>
         <p:txBody>
@@ -4172,7 +4172,7 @@
           <a:p>
             <a:fld id="{30545249-FD76-6844-B252-CAB05FC2DAA8}" type="datetime2">
               <a:rPr lang="en-US" smtClean="0"/>
-              <a:t>Monday, September 8, 14</a:t>
+              <a:t>Tuesday, September 9, 14</a:t>
             </a:fld>
             <a:endParaRPr lang="en-US" dirty="0"/>
           </a:p>
@@ -4245,8 +4245,8 @@
         </p:nvSpPr>
         <p:spPr>
           <a:xfrm>
-            <a:off x="457200" y="4829213"/>
-            <a:ext cx="8229600" cy="1550950"/>
+            <a:off x="261865" y="4829213"/>
+            <a:ext cx="8615360" cy="1550950"/>
           </a:xfrm>
           <a:solidFill>
             <a:schemeClr val="tx2">
@@ -4313,8 +4313,8 @@
         </p:nvSpPr>
         <p:spPr>
           <a:xfrm>
-            <a:off x="457200" y="4238625"/>
-            <a:ext cx="8229600" cy="590550"/>
+            <a:off x="261865" y="4238625"/>
+            <a:ext cx="8615359" cy="590550"/>
           </a:xfrm>
           <a:solidFill>
             <a:schemeClr val="tx2">
@@ -4416,7 +4416,7 @@
           <a:p>
             <a:fld id="{CC859171-EEDD-0B48-A5C0-E7218AE20EA7}" type="datetime2">
               <a:rPr lang="en-US" smtClean="0"/>
-              <a:t>Monday, September 8, 14</a:t>
+              <a:t>Tuesday, September 9, 14</a:t>
             </a:fld>
             <a:endParaRPr lang="en-US"/>
           </a:p>
@@ -4512,7 +4512,7 @@
           <a:p>
             <a:fld id="{C32F9216-0342-7440-9504-BD6C1382BF27}" type="datetime2">
               <a:rPr lang="en-US" smtClean="0"/>
-              <a:t>Monday, September 8, 14</a:t>
+              <a:t>Tuesday, September 9, 14</a:t>
             </a:fld>
             <a:endParaRPr lang="en-US"/>
           </a:p>
@@ -4604,7 +4604,7 @@
         </p:nvSpPr>
         <p:spPr>
           <a:xfrm>
-            <a:off x="0" y="6506351"/>
+            <a:off x="0" y="6469775"/>
             <a:ext cx="9144000" cy="365760"/>
           </a:xfrm>
           <a:prstGeom prst="rect">
@@ -4649,18 +4649,62 @@
       </p:sp>
       <p:sp>
         <p:nvSpPr>
-          <p:cNvPr id="2" name="Title Placeholder 1"/>
-          <p:cNvSpPr>
-            <a:spLocks noGrp="1"/>
-          </p:cNvSpPr>
-          <p:nvPr>
-            <p:ph type="title"/>
+          <p:cNvPr id="5" name="Footer Placeholder 4"/>
+          <p:cNvSpPr>
+            <a:spLocks noGrp="1"/>
+          </p:cNvSpPr>
+          <p:nvPr>
+            <p:ph type="ftr" sz="quarter" idx="3"/>
           </p:nvPr>
         </p:nvSpPr>
         <p:spPr>
           <a:xfrm>
-            <a:off x="0" y="0"/>
-            <a:ext cx="9144000" cy="678666"/>
+            <a:off x="261865" y="6501045"/>
+            <a:ext cx="4114800" cy="329184"/>
+          </a:xfrm>
+          <a:prstGeom prst="rect">
+            <a:avLst/>
+          </a:prstGeom>
+          <a:solidFill>
+            <a:srgbClr val="A53926"/>
+          </a:solidFill>
+        </p:spPr>
+        <p:txBody>
+          <a:bodyPr vert="horz" lIns="91440" tIns="45720" rIns="91440" bIns="45720" rtlCol="0" anchor="ctr"/>
+          <a:lstStyle>
+            <a:lvl1pPr algn="ctr">
+              <a:defRPr sz="1200" b="1">
+                <a:solidFill>
+                  <a:srgbClr val="FFFFFF"/>
+                </a:solidFill>
+                <a:latin typeface="Times New Roman"/>
+                <a:cs typeface="Times New Roman"/>
+              </a:defRPr>
+            </a:lvl1pPr>
+          </a:lstStyle>
+          <a:p>
+            <a:r>
+              <a:rPr lang="en-US" smtClean="0"/>
+              <a:t>Sanjay Kalé and PPL (UIUC) – Parallel Migratable Objects </a:t>
+            </a:r>
+            <a:endParaRPr lang="en-US" dirty="0"/>
+          </a:p>
+        </p:txBody>
+      </p:sp>
+      <p:sp>
+        <p:nvSpPr>
+          <p:cNvPr id="2" name="Title Placeholder 1"/>
+          <p:cNvSpPr>
+            <a:spLocks noGrp="1"/>
+          </p:cNvSpPr>
+          <p:nvPr>
+            <p:ph type="title"/>
+          </p:nvPr>
+        </p:nvSpPr>
+        <p:spPr>
+          <a:xfrm>
+            <a:off x="0" y="-1"/>
+            <a:ext cx="9144000" cy="741859"/>
           </a:xfrm>
           <a:prstGeom prst="rect">
             <a:avLst/>
@@ -4698,15 +4742,15 @@
         </p:nvSpPr>
         <p:spPr>
           <a:xfrm>
-            <a:off x="457200" y="1143000"/>
-            <a:ext cx="8229600" cy="5235222"/>
+            <a:off x="261865" y="942770"/>
+            <a:ext cx="8615360" cy="5435452"/>
           </a:xfrm>
           <a:prstGeom prst="rect">
             <a:avLst/>
           </a:prstGeom>
         </p:spPr>
         <p:txBody>
-          <a:bodyPr vert="horz" lIns="91440" tIns="45720" rIns="91440" bIns="45720" rtlCol="0">
+          <a:bodyPr vert="horz" lIns="91440" tIns="45720" rIns="91440" bIns="45720" rtlCol="0" anchor="ctr">
             <a:normAutofit/>
           </a:bodyPr>
           <a:lstStyle/>
@@ -4760,8 +4804,8 @@
         </p:nvSpPr>
         <p:spPr>
           <a:xfrm>
-            <a:off x="457200" y="6506351"/>
-            <a:ext cx="2895600" cy="329184"/>
+            <a:off x="4737100" y="6501045"/>
+            <a:ext cx="2726982" cy="329184"/>
           </a:xfrm>
           <a:prstGeom prst="rect">
             <a:avLst/>
@@ -4783,7 +4827,7 @@
           <a:p>
             <a:fld id="{D36DC8F2-AD63-E841-8C23-5DC3A41041BE}" type="datetime2">
               <a:rPr lang="en-US" smtClean="0"/>
-              <a:t>Monday, September 8, 14</a:t>
+              <a:t>Tuesday, September 9, 14</a:t>
             </a:fld>
             <a:endParaRPr lang="en-US" dirty="0"/>
           </a:p>
@@ -4791,62 +4835,18 @@
       </p:sp>
       <p:sp>
         <p:nvSpPr>
-          <p:cNvPr id="5" name="Footer Placeholder 4"/>
-          <p:cNvSpPr>
-            <a:spLocks noGrp="1"/>
-          </p:cNvSpPr>
-          <p:nvPr>
-            <p:ph type="ftr" sz="quarter" idx="3"/>
+          <p:cNvPr id="6" name="Slide Number Placeholder 5"/>
+          <p:cNvSpPr>
+            <a:spLocks noGrp="1"/>
+          </p:cNvSpPr>
+          <p:nvPr>
+            <p:ph type="sldNum" sz="quarter" idx="4"/>
           </p:nvPr>
         </p:nvSpPr>
         <p:spPr>
           <a:xfrm>
-            <a:off x="3429000" y="6501045"/>
-            <a:ext cx="4114800" cy="329184"/>
-          </a:xfrm>
-          <a:prstGeom prst="rect">
-            <a:avLst/>
-          </a:prstGeom>
-          <a:solidFill>
-            <a:srgbClr val="A53926"/>
-          </a:solidFill>
-        </p:spPr>
-        <p:txBody>
-          <a:bodyPr vert="horz" lIns="91440" tIns="45720" rIns="91440" bIns="45720" rtlCol="0" anchor="ctr"/>
-          <a:lstStyle>
-            <a:lvl1pPr algn="ctr">
-              <a:defRPr sz="1200" b="1">
-                <a:solidFill>
-                  <a:srgbClr val="FFFFFF"/>
-                </a:solidFill>
-                <a:latin typeface="Times New Roman"/>
-                <a:cs typeface="Times New Roman"/>
-              </a:defRPr>
-            </a:lvl1pPr>
-          </a:lstStyle>
-          <a:p>
-            <a:r>
-              <a:rPr lang="en-US" smtClean="0"/>
-              <a:t>Sanjay Kalé and PPL (UIUC) – Parallel Migratable Objects </a:t>
-            </a:r>
-            <a:endParaRPr lang="en-US" dirty="0"/>
-          </a:p>
-        </p:txBody>
-      </p:sp>
-      <p:sp>
-        <p:nvSpPr>
-          <p:cNvPr id="6" name="Slide Number Placeholder 5"/>
-          <p:cNvSpPr>
-            <a:spLocks noGrp="1"/>
-          </p:cNvSpPr>
-          <p:nvPr>
-            <p:ph type="sldNum" sz="quarter" idx="4"/>
-          </p:nvPr>
-        </p:nvSpPr>
-        <p:spPr>
-          <a:xfrm>
-            <a:off x="7620000" y="6506351"/>
-            <a:ext cx="1066800" cy="329184"/>
+            <a:off x="7646459" y="6506351"/>
+            <a:ext cx="1230766" cy="329184"/>
           </a:xfrm>
           <a:prstGeom prst="rect">
             <a:avLst/>
@@ -5338,7 +5338,7 @@
         <p:spPr/>
         <p:txBody>
           <a:bodyPr>
-            <a:normAutofit fontScale="90000"/>
+            <a:normAutofit/>
           </a:bodyPr>
           <a:lstStyle/>
           <a:p>
@@ -6358,7 +6358,7 @@
           <a:p>
             <a:fld id="{EA95BFF1-5948-B24D-80C9-2DF4EAC42A4D}" type="datetime2">
               <a:rPr lang="en-US" smtClean="0"/>
-              <a:t>Monday, September 8, 14</a:t>
+              <a:t>Tuesday, September 9, 14</a:t>
             </a:fld>
             <a:endParaRPr lang="en-US"/>
           </a:p>
@@ -6462,7 +6462,7 @@
         <p:spPr/>
         <p:txBody>
           <a:bodyPr>
-            <a:normAutofit fontScale="90000"/>
+            <a:normAutofit/>
           </a:bodyPr>
           <a:lstStyle/>
           <a:p>
@@ -7439,7 +7439,7 @@
           <a:p>
             <a:fld id="{CC865FA7-76E5-5C42-96A4-1F7331433C84}" type="datetime2">
               <a:rPr lang="en-US" smtClean="0"/>
-              <a:t>Monday, September 8, 14</a:t>
+              <a:t>Tuesday, September 9, 14</a:t>
             </a:fld>
             <a:endParaRPr lang="en-US"/>
           </a:p>
@@ -7649,7 +7649,7 @@
           <a:p>
             <a:fld id="{6859C538-CB0C-6042-B4CC-A78E872CA49F}" type="datetime2">
               <a:rPr lang="en-US" smtClean="0"/>
-              <a:t>Monday, September 8, 14</a:t>
+              <a:t>Tuesday, September 9, 14</a:t>
             </a:fld>
             <a:endParaRPr lang="en-US"/>
           </a:p>
@@ -7878,7 +7878,7 @@
           <a:p>
             <a:fld id="{88DDB4B2-2C7B-074B-B68B-552850FF2C7D}" type="datetime2">
               <a:rPr lang="en-US" smtClean="0"/>
-              <a:t>Monday, September 8, 14</a:t>
+              <a:t>Tuesday, September 9, 14</a:t>
             </a:fld>
             <a:endParaRPr lang="en-US"/>
           </a:p>
@@ -7982,7 +7982,7 @@
         <p:spPr/>
         <p:txBody>
           <a:bodyPr>
-            <a:normAutofit fontScale="90000"/>
+            <a:normAutofit/>
           </a:bodyPr>
           <a:lstStyle/>
           <a:p>
@@ -8034,7 +8034,7 @@
           <a:p>
             <a:fld id="{CA5E7B7B-D7FD-4D4E-90EF-E4394C25BA2F}" type="datetime2">
               <a:rPr lang="en-US" smtClean="0"/>
-              <a:t>Monday, September 8, 14</a:t>
+              <a:t>Tuesday, September 9, 14</a:t>
             </a:fld>
             <a:endParaRPr lang="en-US"/>
           </a:p>
@@ -8248,7 +8248,7 @@
           <a:p>
             <a:fld id="{4B8F5AE3-D499-5C4D-BB64-5FC5F114D78E}" type="datetime2">
               <a:rPr lang="en-US" smtClean="0"/>
-              <a:t>Monday, September 8, 14</a:t>
+              <a:t>Tuesday, September 9, 14</a:t>
             </a:fld>
             <a:endParaRPr lang="en-US" dirty="0"/>
           </a:p>
@@ -8420,7 +8420,7 @@
         <p:spPr/>
         <p:txBody>
           <a:bodyPr>
-            <a:normAutofit fontScale="90000"/>
+            <a:normAutofit/>
           </a:bodyPr>
           <a:lstStyle/>
           <a:p>
@@ -8554,7 +8554,7 @@
           <a:p>
             <a:fld id="{8463968F-93A4-C84C-9FC0-6F1C4806BE33}" type="datetime2">
               <a:rPr lang="en-US" smtClean="0"/>
-              <a:t>Monday, September 8, 14</a:t>
+              <a:t>Tuesday, September 9, 14</a:t>
             </a:fld>
             <a:endParaRPr lang="en-US"/>
           </a:p>
@@ -8868,7 +8868,7 @@
         <p:spPr/>
         <p:txBody>
           <a:bodyPr>
-            <a:normAutofit fontScale="90000"/>
+            <a:normAutofit/>
           </a:bodyPr>
           <a:lstStyle/>
           <a:p>
@@ -8984,7 +8984,7 @@
           <a:p>
             <a:fld id="{99D99C1C-6727-C344-B1D9-5F6CCC13E6A8}" type="datetime2">
               <a:rPr lang="en-US" smtClean="0"/>
-              <a:t>Monday, September 8, 14</a:t>
+              <a:t>Tuesday, September 9, 14</a:t>
             </a:fld>
             <a:endParaRPr lang="en-US"/>
           </a:p>
@@ -9334,7 +9334,7 @@
           <a:p>
             <a:fld id="{7EE0B537-EEC6-A84A-9C51-603D8E7685E9}" type="datetime2">
               <a:rPr lang="en-US" smtClean="0"/>
-              <a:t>Monday, September 8, 14</a:t>
+              <a:t>Tuesday, September 9, 14</a:t>
             </a:fld>
             <a:endParaRPr lang="en-US"/>
           </a:p>
@@ -9438,7 +9438,7 @@
         <p:spPr/>
         <p:txBody>
           <a:bodyPr>
-            <a:normAutofit fontScale="90000"/>
+            <a:normAutofit/>
           </a:bodyPr>
           <a:lstStyle/>
           <a:p>
@@ -9732,7 +9732,7 @@
           <a:p>
             <a:fld id="{36D5A094-9275-C84D-84D4-E4C2DFD8E1DF}" type="datetime2">
               <a:rPr lang="en-US" smtClean="0"/>
-              <a:t>Monday, September 8, 14</a:t>
+              <a:t>Tuesday, September 9, 14</a:t>
             </a:fld>
             <a:endParaRPr lang="en-US"/>
           </a:p>
@@ -10048,7 +10048,7 @@
           <a:p>
             <a:fld id="{231C4983-29CA-804F-B0C2-861AD8815D43}" type="datetime2">
               <a:rPr lang="en-US" smtClean="0"/>
-              <a:t>Monday, September 8, 14</a:t>
+              <a:t>Tuesday, September 9, 14</a:t>
             </a:fld>
             <a:endParaRPr lang="en-US"/>
           </a:p>
@@ -10424,7 +10424,7 @@
           <a:p>
             <a:fld id="{49969878-E4FC-4B4F-8757-96654B5071D4}" type="datetime2">
               <a:rPr lang="en-US" smtClean="0"/>
-              <a:t>Monday, September 8, 14</a:t>
+              <a:t>Tuesday, September 9, 14</a:t>
             </a:fld>
             <a:endParaRPr lang="en-US" dirty="0"/>
           </a:p>
@@ -10818,7 +10818,7 @@
         <p:spPr/>
         <p:txBody>
           <a:bodyPr>
-            <a:normAutofit lnSpcReduction="10000"/>
+            <a:normAutofit/>
           </a:bodyPr>
           <a:lstStyle/>
           <a:p>
@@ -10936,7 +10936,7 @@
           <a:p>
             <a:fld id="{1B28481D-820C-BD47-8A20-F66B1E586D0A}" type="datetime2">
               <a:rPr lang="en-US" smtClean="0"/>
-              <a:t>Monday, September 8, 14</a:t>
+              <a:t>Tuesday, September 9, 14</a:t>
             </a:fld>
             <a:endParaRPr lang="en-US"/>
           </a:p>
@@ -11279,7 +11279,7 @@
           <a:p>
             <a:fld id="{6687E3A6-73AF-3C4A-BF08-3ECAB60FC972}" type="datetime2">
               <a:rPr lang="en-US" smtClean="0"/>
-              <a:t>Monday, September 8, 14</a:t>
+              <a:t>Tuesday, September 9, 14</a:t>
             </a:fld>
             <a:endParaRPr lang="en-US"/>
           </a:p>
@@ -11423,7 +11423,7 @@
           <a:p>
             <a:fld id="{16AB6445-942B-3D4F-9A75-1806446203C4}" type="datetime2">
               <a:rPr lang="en-US" smtClean="0"/>
-              <a:t>Monday, September 8, 14</a:t>
+              <a:t>Tuesday, September 9, 14</a:t>
             </a:fld>
             <a:endParaRPr lang="en-US"/>
           </a:p>
@@ -11710,7 +11710,7 @@
           <a:p>
             <a:fld id="{E2BEDE58-EB0D-8D49-81F3-C834FB63B2FF}" type="datetime2">
               <a:rPr lang="en-US" smtClean="0"/>
-              <a:t>Monday, September 8, 14</a:t>
+              <a:t>Tuesday, September 9, 14</a:t>
             </a:fld>
             <a:endParaRPr lang="en-US" dirty="0"/>
           </a:p>

--- a/tutorial-01-intro.pptx
+++ b/tutorial-01-intro.pptx
@@ -217,7 +217,7 @@
           <a:p>
             <a:fld id="{775CE290-E0F5-444C-B849-A8F17CD4104C}" type="datetimeFigureOut">
               <a:rPr lang="en-US" smtClean="0"/>
-              <a:t>9/9/14</a:t>
+              <a:t>9/10/14</a:t>
             </a:fld>
             <a:endParaRPr lang="en-US"/>
           </a:p>
@@ -383,7 +383,7 @@
           <a:p>
             <a:fld id="{AD53A24C-4135-094C-957B-35852E7EDFA4}" type="datetimeFigureOut">
               <a:rPr lang="en-US" smtClean="0"/>
-              <a:t>9/9/14</a:t>
+              <a:t>9/10/14</a:t>
             </a:fld>
             <a:endParaRPr lang="en-US"/>
           </a:p>
@@ -1036,7 +1036,7 @@
           <a:p>
             <a:fld id="{B594EA25-E4F4-3746-A0BA-A11E27330E0F}" type="datetime2">
               <a:rPr lang="en-US" smtClean="0"/>
-              <a:t>Tuesday, September 9, 14</a:t>
+              <a:t>Wednesday, September 10, 14</a:t>
             </a:fld>
             <a:endParaRPr lang="en-US"/>
           </a:p>
@@ -1339,7 +1339,7 @@
                 <a:latin typeface="Times New Roman"/>
                 <a:cs typeface="Times New Roman"/>
               </a:rPr>
-              <a:t>September 9, 2014</a:t>
+              <a:t>September 10, 2014</a:t>
             </a:fld>
             <a:endParaRPr lang="en-US" dirty="0">
               <a:latin typeface="Times New Roman"/>
@@ -1626,7 +1626,7 @@
           <a:p>
             <a:fld id="{EA699BF9-66CB-F244-8E74-7B1BE1C77046}" type="datetime2">
               <a:rPr lang="en-US" smtClean="0"/>
-              <a:t>Tuesday, September 9, 14</a:t>
+              <a:t>Wednesday, September 10, 14</a:t>
             </a:fld>
             <a:endParaRPr lang="en-US"/>
           </a:p>
@@ -1937,7 +1937,7 @@
           <a:p>
             <a:fld id="{D300BE84-9843-8B4F-B3C8-647B06AC46C9}" type="datetime2">
               <a:rPr lang="en-US" smtClean="0"/>
-              <a:t>Tuesday, September 9, 14</a:t>
+              <a:t>Wednesday, September 10, 14</a:t>
             </a:fld>
             <a:endParaRPr lang="en-US"/>
           </a:p>
@@ -2108,7 +2108,7 @@
           <a:p>
             <a:fld id="{C460AE39-2092-A945-8296-F25085B9A0F1}" type="datetime2">
               <a:rPr lang="en-US" smtClean="0"/>
-              <a:t>Tuesday, September 9, 14</a:t>
+              <a:t>Wednesday, September 10, 14</a:t>
             </a:fld>
             <a:endParaRPr lang="en-US"/>
           </a:p>
@@ -2289,7 +2289,7 @@
           <a:p>
             <a:fld id="{63BC7E9D-3218-5E49-A867-E087AB2F4618}" type="datetime2">
               <a:rPr lang="en-US" smtClean="0"/>
-              <a:t>Tuesday, September 9, 14</a:t>
+              <a:t>Wednesday, September 10, 14</a:t>
             </a:fld>
             <a:endParaRPr lang="en-US"/>
           </a:p>
@@ -2460,7 +2460,7 @@
           <a:p>
             <a:fld id="{34621E95-60A9-FF44-9869-513D9D7A859F}" type="datetime2">
               <a:rPr lang="en-US" smtClean="0"/>
-              <a:t>Tuesday, September 9, 14</a:t>
+              <a:t>Wednesday, September 10, 14</a:t>
             </a:fld>
             <a:endParaRPr lang="en-US"/>
           </a:p>
@@ -2579,7 +2579,7 @@
           <a:p>
             <a:fld id="{BD5AFB16-13FE-DF4A-8CB7-09756A57B2EA}" type="datetime2">
               <a:rPr lang="en-US" smtClean="0"/>
-              <a:t>Tuesday, September 9, 14</a:t>
+              <a:t>Wednesday, September 10, 14</a:t>
             </a:fld>
             <a:endParaRPr lang="en-US" dirty="0"/>
           </a:p>
@@ -3066,7 +3066,7 @@
           <a:p>
             <a:fld id="{1BDEC705-8EA9-6C46-8E3B-2CAC7E2C0F7D}" type="datetime2">
               <a:rPr lang="en-US" smtClean="0"/>
-              <a:t>Tuesday, September 9, 14</a:t>
+              <a:t>Wednesday, September 10, 14</a:t>
             </a:fld>
             <a:endParaRPr lang="en-US"/>
           </a:p>
@@ -3397,7 +3397,7 @@
           <a:p>
             <a:fld id="{BF613BD3-C5FD-9543-B738-679BF38D8C83}" type="datetime2">
               <a:rPr lang="en-US" smtClean="0"/>
-              <a:t>Tuesday, September 9, 14</a:t>
+              <a:t>Wednesday, September 10, 14</a:t>
             </a:fld>
             <a:endParaRPr lang="en-US" dirty="0"/>
           </a:p>
@@ -3876,7 +3876,7 @@
           <a:p>
             <a:fld id="{4B5E4F0C-9A9C-5448-99FD-D30288B385C9}" type="datetime2">
               <a:rPr lang="en-US" smtClean="0"/>
-              <a:t>Tuesday, September 9, 14</a:t>
+              <a:t>Wednesday, September 10, 14</a:t>
             </a:fld>
             <a:endParaRPr lang="en-US"/>
           </a:p>
@@ -4172,7 +4172,7 @@
           <a:p>
             <a:fld id="{30545249-FD76-6844-B252-CAB05FC2DAA8}" type="datetime2">
               <a:rPr lang="en-US" smtClean="0"/>
-              <a:t>Tuesday, September 9, 14</a:t>
+              <a:t>Wednesday, September 10, 14</a:t>
             </a:fld>
             <a:endParaRPr lang="en-US" dirty="0"/>
           </a:p>
@@ -4416,7 +4416,7 @@
           <a:p>
             <a:fld id="{CC859171-EEDD-0B48-A5C0-E7218AE20EA7}" type="datetime2">
               <a:rPr lang="en-US" smtClean="0"/>
-              <a:t>Tuesday, September 9, 14</a:t>
+              <a:t>Wednesday, September 10, 14</a:t>
             </a:fld>
             <a:endParaRPr lang="en-US"/>
           </a:p>
@@ -4512,7 +4512,7 @@
           <a:p>
             <a:fld id="{C32F9216-0342-7440-9504-BD6C1382BF27}" type="datetime2">
               <a:rPr lang="en-US" smtClean="0"/>
-              <a:t>Tuesday, September 9, 14</a:t>
+              <a:t>Wednesday, September 10, 14</a:t>
             </a:fld>
             <a:endParaRPr lang="en-US"/>
           </a:p>
@@ -4827,7 +4827,7 @@
           <a:p>
             <a:fld id="{D36DC8F2-AD63-E841-8C23-5DC3A41041BE}" type="datetime2">
               <a:rPr lang="en-US" smtClean="0"/>
-              <a:t>Tuesday, September 9, 14</a:t>
+              <a:t>Wednesday, September 10, 14</a:t>
             </a:fld>
             <a:endParaRPr lang="en-US" dirty="0"/>
           </a:p>
@@ -5369,8 +5369,8 @@
         </p:nvSpPr>
         <p:spPr>
           <a:xfrm>
-            <a:off x="457200" y="4099127"/>
-            <a:ext cx="8229600" cy="2279095"/>
+            <a:off x="261865" y="4099127"/>
+            <a:ext cx="8615360" cy="2279095"/>
           </a:xfrm>
         </p:spPr>
         <p:txBody>
@@ -6358,7 +6358,7 @@
           <a:p>
             <a:fld id="{EA95BFF1-5948-B24D-80C9-2DF4EAC42A4D}" type="datetime2">
               <a:rPr lang="en-US" smtClean="0"/>
-              <a:t>Tuesday, September 9, 14</a:t>
+              <a:t>Wednesday, September 10, 14</a:t>
             </a:fld>
             <a:endParaRPr lang="en-US"/>
           </a:p>
@@ -6490,8 +6490,8 @@
         </p:nvSpPr>
         <p:spPr>
           <a:xfrm>
-            <a:off x="457200" y="4099127"/>
-            <a:ext cx="8229600" cy="2279095"/>
+            <a:off x="261865" y="4099127"/>
+            <a:ext cx="8523758" cy="2279095"/>
           </a:xfrm>
         </p:spPr>
         <p:txBody>
@@ -7439,7 +7439,7 @@
           <a:p>
             <a:fld id="{CC865FA7-76E5-5C42-96A4-1F7331433C84}" type="datetime2">
               <a:rPr lang="en-US" smtClean="0"/>
-              <a:t>Tuesday, September 9, 14</a:t>
+              <a:t>Wednesday, September 10, 14</a:t>
             </a:fld>
             <a:endParaRPr lang="en-US"/>
           </a:p>
@@ -7566,8 +7566,8 @@
         </p:nvSpPr>
         <p:spPr>
           <a:xfrm>
-            <a:off x="457200" y="4418457"/>
-            <a:ext cx="8229600" cy="1959764"/>
+            <a:off x="261865" y="4418457"/>
+            <a:ext cx="8615360" cy="1959764"/>
           </a:xfrm>
         </p:spPr>
         <p:txBody>
@@ -7624,8 +7624,8 @@
         </p:blipFill>
         <p:spPr>
           <a:xfrm>
-            <a:off x="457200" y="1718128"/>
-            <a:ext cx="8272272" cy="1964871"/>
+            <a:off x="261864" y="1785678"/>
+            <a:ext cx="8692409" cy="2064664"/>
           </a:xfrm>
           <a:prstGeom prst="rect">
             <a:avLst/>
@@ -7649,7 +7649,7 @@
           <a:p>
             <a:fld id="{6859C538-CB0C-6042-B4CC-A78E872CA49F}" type="datetime2">
               <a:rPr lang="en-US" smtClean="0"/>
-              <a:t>Tuesday, September 9, 14</a:t>
+              <a:t>Wednesday, September 10, 14</a:t>
             </a:fld>
             <a:endParaRPr lang="en-US"/>
           </a:p>
@@ -7783,8 +7783,8 @@
         </p:nvSpPr>
         <p:spPr>
           <a:xfrm>
-            <a:off x="457200" y="4418457"/>
-            <a:ext cx="8229600" cy="1959764"/>
+            <a:off x="261865" y="4418457"/>
+            <a:ext cx="8615360" cy="1959764"/>
           </a:xfrm>
         </p:spPr>
         <p:txBody>
@@ -7853,8 +7853,8 @@
         </p:blipFill>
         <p:spPr>
           <a:xfrm>
-            <a:off x="490907" y="1663699"/>
-            <a:ext cx="8195893" cy="1946729"/>
+            <a:off x="261865" y="1798799"/>
+            <a:ext cx="8520699" cy="2023879"/>
           </a:xfrm>
           <a:prstGeom prst="rect">
             <a:avLst/>
@@ -7878,7 +7878,7 @@
           <a:p>
             <a:fld id="{88DDB4B2-2C7B-074B-B68B-552850FF2C7D}" type="datetime2">
               <a:rPr lang="en-US" smtClean="0"/>
-              <a:t>Tuesday, September 9, 14</a:t>
+              <a:t>Wednesday, September 10, 14</a:t>
             </a:fld>
             <a:endParaRPr lang="en-US"/>
           </a:p>
@@ -8034,7 +8034,7 @@
           <a:p>
             <a:fld id="{CA5E7B7B-D7FD-4D4E-90EF-E4394C25BA2F}" type="datetime2">
               <a:rPr lang="en-US" smtClean="0"/>
-              <a:t>Tuesday, September 9, 14</a:t>
+              <a:t>Wednesday, September 10, 14</a:t>
             </a:fld>
             <a:endParaRPr lang="en-US"/>
           </a:p>
@@ -8159,15 +8159,10 @@
             <p:ph sz="half" idx="1"/>
           </p:nvPr>
         </p:nvSpPr>
-        <p:spPr>
-          <a:xfrm>
-            <a:off x="457200" y="935846"/>
-            <a:ext cx="3798317" cy="5455810"/>
-          </a:xfrm>
-        </p:spPr>
+        <p:spPr/>
         <p:txBody>
           <a:bodyPr>
-            <a:normAutofit fontScale="92500"/>
+            <a:normAutofit/>
           </a:bodyPr>
           <a:lstStyle/>
           <a:p>
@@ -8219,15 +8214,15 @@
         </p:nvPicPr>
         <p:blipFill>
           <a:blip r:embed="rId2"/>
-          <a:srcRect t="-21222" b="-21222"/>
+          <a:srcRect t="-10335" b="-10335"/>
           <a:stretch>
             <a:fillRect/>
           </a:stretch>
         </p:blipFill>
         <p:spPr>
           <a:xfrm>
-            <a:off x="4255517" y="935846"/>
-            <a:ext cx="4431283" cy="5455810"/>
+            <a:off x="4376666" y="935846"/>
+            <a:ext cx="4767333" cy="5455810"/>
           </a:xfrm>
         </p:spPr>
       </p:pic>
@@ -8248,7 +8243,7 @@
           <a:p>
             <a:fld id="{4B8F5AE3-D499-5C4D-BB64-5FC5F114D78E}" type="datetime2">
               <a:rPr lang="en-US" smtClean="0"/>
-              <a:t>Tuesday, September 9, 14</a:t>
+              <a:t>Wednesday, September 10, 14</a:t>
             </a:fld>
             <a:endParaRPr lang="en-US" dirty="0"/>
           </a:p>
@@ -8444,8 +8439,8 @@
         </p:nvSpPr>
         <p:spPr>
           <a:xfrm>
-            <a:off x="457200" y="846082"/>
-            <a:ext cx="8229600" cy="3046854"/>
+            <a:off x="261865" y="846082"/>
+            <a:ext cx="8615360" cy="3046854"/>
           </a:xfrm>
         </p:spPr>
         <p:txBody>
@@ -8554,7 +8549,7 @@
           <a:p>
             <a:fld id="{8463968F-93A4-C84C-9FC0-6F1C4806BE33}" type="datetime2">
               <a:rPr lang="en-US" smtClean="0"/>
-              <a:t>Tuesday, September 9, 14</a:t>
+              <a:t>Wednesday, September 10, 14</a:t>
             </a:fld>
             <a:endParaRPr lang="en-US"/>
           </a:p>
@@ -8892,8 +8887,8 @@
         </p:nvSpPr>
         <p:spPr>
           <a:xfrm>
-            <a:off x="457200" y="846082"/>
-            <a:ext cx="8229600" cy="2177073"/>
+            <a:off x="261865" y="846082"/>
+            <a:ext cx="8615360" cy="2177073"/>
           </a:xfrm>
         </p:spPr>
         <p:txBody>
@@ -8984,7 +8979,7 @@
           <a:p>
             <a:fld id="{99D99C1C-6727-C344-B1D9-5F6CCC13E6A8}" type="datetime2">
               <a:rPr lang="en-US" smtClean="0"/>
-              <a:t>Tuesday, September 9, 14</a:t>
+              <a:t>Wednesday, September 10, 14</a:t>
             </a:fld>
             <a:endParaRPr lang="en-US"/>
           </a:p>
@@ -9334,7 +9329,7 @@
           <a:p>
             <a:fld id="{7EE0B537-EEC6-A84A-9C51-603D8E7685E9}" type="datetime2">
               <a:rPr lang="en-US" smtClean="0"/>
-              <a:t>Tuesday, September 9, 14</a:t>
+              <a:t>Wednesday, September 10, 14</a:t>
             </a:fld>
             <a:endParaRPr lang="en-US"/>
           </a:p>
@@ -9732,7 +9727,7 @@
           <a:p>
             <a:fld id="{36D5A094-9275-C84D-84D4-E4C2DFD8E1DF}" type="datetime2">
               <a:rPr lang="en-US" smtClean="0"/>
-              <a:t>Tuesday, September 9, 14</a:t>
+              <a:t>Wednesday, September 10, 14</a:t>
             </a:fld>
             <a:endParaRPr lang="en-US"/>
           </a:p>
@@ -10048,7 +10043,7 @@
           <a:p>
             <a:fld id="{231C4983-29CA-804F-B0C2-861AD8815D43}" type="datetime2">
               <a:rPr lang="en-US" smtClean="0"/>
-              <a:t>Tuesday, September 9, 14</a:t>
+              <a:t>Wednesday, September 10, 14</a:t>
             </a:fld>
             <a:endParaRPr lang="en-US"/>
           </a:p>
@@ -10424,7 +10419,7 @@
           <a:p>
             <a:fld id="{49969878-E4FC-4B4F-8757-96654B5071D4}" type="datetime2">
               <a:rPr lang="en-US" smtClean="0"/>
-              <a:t>Tuesday, September 9, 14</a:t>
+              <a:t>Wednesday, September 10, 14</a:t>
             </a:fld>
             <a:endParaRPr lang="en-US" dirty="0"/>
           </a:p>
@@ -10936,7 +10931,7 @@
           <a:p>
             <a:fld id="{1B28481D-820C-BD47-8A20-F66B1E586D0A}" type="datetime2">
               <a:rPr lang="en-US" smtClean="0"/>
-              <a:t>Tuesday, September 9, 14</a:t>
+              <a:t>Wednesday, September 10, 14</a:t>
             </a:fld>
             <a:endParaRPr lang="en-US"/>
           </a:p>
@@ -11279,7 +11274,7 @@
           <a:p>
             <a:fld id="{6687E3A6-73AF-3C4A-BF08-3ECAB60FC972}" type="datetime2">
               <a:rPr lang="en-US" smtClean="0"/>
-              <a:t>Tuesday, September 9, 14</a:t>
+              <a:t>Wednesday, September 10, 14</a:t>
             </a:fld>
             <a:endParaRPr lang="en-US"/>
           </a:p>
@@ -11423,7 +11418,7 @@
           <a:p>
             <a:fld id="{16AB6445-942B-3D4F-9A75-1806446203C4}" type="datetime2">
               <a:rPr lang="en-US" smtClean="0"/>
-              <a:t>Tuesday, September 9, 14</a:t>
+              <a:t>Wednesday, September 10, 14</a:t>
             </a:fld>
             <a:endParaRPr lang="en-US"/>
           </a:p>
@@ -11561,8 +11556,60 @@
         </p:nvSpPr>
         <p:spPr>
           <a:xfrm>
-            <a:off x="457200" y="935846"/>
-            <a:ext cx="8229600" cy="2125115"/>
+            <a:off x="261865" y="935846"/>
+            <a:ext cx="8615360" cy="2125115"/>
+          </a:xfrm>
+        </p:spPr>
+        <p:txBody>
+          <a:bodyPr>
+            <a:normAutofit fontScale="85000" lnSpcReduction="10000"/>
+          </a:bodyPr>
+          <a:lstStyle/>
+          <a:p>
+            <a:r>
+              <a:rPr lang="en-US" dirty="0"/>
+              <a:t>Objects encapsulate data</a:t>
+            </a:r>
+          </a:p>
+          <a:p>
+            <a:r>
+              <a:rPr lang="en-US" dirty="0"/>
+              <a:t>Methods represent functionality relevant to that data</a:t>
+            </a:r>
+          </a:p>
+          <a:p>
+            <a:r>
+              <a:rPr lang="en-US" dirty="0"/>
+              <a:t>Method invocations can modify / update state of the object / data </a:t>
+            </a:r>
+            <a:endParaRPr lang="en-US" dirty="0" smtClean="0"/>
+          </a:p>
+          <a:p>
+            <a:r>
+              <a:rPr lang="en-US" dirty="0" smtClean="0"/>
+              <a:t>Computation </a:t>
+            </a:r>
+            <a:r>
+              <a:rPr lang="en-US" dirty="0"/>
+              <a:t>can be expressed in terms of objects interacting via method invocations</a:t>
+            </a:r>
+          </a:p>
+        </p:txBody>
+      </p:sp>
+      <p:sp>
+        <p:nvSpPr>
+          <p:cNvPr id="4" name="Content Placeholder 3"/>
+          <p:cNvSpPr>
+            <a:spLocks noGrp="1"/>
+          </p:cNvSpPr>
+          <p:nvPr>
+            <p:ph sz="half" idx="2"/>
+          </p:nvPr>
+        </p:nvSpPr>
+        <p:spPr>
+          <a:xfrm>
+            <a:off x="261865" y="5224377"/>
+            <a:ext cx="8615360" cy="1191431"/>
           </a:xfrm>
         </p:spPr>
         <p:txBody>
@@ -11573,94 +11620,42 @@
           <a:p>
             <a:r>
               <a:rPr lang="en-US" dirty="0"/>
-              <a:t>Objects encapsulate data</a:t>
+              <a:t>Nothing new</a:t>
             </a:r>
           </a:p>
           <a:p>
             <a:r>
               <a:rPr lang="en-US" dirty="0"/>
-              <a:t>Methods represent functionality relevant to that data</a:t>
+              <a:t>Still quite uncommon in HPC code</a:t>
             </a:r>
           </a:p>
           <a:p>
             <a:r>
               <a:rPr lang="en-US" dirty="0"/>
-              <a:t>Method invocations can modify / update state of the object / data </a:t>
-            </a:r>
-            <a:endParaRPr lang="en-US" dirty="0" smtClean="0"/>
-          </a:p>
-          <a:p>
-            <a:r>
-              <a:rPr lang="en-US" dirty="0" smtClean="0"/>
-              <a:t>Computation </a:t>
-            </a:r>
-            <a:r>
-              <a:rPr lang="en-US" dirty="0"/>
-              <a:t>can be expressed in terms of objects interacting via method invocations</a:t>
-            </a:r>
-          </a:p>
-        </p:txBody>
-      </p:sp>
-      <p:sp>
-        <p:nvSpPr>
-          <p:cNvPr id="4" name="Content Placeholder 3"/>
-          <p:cNvSpPr>
-            <a:spLocks noGrp="1"/>
-          </p:cNvSpPr>
-          <p:nvPr>
-            <p:ph sz="half" idx="2"/>
+              <a:t>Its not about language syntax. Its about program structure</a:t>
+            </a:r>
+          </a:p>
+        </p:txBody>
+      </p:sp>
+      <p:sp>
+        <p:nvSpPr>
+          <p:cNvPr id="5" name="Content Placeholder 4"/>
+          <p:cNvSpPr>
+            <a:spLocks noGrp="1"/>
+          </p:cNvSpPr>
+          <p:nvPr>
+            <p:ph sz="quarter" idx="13"/>
           </p:nvPr>
         </p:nvSpPr>
         <p:spPr>
           <a:xfrm>
-            <a:off x="457200" y="5224377"/>
-            <a:ext cx="8229600" cy="1191431"/>
+            <a:off x="261865" y="3076489"/>
+            <a:ext cx="8615360" cy="1986590"/>
           </a:xfrm>
         </p:spPr>
         <p:txBody>
           <a:bodyPr>
-            <a:normAutofit fontScale="85000" lnSpcReduction="20000"/>
-          </a:bodyPr>
-          <a:lstStyle/>
-          <a:p>
-            <a:r>
-              <a:rPr lang="en-US" dirty="0"/>
-              <a:t>Nothing new</a:t>
-            </a:r>
-          </a:p>
-          <a:p>
-            <a:r>
-              <a:rPr lang="en-US" dirty="0"/>
-              <a:t>Still quite uncommon in HPC code</a:t>
-            </a:r>
-          </a:p>
-          <a:p>
-            <a:r>
-              <a:rPr lang="en-US" dirty="0"/>
-              <a:t>Its not about language syntax. Its about program structure</a:t>
-            </a:r>
-          </a:p>
-        </p:txBody>
-      </p:sp>
-      <p:sp>
-        <p:nvSpPr>
-          <p:cNvPr id="5" name="Content Placeholder 4"/>
-          <p:cNvSpPr>
-            <a:spLocks noGrp="1"/>
-          </p:cNvSpPr>
-          <p:nvPr>
-            <p:ph sz="quarter" idx="13"/>
-          </p:nvPr>
-        </p:nvSpPr>
-        <p:spPr>
-          <a:xfrm>
-            <a:off x="457200" y="3076489"/>
-            <a:ext cx="8229600" cy="1986590"/>
-          </a:xfrm>
-        </p:spPr>
-        <p:txBody>
-          <a:bodyPr>
-            <a:normAutofit lnSpcReduction="10000"/>
+            <a:normAutofit/>
           </a:bodyPr>
           <a:lstStyle/>
           <a:p>
@@ -11710,7 +11705,7 @@
           <a:p>
             <a:fld id="{E2BEDE58-EB0D-8D49-81F3-C834FB63B2FF}" type="datetime2">
               <a:rPr lang="en-US" smtClean="0"/>
-              <a:t>Tuesday, September 9, 14</a:t>
+              <a:t>Wednesday, September 10, 14</a:t>
             </a:fld>
             <a:endParaRPr lang="en-US" dirty="0"/>
           </a:p>

--- a/tutorial-01-intro.pptx
+++ b/tutorial-01-intro.pptx
@@ -9240,7 +9240,7 @@
         <p:spPr>
           <a:xfrm>
             <a:off x="243550" y="2750055"/>
-            <a:ext cx="8663424" cy="1384995"/>
+            <a:ext cx="8663424" cy="1061829"/>
           </a:xfrm>
           <a:prstGeom prst="rect">
             <a:avLst/>
@@ -9255,60 +9255,40 @@
             <a:pPr algn="ctr"/>
             <a:r>
               <a:rPr lang="en-US" sz="2100" dirty="0"/>
-              <a:t>Manual: http://</a:t>
-            </a:r>
-            <a:r>
-              <a:rPr lang="en-US" sz="2100" dirty="0" err="1"/>
-              <a:t>charm.cs.illinois.edu</a:t>
+              <a:t>Manual: </a:t>
+            </a:r>
+            <a:r>
+              <a:rPr lang="en-US" sz="2100" dirty="0" smtClean="0">
+                <a:hlinkClick r:id="rId2" tooltip="http://charm.cs.illinois.edu/manuals/html/charm++/manual.html"/>
+              </a:rPr>
+              <a:t>http://charm.cs.illinois.edu/manuals/html/charm++/manual.html</a:t>
+            </a:r>
+            <a:endParaRPr lang="en-US" sz="2100" dirty="0" smtClean="0"/>
+          </a:p>
+          <a:p>
+            <a:pPr algn="ctr"/>
+            <a:endParaRPr lang="en-US" sz="2100" dirty="0"/>
+          </a:p>
+          <a:p>
+            <a:pPr algn="ctr"/>
+            <a:r>
+              <a:rPr lang="en-US" sz="2100" dirty="0" smtClean="0"/>
+              <a:t>Installation</a:t>
             </a:r>
             <a:r>
               <a:rPr lang="en-US" sz="2100" dirty="0"/>
-              <a:t>/manuals/html/charm++/</a:t>
-            </a:r>
-            <a:r>
-              <a:rPr lang="en-US" sz="2100" dirty="0" err="1"/>
-              <a:t>manual.html</a:t>
+              <a:t>: </a:t>
+            </a:r>
+            <a:r>
+              <a:rPr lang="en-US" sz="2100" dirty="0">
+                <a:hlinkClick r:id="rId3"/>
+              </a:rPr>
+              <a:t>http://charm.cs.illinois.edu/manuals/html/charm++/A.html</a:t>
             </a:r>
             <a:r>
               <a:rPr lang="en-US" sz="2100" dirty="0"/>
               <a:t> </a:t>
             </a:r>
-            <a:endParaRPr lang="en-US" sz="2100" dirty="0" smtClean="0"/>
-          </a:p>
-          <a:p>
-            <a:pPr algn="ctr"/>
-            <a:endParaRPr lang="en-US" sz="2100" dirty="0"/>
-          </a:p>
-          <a:p>
-            <a:pPr algn="ctr"/>
-            <a:r>
-              <a:rPr lang="en-US" sz="2100" dirty="0" smtClean="0"/>
-              <a:t>Installation</a:t>
-            </a:r>
-            <a:r>
-              <a:rPr lang="en-US" sz="2100" dirty="0"/>
-              <a:t>: http://</a:t>
-            </a:r>
-            <a:r>
-              <a:rPr lang="en-US" sz="2100" dirty="0" err="1"/>
-              <a:t>charm.cs.illinois.edu</a:t>
-            </a:r>
-            <a:r>
-              <a:rPr lang="en-US" sz="2100" dirty="0"/>
-              <a:t>/manuals/html/charm++/</a:t>
-            </a:r>
-            <a:r>
-              <a:rPr lang="en-US" sz="2100" dirty="0" err="1"/>
-              <a:t>A.html</a:t>
-            </a:r>
-            <a:r>
-              <a:rPr lang="en-US" sz="2100" dirty="0"/>
-              <a:t> </a:t>
-            </a:r>
-          </a:p>
-          <a:p>
-            <a:pPr algn="ctr"/>
-            <a:endParaRPr lang="en-US" sz="2100" dirty="0"/>
           </a:p>
         </p:txBody>
       </p:sp>
@@ -11238,10 +11218,14 @@
             <a:endParaRPr lang="en-US" dirty="0"/>
           </a:p>
           <a:p>
-            <a:r>
-              <a:rPr lang="en-US" dirty="0"/>
+            <a:endParaRPr lang="en-US" dirty="0" smtClean="0"/>
+          </a:p>
+          <a:p>
+            <a:r>
+              <a:rPr lang="en-US" dirty="0" smtClean="0"/>
               <a:t>Library</a:t>
             </a:r>
+            <a:endParaRPr lang="en-US" dirty="0"/>
           </a:p>
           <a:p>
             <a:r>
@@ -11250,9 +11234,16 @@
             </a:r>
           </a:p>
           <a:p>
+            <a:endParaRPr lang="en-US" dirty="0" smtClean="0"/>
+          </a:p>
+          <a:p>
+            <a:r>
+              <a:rPr lang="en-US" dirty="0" smtClean="0"/>
+              <a:t>MPI </a:t>
+            </a:r>
             <a:r>
               <a:rPr lang="en-US" dirty="0"/>
-              <a:t>MPI does not directly support automated resource management (e.g. load balancing, fault tolerance, etc.)</a:t>
+              <a:t>does not directly support automated resource management (e.g. load balancing, fault tolerance, etc.)</a:t>
             </a:r>
           </a:p>
         </p:txBody>

--- a/tutorial-01-intro.pptx
+++ b/tutorial-01-intro.pptx
@@ -2,7 +2,7 @@
 <file path=ppt/presentation.xml><?xml version="1.0" encoding="utf-8"?>
 <p:presentation xmlns:a="http://schemas.openxmlformats.org/drawingml/2006/main" xmlns:r="http://schemas.openxmlformats.org/officeDocument/2006/relationships" xmlns:p="http://schemas.openxmlformats.org/presentationml/2006/main" showSpecialPlsOnTitleSld="0" saveSubsetFonts="1">
   <p:sldMasterIdLst>
-    <p:sldMasterId id="2147483960" r:id="rId1"/>
+    <p:sldMasterId id="2147483974" r:id="rId1"/>
   </p:sldMasterIdLst>
   <p:notesMasterIdLst>
     <p:notesMasterId r:id="rId19"/>
@@ -845,7 +845,7 @@
 </file>
 
 <file path=ppt/slideLayouts/slideLayout1.xml><?xml version="1.0" encoding="utf-8"?>
-<p:sldLayout xmlns:a="http://schemas.openxmlformats.org/drawingml/2006/main" xmlns:r="http://schemas.openxmlformats.org/officeDocument/2006/relationships" xmlns:p="http://schemas.openxmlformats.org/presentationml/2006/main" preserve="1" userDrawn="1">
+<p:sldLayout xmlns:a="http://schemas.openxmlformats.org/drawingml/2006/main" xmlns:r="http://schemas.openxmlformats.org/officeDocument/2006/relationships" xmlns:p="http://schemas.openxmlformats.org/presentationml/2006/main" preserve="1">
   <p:cSld name="Title Slide">
     <p:spTree>
       <p:nvGrpSpPr>
@@ -892,7 +892,7 @@
           </a:lstStyle>
           <a:p>
             <a:r>
-              <a:rPr lang="en-US" dirty="0" smtClean="0"/>
+              <a:rPr lang="en-US" smtClean="0"/>
               <a:t>Click to edit Master title style</a:t>
             </a:r>
             <a:endParaRPr lang="en-US" dirty="0"/>
@@ -1012,7 +1012,7 @@
           </a:lstStyle>
           <a:p>
             <a:r>
-              <a:rPr lang="en-US" dirty="0" smtClean="0"/>
+              <a:rPr lang="en-US" smtClean="0"/>
               <a:t>Click to edit Master subtitle style</a:t>
             </a:r>
             <a:endParaRPr lang="en-US" dirty="0"/>
@@ -1131,7 +1131,7 @@
           <p:cNvSpPr txBox="1">
             <a:spLocks/>
           </p:cNvSpPr>
-          <p:nvPr userDrawn="1"/>
+          <p:nvPr/>
         </p:nvSpPr>
         <p:spPr>
           <a:xfrm>
@@ -1393,10 +1393,232 @@
           <a:p>
             <a:pPr lvl="0"/>
             <a:r>
-              <a:rPr lang="en-US" dirty="0" smtClean="0"/>
+              <a:rPr lang="en-US" smtClean="0"/>
               <a:t>Click to edit Master text styles</a:t>
             </a:r>
-            <a:endParaRPr lang="en-US" dirty="0"/>
+          </a:p>
+        </p:txBody>
+      </p:sp>
+      <p:sp>
+        <p:nvSpPr>
+          <p:cNvPr id="11" name="Subtitle 2"/>
+          <p:cNvSpPr txBox="1">
+            <a:spLocks/>
+          </p:cNvSpPr>
+          <p:nvPr userDrawn="1"/>
+        </p:nvSpPr>
+        <p:spPr>
+          <a:xfrm>
+            <a:off x="1404926" y="4774277"/>
+            <a:ext cx="6400800" cy="700402"/>
+          </a:xfrm>
+          <a:prstGeom prst="rect">
+            <a:avLst/>
+          </a:prstGeom>
+        </p:spPr>
+        <p:txBody>
+          <a:bodyPr vert="horz" lIns="91440" tIns="45720" rIns="91440" bIns="45720" rtlCol="0">
+            <a:normAutofit/>
+          </a:bodyPr>
+          <a:lstStyle>
+            <a:lvl1pPr marL="0" indent="0" algn="ctr" defTabSz="914400" rtl="0" eaLnBrk="1" latinLnBrk="0" hangingPunct="1">
+              <a:spcBef>
+                <a:spcPct val="20000"/>
+              </a:spcBef>
+              <a:buClr>
+                <a:schemeClr val="accent1"/>
+              </a:buClr>
+              <a:buSzPct val="85000"/>
+              <a:buFont typeface="Arial" pitchFamily="34" charset="0"/>
+              <a:buNone/>
+              <a:defRPr sz="2400" kern="1200">
+                <a:solidFill>
+                  <a:schemeClr val="tx1">
+                    <a:lumMod val="75000"/>
+                    <a:lumOff val="25000"/>
+                  </a:schemeClr>
+                </a:solidFill>
+                <a:latin typeface="+mn-lt"/>
+                <a:ea typeface="+mn-ea"/>
+                <a:cs typeface="+mn-cs"/>
+              </a:defRPr>
+            </a:lvl1pPr>
+            <a:lvl2pPr marL="457200" indent="0" algn="ctr" defTabSz="914400" rtl="0" eaLnBrk="1" latinLnBrk="0" hangingPunct="1">
+              <a:spcBef>
+                <a:spcPct val="20000"/>
+              </a:spcBef>
+              <a:buClr>
+                <a:schemeClr val="accent1"/>
+              </a:buClr>
+              <a:buSzPct val="85000"/>
+              <a:buFont typeface="Arial" pitchFamily="34" charset="0"/>
+              <a:buNone/>
+              <a:defRPr sz="2000" kern="1200">
+                <a:solidFill>
+                  <a:schemeClr val="tx1">
+                    <a:tint val="75000"/>
+                  </a:schemeClr>
+                </a:solidFill>
+                <a:latin typeface="+mn-lt"/>
+                <a:ea typeface="+mn-ea"/>
+                <a:cs typeface="+mn-cs"/>
+              </a:defRPr>
+            </a:lvl2pPr>
+            <a:lvl3pPr marL="914400" indent="0" algn="ctr" defTabSz="914400" rtl="0" eaLnBrk="1" latinLnBrk="0" hangingPunct="1">
+              <a:spcBef>
+                <a:spcPct val="20000"/>
+              </a:spcBef>
+              <a:buClr>
+                <a:schemeClr val="accent1"/>
+              </a:buClr>
+              <a:buSzPct val="90000"/>
+              <a:buFont typeface="Arial" pitchFamily="34" charset="0"/>
+              <a:buNone/>
+              <a:defRPr sz="1800" kern="1200">
+                <a:solidFill>
+                  <a:schemeClr val="tx1">
+                    <a:tint val="75000"/>
+                  </a:schemeClr>
+                </a:solidFill>
+                <a:latin typeface="+mn-lt"/>
+                <a:ea typeface="+mn-ea"/>
+                <a:cs typeface="+mn-cs"/>
+              </a:defRPr>
+            </a:lvl3pPr>
+            <a:lvl4pPr marL="1371600" indent="0" algn="ctr" defTabSz="914400" rtl="0" eaLnBrk="1" latinLnBrk="0" hangingPunct="1">
+              <a:spcBef>
+                <a:spcPct val="20000"/>
+              </a:spcBef>
+              <a:buClr>
+                <a:schemeClr val="accent1"/>
+              </a:buClr>
+              <a:buFont typeface="Arial" pitchFamily="34" charset="0"/>
+              <a:buNone/>
+              <a:defRPr sz="1600" kern="1200">
+                <a:solidFill>
+                  <a:schemeClr val="tx1">
+                    <a:tint val="75000"/>
+                  </a:schemeClr>
+                </a:solidFill>
+                <a:latin typeface="+mn-lt"/>
+                <a:ea typeface="+mn-ea"/>
+                <a:cs typeface="+mn-cs"/>
+              </a:defRPr>
+            </a:lvl4pPr>
+            <a:lvl5pPr marL="1828800" indent="0" algn="ctr" defTabSz="914400" rtl="0" eaLnBrk="1" latinLnBrk="0" hangingPunct="1">
+              <a:spcBef>
+                <a:spcPct val="20000"/>
+              </a:spcBef>
+              <a:buClr>
+                <a:schemeClr val="accent1"/>
+              </a:buClr>
+              <a:buSzPct val="100000"/>
+              <a:buFont typeface="Arial" pitchFamily="34" charset="0"/>
+              <a:buNone/>
+              <a:defRPr sz="1400" kern="1200" baseline="0">
+                <a:solidFill>
+                  <a:schemeClr val="tx1">
+                    <a:tint val="75000"/>
+                  </a:schemeClr>
+                </a:solidFill>
+                <a:latin typeface="+mn-lt"/>
+                <a:ea typeface="+mn-ea"/>
+                <a:cs typeface="+mn-cs"/>
+              </a:defRPr>
+            </a:lvl5pPr>
+            <a:lvl6pPr marL="2286000" indent="0" algn="ctr" defTabSz="914400" rtl="0" eaLnBrk="1" latinLnBrk="0" hangingPunct="1">
+              <a:spcBef>
+                <a:spcPct val="20000"/>
+              </a:spcBef>
+              <a:buClr>
+                <a:schemeClr val="accent1"/>
+              </a:buClr>
+              <a:buFont typeface="Arial" pitchFamily="34" charset="0"/>
+              <a:buNone/>
+              <a:defRPr sz="1300" kern="1200">
+                <a:solidFill>
+                  <a:schemeClr val="tx1">
+                    <a:tint val="75000"/>
+                  </a:schemeClr>
+                </a:solidFill>
+                <a:latin typeface="+mn-lt"/>
+                <a:ea typeface="+mn-ea"/>
+                <a:cs typeface="+mn-cs"/>
+              </a:defRPr>
+            </a:lvl6pPr>
+            <a:lvl7pPr marL="2743200" indent="0" algn="ctr" defTabSz="914400" rtl="0" eaLnBrk="1" latinLnBrk="0" hangingPunct="1">
+              <a:spcBef>
+                <a:spcPct val="20000"/>
+              </a:spcBef>
+              <a:buClr>
+                <a:schemeClr val="accent1"/>
+              </a:buClr>
+              <a:buFont typeface="Arial" pitchFamily="34" charset="0"/>
+              <a:buNone/>
+              <a:defRPr sz="1300" kern="1200">
+                <a:solidFill>
+                  <a:schemeClr val="tx1">
+                    <a:tint val="75000"/>
+                  </a:schemeClr>
+                </a:solidFill>
+                <a:latin typeface="+mn-lt"/>
+                <a:ea typeface="+mn-ea"/>
+                <a:cs typeface="+mn-cs"/>
+              </a:defRPr>
+            </a:lvl7pPr>
+            <a:lvl8pPr marL="3200400" indent="0" algn="ctr" defTabSz="914400" rtl="0" eaLnBrk="1" latinLnBrk="0" hangingPunct="1">
+              <a:spcBef>
+                <a:spcPct val="20000"/>
+              </a:spcBef>
+              <a:buClr>
+                <a:schemeClr val="accent1"/>
+              </a:buClr>
+              <a:buFont typeface="Arial" pitchFamily="34" charset="0"/>
+              <a:buNone/>
+              <a:defRPr sz="1300" kern="1200">
+                <a:solidFill>
+                  <a:schemeClr val="tx1">
+                    <a:tint val="75000"/>
+                  </a:schemeClr>
+                </a:solidFill>
+                <a:latin typeface="+mn-lt"/>
+                <a:ea typeface="+mn-ea"/>
+                <a:cs typeface="+mn-cs"/>
+              </a:defRPr>
+            </a:lvl8pPr>
+            <a:lvl9pPr marL="3657600" indent="0" algn="ctr" defTabSz="914400" rtl="0" eaLnBrk="1" latinLnBrk="0" hangingPunct="1">
+              <a:spcBef>
+                <a:spcPct val="20000"/>
+              </a:spcBef>
+              <a:buClr>
+                <a:schemeClr val="accent1"/>
+              </a:buClr>
+              <a:buFont typeface="Arial" pitchFamily="34" charset="0"/>
+              <a:buNone/>
+              <a:defRPr sz="1300" kern="1200">
+                <a:solidFill>
+                  <a:schemeClr val="tx1">
+                    <a:tint val="75000"/>
+                  </a:schemeClr>
+                </a:solidFill>
+                <a:latin typeface="+mn-lt"/>
+                <a:ea typeface="+mn-ea"/>
+                <a:cs typeface="+mn-cs"/>
+              </a:defRPr>
+            </a:lvl9pPr>
+          </a:lstStyle>
+          <a:p>
+            <a:fld id="{B07CD00D-ECE2-B341-910C-3E5E7B4740E6}" type="datetime4">
+              <a:rPr lang="en-US" smtClean="0">
+                <a:latin typeface="Times New Roman"/>
+                <a:cs typeface="Times New Roman"/>
+              </a:rPr>
+              <a:t>September 10, 2014</a:t>
+            </a:fld>
+            <a:endParaRPr lang="en-US" dirty="0">
+              <a:latin typeface="Times New Roman"/>
+              <a:cs typeface="Times New Roman"/>
+            </a:endParaRPr>
           </a:p>
         </p:txBody>
       </p:sp>
@@ -2351,6 +2573,1343 @@
 </p:sldLayout>
 </file>
 
+<file path=ppt/slideLayouts/slideLayout14.xml><?xml version="1.0" encoding="utf-8"?>
+<p:sldLayout xmlns:a="http://schemas.openxmlformats.org/drawingml/2006/main" xmlns:r="http://schemas.openxmlformats.org/officeDocument/2006/relationships" xmlns:p="http://schemas.openxmlformats.org/presentationml/2006/main" preserve="1" userDrawn="1">
+  <p:cSld name="1_Title Slide">
+    <p:spTree>
+      <p:nvGrpSpPr>
+        <p:cNvPr id="1" name=""/>
+        <p:cNvGrpSpPr/>
+        <p:nvPr/>
+      </p:nvGrpSpPr>
+      <p:grpSpPr>
+        <a:xfrm>
+          <a:off x="0" y="0"/>
+          <a:ext cx="0" cy="0"/>
+          <a:chOff x="0" y="0"/>
+          <a:chExt cx="0" cy="0"/>
+        </a:xfrm>
+      </p:grpSpPr>
+      <p:sp>
+        <p:nvSpPr>
+          <p:cNvPr id="2" name="Title 1"/>
+          <p:cNvSpPr>
+            <a:spLocks noGrp="1"/>
+          </p:cNvSpPr>
+          <p:nvPr>
+            <p:ph type="ctrTitle"/>
+          </p:nvPr>
+        </p:nvSpPr>
+        <p:spPr>
+          <a:xfrm>
+            <a:off x="107103" y="1734127"/>
+            <a:ext cx="8904929" cy="698493"/>
+          </a:xfrm>
+        </p:spPr>
+        <p:txBody>
+          <a:bodyPr anchor="b">
+            <a:normAutofit/>
+          </a:bodyPr>
+          <a:lstStyle>
+            <a:lvl1pPr algn="ctr">
+              <a:defRPr sz="4400" cap="small" baseline="0">
+                <a:solidFill>
+                  <a:schemeClr val="tx2"/>
+                </a:solidFill>
+              </a:defRPr>
+            </a:lvl1pPr>
+          </a:lstStyle>
+          <a:p>
+            <a:r>
+              <a:rPr lang="en-US" dirty="0" smtClean="0"/>
+              <a:t>Click to edit Master title style</a:t>
+            </a:r>
+            <a:endParaRPr lang="en-US" dirty="0"/>
+          </a:p>
+        </p:txBody>
+      </p:sp>
+      <p:sp>
+        <p:nvSpPr>
+          <p:cNvPr id="3" name="Subtitle 2"/>
+          <p:cNvSpPr>
+            <a:spLocks noGrp="1"/>
+          </p:cNvSpPr>
+          <p:nvPr>
+            <p:ph type="subTitle" idx="1"/>
+          </p:nvPr>
+        </p:nvSpPr>
+        <p:spPr>
+          <a:xfrm>
+            <a:off x="1404926" y="2849782"/>
+            <a:ext cx="6400800" cy="700402"/>
+          </a:xfrm>
+        </p:spPr>
+        <p:txBody>
+          <a:bodyPr/>
+          <a:lstStyle>
+            <a:lvl1pPr marL="0" indent="0" algn="ctr">
+              <a:buNone/>
+              <a:defRPr>
+                <a:solidFill>
+                  <a:schemeClr val="tx1">
+                    <a:lumMod val="75000"/>
+                    <a:lumOff val="25000"/>
+                  </a:schemeClr>
+                </a:solidFill>
+              </a:defRPr>
+            </a:lvl1pPr>
+            <a:lvl2pPr marL="457200" indent="0" algn="ctr">
+              <a:buNone/>
+              <a:defRPr>
+                <a:solidFill>
+                  <a:schemeClr val="tx1">
+                    <a:tint val="75000"/>
+                  </a:schemeClr>
+                </a:solidFill>
+              </a:defRPr>
+            </a:lvl2pPr>
+            <a:lvl3pPr marL="914400" indent="0" algn="ctr">
+              <a:buNone/>
+              <a:defRPr>
+                <a:solidFill>
+                  <a:schemeClr val="tx1">
+                    <a:tint val="75000"/>
+                  </a:schemeClr>
+                </a:solidFill>
+              </a:defRPr>
+            </a:lvl3pPr>
+            <a:lvl4pPr marL="1371600" indent="0" algn="ctr">
+              <a:buNone/>
+              <a:defRPr>
+                <a:solidFill>
+                  <a:schemeClr val="tx1">
+                    <a:tint val="75000"/>
+                  </a:schemeClr>
+                </a:solidFill>
+              </a:defRPr>
+            </a:lvl4pPr>
+            <a:lvl5pPr marL="1828800" indent="0" algn="ctr">
+              <a:buNone/>
+              <a:defRPr>
+                <a:solidFill>
+                  <a:schemeClr val="tx1">
+                    <a:tint val="75000"/>
+                  </a:schemeClr>
+                </a:solidFill>
+              </a:defRPr>
+            </a:lvl5pPr>
+            <a:lvl6pPr marL="2286000" indent="0" algn="ctr">
+              <a:buNone/>
+              <a:defRPr>
+                <a:solidFill>
+                  <a:schemeClr val="tx1">
+                    <a:tint val="75000"/>
+                  </a:schemeClr>
+                </a:solidFill>
+              </a:defRPr>
+            </a:lvl6pPr>
+            <a:lvl7pPr marL="2743200" indent="0" algn="ctr">
+              <a:buNone/>
+              <a:defRPr>
+                <a:solidFill>
+                  <a:schemeClr val="tx1">
+                    <a:tint val="75000"/>
+                  </a:schemeClr>
+                </a:solidFill>
+              </a:defRPr>
+            </a:lvl7pPr>
+            <a:lvl8pPr marL="3200400" indent="0" algn="ctr">
+              <a:buNone/>
+              <a:defRPr>
+                <a:solidFill>
+                  <a:schemeClr val="tx1">
+                    <a:tint val="75000"/>
+                  </a:schemeClr>
+                </a:solidFill>
+              </a:defRPr>
+            </a:lvl8pPr>
+            <a:lvl9pPr marL="3657600" indent="0" algn="ctr">
+              <a:buNone/>
+              <a:defRPr>
+                <a:solidFill>
+                  <a:schemeClr val="tx1">
+                    <a:tint val="75000"/>
+                  </a:schemeClr>
+                </a:solidFill>
+              </a:defRPr>
+            </a:lvl9pPr>
+          </a:lstStyle>
+          <a:p>
+            <a:r>
+              <a:rPr lang="en-US" dirty="0" smtClean="0"/>
+              <a:t>Click to edit Master subtitle style</a:t>
+            </a:r>
+            <a:endParaRPr lang="en-US" dirty="0"/>
+          </a:p>
+        </p:txBody>
+      </p:sp>
+      <p:sp>
+        <p:nvSpPr>
+          <p:cNvPr id="4" name="Date Placeholder 3"/>
+          <p:cNvSpPr>
+            <a:spLocks noGrp="1"/>
+          </p:cNvSpPr>
+          <p:nvPr>
+            <p:ph type="dt" sz="half" idx="10"/>
+          </p:nvPr>
+        </p:nvSpPr>
+        <p:spPr/>
+        <p:txBody>
+          <a:bodyPr/>
+          <a:lstStyle/>
+          <a:p>
+            <a:fld id="{B594EA25-E4F4-3746-A0BA-A11E27330E0F}" type="datetime2">
+              <a:rPr lang="en-US" smtClean="0"/>
+              <a:t>Wednesday, September 10, 14</a:t>
+            </a:fld>
+            <a:endParaRPr lang="en-US"/>
+          </a:p>
+        </p:txBody>
+      </p:sp>
+      <p:sp>
+        <p:nvSpPr>
+          <p:cNvPr id="5" name="Footer Placeholder 4"/>
+          <p:cNvSpPr>
+            <a:spLocks noGrp="1"/>
+          </p:cNvSpPr>
+          <p:nvPr>
+            <p:ph type="ftr" sz="quarter" idx="11"/>
+          </p:nvPr>
+        </p:nvSpPr>
+        <p:spPr/>
+        <p:txBody>
+          <a:bodyPr/>
+          <a:lstStyle/>
+          <a:p>
+            <a:pPr algn="r"/>
+            <a:r>
+              <a:rPr lang="en-US" smtClean="0"/>
+              <a:t>Sanjay Kalé and PPL (UIUC) – Parallel Migratable Objects </a:t>
+            </a:r>
+            <a:endParaRPr lang="en-US" dirty="0"/>
+          </a:p>
+        </p:txBody>
+      </p:sp>
+      <p:sp>
+        <p:nvSpPr>
+          <p:cNvPr id="6" name="Slide Number Placeholder 5"/>
+          <p:cNvSpPr>
+            <a:spLocks noGrp="1"/>
+          </p:cNvSpPr>
+          <p:nvPr>
+            <p:ph type="sldNum" sz="quarter" idx="12"/>
+          </p:nvPr>
+        </p:nvSpPr>
+        <p:spPr/>
+        <p:txBody>
+          <a:bodyPr/>
+          <a:lstStyle/>
+          <a:p>
+            <a:fld id="{0CFEC368-1D7A-4F81-ABF6-AE0E36BAF64C}" type="slidenum">
+              <a:rPr lang="en-US" smtClean="0"/>
+              <a:pPr/>
+              <a:t>‹#›</a:t>
+            </a:fld>
+            <a:endParaRPr lang="en-US"/>
+          </a:p>
+        </p:txBody>
+      </p:sp>
+      <p:cxnSp>
+        <p:nvCxnSpPr>
+          <p:cNvPr id="8" name="Straight Connector 7"/>
+          <p:cNvCxnSpPr/>
+          <p:nvPr/>
+        </p:nvCxnSpPr>
+        <p:spPr>
+          <a:xfrm>
+            <a:off x="685800" y="2444811"/>
+            <a:ext cx="7848600" cy="1588"/>
+          </a:xfrm>
+          <a:prstGeom prst="line">
+            <a:avLst/>
+          </a:prstGeom>
+          <a:ln w="19050">
+            <a:solidFill>
+              <a:schemeClr val="tx2"/>
+            </a:solidFill>
+          </a:ln>
+        </p:spPr>
+        <p:style>
+          <a:lnRef idx="1">
+            <a:schemeClr val="accent1"/>
+          </a:lnRef>
+          <a:fillRef idx="0">
+            <a:schemeClr val="accent1"/>
+          </a:fillRef>
+          <a:effectRef idx="0">
+            <a:schemeClr val="accent1"/>
+          </a:effectRef>
+          <a:fontRef idx="minor">
+            <a:schemeClr val="tx1"/>
+          </a:fontRef>
+        </p:style>
+      </p:cxnSp>
+      <p:sp>
+        <p:nvSpPr>
+          <p:cNvPr id="10" name="Subtitle 2"/>
+          <p:cNvSpPr txBox="1">
+            <a:spLocks/>
+          </p:cNvSpPr>
+          <p:nvPr userDrawn="1"/>
+        </p:nvSpPr>
+        <p:spPr>
+          <a:xfrm>
+            <a:off x="1404926" y="4774277"/>
+            <a:ext cx="6400800" cy="700402"/>
+          </a:xfrm>
+          <a:prstGeom prst="rect">
+            <a:avLst/>
+          </a:prstGeom>
+        </p:spPr>
+        <p:txBody>
+          <a:bodyPr vert="horz" lIns="91440" tIns="45720" rIns="91440" bIns="45720" rtlCol="0">
+            <a:normAutofit/>
+          </a:bodyPr>
+          <a:lstStyle>
+            <a:lvl1pPr marL="0" indent="0" algn="ctr" defTabSz="914400" rtl="0" eaLnBrk="1" latinLnBrk="0" hangingPunct="1">
+              <a:spcBef>
+                <a:spcPct val="20000"/>
+              </a:spcBef>
+              <a:buClr>
+                <a:schemeClr val="accent1"/>
+              </a:buClr>
+              <a:buSzPct val="85000"/>
+              <a:buFont typeface="Arial" pitchFamily="34" charset="0"/>
+              <a:buNone/>
+              <a:defRPr sz="2400" kern="1200">
+                <a:solidFill>
+                  <a:schemeClr val="tx1">
+                    <a:lumMod val="75000"/>
+                    <a:lumOff val="25000"/>
+                  </a:schemeClr>
+                </a:solidFill>
+                <a:latin typeface="+mn-lt"/>
+                <a:ea typeface="+mn-ea"/>
+                <a:cs typeface="+mn-cs"/>
+              </a:defRPr>
+            </a:lvl1pPr>
+            <a:lvl2pPr marL="457200" indent="0" algn="ctr" defTabSz="914400" rtl="0" eaLnBrk="1" latinLnBrk="0" hangingPunct="1">
+              <a:spcBef>
+                <a:spcPct val="20000"/>
+              </a:spcBef>
+              <a:buClr>
+                <a:schemeClr val="accent1"/>
+              </a:buClr>
+              <a:buSzPct val="85000"/>
+              <a:buFont typeface="Arial" pitchFamily="34" charset="0"/>
+              <a:buNone/>
+              <a:defRPr sz="2000" kern="1200">
+                <a:solidFill>
+                  <a:schemeClr val="tx1">
+                    <a:tint val="75000"/>
+                  </a:schemeClr>
+                </a:solidFill>
+                <a:latin typeface="+mn-lt"/>
+                <a:ea typeface="+mn-ea"/>
+                <a:cs typeface="+mn-cs"/>
+              </a:defRPr>
+            </a:lvl2pPr>
+            <a:lvl3pPr marL="914400" indent="0" algn="ctr" defTabSz="914400" rtl="0" eaLnBrk="1" latinLnBrk="0" hangingPunct="1">
+              <a:spcBef>
+                <a:spcPct val="20000"/>
+              </a:spcBef>
+              <a:buClr>
+                <a:schemeClr val="accent1"/>
+              </a:buClr>
+              <a:buSzPct val="90000"/>
+              <a:buFont typeface="Arial" pitchFamily="34" charset="0"/>
+              <a:buNone/>
+              <a:defRPr sz="1800" kern="1200">
+                <a:solidFill>
+                  <a:schemeClr val="tx1">
+                    <a:tint val="75000"/>
+                  </a:schemeClr>
+                </a:solidFill>
+                <a:latin typeface="+mn-lt"/>
+                <a:ea typeface="+mn-ea"/>
+                <a:cs typeface="+mn-cs"/>
+              </a:defRPr>
+            </a:lvl3pPr>
+            <a:lvl4pPr marL="1371600" indent="0" algn="ctr" defTabSz="914400" rtl="0" eaLnBrk="1" latinLnBrk="0" hangingPunct="1">
+              <a:spcBef>
+                <a:spcPct val="20000"/>
+              </a:spcBef>
+              <a:buClr>
+                <a:schemeClr val="accent1"/>
+              </a:buClr>
+              <a:buFont typeface="Arial" pitchFamily="34" charset="0"/>
+              <a:buNone/>
+              <a:defRPr sz="1600" kern="1200">
+                <a:solidFill>
+                  <a:schemeClr val="tx1">
+                    <a:tint val="75000"/>
+                  </a:schemeClr>
+                </a:solidFill>
+                <a:latin typeface="+mn-lt"/>
+                <a:ea typeface="+mn-ea"/>
+                <a:cs typeface="+mn-cs"/>
+              </a:defRPr>
+            </a:lvl4pPr>
+            <a:lvl5pPr marL="1828800" indent="0" algn="ctr" defTabSz="914400" rtl="0" eaLnBrk="1" latinLnBrk="0" hangingPunct="1">
+              <a:spcBef>
+                <a:spcPct val="20000"/>
+              </a:spcBef>
+              <a:buClr>
+                <a:schemeClr val="accent1"/>
+              </a:buClr>
+              <a:buSzPct val="100000"/>
+              <a:buFont typeface="Arial" pitchFamily="34" charset="0"/>
+              <a:buNone/>
+              <a:defRPr sz="1400" kern="1200" baseline="0">
+                <a:solidFill>
+                  <a:schemeClr val="tx1">
+                    <a:tint val="75000"/>
+                  </a:schemeClr>
+                </a:solidFill>
+                <a:latin typeface="+mn-lt"/>
+                <a:ea typeface="+mn-ea"/>
+                <a:cs typeface="+mn-cs"/>
+              </a:defRPr>
+            </a:lvl5pPr>
+            <a:lvl6pPr marL="2286000" indent="0" algn="ctr" defTabSz="914400" rtl="0" eaLnBrk="1" latinLnBrk="0" hangingPunct="1">
+              <a:spcBef>
+                <a:spcPct val="20000"/>
+              </a:spcBef>
+              <a:buClr>
+                <a:schemeClr val="accent1"/>
+              </a:buClr>
+              <a:buFont typeface="Arial" pitchFamily="34" charset="0"/>
+              <a:buNone/>
+              <a:defRPr sz="1300" kern="1200">
+                <a:solidFill>
+                  <a:schemeClr val="tx1">
+                    <a:tint val="75000"/>
+                  </a:schemeClr>
+                </a:solidFill>
+                <a:latin typeface="+mn-lt"/>
+                <a:ea typeface="+mn-ea"/>
+                <a:cs typeface="+mn-cs"/>
+              </a:defRPr>
+            </a:lvl6pPr>
+            <a:lvl7pPr marL="2743200" indent="0" algn="ctr" defTabSz="914400" rtl="0" eaLnBrk="1" latinLnBrk="0" hangingPunct="1">
+              <a:spcBef>
+                <a:spcPct val="20000"/>
+              </a:spcBef>
+              <a:buClr>
+                <a:schemeClr val="accent1"/>
+              </a:buClr>
+              <a:buFont typeface="Arial" pitchFamily="34" charset="0"/>
+              <a:buNone/>
+              <a:defRPr sz="1300" kern="1200">
+                <a:solidFill>
+                  <a:schemeClr val="tx1">
+                    <a:tint val="75000"/>
+                  </a:schemeClr>
+                </a:solidFill>
+                <a:latin typeface="+mn-lt"/>
+                <a:ea typeface="+mn-ea"/>
+                <a:cs typeface="+mn-cs"/>
+              </a:defRPr>
+            </a:lvl7pPr>
+            <a:lvl8pPr marL="3200400" indent="0" algn="ctr" defTabSz="914400" rtl="0" eaLnBrk="1" latinLnBrk="0" hangingPunct="1">
+              <a:spcBef>
+                <a:spcPct val="20000"/>
+              </a:spcBef>
+              <a:buClr>
+                <a:schemeClr val="accent1"/>
+              </a:buClr>
+              <a:buFont typeface="Arial" pitchFamily="34" charset="0"/>
+              <a:buNone/>
+              <a:defRPr sz="1300" kern="1200">
+                <a:solidFill>
+                  <a:schemeClr val="tx1">
+                    <a:tint val="75000"/>
+                  </a:schemeClr>
+                </a:solidFill>
+                <a:latin typeface="+mn-lt"/>
+                <a:ea typeface="+mn-ea"/>
+                <a:cs typeface="+mn-cs"/>
+              </a:defRPr>
+            </a:lvl8pPr>
+            <a:lvl9pPr marL="3657600" indent="0" algn="ctr" defTabSz="914400" rtl="0" eaLnBrk="1" latinLnBrk="0" hangingPunct="1">
+              <a:spcBef>
+                <a:spcPct val="20000"/>
+              </a:spcBef>
+              <a:buClr>
+                <a:schemeClr val="accent1"/>
+              </a:buClr>
+              <a:buFont typeface="Arial" pitchFamily="34" charset="0"/>
+              <a:buNone/>
+              <a:defRPr sz="1300" kern="1200">
+                <a:solidFill>
+                  <a:schemeClr val="tx1">
+                    <a:tint val="75000"/>
+                  </a:schemeClr>
+                </a:solidFill>
+                <a:latin typeface="+mn-lt"/>
+                <a:ea typeface="+mn-ea"/>
+                <a:cs typeface="+mn-cs"/>
+              </a:defRPr>
+            </a:lvl9pPr>
+          </a:lstStyle>
+          <a:p>
+            <a:fld id="{B07CD00D-ECE2-B341-910C-3E5E7B4740E6}" type="datetime4">
+              <a:rPr lang="en-US" smtClean="0">
+                <a:latin typeface="Times New Roman"/>
+                <a:cs typeface="Times New Roman"/>
+              </a:rPr>
+              <a:t>September 10, 2014</a:t>
+            </a:fld>
+            <a:endParaRPr lang="en-US" dirty="0">
+              <a:latin typeface="Times New Roman"/>
+              <a:cs typeface="Times New Roman"/>
+            </a:endParaRPr>
+          </a:p>
+        </p:txBody>
+      </p:sp>
+      <p:sp>
+        <p:nvSpPr>
+          <p:cNvPr id="14" name="Content Placeholder 13"/>
+          <p:cNvSpPr>
+            <a:spLocks noGrp="1"/>
+          </p:cNvSpPr>
+          <p:nvPr>
+            <p:ph sz="quarter" idx="13"/>
+          </p:nvPr>
+        </p:nvSpPr>
+        <p:spPr>
+          <a:xfrm>
+            <a:off x="1404938" y="3700463"/>
+            <a:ext cx="6400800" cy="1073150"/>
+          </a:xfrm>
+        </p:spPr>
+        <p:txBody>
+          <a:bodyPr>
+            <a:normAutofit/>
+          </a:bodyPr>
+          <a:lstStyle>
+            <a:lvl1pPr marL="0" indent="0" algn="ctr">
+              <a:buNone/>
+              <a:defRPr sz="1800"/>
+            </a:lvl1pPr>
+            <a:lvl2pPr marL="274320" indent="0">
+              <a:buNone/>
+              <a:defRPr/>
+            </a:lvl2pPr>
+            <a:lvl3pPr marL="548640" indent="0">
+              <a:buNone/>
+              <a:defRPr/>
+            </a:lvl3pPr>
+            <a:lvl4pPr marL="822960" indent="0">
+              <a:buNone/>
+              <a:defRPr/>
+            </a:lvl4pPr>
+            <a:lvl5pPr marL="1051560" indent="0">
+              <a:buNone/>
+              <a:defRPr/>
+            </a:lvl5pPr>
+          </a:lstStyle>
+          <a:p>
+            <a:pPr lvl="0"/>
+            <a:r>
+              <a:rPr lang="en-US" dirty="0" smtClean="0"/>
+              <a:t>Click to edit Master text styles</a:t>
+            </a:r>
+            <a:endParaRPr lang="en-US" dirty="0"/>
+          </a:p>
+        </p:txBody>
+      </p:sp>
+    </p:spTree>
+  </p:cSld>
+  <p:clrMapOvr>
+    <a:masterClrMapping/>
+  </p:clrMapOvr>
+</p:sldLayout>
+</file>
+
+<file path=ppt/slideLayouts/slideLayout15.xml><?xml version="1.0" encoding="utf-8"?>
+<p:sldLayout xmlns:a="http://schemas.openxmlformats.org/drawingml/2006/main" xmlns:r="http://schemas.openxmlformats.org/officeDocument/2006/relationships" xmlns:p="http://schemas.openxmlformats.org/presentationml/2006/main" preserve="1" userDrawn="1">
+  <p:cSld name="1_Custom Layout">
+    <p:spTree>
+      <p:nvGrpSpPr>
+        <p:cNvPr id="1" name=""/>
+        <p:cNvGrpSpPr/>
+        <p:nvPr/>
+      </p:nvGrpSpPr>
+      <p:grpSpPr>
+        <a:xfrm>
+          <a:off x="0" y="0"/>
+          <a:ext cx="0" cy="0"/>
+          <a:chOff x="0" y="0"/>
+          <a:chExt cx="0" cy="0"/>
+        </a:xfrm>
+      </p:grpSpPr>
+      <p:sp>
+        <p:nvSpPr>
+          <p:cNvPr id="2" name="Title 1"/>
+          <p:cNvSpPr>
+            <a:spLocks noGrp="1"/>
+          </p:cNvSpPr>
+          <p:nvPr>
+            <p:ph type="title"/>
+          </p:nvPr>
+        </p:nvSpPr>
+        <p:spPr/>
+        <p:txBody>
+          <a:bodyPr/>
+          <a:lstStyle/>
+          <a:p>
+            <a:r>
+              <a:rPr lang="en-US" smtClean="0"/>
+              <a:t>Click to edit Master title style</a:t>
+            </a:r>
+            <a:endParaRPr lang="en-US"/>
+          </a:p>
+        </p:txBody>
+      </p:sp>
+      <p:sp>
+        <p:nvSpPr>
+          <p:cNvPr id="3" name="Date Placeholder 2"/>
+          <p:cNvSpPr>
+            <a:spLocks noGrp="1"/>
+          </p:cNvSpPr>
+          <p:nvPr>
+            <p:ph type="dt" sz="half" idx="10"/>
+          </p:nvPr>
+        </p:nvSpPr>
+        <p:spPr/>
+        <p:txBody>
+          <a:bodyPr/>
+          <a:lstStyle/>
+          <a:p>
+            <a:fld id="{BD5AFB16-13FE-DF4A-8CB7-09756A57B2EA}" type="datetime2">
+              <a:rPr lang="en-US" smtClean="0"/>
+              <a:t>Wednesday, September 10, 14</a:t>
+            </a:fld>
+            <a:endParaRPr lang="en-US" dirty="0"/>
+          </a:p>
+        </p:txBody>
+      </p:sp>
+      <p:sp>
+        <p:nvSpPr>
+          <p:cNvPr id="4" name="Footer Placeholder 3"/>
+          <p:cNvSpPr>
+            <a:spLocks noGrp="1"/>
+          </p:cNvSpPr>
+          <p:nvPr>
+            <p:ph type="ftr" sz="quarter" idx="11"/>
+          </p:nvPr>
+        </p:nvSpPr>
+        <p:spPr/>
+        <p:txBody>
+          <a:bodyPr/>
+          <a:lstStyle/>
+          <a:p>
+            <a:pPr algn="r"/>
+            <a:r>
+              <a:rPr lang="en-US" smtClean="0"/>
+              <a:t>Sanjay Kalé and PPL (UIUC) – Parallel Migratable Objects </a:t>
+            </a:r>
+            <a:endParaRPr lang="en-US" dirty="0"/>
+          </a:p>
+        </p:txBody>
+      </p:sp>
+      <p:sp>
+        <p:nvSpPr>
+          <p:cNvPr id="5" name="Slide Number Placeholder 4"/>
+          <p:cNvSpPr>
+            <a:spLocks noGrp="1"/>
+          </p:cNvSpPr>
+          <p:nvPr>
+            <p:ph type="sldNum" sz="quarter" idx="12"/>
+          </p:nvPr>
+        </p:nvSpPr>
+        <p:spPr/>
+        <p:txBody>
+          <a:bodyPr/>
+          <a:lstStyle/>
+          <a:p>
+            <a:fld id="{0CFEC368-1D7A-4F81-ABF6-AE0E36BAF64C}" type="slidenum">
+              <a:rPr lang="en-US" smtClean="0"/>
+              <a:pPr/>
+              <a:t>‹#›</a:t>
+            </a:fld>
+            <a:endParaRPr lang="en-US" dirty="0"/>
+          </a:p>
+        </p:txBody>
+      </p:sp>
+      <p:sp>
+        <p:nvSpPr>
+          <p:cNvPr id="7" name="Content Placeholder 6"/>
+          <p:cNvSpPr>
+            <a:spLocks noGrp="1"/>
+          </p:cNvSpPr>
+          <p:nvPr>
+            <p:ph sz="quarter" idx="13"/>
+          </p:nvPr>
+        </p:nvSpPr>
+        <p:spPr>
+          <a:xfrm>
+            <a:off x="261865" y="909977"/>
+            <a:ext cx="8615360" cy="1118512"/>
+          </a:xfrm>
+        </p:spPr>
+        <p:txBody>
+          <a:bodyPr/>
+          <a:lstStyle/>
+          <a:p>
+            <a:pPr lvl="0"/>
+            <a:r>
+              <a:rPr lang="en-US" dirty="0" smtClean="0"/>
+              <a:t>Click to edit Master text styles</a:t>
+            </a:r>
+          </a:p>
+          <a:p>
+            <a:pPr lvl="1"/>
+            <a:r>
+              <a:rPr lang="en-US" dirty="0" smtClean="0"/>
+              <a:t>Second level</a:t>
+            </a:r>
+          </a:p>
+          <a:p>
+            <a:pPr lvl="2"/>
+            <a:r>
+              <a:rPr lang="en-US" dirty="0" smtClean="0"/>
+              <a:t>Third level</a:t>
+            </a:r>
+          </a:p>
+          <a:p>
+            <a:pPr lvl="3"/>
+            <a:r>
+              <a:rPr lang="en-US" dirty="0" smtClean="0"/>
+              <a:t>Fourth level</a:t>
+            </a:r>
+          </a:p>
+          <a:p>
+            <a:pPr lvl="4"/>
+            <a:r>
+              <a:rPr lang="en-US" dirty="0" smtClean="0"/>
+              <a:t>Fifth level</a:t>
+            </a:r>
+            <a:endParaRPr lang="en-US" dirty="0"/>
+          </a:p>
+        </p:txBody>
+      </p:sp>
+      <p:sp>
+        <p:nvSpPr>
+          <p:cNvPr id="9" name="Content Placeholder 8"/>
+          <p:cNvSpPr>
+            <a:spLocks noGrp="1"/>
+          </p:cNvSpPr>
+          <p:nvPr>
+            <p:ph sz="quarter" idx="14"/>
+          </p:nvPr>
+        </p:nvSpPr>
+        <p:spPr>
+          <a:xfrm>
+            <a:off x="261865" y="2198574"/>
+            <a:ext cx="8615360" cy="1119049"/>
+          </a:xfrm>
+        </p:spPr>
+        <p:txBody>
+          <a:bodyPr/>
+          <a:lstStyle/>
+          <a:p>
+            <a:pPr lvl="0"/>
+            <a:r>
+              <a:rPr lang="en-US" dirty="0" smtClean="0"/>
+              <a:t>Click to edit Master text styles</a:t>
+            </a:r>
+          </a:p>
+          <a:p>
+            <a:pPr lvl="1"/>
+            <a:r>
+              <a:rPr lang="en-US" dirty="0" smtClean="0"/>
+              <a:t>Second level</a:t>
+            </a:r>
+          </a:p>
+          <a:p>
+            <a:pPr lvl="2"/>
+            <a:r>
+              <a:rPr lang="en-US" dirty="0" smtClean="0"/>
+              <a:t>Third level</a:t>
+            </a:r>
+          </a:p>
+          <a:p>
+            <a:pPr lvl="3"/>
+            <a:r>
+              <a:rPr lang="en-US" dirty="0" smtClean="0"/>
+              <a:t>Fourth level</a:t>
+            </a:r>
+          </a:p>
+          <a:p>
+            <a:pPr lvl="4"/>
+            <a:r>
+              <a:rPr lang="en-US" dirty="0" smtClean="0"/>
+              <a:t>Fifth level</a:t>
+            </a:r>
+            <a:endParaRPr lang="en-US" dirty="0"/>
+          </a:p>
+        </p:txBody>
+      </p:sp>
+      <p:sp>
+        <p:nvSpPr>
+          <p:cNvPr id="11" name="Content Placeholder 10"/>
+          <p:cNvSpPr>
+            <a:spLocks noGrp="1"/>
+          </p:cNvSpPr>
+          <p:nvPr>
+            <p:ph sz="quarter" idx="15"/>
+          </p:nvPr>
+        </p:nvSpPr>
+        <p:spPr>
+          <a:xfrm>
+            <a:off x="261865" y="3583427"/>
+            <a:ext cx="8615360" cy="1136650"/>
+          </a:xfrm>
+        </p:spPr>
+        <p:txBody>
+          <a:bodyPr/>
+          <a:lstStyle/>
+          <a:p>
+            <a:pPr lvl="0"/>
+            <a:r>
+              <a:rPr lang="en-US" dirty="0" smtClean="0"/>
+              <a:t>Click to edit Master text styles</a:t>
+            </a:r>
+          </a:p>
+          <a:p>
+            <a:pPr lvl="1"/>
+            <a:r>
+              <a:rPr lang="en-US" dirty="0" smtClean="0"/>
+              <a:t>Second level</a:t>
+            </a:r>
+          </a:p>
+          <a:p>
+            <a:pPr lvl="2"/>
+            <a:r>
+              <a:rPr lang="en-US" dirty="0" smtClean="0"/>
+              <a:t>Third level</a:t>
+            </a:r>
+          </a:p>
+          <a:p>
+            <a:pPr lvl="3"/>
+            <a:r>
+              <a:rPr lang="en-US" dirty="0" smtClean="0"/>
+              <a:t>Fourth level</a:t>
+            </a:r>
+          </a:p>
+          <a:p>
+            <a:pPr lvl="4"/>
+            <a:r>
+              <a:rPr lang="en-US" dirty="0" smtClean="0"/>
+              <a:t>Fifth level</a:t>
+            </a:r>
+            <a:endParaRPr lang="en-US" dirty="0"/>
+          </a:p>
+        </p:txBody>
+      </p:sp>
+      <p:sp>
+        <p:nvSpPr>
+          <p:cNvPr id="13" name="Content Placeholder 12"/>
+          <p:cNvSpPr>
+            <a:spLocks noGrp="1"/>
+          </p:cNvSpPr>
+          <p:nvPr>
+            <p:ph sz="quarter" idx="16"/>
+          </p:nvPr>
+        </p:nvSpPr>
+        <p:spPr>
+          <a:xfrm>
+            <a:off x="261865" y="5043465"/>
+            <a:ext cx="8615360" cy="1136791"/>
+          </a:xfrm>
+        </p:spPr>
+        <p:txBody>
+          <a:bodyPr/>
+          <a:lstStyle/>
+          <a:p>
+            <a:pPr lvl="0"/>
+            <a:r>
+              <a:rPr lang="en-US" dirty="0" smtClean="0"/>
+              <a:t>Click to edit Master text styles</a:t>
+            </a:r>
+          </a:p>
+          <a:p>
+            <a:pPr lvl="1"/>
+            <a:r>
+              <a:rPr lang="en-US" dirty="0" smtClean="0"/>
+              <a:t>Second level</a:t>
+            </a:r>
+          </a:p>
+          <a:p>
+            <a:pPr lvl="2"/>
+            <a:r>
+              <a:rPr lang="en-US" dirty="0" smtClean="0"/>
+              <a:t>Third level</a:t>
+            </a:r>
+          </a:p>
+          <a:p>
+            <a:pPr lvl="3"/>
+            <a:r>
+              <a:rPr lang="en-US" dirty="0" smtClean="0"/>
+              <a:t>Fourth level</a:t>
+            </a:r>
+          </a:p>
+          <a:p>
+            <a:pPr lvl="4"/>
+            <a:r>
+              <a:rPr lang="en-US" dirty="0" smtClean="0"/>
+              <a:t>Fifth level</a:t>
+            </a:r>
+            <a:endParaRPr lang="en-US" dirty="0"/>
+          </a:p>
+        </p:txBody>
+      </p:sp>
+    </p:spTree>
+    <p:extLst>
+      <p:ext uri="{BB962C8B-B14F-4D97-AF65-F5344CB8AC3E}">
+        <p14:creationId xmlns:p14="http://schemas.microsoft.com/office/powerpoint/2010/main" val="596550497"/>
+      </p:ext>
+    </p:extLst>
+  </p:cSld>
+  <p:clrMapOvr>
+    <a:masterClrMapping/>
+  </p:clrMapOvr>
+</p:sldLayout>
+</file>
+
+<file path=ppt/slideLayouts/slideLayout16.xml><?xml version="1.0" encoding="utf-8"?>
+<p:sldLayout xmlns:a="http://schemas.openxmlformats.org/drawingml/2006/main" xmlns:r="http://schemas.openxmlformats.org/officeDocument/2006/relationships" xmlns:p="http://schemas.openxmlformats.org/presentationml/2006/main" preserve="1" userDrawn="1">
+  <p:cSld name="2_Two Content">
+    <p:spTree>
+      <p:nvGrpSpPr>
+        <p:cNvPr id="1" name=""/>
+        <p:cNvGrpSpPr/>
+        <p:nvPr/>
+      </p:nvGrpSpPr>
+      <p:grpSpPr>
+        <a:xfrm>
+          <a:off x="0" y="0"/>
+          <a:ext cx="0" cy="0"/>
+          <a:chOff x="0" y="0"/>
+          <a:chExt cx="0" cy="0"/>
+        </a:xfrm>
+      </p:grpSpPr>
+      <p:sp>
+        <p:nvSpPr>
+          <p:cNvPr id="2" name="Title 1"/>
+          <p:cNvSpPr>
+            <a:spLocks noGrp="1"/>
+          </p:cNvSpPr>
+          <p:nvPr>
+            <p:ph type="title"/>
+          </p:nvPr>
+        </p:nvSpPr>
+        <p:spPr/>
+        <p:txBody>
+          <a:bodyPr/>
+          <a:lstStyle/>
+          <a:p>
+            <a:r>
+              <a:rPr lang="en-US" dirty="0" smtClean="0"/>
+              <a:t>Click to edit Master title style</a:t>
+            </a:r>
+            <a:endParaRPr lang="en-US" dirty="0"/>
+          </a:p>
+        </p:txBody>
+      </p:sp>
+      <p:sp>
+        <p:nvSpPr>
+          <p:cNvPr id="3" name="Content Placeholder 2"/>
+          <p:cNvSpPr>
+            <a:spLocks noGrp="1"/>
+          </p:cNvSpPr>
+          <p:nvPr>
+            <p:ph sz="half" idx="1"/>
+          </p:nvPr>
+        </p:nvSpPr>
+        <p:spPr>
+          <a:xfrm>
+            <a:off x="261866" y="935846"/>
+            <a:ext cx="4114800" cy="3140187"/>
+          </a:xfrm>
+        </p:spPr>
+        <p:txBody>
+          <a:bodyPr/>
+          <a:lstStyle>
+            <a:lvl1pPr>
+              <a:defRPr sz="2800"/>
+            </a:lvl1pPr>
+            <a:lvl2pPr>
+              <a:defRPr sz="2400"/>
+            </a:lvl2pPr>
+            <a:lvl3pPr>
+              <a:defRPr sz="2000"/>
+            </a:lvl3pPr>
+            <a:lvl4pPr>
+              <a:defRPr sz="1800"/>
+            </a:lvl4pPr>
+            <a:lvl5pPr>
+              <a:defRPr sz="1800"/>
+            </a:lvl5pPr>
+            <a:lvl6pPr>
+              <a:defRPr sz="1800"/>
+            </a:lvl6pPr>
+            <a:lvl7pPr>
+              <a:defRPr sz="1800"/>
+            </a:lvl7pPr>
+            <a:lvl8pPr>
+              <a:defRPr sz="1800"/>
+            </a:lvl8pPr>
+            <a:lvl9pPr>
+              <a:defRPr sz="1800"/>
+            </a:lvl9pPr>
+          </a:lstStyle>
+          <a:p>
+            <a:pPr lvl="0"/>
+            <a:r>
+              <a:rPr lang="en-US" dirty="0" smtClean="0"/>
+              <a:t>Click to edit Master text styles</a:t>
+            </a:r>
+          </a:p>
+          <a:p>
+            <a:pPr lvl="1"/>
+            <a:r>
+              <a:rPr lang="en-US" dirty="0" smtClean="0"/>
+              <a:t>Second level</a:t>
+            </a:r>
+          </a:p>
+          <a:p>
+            <a:pPr lvl="2"/>
+            <a:r>
+              <a:rPr lang="en-US" dirty="0" smtClean="0"/>
+              <a:t>Third level</a:t>
+            </a:r>
+          </a:p>
+          <a:p>
+            <a:pPr lvl="3"/>
+            <a:r>
+              <a:rPr lang="en-US" dirty="0" smtClean="0"/>
+              <a:t>Fourth level</a:t>
+            </a:r>
+          </a:p>
+          <a:p>
+            <a:pPr lvl="4"/>
+            <a:r>
+              <a:rPr lang="en-US" dirty="0" smtClean="0"/>
+              <a:t>Fifth level</a:t>
+            </a:r>
+            <a:endParaRPr lang="en-US" dirty="0"/>
+          </a:p>
+        </p:txBody>
+      </p:sp>
+      <p:sp>
+        <p:nvSpPr>
+          <p:cNvPr id="4" name="Content Placeholder 3"/>
+          <p:cNvSpPr>
+            <a:spLocks noGrp="1"/>
+          </p:cNvSpPr>
+          <p:nvPr>
+            <p:ph sz="half" idx="2"/>
+          </p:nvPr>
+        </p:nvSpPr>
+        <p:spPr>
+          <a:xfrm>
+            <a:off x="4737100" y="935846"/>
+            <a:ext cx="4140124" cy="3140187"/>
+          </a:xfrm>
+        </p:spPr>
+        <p:txBody>
+          <a:bodyPr/>
+          <a:lstStyle>
+            <a:lvl1pPr>
+              <a:defRPr sz="2800"/>
+            </a:lvl1pPr>
+            <a:lvl2pPr>
+              <a:defRPr sz="2400"/>
+            </a:lvl2pPr>
+            <a:lvl3pPr>
+              <a:defRPr sz="2000"/>
+            </a:lvl3pPr>
+            <a:lvl4pPr>
+              <a:defRPr sz="1800"/>
+            </a:lvl4pPr>
+            <a:lvl5pPr>
+              <a:defRPr sz="1800"/>
+            </a:lvl5pPr>
+            <a:lvl6pPr>
+              <a:defRPr sz="1800"/>
+            </a:lvl6pPr>
+            <a:lvl7pPr>
+              <a:defRPr sz="1800"/>
+            </a:lvl7pPr>
+            <a:lvl8pPr>
+              <a:defRPr sz="1800"/>
+            </a:lvl8pPr>
+            <a:lvl9pPr>
+              <a:defRPr sz="1800"/>
+            </a:lvl9pPr>
+          </a:lstStyle>
+          <a:p>
+            <a:pPr lvl="0"/>
+            <a:r>
+              <a:rPr lang="en-US" dirty="0" smtClean="0"/>
+              <a:t>Click to edit Master text styles</a:t>
+            </a:r>
+          </a:p>
+          <a:p>
+            <a:pPr lvl="1"/>
+            <a:r>
+              <a:rPr lang="en-US" dirty="0" smtClean="0"/>
+              <a:t>Second level</a:t>
+            </a:r>
+          </a:p>
+          <a:p>
+            <a:pPr lvl="2"/>
+            <a:r>
+              <a:rPr lang="en-US" dirty="0" smtClean="0"/>
+              <a:t>Third level</a:t>
+            </a:r>
+          </a:p>
+          <a:p>
+            <a:pPr lvl="3"/>
+            <a:r>
+              <a:rPr lang="en-US" dirty="0" smtClean="0"/>
+              <a:t>Fourth level</a:t>
+            </a:r>
+          </a:p>
+          <a:p>
+            <a:pPr lvl="4"/>
+            <a:r>
+              <a:rPr lang="en-US" dirty="0" smtClean="0"/>
+              <a:t>Fifth level</a:t>
+            </a:r>
+            <a:endParaRPr lang="en-US" dirty="0"/>
+          </a:p>
+        </p:txBody>
+      </p:sp>
+      <p:sp>
+        <p:nvSpPr>
+          <p:cNvPr id="5" name="Date Placeholder 4"/>
+          <p:cNvSpPr>
+            <a:spLocks noGrp="1"/>
+          </p:cNvSpPr>
+          <p:nvPr>
+            <p:ph type="dt" sz="half" idx="10"/>
+          </p:nvPr>
+        </p:nvSpPr>
+        <p:spPr/>
+        <p:txBody>
+          <a:bodyPr/>
+          <a:lstStyle>
+            <a:lvl1pPr>
+              <a:defRPr>
+                <a:latin typeface="Times New Roman"/>
+                <a:cs typeface="Times New Roman"/>
+              </a:defRPr>
+            </a:lvl1pPr>
+          </a:lstStyle>
+          <a:p>
+            <a:fld id="{30545249-FD76-6844-B252-CAB05FC2DAA8}" type="datetime2">
+              <a:rPr lang="en-US" smtClean="0"/>
+              <a:t>Wednesday, September 10, 14</a:t>
+            </a:fld>
+            <a:endParaRPr lang="en-US" dirty="0"/>
+          </a:p>
+        </p:txBody>
+      </p:sp>
+      <p:sp>
+        <p:nvSpPr>
+          <p:cNvPr id="6" name="Footer Placeholder 5"/>
+          <p:cNvSpPr>
+            <a:spLocks noGrp="1"/>
+          </p:cNvSpPr>
+          <p:nvPr>
+            <p:ph type="ftr" sz="quarter" idx="11"/>
+          </p:nvPr>
+        </p:nvSpPr>
+        <p:spPr/>
+        <p:txBody>
+          <a:bodyPr/>
+          <a:lstStyle>
+            <a:lvl1pPr>
+              <a:defRPr>
+                <a:latin typeface="Times New Roman"/>
+                <a:cs typeface="Times New Roman"/>
+              </a:defRPr>
+            </a:lvl1pPr>
+          </a:lstStyle>
+          <a:p>
+            <a:pPr algn="r"/>
+            <a:r>
+              <a:rPr lang="en-US" smtClean="0"/>
+              <a:t>Sanjay Kalé and PPL (UIUC) – Parallel Migratable Objects </a:t>
+            </a:r>
+            <a:endParaRPr lang="en-US" dirty="0"/>
+          </a:p>
+        </p:txBody>
+      </p:sp>
+      <p:sp>
+        <p:nvSpPr>
+          <p:cNvPr id="7" name="Slide Number Placeholder 6"/>
+          <p:cNvSpPr>
+            <a:spLocks noGrp="1"/>
+          </p:cNvSpPr>
+          <p:nvPr>
+            <p:ph type="sldNum" sz="quarter" idx="12"/>
+          </p:nvPr>
+        </p:nvSpPr>
+        <p:spPr/>
+        <p:txBody>
+          <a:bodyPr/>
+          <a:lstStyle/>
+          <a:p>
+            <a:fld id="{0CFEC368-1D7A-4F81-ABF6-AE0E36BAF64C}" type="slidenum">
+              <a:rPr lang="en-US" smtClean="0"/>
+              <a:pPr/>
+              <a:t>‹#›</a:t>
+            </a:fld>
+            <a:endParaRPr lang="en-US" dirty="0"/>
+          </a:p>
+        </p:txBody>
+      </p:sp>
+      <p:sp>
+        <p:nvSpPr>
+          <p:cNvPr id="9" name="Content Placeholder 8"/>
+          <p:cNvSpPr>
+            <a:spLocks noGrp="1"/>
+          </p:cNvSpPr>
+          <p:nvPr>
+            <p:ph sz="quarter" idx="13"/>
+          </p:nvPr>
+        </p:nvSpPr>
+        <p:spPr>
+          <a:xfrm>
+            <a:off x="261865" y="4829213"/>
+            <a:ext cx="8615360" cy="1550950"/>
+          </a:xfrm>
+          <a:solidFill>
+            <a:schemeClr val="tx2">
+              <a:lumMod val="20000"/>
+              <a:lumOff val="80000"/>
+            </a:schemeClr>
+          </a:solidFill>
+          <a:ln>
+            <a:solidFill>
+              <a:schemeClr val="tx2"/>
+            </a:solidFill>
+          </a:ln>
+        </p:spPr>
+        <p:txBody>
+          <a:bodyPr/>
+          <a:lstStyle/>
+          <a:p>
+            <a:pPr lvl="0"/>
+            <a:r>
+              <a:rPr lang="en-US" dirty="0" smtClean="0"/>
+              <a:t>Click to edit Master text styles</a:t>
+            </a:r>
+          </a:p>
+          <a:p>
+            <a:pPr lvl="1"/>
+            <a:r>
+              <a:rPr lang="en-US" dirty="0" smtClean="0"/>
+              <a:t>Second level</a:t>
+            </a:r>
+          </a:p>
+          <a:p>
+            <a:pPr lvl="2"/>
+            <a:r>
+              <a:rPr lang="en-US" dirty="0" smtClean="0"/>
+              <a:t>Third level</a:t>
+            </a:r>
+          </a:p>
+          <a:p>
+            <a:pPr lvl="3"/>
+            <a:r>
+              <a:rPr lang="en-US" dirty="0" smtClean="0"/>
+              <a:t>Fourth level</a:t>
+            </a:r>
+          </a:p>
+          <a:p>
+            <a:pPr lvl="4"/>
+            <a:r>
+              <a:rPr lang="en-US" dirty="0" smtClean="0"/>
+              <a:t>Fifth level</a:t>
+            </a:r>
+            <a:endParaRPr lang="en-US" dirty="0"/>
+          </a:p>
+        </p:txBody>
+      </p:sp>
+      <p:sp>
+        <p:nvSpPr>
+          <p:cNvPr id="11" name="Text Placeholder 10"/>
+          <p:cNvSpPr>
+            <a:spLocks noGrp="1"/>
+          </p:cNvSpPr>
+          <p:nvPr>
+            <p:ph type="body" sz="quarter" idx="14"/>
+          </p:nvPr>
+        </p:nvSpPr>
+        <p:spPr>
+          <a:xfrm>
+            <a:off x="261865" y="4238625"/>
+            <a:ext cx="8615359" cy="590550"/>
+          </a:xfrm>
+          <a:solidFill>
+            <a:schemeClr val="tx2">
+              <a:lumMod val="40000"/>
+              <a:lumOff val="60000"/>
+            </a:schemeClr>
+          </a:solidFill>
+          <a:ln>
+            <a:solidFill>
+              <a:schemeClr val="tx2"/>
+            </a:solidFill>
+          </a:ln>
+        </p:spPr>
+        <p:txBody>
+          <a:bodyPr/>
+          <a:lstStyle>
+            <a:lvl1pPr marL="0" indent="0">
+              <a:buNone/>
+              <a:defRPr b="1"/>
+            </a:lvl1pPr>
+          </a:lstStyle>
+          <a:p>
+            <a:pPr lvl="0"/>
+            <a:r>
+              <a:rPr lang="en-US" dirty="0" smtClean="0"/>
+              <a:t>Click to edit Master text styles</a:t>
+            </a:r>
+            <a:endParaRPr lang="en-US" dirty="0"/>
+          </a:p>
+        </p:txBody>
+      </p:sp>
+    </p:spTree>
+    <p:extLst>
+      <p:ext uri="{BB962C8B-B14F-4D97-AF65-F5344CB8AC3E}">
+        <p14:creationId xmlns:p14="http://schemas.microsoft.com/office/powerpoint/2010/main" val="707568992"/>
+      </p:ext>
+    </p:extLst>
+  </p:cSld>
+  <p:clrMapOvr>
+    <a:masterClrMapping/>
+  </p:clrMapOvr>
+</p:sldLayout>
+</file>
+
 <file path=ppt/slideLayouts/slideLayout2.xml><?xml version="1.0" encoding="utf-8"?>
 <p:sldLayout xmlns:a="http://schemas.openxmlformats.org/drawingml/2006/main" xmlns:r="http://schemas.openxmlformats.org/officeDocument/2006/relationships" xmlns:p="http://schemas.openxmlformats.org/presentationml/2006/main" type="obj" preserve="1">
   <p:cSld name="Title and Content">
@@ -2408,35 +3967,35 @@
           <a:p>
             <a:pPr lvl="0"/>
             <a:r>
-              <a:rPr lang="en-US" dirty="0" smtClean="0"/>
+              <a:rPr lang="en-US" smtClean="0"/>
               <a:t>Click to edit Master text styles</a:t>
             </a:r>
           </a:p>
           <a:p>
             <a:pPr lvl="1"/>
             <a:r>
-              <a:rPr lang="en-US" dirty="0" smtClean="0"/>
+              <a:rPr lang="en-US" smtClean="0"/>
               <a:t>Second level</a:t>
             </a:r>
           </a:p>
           <a:p>
             <a:pPr lvl="2"/>
             <a:r>
-              <a:rPr lang="en-US" dirty="0" smtClean="0"/>
+              <a:rPr lang="en-US" smtClean="0"/>
               <a:t>Third level</a:t>
             </a:r>
           </a:p>
           <a:p>
             <a:pPr lvl="3"/>
             <a:r>
-              <a:rPr lang="en-US" dirty="0" smtClean="0"/>
+              <a:rPr lang="en-US" smtClean="0"/>
               <a:t>Fourth level</a:t>
             </a:r>
           </a:p>
           <a:p>
             <a:pPr lvl="4"/>
             <a:r>
-              <a:rPr lang="en-US" dirty="0" smtClean="0"/>
+              <a:rPr lang="en-US" smtClean="0"/>
               <a:t>Fifth level</a:t>
             </a:r>
             <a:endParaRPr lang="en-US" dirty="0"/>
@@ -2523,7 +4082,7 @@
 </file>
 
 <file path=ppt/slideLayouts/slideLayout3.xml><?xml version="1.0" encoding="utf-8"?>
-<p:sldLayout xmlns:a="http://schemas.openxmlformats.org/drawingml/2006/main" xmlns:r="http://schemas.openxmlformats.org/officeDocument/2006/relationships" xmlns:p="http://schemas.openxmlformats.org/presentationml/2006/main" preserve="1" userDrawn="1">
+<p:sldLayout xmlns:a="http://schemas.openxmlformats.org/drawingml/2006/main" xmlns:r="http://schemas.openxmlformats.org/officeDocument/2006/relationships" xmlns:p="http://schemas.openxmlformats.org/presentationml/2006/main" preserve="1">
   <p:cSld name="Custom Layout">
     <p:spTree>
       <p:nvGrpSpPr>
@@ -2655,35 +4214,35 @@
           <a:p>
             <a:pPr lvl="0"/>
             <a:r>
-              <a:rPr lang="en-US" dirty="0" smtClean="0"/>
+              <a:rPr lang="en-US" smtClean="0"/>
               <a:t>Click to edit Master text styles</a:t>
             </a:r>
           </a:p>
           <a:p>
             <a:pPr lvl="1"/>
             <a:r>
-              <a:rPr lang="en-US" dirty="0" smtClean="0"/>
+              <a:rPr lang="en-US" smtClean="0"/>
               <a:t>Second level</a:t>
             </a:r>
           </a:p>
           <a:p>
             <a:pPr lvl="2"/>
             <a:r>
-              <a:rPr lang="en-US" dirty="0" smtClean="0"/>
+              <a:rPr lang="en-US" smtClean="0"/>
               <a:t>Third level</a:t>
             </a:r>
           </a:p>
           <a:p>
             <a:pPr lvl="3"/>
             <a:r>
-              <a:rPr lang="en-US" dirty="0" smtClean="0"/>
+              <a:rPr lang="en-US" smtClean="0"/>
               <a:t>Fourth level</a:t>
             </a:r>
           </a:p>
           <a:p>
             <a:pPr lvl="4"/>
             <a:r>
-              <a:rPr lang="en-US" dirty="0" smtClean="0"/>
+              <a:rPr lang="en-US" smtClean="0"/>
               <a:t>Fifth level</a:t>
             </a:r>
             <a:endParaRPr lang="en-US" dirty="0"/>
@@ -2712,35 +4271,35 @@
           <a:p>
             <a:pPr lvl="0"/>
             <a:r>
-              <a:rPr lang="en-US" dirty="0" smtClean="0"/>
+              <a:rPr lang="en-US" smtClean="0"/>
               <a:t>Click to edit Master text styles</a:t>
             </a:r>
           </a:p>
           <a:p>
             <a:pPr lvl="1"/>
             <a:r>
-              <a:rPr lang="en-US" dirty="0" smtClean="0"/>
+              <a:rPr lang="en-US" smtClean="0"/>
               <a:t>Second level</a:t>
             </a:r>
           </a:p>
           <a:p>
             <a:pPr lvl="2"/>
             <a:r>
-              <a:rPr lang="en-US" dirty="0" smtClean="0"/>
+              <a:rPr lang="en-US" smtClean="0"/>
               <a:t>Third level</a:t>
             </a:r>
           </a:p>
           <a:p>
             <a:pPr lvl="3"/>
             <a:r>
-              <a:rPr lang="en-US" dirty="0" smtClean="0"/>
+              <a:rPr lang="en-US" smtClean="0"/>
               <a:t>Fourth level</a:t>
             </a:r>
           </a:p>
           <a:p>
             <a:pPr lvl="4"/>
             <a:r>
-              <a:rPr lang="en-US" dirty="0" smtClean="0"/>
+              <a:rPr lang="en-US" smtClean="0"/>
               <a:t>Fifth level</a:t>
             </a:r>
             <a:endParaRPr lang="en-US" dirty="0"/>
@@ -2769,35 +4328,35 @@
           <a:p>
             <a:pPr lvl="0"/>
             <a:r>
-              <a:rPr lang="en-US" dirty="0" smtClean="0"/>
+              <a:rPr lang="en-US" smtClean="0"/>
               <a:t>Click to edit Master text styles</a:t>
             </a:r>
           </a:p>
           <a:p>
             <a:pPr lvl="1"/>
             <a:r>
-              <a:rPr lang="en-US" dirty="0" smtClean="0"/>
+              <a:rPr lang="en-US" smtClean="0"/>
               <a:t>Second level</a:t>
             </a:r>
           </a:p>
           <a:p>
             <a:pPr lvl="2"/>
             <a:r>
-              <a:rPr lang="en-US" dirty="0" smtClean="0"/>
+              <a:rPr lang="en-US" smtClean="0"/>
               <a:t>Third level</a:t>
             </a:r>
           </a:p>
           <a:p>
             <a:pPr lvl="3"/>
             <a:r>
-              <a:rPr lang="en-US" dirty="0" smtClean="0"/>
+              <a:rPr lang="en-US" smtClean="0"/>
               <a:t>Fourth level</a:t>
             </a:r>
           </a:p>
           <a:p>
             <a:pPr lvl="4"/>
             <a:r>
-              <a:rPr lang="en-US" dirty="0" smtClean="0"/>
+              <a:rPr lang="en-US" smtClean="0"/>
               <a:t>Fifth level</a:t>
             </a:r>
             <a:endParaRPr lang="en-US" dirty="0"/>
@@ -2826,35 +4385,35 @@
           <a:p>
             <a:pPr lvl="0"/>
             <a:r>
-              <a:rPr lang="en-US" dirty="0" smtClean="0"/>
+              <a:rPr lang="en-US" smtClean="0"/>
               <a:t>Click to edit Master text styles</a:t>
             </a:r>
           </a:p>
           <a:p>
             <a:pPr lvl="1"/>
             <a:r>
-              <a:rPr lang="en-US" dirty="0" smtClean="0"/>
+              <a:rPr lang="en-US" smtClean="0"/>
               <a:t>Second level</a:t>
             </a:r>
           </a:p>
           <a:p>
             <a:pPr lvl="2"/>
             <a:r>
-              <a:rPr lang="en-US" dirty="0" smtClean="0"/>
+              <a:rPr lang="en-US" smtClean="0"/>
               <a:t>Third level</a:t>
             </a:r>
           </a:p>
           <a:p>
             <a:pPr lvl="3"/>
             <a:r>
-              <a:rPr lang="en-US" dirty="0" smtClean="0"/>
+              <a:rPr lang="en-US" smtClean="0"/>
               <a:t>Fourth level</a:t>
             </a:r>
           </a:p>
           <a:p>
             <a:pPr lvl="4"/>
             <a:r>
-              <a:rPr lang="en-US" dirty="0" smtClean="0"/>
+              <a:rPr lang="en-US" smtClean="0"/>
               <a:t>Fifth level</a:t>
             </a:r>
             <a:endParaRPr lang="en-US" dirty="0"/>
@@ -3196,7 +4755,7 @@
           <a:lstStyle/>
           <a:p>
             <a:r>
-              <a:rPr lang="en-US" dirty="0" smtClean="0"/>
+              <a:rPr lang="en-US" smtClean="0"/>
               <a:t>Click to edit Master title style</a:t>
             </a:r>
             <a:endParaRPr lang="en-US" dirty="0"/>
@@ -3253,35 +4812,35 @@
           <a:p>
             <a:pPr lvl="0"/>
             <a:r>
-              <a:rPr lang="en-US" dirty="0" smtClean="0"/>
+              <a:rPr lang="en-US" smtClean="0"/>
               <a:t>Click to edit Master text styles</a:t>
             </a:r>
           </a:p>
           <a:p>
             <a:pPr lvl="1"/>
             <a:r>
-              <a:rPr lang="en-US" dirty="0" smtClean="0"/>
+              <a:rPr lang="en-US" smtClean="0"/>
               <a:t>Second level</a:t>
             </a:r>
           </a:p>
           <a:p>
             <a:pPr lvl="2"/>
             <a:r>
-              <a:rPr lang="en-US" dirty="0" smtClean="0"/>
+              <a:rPr lang="en-US" smtClean="0"/>
               <a:t>Third level</a:t>
             </a:r>
           </a:p>
           <a:p>
             <a:pPr lvl="3"/>
             <a:r>
-              <a:rPr lang="en-US" dirty="0" smtClean="0"/>
+              <a:rPr lang="en-US" smtClean="0"/>
               <a:t>Fourth level</a:t>
             </a:r>
           </a:p>
           <a:p>
             <a:pPr lvl="4"/>
             <a:r>
-              <a:rPr lang="en-US" dirty="0" smtClean="0"/>
+              <a:rPr lang="en-US" smtClean="0"/>
               <a:t>Fifth level</a:t>
             </a:r>
             <a:endParaRPr lang="en-US" dirty="0"/>
@@ -3338,35 +4897,35 @@
           <a:p>
             <a:pPr lvl="0"/>
             <a:r>
-              <a:rPr lang="en-US" dirty="0" smtClean="0"/>
+              <a:rPr lang="en-US" smtClean="0"/>
               <a:t>Click to edit Master text styles</a:t>
             </a:r>
           </a:p>
           <a:p>
             <a:pPr lvl="1"/>
             <a:r>
-              <a:rPr lang="en-US" dirty="0" smtClean="0"/>
+              <a:rPr lang="en-US" smtClean="0"/>
               <a:t>Second level</a:t>
             </a:r>
           </a:p>
           <a:p>
             <a:pPr lvl="2"/>
             <a:r>
-              <a:rPr lang="en-US" dirty="0" smtClean="0"/>
+              <a:rPr lang="en-US" smtClean="0"/>
               <a:t>Third level</a:t>
             </a:r>
           </a:p>
           <a:p>
             <a:pPr lvl="3"/>
             <a:r>
-              <a:rPr lang="en-US" dirty="0" smtClean="0"/>
+              <a:rPr lang="en-US" smtClean="0"/>
               <a:t>Fourth level</a:t>
             </a:r>
           </a:p>
           <a:p>
             <a:pPr lvl="4"/>
             <a:r>
-              <a:rPr lang="en-US" dirty="0" smtClean="0"/>
+              <a:rPr lang="en-US" smtClean="0"/>
               <a:t>Fifth level</a:t>
             </a:r>
             <a:endParaRPr lang="en-US" dirty="0"/>
@@ -3824,35 +5383,35 @@
           <a:p>
             <a:pPr lvl="0"/>
             <a:r>
-              <a:rPr lang="en-US" dirty="0" smtClean="0"/>
+              <a:rPr lang="en-US" smtClean="0"/>
               <a:t>Click to edit Master text styles</a:t>
             </a:r>
           </a:p>
           <a:p>
             <a:pPr lvl="1"/>
             <a:r>
-              <a:rPr lang="en-US" dirty="0" smtClean="0"/>
+              <a:rPr lang="en-US" smtClean="0"/>
               <a:t>Second level</a:t>
             </a:r>
           </a:p>
           <a:p>
             <a:pPr lvl="2"/>
             <a:r>
-              <a:rPr lang="en-US" dirty="0" smtClean="0"/>
+              <a:rPr lang="en-US" smtClean="0"/>
               <a:t>Third level</a:t>
             </a:r>
           </a:p>
           <a:p>
             <a:pPr lvl="3"/>
             <a:r>
-              <a:rPr lang="en-US" dirty="0" smtClean="0"/>
+              <a:rPr lang="en-US" smtClean="0"/>
               <a:t>Fourth level</a:t>
             </a:r>
           </a:p>
           <a:p>
             <a:pPr lvl="4"/>
             <a:r>
-              <a:rPr lang="en-US" dirty="0" smtClean="0"/>
+              <a:rPr lang="en-US" smtClean="0"/>
               <a:t>Fifth level</a:t>
             </a:r>
             <a:endParaRPr lang="en-US" dirty="0"/>
@@ -3939,7 +5498,7 @@
 </file>
 
 <file path=ppt/slideLayouts/slideLayout7.xml><?xml version="1.0" encoding="utf-8"?>
-<p:sldLayout xmlns:a="http://schemas.openxmlformats.org/drawingml/2006/main" xmlns:r="http://schemas.openxmlformats.org/officeDocument/2006/relationships" xmlns:p="http://schemas.openxmlformats.org/presentationml/2006/main" preserve="1" userDrawn="1">
+<p:sldLayout xmlns:a="http://schemas.openxmlformats.org/drawingml/2006/main" xmlns:r="http://schemas.openxmlformats.org/officeDocument/2006/relationships" xmlns:p="http://schemas.openxmlformats.org/presentationml/2006/main" preserve="1">
   <p:cSld name="1_Two Content">
     <p:spTree>
       <p:nvGrpSpPr>
@@ -3971,7 +5530,7 @@
           <a:lstStyle/>
           <a:p>
             <a:r>
-              <a:rPr lang="en-US" dirty="0" smtClean="0"/>
+              <a:rPr lang="en-US" smtClean="0"/>
               <a:t>Click to edit Master title style</a:t>
             </a:r>
             <a:endParaRPr lang="en-US" dirty="0"/>
@@ -4028,35 +5587,35 @@
           <a:p>
             <a:pPr lvl="0"/>
             <a:r>
-              <a:rPr lang="en-US" dirty="0" smtClean="0"/>
+              <a:rPr lang="en-US" smtClean="0"/>
               <a:t>Click to edit Master text styles</a:t>
             </a:r>
           </a:p>
           <a:p>
             <a:pPr lvl="1"/>
             <a:r>
-              <a:rPr lang="en-US" dirty="0" smtClean="0"/>
+              <a:rPr lang="en-US" smtClean="0"/>
               <a:t>Second level</a:t>
             </a:r>
           </a:p>
           <a:p>
             <a:pPr lvl="2"/>
             <a:r>
-              <a:rPr lang="en-US" dirty="0" smtClean="0"/>
+              <a:rPr lang="en-US" smtClean="0"/>
               <a:t>Third level</a:t>
             </a:r>
           </a:p>
           <a:p>
             <a:pPr lvl="3"/>
             <a:r>
-              <a:rPr lang="en-US" dirty="0" smtClean="0"/>
+              <a:rPr lang="en-US" smtClean="0"/>
               <a:t>Fourth level</a:t>
             </a:r>
           </a:p>
           <a:p>
             <a:pPr lvl="4"/>
             <a:r>
-              <a:rPr lang="en-US" dirty="0" smtClean="0"/>
+              <a:rPr lang="en-US" smtClean="0"/>
               <a:t>Fifth level</a:t>
             </a:r>
             <a:endParaRPr lang="en-US" dirty="0"/>
@@ -4113,35 +5672,35 @@
           <a:p>
             <a:pPr lvl="0"/>
             <a:r>
-              <a:rPr lang="en-US" dirty="0" smtClean="0"/>
+              <a:rPr lang="en-US" smtClean="0"/>
               <a:t>Click to edit Master text styles</a:t>
             </a:r>
           </a:p>
           <a:p>
             <a:pPr lvl="1"/>
             <a:r>
-              <a:rPr lang="en-US" dirty="0" smtClean="0"/>
+              <a:rPr lang="en-US" smtClean="0"/>
               <a:t>Second level</a:t>
             </a:r>
           </a:p>
           <a:p>
             <a:pPr lvl="2"/>
             <a:r>
-              <a:rPr lang="en-US" dirty="0" smtClean="0"/>
+              <a:rPr lang="en-US" smtClean="0"/>
               <a:t>Third level</a:t>
             </a:r>
           </a:p>
           <a:p>
             <a:pPr lvl="3"/>
             <a:r>
-              <a:rPr lang="en-US" dirty="0" smtClean="0"/>
+              <a:rPr lang="en-US" smtClean="0"/>
               <a:t>Fourth level</a:t>
             </a:r>
           </a:p>
           <a:p>
             <a:pPr lvl="4"/>
             <a:r>
-              <a:rPr lang="en-US" dirty="0" smtClean="0"/>
+              <a:rPr lang="en-US" smtClean="0"/>
               <a:t>Fifth level</a:t>
             </a:r>
             <a:endParaRPr lang="en-US" dirty="0"/>
@@ -4266,35 +5825,35 @@
           <a:p>
             <a:pPr lvl="0"/>
             <a:r>
-              <a:rPr lang="en-US" dirty="0" smtClean="0"/>
+              <a:rPr lang="en-US" smtClean="0"/>
               <a:t>Click to edit Master text styles</a:t>
             </a:r>
           </a:p>
           <a:p>
             <a:pPr lvl="1"/>
             <a:r>
-              <a:rPr lang="en-US" dirty="0" smtClean="0"/>
+              <a:rPr lang="en-US" smtClean="0"/>
               <a:t>Second level</a:t>
             </a:r>
           </a:p>
           <a:p>
             <a:pPr lvl="2"/>
             <a:r>
-              <a:rPr lang="en-US" dirty="0" smtClean="0"/>
+              <a:rPr lang="en-US" smtClean="0"/>
               <a:t>Third level</a:t>
             </a:r>
           </a:p>
           <a:p>
             <a:pPr lvl="3"/>
             <a:r>
-              <a:rPr lang="en-US" dirty="0" smtClean="0"/>
+              <a:rPr lang="en-US" smtClean="0"/>
               <a:t>Fourth level</a:t>
             </a:r>
           </a:p>
           <a:p>
             <a:pPr lvl="4"/>
             <a:r>
-              <a:rPr lang="en-US" dirty="0" smtClean="0"/>
+              <a:rPr lang="en-US" smtClean="0"/>
               <a:t>Fifth level</a:t>
             </a:r>
             <a:endParaRPr lang="en-US" dirty="0"/>
@@ -4339,10 +5898,9 @@
           <a:p>
             <a:pPr lvl="0"/>
             <a:r>
-              <a:rPr lang="en-US" dirty="0" smtClean="0"/>
+              <a:rPr lang="en-US" smtClean="0"/>
               <a:t>Click to edit Master text styles</a:t>
             </a:r>
-            <a:endParaRPr lang="en-US" dirty="0"/>
           </a:p>
         </p:txBody>
       </p:sp>
@@ -4673,7 +6231,7 @@
           <a:bodyPr vert="horz" lIns="91440" tIns="45720" rIns="91440" bIns="45720" rtlCol="0" anchor="ctr"/>
           <a:lstStyle>
             <a:lvl1pPr algn="ctr">
-              <a:defRPr sz="1200" b="1">
+              <a:defRPr sz="1200" b="0">
                 <a:solidFill>
                   <a:srgbClr val="FFFFFF"/>
                 </a:solidFill>
@@ -4723,7 +6281,7 @@
           <a:lstStyle/>
           <a:p>
             <a:r>
-              <a:rPr lang="en-US" dirty="0" smtClean="0"/>
+              <a:rPr lang="en-US" smtClean="0"/>
               <a:t>Click to edit Master title style</a:t>
             </a:r>
             <a:endParaRPr lang="en-US" dirty="0"/>
@@ -4757,35 +6315,35 @@
           <a:p>
             <a:pPr lvl="0"/>
             <a:r>
-              <a:rPr lang="en-US" dirty="0" smtClean="0"/>
+              <a:rPr lang="en-US" smtClean="0"/>
               <a:t>Click to edit Master text styles</a:t>
             </a:r>
           </a:p>
           <a:p>
             <a:pPr lvl="1"/>
             <a:r>
-              <a:rPr lang="en-US" dirty="0" smtClean="0"/>
+              <a:rPr lang="en-US" smtClean="0"/>
               <a:t>Second level</a:t>
             </a:r>
           </a:p>
           <a:p>
             <a:pPr lvl="2"/>
             <a:r>
-              <a:rPr lang="en-US" dirty="0" smtClean="0"/>
+              <a:rPr lang="en-US" smtClean="0"/>
               <a:t>Third level</a:t>
             </a:r>
           </a:p>
           <a:p>
             <a:pPr lvl="3"/>
             <a:r>
-              <a:rPr lang="en-US" dirty="0" smtClean="0"/>
+              <a:rPr lang="en-US" smtClean="0"/>
               <a:t>Fourth level</a:t>
             </a:r>
           </a:p>
           <a:p>
             <a:pPr lvl="4"/>
             <a:r>
-              <a:rPr lang="en-US" dirty="0" smtClean="0"/>
+              <a:rPr lang="en-US" smtClean="0"/>
               <a:t>Fifth level</a:t>
             </a:r>
             <a:endParaRPr lang="en-US" dirty="0"/>
@@ -4879,19 +6437,22 @@
   </p:cSld>
   <p:clrMap bg1="lt1" tx1="dk1" bg2="lt2" tx2="dk2" accent1="accent1" accent2="accent2" accent3="accent3" accent4="accent4" accent5="accent5" accent6="accent6" hlink="hlink" folHlink="folHlink"/>
   <p:sldLayoutIdLst>
-    <p:sldLayoutId id="2147483961" r:id="rId1"/>
-    <p:sldLayoutId id="2147483962" r:id="rId2"/>
-    <p:sldLayoutId id="2147483973" r:id="rId3"/>
-    <p:sldLayoutId id="2147483963" r:id="rId4"/>
-    <p:sldLayoutId id="2147483964" r:id="rId5"/>
-    <p:sldLayoutId id="2147483965" r:id="rId6"/>
-    <p:sldLayoutId id="2147483972" r:id="rId7"/>
-    <p:sldLayoutId id="2147483966" r:id="rId8"/>
-    <p:sldLayoutId id="2147483967" r:id="rId9"/>
-    <p:sldLayoutId id="2147483968" r:id="rId10"/>
-    <p:sldLayoutId id="2147483969" r:id="rId11"/>
-    <p:sldLayoutId id="2147483970" r:id="rId12"/>
-    <p:sldLayoutId id="2147483971" r:id="rId13"/>
+    <p:sldLayoutId id="2147483975" r:id="rId1"/>
+    <p:sldLayoutId id="2147483976" r:id="rId2"/>
+    <p:sldLayoutId id="2147483977" r:id="rId3"/>
+    <p:sldLayoutId id="2147483978" r:id="rId4"/>
+    <p:sldLayoutId id="2147483979" r:id="rId5"/>
+    <p:sldLayoutId id="2147483980" r:id="rId6"/>
+    <p:sldLayoutId id="2147483981" r:id="rId7"/>
+    <p:sldLayoutId id="2147483982" r:id="rId8"/>
+    <p:sldLayoutId id="2147483983" r:id="rId9"/>
+    <p:sldLayoutId id="2147483984" r:id="rId10"/>
+    <p:sldLayoutId id="2147483985" r:id="rId11"/>
+    <p:sldLayoutId id="2147483986" r:id="rId12"/>
+    <p:sldLayoutId id="2147483987" r:id="rId13"/>
+    <p:sldLayoutId id="2147483961" r:id="rId14"/>
+    <p:sldLayoutId id="2147483973" r:id="rId15"/>
+    <p:sldLayoutId id="2147483972" r:id="rId16"/>
   </p:sldLayoutIdLst>
   <p:hf hdr="0"/>
   <p:txStyles>
@@ -5430,6 +6991,77 @@
       </p:sp>
       <p:sp>
         <p:nvSpPr>
+          <p:cNvPr id="4" name="Date Placeholder 3"/>
+          <p:cNvSpPr>
+            <a:spLocks noGrp="1"/>
+          </p:cNvSpPr>
+          <p:nvPr>
+            <p:ph type="dt" sz="half" idx="10"/>
+          </p:nvPr>
+        </p:nvSpPr>
+        <p:spPr/>
+        <p:txBody>
+          <a:bodyPr/>
+          <a:lstStyle/>
+          <a:p>
+            <a:fld id="{EA95BFF1-5948-B24D-80C9-2DF4EAC42A4D}" type="datetime2">
+              <a:rPr lang="en-US" smtClean="0"/>
+              <a:t>Wednesday, September 10, 14</a:t>
+            </a:fld>
+            <a:endParaRPr lang="en-US"/>
+          </a:p>
+        </p:txBody>
+      </p:sp>
+      <p:sp>
+        <p:nvSpPr>
+          <p:cNvPr id="5" name="Footer Placeholder 4"/>
+          <p:cNvSpPr>
+            <a:spLocks noGrp="1"/>
+          </p:cNvSpPr>
+          <p:nvPr>
+            <p:ph type="ftr" sz="quarter" idx="11"/>
+          </p:nvPr>
+        </p:nvSpPr>
+        <p:spPr/>
+        <p:txBody>
+          <a:bodyPr/>
+          <a:lstStyle/>
+          <a:p>
+            <a:pPr algn="r"/>
+            <a:r>
+              <a:rPr lang="en-US" smtClean="0"/>
+              <a:t>Sanjay Kalé and PPL (UIUC) – Parallel Migratable Objects </a:t>
+            </a:r>
+            <a:endParaRPr lang="en-US" dirty="0"/>
+          </a:p>
+        </p:txBody>
+      </p:sp>
+      <p:sp>
+        <p:nvSpPr>
+          <p:cNvPr id="26" name="Slide Number Placeholder 25"/>
+          <p:cNvSpPr>
+            <a:spLocks noGrp="1"/>
+          </p:cNvSpPr>
+          <p:nvPr>
+            <p:ph type="sldNum" sz="quarter" idx="12"/>
+          </p:nvPr>
+        </p:nvSpPr>
+        <p:spPr/>
+        <p:txBody>
+          <a:bodyPr/>
+          <a:lstStyle/>
+          <a:p>
+            <a:fld id="{0CFEC368-1D7A-4F81-ABF6-AE0E36BAF64C}" type="slidenum">
+              <a:rPr lang="en-US" smtClean="0"/>
+              <a:pPr/>
+              <a:t>10</a:t>
+            </a:fld>
+            <a:endParaRPr lang="en-US"/>
+          </a:p>
+        </p:txBody>
+      </p:sp>
+      <p:sp>
+        <p:nvSpPr>
           <p:cNvPr id="6" name="Rectangle 5"/>
           <p:cNvSpPr/>
           <p:nvPr/>
@@ -6338,77 +7970,6 @@
               <a:latin typeface="Times New Roman"/>
               <a:cs typeface="Times New Roman"/>
             </a:endParaRPr>
-          </a:p>
-        </p:txBody>
-      </p:sp>
-      <p:sp>
-        <p:nvSpPr>
-          <p:cNvPr id="4" name="Date Placeholder 3"/>
-          <p:cNvSpPr>
-            <a:spLocks noGrp="1"/>
-          </p:cNvSpPr>
-          <p:nvPr>
-            <p:ph type="dt" sz="half" idx="10"/>
-          </p:nvPr>
-        </p:nvSpPr>
-        <p:spPr/>
-        <p:txBody>
-          <a:bodyPr/>
-          <a:lstStyle/>
-          <a:p>
-            <a:fld id="{EA95BFF1-5948-B24D-80C9-2DF4EAC42A4D}" type="datetime2">
-              <a:rPr lang="en-US" smtClean="0"/>
-              <a:t>Wednesday, September 10, 14</a:t>
-            </a:fld>
-            <a:endParaRPr lang="en-US"/>
-          </a:p>
-        </p:txBody>
-      </p:sp>
-      <p:sp>
-        <p:nvSpPr>
-          <p:cNvPr id="5" name="Footer Placeholder 4"/>
-          <p:cNvSpPr>
-            <a:spLocks noGrp="1"/>
-          </p:cNvSpPr>
-          <p:nvPr>
-            <p:ph type="ftr" sz="quarter" idx="11"/>
-          </p:nvPr>
-        </p:nvSpPr>
-        <p:spPr/>
-        <p:txBody>
-          <a:bodyPr/>
-          <a:lstStyle/>
-          <a:p>
-            <a:pPr algn="r"/>
-            <a:r>
-              <a:rPr lang="en-US" smtClean="0"/>
-              <a:t>Sanjay Kalé and PPL (UIUC) – Parallel Migratable Objects </a:t>
-            </a:r>
-            <a:endParaRPr lang="en-US" dirty="0"/>
-          </a:p>
-        </p:txBody>
-      </p:sp>
-      <p:sp>
-        <p:nvSpPr>
-          <p:cNvPr id="26" name="Slide Number Placeholder 25"/>
-          <p:cNvSpPr>
-            <a:spLocks noGrp="1"/>
-          </p:cNvSpPr>
-          <p:nvPr>
-            <p:ph type="sldNum" sz="quarter" idx="12"/>
-          </p:nvPr>
-        </p:nvSpPr>
-        <p:spPr/>
-        <p:txBody>
-          <a:bodyPr/>
-          <a:lstStyle/>
-          <a:p>
-            <a:fld id="{0CFEC368-1D7A-4F81-ABF6-AE0E36BAF64C}" type="slidenum">
-              <a:rPr lang="en-US" smtClean="0"/>
-              <a:pPr/>
-              <a:t>10</a:t>
-            </a:fld>
-            <a:endParaRPr lang="en-US"/>
           </a:p>
         </p:txBody>
       </p:sp>
@@ -6545,6 +8106,77 @@
               <a:rPr lang="en-US" dirty="0"/>
               <a:t>method invocation becomes an act of communication</a:t>
             </a:r>
+          </a:p>
+        </p:txBody>
+      </p:sp>
+      <p:sp>
+        <p:nvSpPr>
+          <p:cNvPr id="4" name="Date Placeholder 3"/>
+          <p:cNvSpPr>
+            <a:spLocks noGrp="1"/>
+          </p:cNvSpPr>
+          <p:nvPr>
+            <p:ph type="dt" sz="half" idx="10"/>
+          </p:nvPr>
+        </p:nvSpPr>
+        <p:spPr/>
+        <p:txBody>
+          <a:bodyPr/>
+          <a:lstStyle/>
+          <a:p>
+            <a:fld id="{CC865FA7-76E5-5C42-96A4-1F7331433C84}" type="datetime2">
+              <a:rPr lang="en-US" smtClean="0"/>
+              <a:t>Wednesday, September 10, 14</a:t>
+            </a:fld>
+            <a:endParaRPr lang="en-US"/>
+          </a:p>
+        </p:txBody>
+      </p:sp>
+      <p:sp>
+        <p:nvSpPr>
+          <p:cNvPr id="15" name="Footer Placeholder 14"/>
+          <p:cNvSpPr>
+            <a:spLocks noGrp="1"/>
+          </p:cNvSpPr>
+          <p:nvPr>
+            <p:ph type="ftr" sz="quarter" idx="11"/>
+          </p:nvPr>
+        </p:nvSpPr>
+        <p:spPr/>
+        <p:txBody>
+          <a:bodyPr/>
+          <a:lstStyle/>
+          <a:p>
+            <a:pPr algn="r"/>
+            <a:r>
+              <a:rPr lang="en-US" smtClean="0"/>
+              <a:t>Sanjay Kalé and PPL (UIUC) – Parallel Migratable Objects </a:t>
+            </a:r>
+            <a:endParaRPr lang="en-US" dirty="0"/>
+          </a:p>
+        </p:txBody>
+      </p:sp>
+      <p:sp>
+        <p:nvSpPr>
+          <p:cNvPr id="16" name="Slide Number Placeholder 15"/>
+          <p:cNvSpPr>
+            <a:spLocks noGrp="1"/>
+          </p:cNvSpPr>
+          <p:nvPr>
+            <p:ph type="sldNum" sz="quarter" idx="12"/>
+          </p:nvPr>
+        </p:nvSpPr>
+        <p:spPr/>
+        <p:txBody>
+          <a:bodyPr/>
+          <a:lstStyle/>
+          <a:p>
+            <a:fld id="{0CFEC368-1D7A-4F81-ABF6-AE0E36BAF64C}" type="slidenum">
+              <a:rPr lang="en-US" smtClean="0"/>
+              <a:pPr/>
+              <a:t>11</a:t>
+            </a:fld>
+            <a:endParaRPr lang="en-US"/>
           </a:p>
         </p:txBody>
       </p:sp>
@@ -7422,77 +9054,6 @@
           </a:p>
         </p:txBody>
       </p:sp>
-      <p:sp>
-        <p:nvSpPr>
-          <p:cNvPr id="4" name="Date Placeholder 3"/>
-          <p:cNvSpPr>
-            <a:spLocks noGrp="1"/>
-          </p:cNvSpPr>
-          <p:nvPr>
-            <p:ph type="dt" sz="half" idx="10"/>
-          </p:nvPr>
-        </p:nvSpPr>
-        <p:spPr/>
-        <p:txBody>
-          <a:bodyPr/>
-          <a:lstStyle/>
-          <a:p>
-            <a:fld id="{CC865FA7-76E5-5C42-96A4-1F7331433C84}" type="datetime2">
-              <a:rPr lang="en-US" smtClean="0"/>
-              <a:t>Wednesday, September 10, 14</a:t>
-            </a:fld>
-            <a:endParaRPr lang="en-US"/>
-          </a:p>
-        </p:txBody>
-      </p:sp>
-      <p:sp>
-        <p:nvSpPr>
-          <p:cNvPr id="15" name="Footer Placeholder 14"/>
-          <p:cNvSpPr>
-            <a:spLocks noGrp="1"/>
-          </p:cNvSpPr>
-          <p:nvPr>
-            <p:ph type="ftr" sz="quarter" idx="11"/>
-          </p:nvPr>
-        </p:nvSpPr>
-        <p:spPr/>
-        <p:txBody>
-          <a:bodyPr/>
-          <a:lstStyle/>
-          <a:p>
-            <a:pPr algn="r"/>
-            <a:r>
-              <a:rPr lang="en-US" smtClean="0"/>
-              <a:t>Sanjay Kalé and PPL (UIUC) – Parallel Migratable Objects </a:t>
-            </a:r>
-            <a:endParaRPr lang="en-US" dirty="0"/>
-          </a:p>
-        </p:txBody>
-      </p:sp>
-      <p:sp>
-        <p:nvSpPr>
-          <p:cNvPr id="16" name="Slide Number Placeholder 15"/>
-          <p:cNvSpPr>
-            <a:spLocks noGrp="1"/>
-          </p:cNvSpPr>
-          <p:nvPr>
-            <p:ph type="sldNum" sz="quarter" idx="12"/>
-          </p:nvPr>
-        </p:nvSpPr>
-        <p:spPr/>
-        <p:txBody>
-          <a:bodyPr/>
-          <a:lstStyle/>
-          <a:p>
-            <a:fld id="{0CFEC368-1D7A-4F81-ABF6-AE0E36BAF64C}" type="slidenum">
-              <a:rPr lang="en-US" smtClean="0"/>
-              <a:pPr/>
-              <a:t>11</a:t>
-            </a:fld>
-            <a:endParaRPr lang="en-US"/>
-          </a:p>
-        </p:txBody>
-      </p:sp>
     </p:spTree>
     <p:extLst>
       <p:ext uri="{BB962C8B-B14F-4D97-AF65-F5344CB8AC3E}">
@@ -7608,6 +9169,77 @@
           </a:p>
         </p:txBody>
       </p:sp>
+      <p:sp>
+        <p:nvSpPr>
+          <p:cNvPr id="4" name="Date Placeholder 3"/>
+          <p:cNvSpPr>
+            <a:spLocks noGrp="1"/>
+          </p:cNvSpPr>
+          <p:nvPr>
+            <p:ph type="dt" sz="half" idx="10"/>
+          </p:nvPr>
+        </p:nvSpPr>
+        <p:spPr/>
+        <p:txBody>
+          <a:bodyPr/>
+          <a:lstStyle/>
+          <a:p>
+            <a:fld id="{6859C538-CB0C-6042-B4CC-A78E872CA49F}" type="datetime2">
+              <a:rPr lang="en-US" smtClean="0"/>
+              <a:t>Wednesday, September 10, 14</a:t>
+            </a:fld>
+            <a:endParaRPr lang="en-US"/>
+          </a:p>
+        </p:txBody>
+      </p:sp>
+      <p:sp>
+        <p:nvSpPr>
+          <p:cNvPr id="6" name="Footer Placeholder 5"/>
+          <p:cNvSpPr>
+            <a:spLocks noGrp="1"/>
+          </p:cNvSpPr>
+          <p:nvPr>
+            <p:ph type="ftr" sz="quarter" idx="11"/>
+          </p:nvPr>
+        </p:nvSpPr>
+        <p:spPr/>
+        <p:txBody>
+          <a:bodyPr/>
+          <a:lstStyle/>
+          <a:p>
+            <a:pPr algn="r"/>
+            <a:r>
+              <a:rPr lang="en-US" smtClean="0"/>
+              <a:t>Sanjay Kalé and PPL (UIUC) – Parallel Migratable Objects </a:t>
+            </a:r>
+            <a:endParaRPr lang="en-US" dirty="0"/>
+          </a:p>
+        </p:txBody>
+      </p:sp>
+      <p:sp>
+        <p:nvSpPr>
+          <p:cNvPr id="7" name="Slide Number Placeholder 6"/>
+          <p:cNvSpPr>
+            <a:spLocks noGrp="1"/>
+          </p:cNvSpPr>
+          <p:nvPr>
+            <p:ph type="sldNum" sz="quarter" idx="12"/>
+          </p:nvPr>
+        </p:nvSpPr>
+        <p:spPr/>
+        <p:txBody>
+          <a:bodyPr/>
+          <a:lstStyle/>
+          <a:p>
+            <a:fld id="{0CFEC368-1D7A-4F81-ABF6-AE0E36BAF64C}" type="slidenum">
+              <a:rPr lang="en-US" smtClean="0"/>
+              <a:pPr/>
+              <a:t>12</a:t>
+            </a:fld>
+            <a:endParaRPr lang="en-US"/>
+          </a:p>
+        </p:txBody>
+      </p:sp>
       <p:pic>
         <p:nvPicPr>
           <p:cNvPr id="5" name="Picture 4"/>
@@ -7632,77 +9264,6 @@
           </a:prstGeom>
         </p:spPr>
       </p:pic>
-      <p:sp>
-        <p:nvSpPr>
-          <p:cNvPr id="4" name="Date Placeholder 3"/>
-          <p:cNvSpPr>
-            <a:spLocks noGrp="1"/>
-          </p:cNvSpPr>
-          <p:nvPr>
-            <p:ph type="dt" sz="half" idx="10"/>
-          </p:nvPr>
-        </p:nvSpPr>
-        <p:spPr/>
-        <p:txBody>
-          <a:bodyPr/>
-          <a:lstStyle/>
-          <a:p>
-            <a:fld id="{6859C538-CB0C-6042-B4CC-A78E872CA49F}" type="datetime2">
-              <a:rPr lang="en-US" smtClean="0"/>
-              <a:t>Wednesday, September 10, 14</a:t>
-            </a:fld>
-            <a:endParaRPr lang="en-US"/>
-          </a:p>
-        </p:txBody>
-      </p:sp>
-      <p:sp>
-        <p:nvSpPr>
-          <p:cNvPr id="6" name="Footer Placeholder 5"/>
-          <p:cNvSpPr>
-            <a:spLocks noGrp="1"/>
-          </p:cNvSpPr>
-          <p:nvPr>
-            <p:ph type="ftr" sz="quarter" idx="11"/>
-          </p:nvPr>
-        </p:nvSpPr>
-        <p:spPr/>
-        <p:txBody>
-          <a:bodyPr/>
-          <a:lstStyle/>
-          <a:p>
-            <a:pPr algn="r"/>
-            <a:r>
-              <a:rPr lang="en-US" smtClean="0"/>
-              <a:t>Sanjay Kalé and PPL (UIUC) – Parallel Migratable Objects </a:t>
-            </a:r>
-            <a:endParaRPr lang="en-US" dirty="0"/>
-          </a:p>
-        </p:txBody>
-      </p:sp>
-      <p:sp>
-        <p:nvSpPr>
-          <p:cNvPr id="7" name="Slide Number Placeholder 6"/>
-          <p:cNvSpPr>
-            <a:spLocks noGrp="1"/>
-          </p:cNvSpPr>
-          <p:nvPr>
-            <p:ph type="sldNum" sz="quarter" idx="12"/>
-          </p:nvPr>
-        </p:nvSpPr>
-        <p:spPr/>
-        <p:txBody>
-          <a:bodyPr/>
-          <a:lstStyle/>
-          <a:p>
-            <a:fld id="{0CFEC368-1D7A-4F81-ABF6-AE0E36BAF64C}" type="slidenum">
-              <a:rPr lang="en-US" smtClean="0"/>
-              <a:pPr/>
-              <a:t>12</a:t>
-            </a:fld>
-            <a:endParaRPr lang="en-US"/>
-          </a:p>
-        </p:txBody>
-      </p:sp>
     </p:spTree>
     <p:extLst>
       <p:ext uri="{BB962C8B-B14F-4D97-AF65-F5344CB8AC3E}">
@@ -7837,6 +9398,77 @@
           </a:p>
         </p:txBody>
       </p:sp>
+      <p:sp>
+        <p:nvSpPr>
+          <p:cNvPr id="5" name="Date Placeholder 4"/>
+          <p:cNvSpPr>
+            <a:spLocks noGrp="1"/>
+          </p:cNvSpPr>
+          <p:nvPr>
+            <p:ph type="dt" sz="half" idx="10"/>
+          </p:nvPr>
+        </p:nvSpPr>
+        <p:spPr/>
+        <p:txBody>
+          <a:bodyPr/>
+          <a:lstStyle/>
+          <a:p>
+            <a:fld id="{88DDB4B2-2C7B-074B-B68B-552850FF2C7D}" type="datetime2">
+              <a:rPr lang="en-US" smtClean="0"/>
+              <a:t>Wednesday, September 10, 14</a:t>
+            </a:fld>
+            <a:endParaRPr lang="en-US"/>
+          </a:p>
+        </p:txBody>
+      </p:sp>
+      <p:sp>
+        <p:nvSpPr>
+          <p:cNvPr id="6" name="Footer Placeholder 5"/>
+          <p:cNvSpPr>
+            <a:spLocks noGrp="1"/>
+          </p:cNvSpPr>
+          <p:nvPr>
+            <p:ph type="ftr" sz="quarter" idx="11"/>
+          </p:nvPr>
+        </p:nvSpPr>
+        <p:spPr/>
+        <p:txBody>
+          <a:bodyPr/>
+          <a:lstStyle/>
+          <a:p>
+            <a:pPr algn="r"/>
+            <a:r>
+              <a:rPr lang="en-US" smtClean="0"/>
+              <a:t>Sanjay Kalé and PPL (UIUC) – Parallel Migratable Objects </a:t>
+            </a:r>
+            <a:endParaRPr lang="en-US" dirty="0"/>
+          </a:p>
+        </p:txBody>
+      </p:sp>
+      <p:sp>
+        <p:nvSpPr>
+          <p:cNvPr id="7" name="Slide Number Placeholder 6"/>
+          <p:cNvSpPr>
+            <a:spLocks noGrp="1"/>
+          </p:cNvSpPr>
+          <p:nvPr>
+            <p:ph type="sldNum" sz="quarter" idx="12"/>
+          </p:nvPr>
+        </p:nvSpPr>
+        <p:spPr/>
+        <p:txBody>
+          <a:bodyPr/>
+          <a:lstStyle/>
+          <a:p>
+            <a:fld id="{0CFEC368-1D7A-4F81-ABF6-AE0E36BAF64C}" type="slidenum">
+              <a:rPr lang="en-US" smtClean="0"/>
+              <a:pPr/>
+              <a:t>13</a:t>
+            </a:fld>
+            <a:endParaRPr lang="en-US"/>
+          </a:p>
+        </p:txBody>
+      </p:sp>
       <p:pic>
         <p:nvPicPr>
           <p:cNvPr id="4" name="Picture 3"/>
@@ -7861,77 +9493,6 @@
           </a:prstGeom>
         </p:spPr>
       </p:pic>
-      <p:sp>
-        <p:nvSpPr>
-          <p:cNvPr id="5" name="Date Placeholder 4"/>
-          <p:cNvSpPr>
-            <a:spLocks noGrp="1"/>
-          </p:cNvSpPr>
-          <p:nvPr>
-            <p:ph type="dt" sz="half" idx="10"/>
-          </p:nvPr>
-        </p:nvSpPr>
-        <p:spPr/>
-        <p:txBody>
-          <a:bodyPr/>
-          <a:lstStyle/>
-          <a:p>
-            <a:fld id="{88DDB4B2-2C7B-074B-B68B-552850FF2C7D}" type="datetime2">
-              <a:rPr lang="en-US" smtClean="0"/>
-              <a:t>Wednesday, September 10, 14</a:t>
-            </a:fld>
-            <a:endParaRPr lang="en-US"/>
-          </a:p>
-        </p:txBody>
-      </p:sp>
-      <p:sp>
-        <p:nvSpPr>
-          <p:cNvPr id="6" name="Footer Placeholder 5"/>
-          <p:cNvSpPr>
-            <a:spLocks noGrp="1"/>
-          </p:cNvSpPr>
-          <p:nvPr>
-            <p:ph type="ftr" sz="quarter" idx="11"/>
-          </p:nvPr>
-        </p:nvSpPr>
-        <p:spPr/>
-        <p:txBody>
-          <a:bodyPr/>
-          <a:lstStyle/>
-          <a:p>
-            <a:pPr algn="r"/>
-            <a:r>
-              <a:rPr lang="en-US" smtClean="0"/>
-              <a:t>Sanjay Kalé and PPL (UIUC) – Parallel Migratable Objects </a:t>
-            </a:r>
-            <a:endParaRPr lang="en-US" dirty="0"/>
-          </a:p>
-        </p:txBody>
-      </p:sp>
-      <p:sp>
-        <p:nvSpPr>
-          <p:cNvPr id="7" name="Slide Number Placeholder 6"/>
-          <p:cNvSpPr>
-            <a:spLocks noGrp="1"/>
-          </p:cNvSpPr>
-          <p:nvPr>
-            <p:ph type="sldNum" sz="quarter" idx="12"/>
-          </p:nvPr>
-        </p:nvSpPr>
-        <p:spPr/>
-        <p:txBody>
-          <a:bodyPr/>
-          <a:lstStyle/>
-          <a:p>
-            <a:fld id="{0CFEC368-1D7A-4F81-ABF6-AE0E36BAF64C}" type="slidenum">
-              <a:rPr lang="en-US" smtClean="0"/>
-              <a:pPr/>
-              <a:t>13</a:t>
-            </a:fld>
-            <a:endParaRPr lang="en-US"/>
-          </a:p>
-        </p:txBody>
-      </p:sp>
     </p:spTree>
     <p:extLst>
       <p:ext uri="{BB962C8B-B14F-4D97-AF65-F5344CB8AC3E}">
@@ -7993,6 +9554,77 @@
           </a:p>
         </p:txBody>
       </p:sp>
+      <p:sp>
+        <p:nvSpPr>
+          <p:cNvPr id="4" name="Date Placeholder 3"/>
+          <p:cNvSpPr>
+            <a:spLocks noGrp="1"/>
+          </p:cNvSpPr>
+          <p:nvPr>
+            <p:ph type="dt" sz="half" idx="10"/>
+          </p:nvPr>
+        </p:nvSpPr>
+        <p:spPr/>
+        <p:txBody>
+          <a:bodyPr/>
+          <a:lstStyle/>
+          <a:p>
+            <a:fld id="{CA5E7B7B-D7FD-4D4E-90EF-E4394C25BA2F}" type="datetime2">
+              <a:rPr lang="en-US" smtClean="0"/>
+              <a:t>Wednesday, September 10, 14</a:t>
+            </a:fld>
+            <a:endParaRPr lang="en-US"/>
+          </a:p>
+        </p:txBody>
+      </p:sp>
+      <p:sp>
+        <p:nvSpPr>
+          <p:cNvPr id="5" name="Footer Placeholder 4"/>
+          <p:cNvSpPr>
+            <a:spLocks noGrp="1"/>
+          </p:cNvSpPr>
+          <p:nvPr>
+            <p:ph type="ftr" sz="quarter" idx="11"/>
+          </p:nvPr>
+        </p:nvSpPr>
+        <p:spPr/>
+        <p:txBody>
+          <a:bodyPr/>
+          <a:lstStyle/>
+          <a:p>
+            <a:pPr algn="r"/>
+            <a:r>
+              <a:rPr lang="en-US" smtClean="0"/>
+              <a:t>Sanjay Kalé and PPL (UIUC) – Parallel Migratable Objects </a:t>
+            </a:r>
+            <a:endParaRPr lang="en-US" dirty="0"/>
+          </a:p>
+        </p:txBody>
+      </p:sp>
+      <p:sp>
+        <p:nvSpPr>
+          <p:cNvPr id="6" name="Slide Number Placeholder 5"/>
+          <p:cNvSpPr>
+            <a:spLocks noGrp="1"/>
+          </p:cNvSpPr>
+          <p:nvPr>
+            <p:ph type="sldNum" sz="quarter" idx="12"/>
+          </p:nvPr>
+        </p:nvSpPr>
+        <p:spPr/>
+        <p:txBody>
+          <a:bodyPr/>
+          <a:lstStyle/>
+          <a:p>
+            <a:fld id="{0CFEC368-1D7A-4F81-ABF6-AE0E36BAF64C}" type="slidenum">
+              <a:rPr lang="en-US" smtClean="0"/>
+              <a:pPr/>
+              <a:t>14</a:t>
+            </a:fld>
+            <a:endParaRPr lang="en-US"/>
+          </a:p>
+        </p:txBody>
+      </p:sp>
       <p:pic>
         <p:nvPicPr>
           <p:cNvPr id="3" name="Picture 2"/>
@@ -8017,77 +9649,6 @@
           </a:prstGeom>
         </p:spPr>
       </p:pic>
-      <p:sp>
-        <p:nvSpPr>
-          <p:cNvPr id="4" name="Date Placeholder 3"/>
-          <p:cNvSpPr>
-            <a:spLocks noGrp="1"/>
-          </p:cNvSpPr>
-          <p:nvPr>
-            <p:ph type="dt" sz="half" idx="10"/>
-          </p:nvPr>
-        </p:nvSpPr>
-        <p:spPr/>
-        <p:txBody>
-          <a:bodyPr/>
-          <a:lstStyle/>
-          <a:p>
-            <a:fld id="{CA5E7B7B-D7FD-4D4E-90EF-E4394C25BA2F}" type="datetime2">
-              <a:rPr lang="en-US" smtClean="0"/>
-              <a:t>Wednesday, September 10, 14</a:t>
-            </a:fld>
-            <a:endParaRPr lang="en-US"/>
-          </a:p>
-        </p:txBody>
-      </p:sp>
-      <p:sp>
-        <p:nvSpPr>
-          <p:cNvPr id="5" name="Footer Placeholder 4"/>
-          <p:cNvSpPr>
-            <a:spLocks noGrp="1"/>
-          </p:cNvSpPr>
-          <p:nvPr>
-            <p:ph type="ftr" sz="quarter" idx="11"/>
-          </p:nvPr>
-        </p:nvSpPr>
-        <p:spPr/>
-        <p:txBody>
-          <a:bodyPr/>
-          <a:lstStyle/>
-          <a:p>
-            <a:pPr algn="r"/>
-            <a:r>
-              <a:rPr lang="en-US" smtClean="0"/>
-              <a:t>Sanjay Kalé and PPL (UIUC) – Parallel Migratable Objects </a:t>
-            </a:r>
-            <a:endParaRPr lang="en-US" dirty="0"/>
-          </a:p>
-        </p:txBody>
-      </p:sp>
-      <p:sp>
-        <p:nvSpPr>
-          <p:cNvPr id="6" name="Slide Number Placeholder 5"/>
-          <p:cNvSpPr>
-            <a:spLocks noGrp="1"/>
-          </p:cNvSpPr>
-          <p:nvPr>
-            <p:ph type="sldNum" sz="quarter" idx="12"/>
-          </p:nvPr>
-        </p:nvSpPr>
-        <p:spPr/>
-        <p:txBody>
-          <a:bodyPr/>
-          <a:lstStyle/>
-          <a:p>
-            <a:fld id="{0CFEC368-1D7A-4F81-ABF6-AE0E36BAF64C}" type="slidenum">
-              <a:rPr lang="en-US" smtClean="0"/>
-              <a:pPr/>
-              <a:t>14</a:t>
-            </a:fld>
-            <a:endParaRPr lang="en-US"/>
-          </a:p>
-        </p:txBody>
-      </p:sp>
     </p:spTree>
     <p:extLst>
       <p:ext uri="{BB962C8B-B14F-4D97-AF65-F5344CB8AC3E}">
@@ -8508,6 +10069,77 @@
           </a:p>
         </p:txBody>
       </p:sp>
+      <p:sp>
+        <p:nvSpPr>
+          <p:cNvPr id="5" name="Date Placeholder 4"/>
+          <p:cNvSpPr>
+            <a:spLocks noGrp="1"/>
+          </p:cNvSpPr>
+          <p:nvPr>
+            <p:ph type="dt" sz="half" idx="10"/>
+          </p:nvPr>
+        </p:nvSpPr>
+        <p:spPr/>
+        <p:txBody>
+          <a:bodyPr/>
+          <a:lstStyle/>
+          <a:p>
+            <a:fld id="{8463968F-93A4-C84C-9FC0-6F1C4806BE33}" type="datetime2">
+              <a:rPr lang="en-US" smtClean="0"/>
+              <a:t>Wednesday, September 10, 14</a:t>
+            </a:fld>
+            <a:endParaRPr lang="en-US"/>
+          </a:p>
+        </p:txBody>
+      </p:sp>
+      <p:sp>
+        <p:nvSpPr>
+          <p:cNvPr id="6" name="Footer Placeholder 5"/>
+          <p:cNvSpPr>
+            <a:spLocks noGrp="1"/>
+          </p:cNvSpPr>
+          <p:nvPr>
+            <p:ph type="ftr" sz="quarter" idx="11"/>
+          </p:nvPr>
+        </p:nvSpPr>
+        <p:spPr/>
+        <p:txBody>
+          <a:bodyPr/>
+          <a:lstStyle/>
+          <a:p>
+            <a:pPr algn="r"/>
+            <a:r>
+              <a:rPr lang="en-US" smtClean="0"/>
+              <a:t>Sanjay Kalé and PPL (UIUC) – Parallel Migratable Objects </a:t>
+            </a:r>
+            <a:endParaRPr lang="en-US" dirty="0"/>
+          </a:p>
+        </p:txBody>
+      </p:sp>
+      <p:sp>
+        <p:nvSpPr>
+          <p:cNvPr id="7" name="Slide Number Placeholder 6"/>
+          <p:cNvSpPr>
+            <a:spLocks noGrp="1"/>
+          </p:cNvSpPr>
+          <p:nvPr>
+            <p:ph type="sldNum" sz="quarter" idx="12"/>
+          </p:nvPr>
+        </p:nvSpPr>
+        <p:spPr/>
+        <p:txBody>
+          <a:bodyPr/>
+          <a:lstStyle/>
+          <a:p>
+            <a:fld id="{0CFEC368-1D7A-4F81-ABF6-AE0E36BAF64C}" type="slidenum">
+              <a:rPr lang="en-US" smtClean="0"/>
+              <a:pPr/>
+              <a:t>16</a:t>
+            </a:fld>
+            <a:endParaRPr lang="en-US"/>
+          </a:p>
+        </p:txBody>
+      </p:sp>
       <p:pic>
         <p:nvPicPr>
           <p:cNvPr id="4" name="Picture 3"/>
@@ -8532,77 +10164,6 @@
           </a:prstGeom>
         </p:spPr>
       </p:pic>
-      <p:sp>
-        <p:nvSpPr>
-          <p:cNvPr id="5" name="Date Placeholder 4"/>
-          <p:cNvSpPr>
-            <a:spLocks noGrp="1"/>
-          </p:cNvSpPr>
-          <p:nvPr>
-            <p:ph type="dt" sz="half" idx="10"/>
-          </p:nvPr>
-        </p:nvSpPr>
-        <p:spPr/>
-        <p:txBody>
-          <a:bodyPr/>
-          <a:lstStyle/>
-          <a:p>
-            <a:fld id="{8463968F-93A4-C84C-9FC0-6F1C4806BE33}" type="datetime2">
-              <a:rPr lang="en-US" smtClean="0"/>
-              <a:t>Wednesday, September 10, 14</a:t>
-            </a:fld>
-            <a:endParaRPr lang="en-US"/>
-          </a:p>
-        </p:txBody>
-      </p:sp>
-      <p:sp>
-        <p:nvSpPr>
-          <p:cNvPr id="6" name="Footer Placeholder 5"/>
-          <p:cNvSpPr>
-            <a:spLocks noGrp="1"/>
-          </p:cNvSpPr>
-          <p:nvPr>
-            <p:ph type="ftr" sz="quarter" idx="11"/>
-          </p:nvPr>
-        </p:nvSpPr>
-        <p:spPr/>
-        <p:txBody>
-          <a:bodyPr/>
-          <a:lstStyle/>
-          <a:p>
-            <a:pPr algn="r"/>
-            <a:r>
-              <a:rPr lang="en-US" smtClean="0"/>
-              <a:t>Sanjay Kalé and PPL (UIUC) – Parallel Migratable Objects </a:t>
-            </a:r>
-            <a:endParaRPr lang="en-US" dirty="0"/>
-          </a:p>
-        </p:txBody>
-      </p:sp>
-      <p:sp>
-        <p:nvSpPr>
-          <p:cNvPr id="7" name="Slide Number Placeholder 6"/>
-          <p:cNvSpPr>
-            <a:spLocks noGrp="1"/>
-          </p:cNvSpPr>
-          <p:nvPr>
-            <p:ph type="sldNum" sz="quarter" idx="12"/>
-          </p:nvPr>
-        </p:nvSpPr>
-        <p:spPr/>
-        <p:txBody>
-          <a:bodyPr/>
-          <a:lstStyle/>
-          <a:p>
-            <a:fld id="{0CFEC368-1D7A-4F81-ABF6-AE0E36BAF64C}" type="slidenum">
-              <a:rPr lang="en-US" smtClean="0"/>
-              <a:pPr/>
-              <a:t>16</a:t>
-            </a:fld>
-            <a:endParaRPr lang="en-US"/>
-          </a:p>
-        </p:txBody>
-      </p:sp>
     </p:spTree>
     <p:extLst>
       <p:ext uri="{BB962C8B-B14F-4D97-AF65-F5344CB8AC3E}">
@@ -8938,6 +10499,77 @@
           </a:p>
         </p:txBody>
       </p:sp>
+      <p:sp>
+        <p:nvSpPr>
+          <p:cNvPr id="5" name="Date Placeholder 4"/>
+          <p:cNvSpPr>
+            <a:spLocks noGrp="1"/>
+          </p:cNvSpPr>
+          <p:nvPr>
+            <p:ph type="dt" sz="half" idx="10"/>
+          </p:nvPr>
+        </p:nvSpPr>
+        <p:spPr/>
+        <p:txBody>
+          <a:bodyPr/>
+          <a:lstStyle/>
+          <a:p>
+            <a:fld id="{99D99C1C-6727-C344-B1D9-5F6CCC13E6A8}" type="datetime2">
+              <a:rPr lang="en-US" smtClean="0"/>
+              <a:t>Wednesday, September 10, 14</a:t>
+            </a:fld>
+            <a:endParaRPr lang="en-US"/>
+          </a:p>
+        </p:txBody>
+      </p:sp>
+      <p:sp>
+        <p:nvSpPr>
+          <p:cNvPr id="6" name="Footer Placeholder 5"/>
+          <p:cNvSpPr>
+            <a:spLocks noGrp="1"/>
+          </p:cNvSpPr>
+          <p:nvPr>
+            <p:ph type="ftr" sz="quarter" idx="11"/>
+          </p:nvPr>
+        </p:nvSpPr>
+        <p:spPr/>
+        <p:txBody>
+          <a:bodyPr/>
+          <a:lstStyle/>
+          <a:p>
+            <a:pPr algn="r"/>
+            <a:r>
+              <a:rPr lang="en-US" smtClean="0"/>
+              <a:t>Sanjay Kalé and PPL (UIUC) – Parallel Migratable Objects </a:t>
+            </a:r>
+            <a:endParaRPr lang="en-US" dirty="0"/>
+          </a:p>
+        </p:txBody>
+      </p:sp>
+      <p:sp>
+        <p:nvSpPr>
+          <p:cNvPr id="7" name="Slide Number Placeholder 6"/>
+          <p:cNvSpPr>
+            <a:spLocks noGrp="1"/>
+          </p:cNvSpPr>
+          <p:nvPr>
+            <p:ph type="sldNum" sz="quarter" idx="12"/>
+          </p:nvPr>
+        </p:nvSpPr>
+        <p:spPr/>
+        <p:txBody>
+          <a:bodyPr/>
+          <a:lstStyle/>
+          <a:p>
+            <a:fld id="{0CFEC368-1D7A-4F81-ABF6-AE0E36BAF64C}" type="slidenum">
+              <a:rPr lang="en-US" smtClean="0"/>
+              <a:pPr/>
+              <a:t>17</a:t>
+            </a:fld>
+            <a:endParaRPr lang="en-US"/>
+          </a:p>
+        </p:txBody>
+      </p:sp>
       <p:pic>
         <p:nvPicPr>
           <p:cNvPr id="4" name="Picture 3"/>
@@ -8962,77 +10594,6 @@
           </a:prstGeom>
         </p:spPr>
       </p:pic>
-      <p:sp>
-        <p:nvSpPr>
-          <p:cNvPr id="5" name="Date Placeholder 4"/>
-          <p:cNvSpPr>
-            <a:spLocks noGrp="1"/>
-          </p:cNvSpPr>
-          <p:nvPr>
-            <p:ph type="dt" sz="half" idx="10"/>
-          </p:nvPr>
-        </p:nvSpPr>
-        <p:spPr/>
-        <p:txBody>
-          <a:bodyPr/>
-          <a:lstStyle/>
-          <a:p>
-            <a:fld id="{99D99C1C-6727-C344-B1D9-5F6CCC13E6A8}" type="datetime2">
-              <a:rPr lang="en-US" smtClean="0"/>
-              <a:t>Wednesday, September 10, 14</a:t>
-            </a:fld>
-            <a:endParaRPr lang="en-US"/>
-          </a:p>
-        </p:txBody>
-      </p:sp>
-      <p:sp>
-        <p:nvSpPr>
-          <p:cNvPr id="6" name="Footer Placeholder 5"/>
-          <p:cNvSpPr>
-            <a:spLocks noGrp="1"/>
-          </p:cNvSpPr>
-          <p:nvPr>
-            <p:ph type="ftr" sz="quarter" idx="11"/>
-          </p:nvPr>
-        </p:nvSpPr>
-        <p:spPr/>
-        <p:txBody>
-          <a:bodyPr/>
-          <a:lstStyle/>
-          <a:p>
-            <a:pPr algn="r"/>
-            <a:r>
-              <a:rPr lang="en-US" smtClean="0"/>
-              <a:t>Sanjay Kalé and PPL (UIUC) – Parallel Migratable Objects </a:t>
-            </a:r>
-            <a:endParaRPr lang="en-US" dirty="0"/>
-          </a:p>
-        </p:txBody>
-      </p:sp>
-      <p:sp>
-        <p:nvSpPr>
-          <p:cNvPr id="7" name="Slide Number Placeholder 6"/>
-          <p:cNvSpPr>
-            <a:spLocks noGrp="1"/>
-          </p:cNvSpPr>
-          <p:nvPr>
-            <p:ph type="sldNum" sz="quarter" idx="12"/>
-          </p:nvPr>
-        </p:nvSpPr>
-        <p:spPr/>
-        <p:txBody>
-          <a:bodyPr/>
-          <a:lstStyle/>
-          <a:p>
-            <a:fld id="{0CFEC368-1D7A-4F81-ABF6-AE0E36BAF64C}" type="slidenum">
-              <a:rPr lang="en-US" smtClean="0"/>
-              <a:pPr/>
-              <a:t>17</a:t>
-            </a:fld>
-            <a:endParaRPr lang="en-US"/>
-          </a:p>
-        </p:txBody>
-      </p:sp>
     </p:spTree>
     <p:extLst>
       <p:ext uri="{BB962C8B-B14F-4D97-AF65-F5344CB8AC3E}">
@@ -10299,7 +11860,7 @@
               </a:ext>
             </a:extLst>
           </a:blip>
-          <a:srcRect t="11623" b="11623"/>
+          <a:srcRect t="12565" b="12565"/>
           <a:stretch>
             <a:fillRect/>
           </a:stretch>
@@ -10308,6 +11869,77 @@
       </p:pic>
       <p:sp>
         <p:nvSpPr>
+          <p:cNvPr id="3" name="Date Placeholder 2"/>
+          <p:cNvSpPr>
+            <a:spLocks noGrp="1"/>
+          </p:cNvSpPr>
+          <p:nvPr>
+            <p:ph type="dt" sz="half" idx="10"/>
+          </p:nvPr>
+        </p:nvSpPr>
+        <p:spPr/>
+        <p:txBody>
+          <a:bodyPr/>
+          <a:lstStyle/>
+          <a:p>
+            <a:fld id="{49969878-E4FC-4B4F-8757-96654B5071D4}" type="datetime2">
+              <a:rPr lang="en-US" smtClean="0"/>
+              <a:t>Wednesday, September 10, 14</a:t>
+            </a:fld>
+            <a:endParaRPr lang="en-US" dirty="0"/>
+          </a:p>
+        </p:txBody>
+      </p:sp>
+      <p:sp>
+        <p:nvSpPr>
+          <p:cNvPr id="5" name="Footer Placeholder 4"/>
+          <p:cNvSpPr>
+            <a:spLocks noGrp="1"/>
+          </p:cNvSpPr>
+          <p:nvPr>
+            <p:ph type="ftr" sz="quarter" idx="11"/>
+          </p:nvPr>
+        </p:nvSpPr>
+        <p:spPr/>
+        <p:txBody>
+          <a:bodyPr/>
+          <a:lstStyle/>
+          <a:p>
+            <a:pPr algn="r"/>
+            <a:r>
+              <a:rPr lang="en-US" smtClean="0"/>
+              <a:t>Sanjay Kalé and PPL (UIUC) – Parallel Migratable Objects </a:t>
+            </a:r>
+            <a:endParaRPr lang="en-US" dirty="0"/>
+          </a:p>
+        </p:txBody>
+      </p:sp>
+      <p:sp>
+        <p:nvSpPr>
+          <p:cNvPr id="9" name="Slide Number Placeholder 8"/>
+          <p:cNvSpPr>
+            <a:spLocks noGrp="1"/>
+          </p:cNvSpPr>
+          <p:nvPr>
+            <p:ph type="sldNum" sz="quarter" idx="12"/>
+          </p:nvPr>
+        </p:nvSpPr>
+        <p:spPr/>
+        <p:txBody>
+          <a:bodyPr/>
+          <a:lstStyle/>
+          <a:p>
+            <a:fld id="{0CFEC368-1D7A-4F81-ABF6-AE0E36BAF64C}" type="slidenum">
+              <a:rPr lang="en-US" smtClean="0"/>
+              <a:pPr/>
+              <a:t>5</a:t>
+            </a:fld>
+            <a:endParaRPr lang="en-US" dirty="0"/>
+          </a:p>
+        </p:txBody>
+      </p:sp>
+      <p:sp>
+        <p:nvSpPr>
           <p:cNvPr id="6" name="Content Placeholder 5"/>
           <p:cNvSpPr>
             <a:spLocks noGrp="1"/>
@@ -10378,77 +12010,6 @@
               <a:rPr lang="en-US" dirty="0" smtClean="0"/>
               <a:t>Implications</a:t>
             </a:r>
-            <a:endParaRPr lang="en-US" dirty="0"/>
-          </a:p>
-        </p:txBody>
-      </p:sp>
-      <p:sp>
-        <p:nvSpPr>
-          <p:cNvPr id="3" name="Date Placeholder 2"/>
-          <p:cNvSpPr>
-            <a:spLocks noGrp="1"/>
-          </p:cNvSpPr>
-          <p:nvPr>
-            <p:ph type="dt" sz="half" idx="10"/>
-          </p:nvPr>
-        </p:nvSpPr>
-        <p:spPr/>
-        <p:txBody>
-          <a:bodyPr/>
-          <a:lstStyle/>
-          <a:p>
-            <a:fld id="{49969878-E4FC-4B4F-8757-96654B5071D4}" type="datetime2">
-              <a:rPr lang="en-US" smtClean="0"/>
-              <a:t>Wednesday, September 10, 14</a:t>
-            </a:fld>
-            <a:endParaRPr lang="en-US" dirty="0"/>
-          </a:p>
-        </p:txBody>
-      </p:sp>
-      <p:sp>
-        <p:nvSpPr>
-          <p:cNvPr id="5" name="Footer Placeholder 4"/>
-          <p:cNvSpPr>
-            <a:spLocks noGrp="1"/>
-          </p:cNvSpPr>
-          <p:nvPr>
-            <p:ph type="ftr" sz="quarter" idx="11"/>
-          </p:nvPr>
-        </p:nvSpPr>
-        <p:spPr/>
-        <p:txBody>
-          <a:bodyPr/>
-          <a:lstStyle/>
-          <a:p>
-            <a:pPr algn="r"/>
-            <a:r>
-              <a:rPr lang="en-US" smtClean="0"/>
-              <a:t>Sanjay Kalé and PPL (UIUC) – Parallel Migratable Objects </a:t>
-            </a:r>
-            <a:endParaRPr lang="en-US" dirty="0"/>
-          </a:p>
-        </p:txBody>
-      </p:sp>
-      <p:sp>
-        <p:nvSpPr>
-          <p:cNvPr id="9" name="Slide Number Placeholder 8"/>
-          <p:cNvSpPr>
-            <a:spLocks noGrp="1"/>
-          </p:cNvSpPr>
-          <p:nvPr>
-            <p:ph type="sldNum" sz="quarter" idx="12"/>
-          </p:nvPr>
-        </p:nvSpPr>
-        <p:spPr/>
-        <p:txBody>
-          <a:bodyPr/>
-          <a:lstStyle/>
-          <a:p>
-            <a:fld id="{0CFEC368-1D7A-4F81-ABF6-AE0E36BAF64C}" type="slidenum">
-              <a:rPr lang="en-US" smtClean="0"/>
-              <a:pPr/>
-              <a:t>5</a:t>
-            </a:fld>
             <a:endParaRPr lang="en-US" dirty="0"/>
           </a:p>
         </p:txBody>
@@ -11630,6 +13191,77 @@
       </p:sp>
       <p:sp>
         <p:nvSpPr>
+          <p:cNvPr id="6" name="Date Placeholder 5"/>
+          <p:cNvSpPr>
+            <a:spLocks noGrp="1"/>
+          </p:cNvSpPr>
+          <p:nvPr>
+            <p:ph type="dt" sz="half" idx="10"/>
+          </p:nvPr>
+        </p:nvSpPr>
+        <p:spPr/>
+        <p:txBody>
+          <a:bodyPr/>
+          <a:lstStyle/>
+          <a:p>
+            <a:fld id="{E2BEDE58-EB0D-8D49-81F3-C834FB63B2FF}" type="datetime2">
+              <a:rPr lang="en-US" smtClean="0"/>
+              <a:t>Wednesday, September 10, 14</a:t>
+            </a:fld>
+            <a:endParaRPr lang="en-US" dirty="0"/>
+          </a:p>
+        </p:txBody>
+      </p:sp>
+      <p:sp>
+        <p:nvSpPr>
+          <p:cNvPr id="7" name="Footer Placeholder 6"/>
+          <p:cNvSpPr>
+            <a:spLocks noGrp="1"/>
+          </p:cNvSpPr>
+          <p:nvPr>
+            <p:ph type="ftr" sz="quarter" idx="11"/>
+          </p:nvPr>
+        </p:nvSpPr>
+        <p:spPr/>
+        <p:txBody>
+          <a:bodyPr/>
+          <a:lstStyle/>
+          <a:p>
+            <a:pPr algn="r"/>
+            <a:r>
+              <a:rPr lang="en-US" smtClean="0"/>
+              <a:t>Sanjay Kalé and PPL (UIUC) – Parallel Migratable Objects </a:t>
+            </a:r>
+            <a:endParaRPr lang="en-US" dirty="0"/>
+          </a:p>
+        </p:txBody>
+      </p:sp>
+      <p:sp>
+        <p:nvSpPr>
+          <p:cNvPr id="8" name="Slide Number Placeholder 7"/>
+          <p:cNvSpPr>
+            <a:spLocks noGrp="1"/>
+          </p:cNvSpPr>
+          <p:nvPr>
+            <p:ph type="sldNum" sz="quarter" idx="12"/>
+          </p:nvPr>
+        </p:nvSpPr>
+        <p:spPr/>
+        <p:txBody>
+          <a:bodyPr/>
+          <a:lstStyle/>
+          <a:p>
+            <a:fld id="{0CFEC368-1D7A-4F81-ABF6-AE0E36BAF64C}" type="slidenum">
+              <a:rPr lang="en-US" smtClean="0"/>
+              <a:pPr/>
+              <a:t>9</a:t>
+            </a:fld>
+            <a:endParaRPr lang="en-US" dirty="0"/>
+          </a:p>
+        </p:txBody>
+      </p:sp>
+      <p:sp>
+        <p:nvSpPr>
           <p:cNvPr id="5" name="Content Placeholder 4"/>
           <p:cNvSpPr>
             <a:spLocks noGrp="1"/>
@@ -11676,77 +13308,6 @@
               <a:rPr lang="en-US" dirty="0"/>
               <a:t>expresses an object’s response to inputs (signals / data)</a:t>
             </a:r>
-          </a:p>
-        </p:txBody>
-      </p:sp>
-      <p:sp>
-        <p:nvSpPr>
-          <p:cNvPr id="6" name="Date Placeholder 5"/>
-          <p:cNvSpPr>
-            <a:spLocks noGrp="1"/>
-          </p:cNvSpPr>
-          <p:nvPr>
-            <p:ph type="dt" sz="half" idx="10"/>
-          </p:nvPr>
-        </p:nvSpPr>
-        <p:spPr/>
-        <p:txBody>
-          <a:bodyPr/>
-          <a:lstStyle/>
-          <a:p>
-            <a:fld id="{E2BEDE58-EB0D-8D49-81F3-C834FB63B2FF}" type="datetime2">
-              <a:rPr lang="en-US" smtClean="0"/>
-              <a:t>Wednesday, September 10, 14</a:t>
-            </a:fld>
-            <a:endParaRPr lang="en-US" dirty="0"/>
-          </a:p>
-        </p:txBody>
-      </p:sp>
-      <p:sp>
-        <p:nvSpPr>
-          <p:cNvPr id="7" name="Footer Placeholder 6"/>
-          <p:cNvSpPr>
-            <a:spLocks noGrp="1"/>
-          </p:cNvSpPr>
-          <p:nvPr>
-            <p:ph type="ftr" sz="quarter" idx="11"/>
-          </p:nvPr>
-        </p:nvSpPr>
-        <p:spPr/>
-        <p:txBody>
-          <a:bodyPr/>
-          <a:lstStyle/>
-          <a:p>
-            <a:pPr algn="r"/>
-            <a:r>
-              <a:rPr lang="en-US" smtClean="0"/>
-              <a:t>Sanjay Kalé and PPL (UIUC) – Parallel Migratable Objects </a:t>
-            </a:r>
-            <a:endParaRPr lang="en-US" dirty="0"/>
-          </a:p>
-        </p:txBody>
-      </p:sp>
-      <p:sp>
-        <p:nvSpPr>
-          <p:cNvPr id="8" name="Slide Number Placeholder 7"/>
-          <p:cNvSpPr>
-            <a:spLocks noGrp="1"/>
-          </p:cNvSpPr>
-          <p:nvPr>
-            <p:ph type="sldNum" sz="quarter" idx="12"/>
-          </p:nvPr>
-        </p:nvSpPr>
-        <p:spPr/>
-        <p:txBody>
-          <a:bodyPr/>
-          <a:lstStyle/>
-          <a:p>
-            <a:fld id="{0CFEC368-1D7A-4F81-ABF6-AE0E36BAF64C}" type="slidenum">
-              <a:rPr lang="en-US" smtClean="0"/>
-              <a:pPr/>
-              <a:t>9</a:t>
-            </a:fld>
-            <a:endParaRPr lang="en-US" dirty="0"/>
           </a:p>
         </p:txBody>
       </p:sp>
@@ -11771,7 +13332,7 @@
 </file>
 
 <file path=ppt/theme/theme1.xml><?xml version="1.0" encoding="utf-8"?>
-<a:theme xmlns:a="http://schemas.openxmlformats.org/drawingml/2006/main" name="Clarity">
+<a:theme xmlns:a="http://schemas.openxmlformats.org/drawingml/2006/main" name="charm-pptx_theme">
   <a:themeElements>
     <a:clrScheme name="Clarity">
       <a:dk1>

--- a/tutorial-01-intro.pptx
+++ b/tutorial-01-intro.pptx
@@ -223,7 +223,7 @@
           <a:p>
             <a:fld id="{775CE290-E0F5-444C-B849-A8F17CD4104C}" type="datetimeFigureOut">
               <a:rPr lang="en-US" smtClean="0"/>
-              <a:t>9/10/14</a:t>
+              <a:t>9/12/14</a:t>
             </a:fld>
             <a:endParaRPr lang="en-US"/>
           </a:p>
@@ -389,7 +389,7 @@
           <a:p>
             <a:fld id="{AD53A24C-4135-094C-957B-35852E7EDFA4}" type="datetimeFigureOut">
               <a:rPr lang="en-US" smtClean="0"/>
-              <a:t>9/10/14</a:t>
+              <a:t>9/12/14</a:t>
             </a:fld>
             <a:endParaRPr lang="en-US"/>
           </a:p>
@@ -1424,9 +1424,9 @@
           <a:bodyPr/>
           <a:lstStyle/>
           <a:p>
-            <a:fld id="{B594EA25-E4F4-3746-A0BA-A11E27330E0F}" type="datetime2">
+            <a:fld id="{9EE71821-C25D-C84D-BC06-3A5B9B475A51}" type="datetime2">
               <a:rPr lang="en-US" smtClean="0"/>
-              <a:t>Wednesday, September 10, 14</a:t>
+              <a:t>Friday, September 12, 14</a:t>
             </a:fld>
             <a:endParaRPr lang="en-US"/>
           </a:p>
@@ -1450,7 +1450,7 @@
             <a:pPr algn="r"/>
             <a:r>
               <a:rPr lang="en-US" smtClean="0"/>
-              <a:t>Sanjay Kalé and PPL (UIUC) – Parallel Migratable Objects </a:t>
+              <a:t>Laxmikant Kalé and PPL (UIUC) – Parallel Migratable Objects </a:t>
             </a:r>
             <a:endParaRPr lang="en-US" dirty="0"/>
           </a:p>
@@ -1729,7 +1729,7 @@
                 <a:latin typeface="Times New Roman"/>
                 <a:cs typeface="Times New Roman"/>
               </a:rPr>
-              <a:t>September 10, 2014</a:t>
+              <a:t>September 12, 2014</a:t>
             </a:fld>
             <a:endParaRPr lang="en-US" dirty="0">
               <a:latin typeface="Times New Roman"/>
@@ -2003,7 +2003,7 @@
                 <a:latin typeface="Times New Roman"/>
                 <a:cs typeface="Times New Roman"/>
               </a:rPr>
-              <a:t>September 10, 2014</a:t>
+              <a:t>September 12, 2014</a:t>
             </a:fld>
             <a:endParaRPr lang="en-US" dirty="0">
               <a:latin typeface="Times New Roman"/>
@@ -2236,9 +2236,9 @@
           <a:bodyPr/>
           <a:lstStyle/>
           <a:p>
-            <a:fld id="{EA699BF9-66CB-F244-8E74-7B1BE1C77046}" type="datetime2">
+            <a:fld id="{F7E18B9C-4BF5-8240-B6AB-ADE712045BD6}" type="datetime2">
               <a:rPr lang="en-US" smtClean="0"/>
-              <a:t>Wednesday, September 10, 14</a:t>
+              <a:t>Friday, September 12, 14</a:t>
             </a:fld>
             <a:endParaRPr lang="en-US"/>
           </a:p>
@@ -2262,7 +2262,7 @@
             <a:pPr algn="r"/>
             <a:r>
               <a:rPr lang="en-US" smtClean="0"/>
-              <a:t>Sanjay Kalé and PPL (UIUC) – Parallel Migratable Objects </a:t>
+              <a:t>Laxmikant Kalé and PPL (UIUC) – Parallel Migratable Objects </a:t>
             </a:r>
             <a:endParaRPr lang="en-US" dirty="0"/>
           </a:p>
@@ -2547,9 +2547,9 @@
           <a:bodyPr/>
           <a:lstStyle/>
           <a:p>
-            <a:fld id="{D300BE84-9843-8B4F-B3C8-647B06AC46C9}" type="datetime2">
+            <a:fld id="{A40840C6-9FEC-0245-8DBB-094AA7D22CCF}" type="datetime2">
               <a:rPr lang="en-US" smtClean="0"/>
-              <a:t>Wednesday, September 10, 14</a:t>
+              <a:t>Friday, September 12, 14</a:t>
             </a:fld>
             <a:endParaRPr lang="en-US"/>
           </a:p>
@@ -2573,7 +2573,7 @@
             <a:pPr algn="r"/>
             <a:r>
               <a:rPr lang="en-US" smtClean="0"/>
-              <a:t>Sanjay Kalé and PPL (UIUC) – Parallel Migratable Objects </a:t>
+              <a:t>Laxmikant Kalé and PPL (UIUC) – Parallel Migratable Objects </a:t>
             </a:r>
             <a:endParaRPr lang="en-US" dirty="0"/>
           </a:p>
@@ -2718,9 +2718,9 @@
           <a:bodyPr/>
           <a:lstStyle/>
           <a:p>
-            <a:fld id="{C460AE39-2092-A945-8296-F25085B9A0F1}" type="datetime2">
+            <a:fld id="{85E5FCBD-9AB3-2749-989C-ECE844367113}" type="datetime2">
               <a:rPr lang="en-US" smtClean="0"/>
-              <a:t>Wednesday, September 10, 14</a:t>
+              <a:t>Friday, September 12, 14</a:t>
             </a:fld>
             <a:endParaRPr lang="en-US"/>
           </a:p>
@@ -2744,7 +2744,7 @@
             <a:pPr algn="r"/>
             <a:r>
               <a:rPr lang="en-US" smtClean="0"/>
-              <a:t>Sanjay Kalé and PPL (UIUC) – Parallel Migratable Objects </a:t>
+              <a:t>Laxmikant Kalé and PPL (UIUC) – Parallel Migratable Objects </a:t>
             </a:r>
             <a:endParaRPr lang="en-US" dirty="0"/>
           </a:p>
@@ -2899,9 +2899,9 @@
           <a:bodyPr/>
           <a:lstStyle/>
           <a:p>
-            <a:fld id="{63BC7E9D-3218-5E49-A867-E087AB2F4618}" type="datetime2">
+            <a:fld id="{2CE68F07-7347-BA4F-9684-8FA226AC9994}" type="datetime2">
               <a:rPr lang="en-US" smtClean="0"/>
-              <a:t>Wednesday, September 10, 14</a:t>
+              <a:t>Friday, September 12, 14</a:t>
             </a:fld>
             <a:endParaRPr lang="en-US"/>
           </a:p>
@@ -2925,7 +2925,7 @@
             <a:pPr algn="r"/>
             <a:r>
               <a:rPr lang="en-US" smtClean="0"/>
-              <a:t>Sanjay Kalé and PPL (UIUC) – Parallel Migratable Objects </a:t>
+              <a:t>Laxmikant Kalé and PPL (UIUC) – Parallel Migratable Objects </a:t>
             </a:r>
             <a:endParaRPr lang="en-US" dirty="0"/>
           </a:p>
@@ -3153,9 +3153,9 @@
           <a:bodyPr/>
           <a:lstStyle/>
           <a:p>
-            <a:fld id="{B594EA25-E4F4-3746-A0BA-A11E27330E0F}" type="datetime2">
+            <a:fld id="{DD89BE09-B630-CC4F-BE98-124A2EE8B130}" type="datetime2">
               <a:rPr lang="en-US" smtClean="0"/>
-              <a:t>Wednesday, September 10, 14</a:t>
+              <a:t>Friday, September 12, 14</a:t>
             </a:fld>
             <a:endParaRPr lang="en-US"/>
           </a:p>
@@ -3179,7 +3179,7 @@
             <a:pPr algn="r"/>
             <a:r>
               <a:rPr lang="en-US" smtClean="0"/>
-              <a:t>Sanjay Kalé and PPL (UIUC) – Parallel Migratable Objects </a:t>
+              <a:t>Laxmikant Kalé and PPL (UIUC) – Parallel Migratable Objects </a:t>
             </a:r>
             <a:endParaRPr lang="en-US" dirty="0"/>
           </a:p>
@@ -3458,7 +3458,7 @@
                 <a:latin typeface="Times New Roman"/>
                 <a:cs typeface="Times New Roman"/>
               </a:rPr>
-              <a:t>September 10, 2014</a:t>
+              <a:t>September 12, 2014</a:t>
             </a:fld>
             <a:endParaRPr lang="en-US" dirty="0">
               <a:latin typeface="Times New Roman"/>
@@ -3582,9 +3582,9 @@
           <a:bodyPr/>
           <a:lstStyle/>
           <a:p>
-            <a:fld id="{BD5AFB16-13FE-DF4A-8CB7-09756A57B2EA}" type="datetime2">
+            <a:fld id="{519816A8-A8BC-EC45-B0FE-D44F789D99D9}" type="datetime2">
               <a:rPr lang="en-US" smtClean="0"/>
-              <a:t>Wednesday, September 10, 14</a:t>
+              <a:t>Friday, September 12, 14</a:t>
             </a:fld>
             <a:endParaRPr lang="en-US" dirty="0"/>
           </a:p>
@@ -3608,7 +3608,7 @@
             <a:pPr algn="r"/>
             <a:r>
               <a:rPr lang="en-US" smtClean="0"/>
-              <a:t>Sanjay Kalé and PPL (UIUC) – Parallel Migratable Objects </a:t>
+              <a:t>Laxmikant Kalé and PPL (UIUC) – Parallel Migratable Objects </a:t>
             </a:r>
             <a:endParaRPr lang="en-US" dirty="0"/>
           </a:p>
@@ -4111,9 +4111,9 @@
             </a:lvl1pPr>
           </a:lstStyle>
           <a:p>
-            <a:fld id="{30545249-FD76-6844-B252-CAB05FC2DAA8}" type="datetime2">
+            <a:fld id="{BE0E9CCC-0E7B-6041-9897-6EF413B16B3E}" type="datetime2">
               <a:rPr lang="en-US" smtClean="0"/>
-              <a:t>Wednesday, September 10, 14</a:t>
+              <a:t>Friday, September 12, 14</a:t>
             </a:fld>
             <a:endParaRPr lang="en-US" dirty="0"/>
           </a:p>
@@ -4144,7 +4144,7 @@
             <a:pPr algn="r"/>
             <a:r>
               <a:rPr lang="en-US" smtClean="0"/>
-              <a:t>Sanjay Kalé and PPL (UIUC) – Parallel Migratable Objects </a:t>
+              <a:t>Laxmikant Kalé and PPL (UIUC) – Parallel Migratable Objects </a:t>
             </a:r>
             <a:endParaRPr lang="en-US" dirty="0"/>
           </a:p>
@@ -4407,9 +4407,9 @@
           <a:bodyPr/>
           <a:lstStyle/>
           <a:p>
-            <a:fld id="{34621E95-60A9-FF44-9869-513D9D7A859F}" type="datetime2">
+            <a:fld id="{3B74148E-8ADD-2B47-8BB3-ABD320C934E7}" type="datetime2">
               <a:rPr lang="en-US" smtClean="0"/>
-              <a:t>Wednesday, September 10, 14</a:t>
+              <a:t>Friday, September 12, 14</a:t>
             </a:fld>
             <a:endParaRPr lang="en-US"/>
           </a:p>
@@ -4433,7 +4433,7 @@
             <a:pPr algn="r"/>
             <a:r>
               <a:rPr lang="en-US" smtClean="0"/>
-              <a:t>Sanjay Kalé and PPL (UIUC) – Parallel Migratable Objects </a:t>
+              <a:t>Laxmikant Kalé and PPL (UIUC) – Parallel Migratable Objects </a:t>
             </a:r>
             <a:endParaRPr lang="en-US" dirty="0"/>
           </a:p>
@@ -4526,9 +4526,9 @@
           <a:bodyPr/>
           <a:lstStyle/>
           <a:p>
-            <a:fld id="{BD5AFB16-13FE-DF4A-8CB7-09756A57B2EA}" type="datetime2">
+            <a:fld id="{7F02E6E9-9119-064C-81C4-1DA6DFE765FF}" type="datetime2">
               <a:rPr lang="en-US" smtClean="0"/>
-              <a:t>Wednesday, September 10, 14</a:t>
+              <a:t>Friday, September 12, 14</a:t>
             </a:fld>
             <a:endParaRPr lang="en-US" dirty="0"/>
           </a:p>
@@ -4552,7 +4552,7 @@
             <a:pPr algn="r"/>
             <a:r>
               <a:rPr lang="en-US" smtClean="0"/>
-              <a:t>Sanjay Kalé and PPL (UIUC) – Parallel Migratable Objects </a:t>
+              <a:t>Laxmikant Kalé and PPL (UIUC) – Parallel Migratable Objects </a:t>
             </a:r>
             <a:endParaRPr lang="en-US" dirty="0"/>
           </a:p>
@@ -5013,9 +5013,9 @@
           <a:bodyPr/>
           <a:lstStyle/>
           <a:p>
-            <a:fld id="{1BDEC705-8EA9-6C46-8E3B-2CAC7E2C0F7D}" type="datetime2">
+            <a:fld id="{5DA60957-BFCC-C345-B650-62BA95CE1170}" type="datetime2">
               <a:rPr lang="en-US" smtClean="0"/>
-              <a:t>Wednesday, September 10, 14</a:t>
+              <a:t>Friday, September 12, 14</a:t>
             </a:fld>
             <a:endParaRPr lang="en-US"/>
           </a:p>
@@ -5039,7 +5039,7 @@
             <a:pPr algn="r"/>
             <a:r>
               <a:rPr lang="en-US" smtClean="0"/>
-              <a:t>Sanjay Kalé and PPL (UIUC) – Parallel Migratable Objects </a:t>
+              <a:t>Laxmikant Kalé and PPL (UIUC) – Parallel Migratable Objects </a:t>
             </a:r>
             <a:endParaRPr lang="en-US" dirty="0"/>
           </a:p>
@@ -5344,9 +5344,9 @@
             </a:lvl1pPr>
           </a:lstStyle>
           <a:p>
-            <a:fld id="{BF613BD3-C5FD-9543-B738-679BF38D8C83}" type="datetime2">
+            <a:fld id="{23E5D42B-E71F-D446-A410-472B6B2370C2}" type="datetime2">
               <a:rPr lang="en-US" smtClean="0"/>
-              <a:t>Wednesday, September 10, 14</a:t>
+              <a:t>Friday, September 12, 14</a:t>
             </a:fld>
             <a:endParaRPr lang="en-US" dirty="0"/>
           </a:p>
@@ -5377,7 +5377,7 @@
             <a:pPr algn="r"/>
             <a:r>
               <a:rPr lang="en-US" smtClean="0"/>
-              <a:t>Sanjay Kalé and PPL (UIUC) – Parallel Migratable Objects </a:t>
+              <a:t>Laxmikant Kalé and PPL (UIUC) – Parallel Migratable Objects </a:t>
             </a:r>
             <a:endParaRPr lang="en-US" dirty="0"/>
           </a:p>
@@ -5823,9 +5823,9 @@
           <a:bodyPr/>
           <a:lstStyle/>
           <a:p>
-            <a:fld id="{4B5E4F0C-9A9C-5448-99FD-D30288B385C9}" type="datetime2">
+            <a:fld id="{CE5BA7E4-AA51-174E-BDA7-EBCC519D3B2D}" type="datetime2">
               <a:rPr lang="en-US" smtClean="0"/>
-              <a:t>Wednesday, September 10, 14</a:t>
+              <a:t>Friday, September 12, 14</a:t>
             </a:fld>
             <a:endParaRPr lang="en-US"/>
           </a:p>
@@ -5849,7 +5849,7 @@
             <a:pPr algn="r"/>
             <a:r>
               <a:rPr lang="en-US" smtClean="0"/>
-              <a:t>Sanjay Kalé and PPL (UIUC) – Parallel Migratable Objects </a:t>
+              <a:t>Laxmikant Kalé and PPL (UIUC) – Parallel Migratable Objects </a:t>
             </a:r>
             <a:endParaRPr lang="en-US" dirty="0"/>
           </a:p>
@@ -6119,9 +6119,9 @@
             </a:lvl1pPr>
           </a:lstStyle>
           <a:p>
-            <a:fld id="{30545249-FD76-6844-B252-CAB05FC2DAA8}" type="datetime2">
+            <a:fld id="{1DEB5EF7-9EA4-4744-9A6D-B361EDD9A13B}" type="datetime2">
               <a:rPr lang="en-US" smtClean="0"/>
-              <a:t>Wednesday, September 10, 14</a:t>
+              <a:t>Friday, September 12, 14</a:t>
             </a:fld>
             <a:endParaRPr lang="en-US" dirty="0"/>
           </a:p>
@@ -6152,7 +6152,7 @@
             <a:pPr algn="r"/>
             <a:r>
               <a:rPr lang="en-US" smtClean="0"/>
-              <a:t>Sanjay Kalé and PPL (UIUC) – Parallel Migratable Objects </a:t>
+              <a:t>Laxmikant Kalé and PPL (UIUC) – Parallel Migratable Objects </a:t>
             </a:r>
             <a:endParaRPr lang="en-US" dirty="0"/>
           </a:p>
@@ -6362,9 +6362,9 @@
           <a:bodyPr/>
           <a:lstStyle/>
           <a:p>
-            <a:fld id="{CC859171-EEDD-0B48-A5C0-E7218AE20EA7}" type="datetime2">
+            <a:fld id="{148AEB91-14AB-0540-AB84-4182AA872FD7}" type="datetime2">
               <a:rPr lang="en-US" smtClean="0"/>
-              <a:t>Wednesday, September 10, 14</a:t>
+              <a:t>Friday, September 12, 14</a:t>
             </a:fld>
             <a:endParaRPr lang="en-US"/>
           </a:p>
@@ -6388,7 +6388,7 @@
             <a:pPr algn="r"/>
             <a:r>
               <a:rPr lang="en-US" smtClean="0"/>
-              <a:t>Sanjay Kalé and PPL (UIUC) – Parallel Migratable Objects </a:t>
+              <a:t>Laxmikant Kalé and PPL (UIUC) – Parallel Migratable Objects </a:t>
             </a:r>
             <a:endParaRPr lang="en-US" dirty="0"/>
           </a:p>
@@ -6458,9 +6458,9 @@
           <a:bodyPr/>
           <a:lstStyle/>
           <a:p>
-            <a:fld id="{C32F9216-0342-7440-9504-BD6C1382BF27}" type="datetime2">
+            <a:fld id="{00E77434-9BF3-F04F-9C42-D83C903AE7BE}" type="datetime2">
               <a:rPr lang="en-US" smtClean="0"/>
-              <a:t>Wednesday, September 10, 14</a:t>
+              <a:t>Friday, September 12, 14</a:t>
             </a:fld>
             <a:endParaRPr lang="en-US"/>
           </a:p>
@@ -6484,7 +6484,7 @@
             <a:pPr algn="r"/>
             <a:r>
               <a:rPr lang="en-US" smtClean="0"/>
-              <a:t>Sanjay Kalé and PPL (UIUC) – Parallel Migratable Objects </a:t>
+              <a:t>Laxmikant Kalé and PPL (UIUC) – Parallel Migratable Objects </a:t>
             </a:r>
             <a:endParaRPr lang="en-US" dirty="0"/>
           </a:p>
@@ -6632,8 +6632,12 @@
           </a:lstStyle>
           <a:p>
             <a:r>
-              <a:rPr lang="en-US" smtClean="0"/>
-              <a:t>Sanjay Kalé and PPL (UIUC) – Parallel Migratable Objects </a:t>
+              <a:rPr lang="en-US" dirty="0" smtClean="0"/>
+              <a:t>Laxmikant Kalé </a:t>
+            </a:r>
+            <a:r>
+              <a:rPr lang="en-US" dirty="0" smtClean="0"/>
+              <a:t>and PPL (UIUC) – Parallel Migratable Objects </a:t>
             </a:r>
             <a:endParaRPr lang="en-US" dirty="0"/>
           </a:p>
@@ -6705,35 +6709,35 @@
           <a:p>
             <a:pPr lvl="0"/>
             <a:r>
-              <a:rPr lang="en-US" smtClean="0"/>
+              <a:rPr lang="en-US" dirty="0" smtClean="0"/>
               <a:t>Click to edit Master text styles</a:t>
             </a:r>
           </a:p>
           <a:p>
             <a:pPr lvl="1"/>
             <a:r>
-              <a:rPr lang="en-US" smtClean="0"/>
+              <a:rPr lang="en-US" dirty="0" smtClean="0"/>
               <a:t>Second level</a:t>
             </a:r>
           </a:p>
           <a:p>
             <a:pPr lvl="2"/>
             <a:r>
-              <a:rPr lang="en-US" smtClean="0"/>
+              <a:rPr lang="en-US" dirty="0" smtClean="0"/>
               <a:t>Third level</a:t>
             </a:r>
           </a:p>
           <a:p>
             <a:pPr lvl="3"/>
             <a:r>
-              <a:rPr lang="en-US" smtClean="0"/>
+              <a:rPr lang="en-US" dirty="0" smtClean="0"/>
               <a:t>Fourth level</a:t>
             </a:r>
           </a:p>
           <a:p>
             <a:pPr lvl="4"/>
             <a:r>
-              <a:rPr lang="en-US" smtClean="0"/>
+              <a:rPr lang="en-US" dirty="0" smtClean="0"/>
               <a:t>Fifth level</a:t>
             </a:r>
             <a:endParaRPr lang="en-US" dirty="0"/>
@@ -6773,9 +6777,9 @@
             </a:lvl1pPr>
           </a:lstStyle>
           <a:p>
-            <a:fld id="{D36DC8F2-AD63-E841-8C23-5DC3A41041BE}" type="datetime2">
+            <a:fld id="{FB880D32-D019-364E-9C36-C9180074EACA}" type="datetime2">
               <a:rPr lang="en-US" smtClean="0"/>
-              <a:t>Wednesday, September 10, 14</a:t>
+              <a:t>Friday, September 12, 14</a:t>
             </a:fld>
             <a:endParaRPr lang="en-US" dirty="0"/>
           </a:p>
@@ -6844,7 +6848,7 @@
     <p:sldLayoutId id="2147483973" r:id="rId15"/>
     <p:sldLayoutId id="2147483972" r:id="rId16"/>
   </p:sldLayoutIdLst>
-  <p:hf hdr="0"/>
+  <p:hf hdr="0" dt="0"/>
   <p:txStyles>
     <p:titleStyle>
       <a:lvl1pPr algn="l" defTabSz="914400" rtl="0" eaLnBrk="1" latinLnBrk="0" hangingPunct="1">
@@ -7381,29 +7385,6 @@
       </p:sp>
       <p:sp>
         <p:nvSpPr>
-          <p:cNvPr id="4" name="Date Placeholder 3"/>
-          <p:cNvSpPr>
-            <a:spLocks noGrp="1"/>
-          </p:cNvSpPr>
-          <p:nvPr>
-            <p:ph type="dt" sz="half" idx="10"/>
-          </p:nvPr>
-        </p:nvSpPr>
-        <p:spPr/>
-        <p:txBody>
-          <a:bodyPr/>
-          <a:lstStyle/>
-          <a:p>
-            <a:fld id="{EA95BFF1-5948-B24D-80C9-2DF4EAC42A4D}" type="datetime2">
-              <a:rPr lang="en-US" smtClean="0"/>
-              <a:t>Wednesday, September 10, 14</a:t>
-            </a:fld>
-            <a:endParaRPr lang="en-US"/>
-          </a:p>
-        </p:txBody>
-      </p:sp>
-      <p:sp>
-        <p:nvSpPr>
           <p:cNvPr id="5" name="Footer Placeholder 4"/>
           <p:cNvSpPr>
             <a:spLocks noGrp="1"/>
@@ -7420,7 +7401,7 @@
             <a:pPr algn="r"/>
             <a:r>
               <a:rPr lang="en-US" smtClean="0"/>
-              <a:t>Sanjay Kalé and PPL (UIUC) – Parallel Migratable Objects </a:t>
+              <a:t>Laxmikant Kalé and PPL (UIUC) – Parallel Migratable Objects </a:t>
             </a:r>
             <a:endParaRPr lang="en-US" dirty="0"/>
           </a:p>
@@ -8501,29 +8482,6 @@
       </p:sp>
       <p:sp>
         <p:nvSpPr>
-          <p:cNvPr id="4" name="Date Placeholder 3"/>
-          <p:cNvSpPr>
-            <a:spLocks noGrp="1"/>
-          </p:cNvSpPr>
-          <p:nvPr>
-            <p:ph type="dt" sz="half" idx="10"/>
-          </p:nvPr>
-        </p:nvSpPr>
-        <p:spPr/>
-        <p:txBody>
-          <a:bodyPr/>
-          <a:lstStyle/>
-          <a:p>
-            <a:fld id="{CC865FA7-76E5-5C42-96A4-1F7331433C84}" type="datetime2">
-              <a:rPr lang="en-US" smtClean="0"/>
-              <a:t>Wednesday, September 10, 14</a:t>
-            </a:fld>
-            <a:endParaRPr lang="en-US"/>
-          </a:p>
-        </p:txBody>
-      </p:sp>
-      <p:sp>
-        <p:nvSpPr>
           <p:cNvPr id="15" name="Footer Placeholder 14"/>
           <p:cNvSpPr>
             <a:spLocks noGrp="1"/>
@@ -8540,7 +8498,7 @@
             <a:pPr algn="r"/>
             <a:r>
               <a:rPr lang="en-US" smtClean="0"/>
-              <a:t>Sanjay Kalé and PPL (UIUC) – Parallel Migratable Objects </a:t>
+              <a:t>Laxmikant Kalé and PPL (UIUC) – Parallel Migratable Objects </a:t>
             </a:r>
             <a:endParaRPr lang="en-US" dirty="0"/>
           </a:p>
@@ -9561,29 +9519,6 @@
       </p:sp>
       <p:sp>
         <p:nvSpPr>
-          <p:cNvPr id="4" name="Date Placeholder 3"/>
-          <p:cNvSpPr>
-            <a:spLocks noGrp="1"/>
-          </p:cNvSpPr>
-          <p:nvPr>
-            <p:ph type="dt" sz="half" idx="10"/>
-          </p:nvPr>
-        </p:nvSpPr>
-        <p:spPr/>
-        <p:txBody>
-          <a:bodyPr/>
-          <a:lstStyle/>
-          <a:p>
-            <a:fld id="{6859C538-CB0C-6042-B4CC-A78E872CA49F}" type="datetime2">
-              <a:rPr lang="en-US" smtClean="0"/>
-              <a:t>Wednesday, September 10, 14</a:t>
-            </a:fld>
-            <a:endParaRPr lang="en-US"/>
-          </a:p>
-        </p:txBody>
-      </p:sp>
-      <p:sp>
-        <p:nvSpPr>
           <p:cNvPr id="6" name="Footer Placeholder 5"/>
           <p:cNvSpPr>
             <a:spLocks noGrp="1"/>
@@ -9600,7 +9535,7 @@
             <a:pPr algn="r"/>
             <a:r>
               <a:rPr lang="en-US" smtClean="0"/>
-              <a:t>Sanjay Kalé and PPL (UIUC) – Parallel Migratable Objects </a:t>
+              <a:t>Laxmikant Kalé and PPL (UIUC) – Parallel Migratable Objects </a:t>
             </a:r>
             <a:endParaRPr lang="en-US" dirty="0"/>
           </a:p>
@@ -9790,29 +9725,6 @@
       </p:sp>
       <p:sp>
         <p:nvSpPr>
-          <p:cNvPr id="5" name="Date Placeholder 4"/>
-          <p:cNvSpPr>
-            <a:spLocks noGrp="1"/>
-          </p:cNvSpPr>
-          <p:nvPr>
-            <p:ph type="dt" sz="half" idx="10"/>
-          </p:nvPr>
-        </p:nvSpPr>
-        <p:spPr/>
-        <p:txBody>
-          <a:bodyPr/>
-          <a:lstStyle/>
-          <a:p>
-            <a:fld id="{88DDB4B2-2C7B-074B-B68B-552850FF2C7D}" type="datetime2">
-              <a:rPr lang="en-US" smtClean="0"/>
-              <a:t>Wednesday, September 10, 14</a:t>
-            </a:fld>
-            <a:endParaRPr lang="en-US"/>
-          </a:p>
-        </p:txBody>
-      </p:sp>
-      <p:sp>
-        <p:nvSpPr>
           <p:cNvPr id="6" name="Footer Placeholder 5"/>
           <p:cNvSpPr>
             <a:spLocks noGrp="1"/>
@@ -9829,7 +9741,7 @@
             <a:pPr algn="r"/>
             <a:r>
               <a:rPr lang="en-US" smtClean="0"/>
-              <a:t>Sanjay Kalé and PPL (UIUC) – Parallel Migratable Objects </a:t>
+              <a:t>Laxmikant Kalé and PPL (UIUC) – Parallel Migratable Objects </a:t>
             </a:r>
             <a:endParaRPr lang="en-US" dirty="0"/>
           </a:p>
@@ -9946,29 +9858,6 @@
       </p:sp>
       <p:sp>
         <p:nvSpPr>
-          <p:cNvPr id="4" name="Date Placeholder 3"/>
-          <p:cNvSpPr>
-            <a:spLocks noGrp="1"/>
-          </p:cNvSpPr>
-          <p:nvPr>
-            <p:ph type="dt" sz="half" idx="10"/>
-          </p:nvPr>
-        </p:nvSpPr>
-        <p:spPr/>
-        <p:txBody>
-          <a:bodyPr/>
-          <a:lstStyle/>
-          <a:p>
-            <a:fld id="{CA5E7B7B-D7FD-4D4E-90EF-E4394C25BA2F}" type="datetime2">
-              <a:rPr lang="en-US" smtClean="0"/>
-              <a:t>Wednesday, September 10, 14</a:t>
-            </a:fld>
-            <a:endParaRPr lang="en-US"/>
-          </a:p>
-        </p:txBody>
-      </p:sp>
-      <p:sp>
-        <p:nvSpPr>
           <p:cNvPr id="5" name="Footer Placeholder 4"/>
           <p:cNvSpPr>
             <a:spLocks noGrp="1"/>
@@ -9985,7 +9874,7 @@
             <a:pPr algn="r"/>
             <a:r>
               <a:rPr lang="en-US" smtClean="0"/>
-              <a:t>Sanjay Kalé and PPL (UIUC) – Parallel Migratable Objects </a:t>
+              <a:t>Laxmikant Kalé and PPL (UIUC) – Parallel Migratable Objects </a:t>
             </a:r>
             <a:endParaRPr lang="en-US" dirty="0"/>
           </a:p>
@@ -10179,29 +10068,6 @@
       </p:pic>
       <p:sp>
         <p:nvSpPr>
-          <p:cNvPr id="4" name="Date Placeholder 3"/>
-          <p:cNvSpPr>
-            <a:spLocks noGrp="1"/>
-          </p:cNvSpPr>
-          <p:nvPr>
-            <p:ph type="dt" sz="half" idx="10"/>
-          </p:nvPr>
-        </p:nvSpPr>
-        <p:spPr/>
-        <p:txBody>
-          <a:bodyPr/>
-          <a:lstStyle/>
-          <a:p>
-            <a:fld id="{4B8F5AE3-D499-5C4D-BB64-5FC5F114D78E}" type="datetime2">
-              <a:rPr lang="en-US" smtClean="0"/>
-              <a:t>Wednesday, September 10, 14</a:t>
-            </a:fld>
-            <a:endParaRPr lang="en-US" dirty="0"/>
-          </a:p>
-        </p:txBody>
-      </p:sp>
-      <p:sp>
-        <p:nvSpPr>
           <p:cNvPr id="6" name="Footer Placeholder 5"/>
           <p:cNvSpPr>
             <a:spLocks noGrp="1"/>
@@ -10218,7 +10084,7 @@
             <a:pPr algn="r"/>
             <a:r>
               <a:rPr lang="en-US" smtClean="0"/>
-              <a:t>Sanjay Kalé and PPL (UIUC) – Parallel Migratable Objects </a:t>
+              <a:t>Laxmikant Kalé and PPL (UIUC) – Parallel Migratable Objects </a:t>
             </a:r>
             <a:endParaRPr lang="en-US" dirty="0"/>
           </a:p>
@@ -10436,29 +10302,6 @@
       </p:sp>
       <p:sp>
         <p:nvSpPr>
-          <p:cNvPr id="4" name="Date Placeholder 3"/>
-          <p:cNvSpPr>
-            <a:spLocks noGrp="1"/>
-          </p:cNvSpPr>
-          <p:nvPr>
-            <p:ph type="dt" sz="half" idx="10"/>
-          </p:nvPr>
-        </p:nvSpPr>
-        <p:spPr/>
-        <p:txBody>
-          <a:bodyPr/>
-          <a:lstStyle/>
-          <a:p>
-            <a:fld id="{EA95BFF1-5948-B24D-80C9-2DF4EAC42A4D}" type="datetime2">
-              <a:rPr lang="en-US" smtClean="0"/>
-              <a:t>Wednesday, September 10, 14</a:t>
-            </a:fld>
-            <a:endParaRPr lang="en-US"/>
-          </a:p>
-        </p:txBody>
-      </p:sp>
-      <p:sp>
-        <p:nvSpPr>
           <p:cNvPr id="5" name="Footer Placeholder 4"/>
           <p:cNvSpPr>
             <a:spLocks noGrp="1"/>
@@ -10475,7 +10318,7 @@
             <a:pPr algn="r"/>
             <a:r>
               <a:rPr lang="en-US" smtClean="0"/>
-              <a:t>Sanjay Kalé and PPL (UIUC) – Parallel Migratable Objects </a:t>
+              <a:t>Laxmikant Kalé and PPL (UIUC) – Parallel Migratable Objects </a:t>
             </a:r>
             <a:endParaRPr lang="en-US" dirty="0"/>
           </a:p>
@@ -10730,29 +10573,6 @@
       </p:sp>
       <p:sp>
         <p:nvSpPr>
-          <p:cNvPr id="4" name="Date Placeholder 3"/>
-          <p:cNvSpPr>
-            <a:spLocks noGrp="1"/>
-          </p:cNvSpPr>
-          <p:nvPr>
-            <p:ph type="dt" sz="half" idx="10"/>
-          </p:nvPr>
-        </p:nvSpPr>
-        <p:spPr/>
-        <p:txBody>
-          <a:bodyPr/>
-          <a:lstStyle/>
-          <a:p>
-            <a:fld id="{34621E95-60A9-FF44-9869-513D9D7A859F}" type="datetime2">
-              <a:rPr lang="en-US" smtClean="0"/>
-              <a:t>Wednesday, September 10, 14</a:t>
-            </a:fld>
-            <a:endParaRPr lang="en-US"/>
-          </a:p>
-        </p:txBody>
-      </p:sp>
-      <p:sp>
-        <p:nvSpPr>
           <p:cNvPr id="5" name="Footer Placeholder 4"/>
           <p:cNvSpPr>
             <a:spLocks noGrp="1"/>
@@ -10769,7 +10589,7 @@
             <a:pPr algn="r"/>
             <a:r>
               <a:rPr lang="en-US" smtClean="0"/>
-              <a:t>Sanjay Kalé and PPL (UIUC) – Parallel Migratable Objects </a:t>
+              <a:t>Laxmikant Kalé and PPL (UIUC) – Parallel Migratable Objects </a:t>
             </a:r>
             <a:endParaRPr lang="en-US" dirty="0"/>
           </a:p>
@@ -11013,29 +10833,6 @@
       </p:sp>
       <p:sp>
         <p:nvSpPr>
-          <p:cNvPr id="5" name="Date Placeholder 4"/>
-          <p:cNvSpPr>
-            <a:spLocks noGrp="1"/>
-          </p:cNvSpPr>
-          <p:nvPr>
-            <p:ph type="dt" sz="half" idx="10"/>
-          </p:nvPr>
-        </p:nvSpPr>
-        <p:spPr/>
-        <p:txBody>
-          <a:bodyPr/>
-          <a:lstStyle/>
-          <a:p>
-            <a:fld id="{8463968F-93A4-C84C-9FC0-6F1C4806BE33}" type="datetime2">
-              <a:rPr lang="en-US" smtClean="0"/>
-              <a:t>Wednesday, September 10, 14</a:t>
-            </a:fld>
-            <a:endParaRPr lang="en-US"/>
-          </a:p>
-        </p:txBody>
-      </p:sp>
-      <p:sp>
-        <p:nvSpPr>
           <p:cNvPr id="6" name="Footer Placeholder 5"/>
           <p:cNvSpPr>
             <a:spLocks noGrp="1"/>
@@ -11052,7 +10849,7 @@
             <a:pPr algn="r"/>
             <a:r>
               <a:rPr lang="en-US" smtClean="0"/>
-              <a:t>Sanjay Kalé and PPL (UIUC) – Parallel Migratable Objects </a:t>
+              <a:t>Laxmikant Kalé and PPL (UIUC) – Parallel Migratable Objects </a:t>
             </a:r>
             <a:endParaRPr lang="en-US" dirty="0"/>
           </a:p>
@@ -11453,29 +11250,6 @@
       </p:sp>
       <p:sp>
         <p:nvSpPr>
-          <p:cNvPr id="5" name="Date Placeholder 4"/>
-          <p:cNvSpPr>
-            <a:spLocks noGrp="1"/>
-          </p:cNvSpPr>
-          <p:nvPr>
-            <p:ph type="dt" sz="half" idx="10"/>
-          </p:nvPr>
-        </p:nvSpPr>
-        <p:spPr/>
-        <p:txBody>
-          <a:bodyPr/>
-          <a:lstStyle/>
-          <a:p>
-            <a:fld id="{99D99C1C-6727-C344-B1D9-5F6CCC13E6A8}" type="datetime2">
-              <a:rPr lang="en-US" smtClean="0"/>
-              <a:t>Wednesday, September 10, 14</a:t>
-            </a:fld>
-            <a:endParaRPr lang="en-US"/>
-          </a:p>
-        </p:txBody>
-      </p:sp>
-      <p:sp>
-        <p:nvSpPr>
           <p:cNvPr id="6" name="Footer Placeholder 5"/>
           <p:cNvSpPr>
             <a:spLocks noGrp="1"/>
@@ -11492,7 +11266,7 @@
             <a:pPr algn="r"/>
             <a:r>
               <a:rPr lang="en-US" smtClean="0"/>
-              <a:t>Sanjay Kalé and PPL (UIUC) – Parallel Migratable Objects </a:t>
+              <a:t>Laxmikant Kalé and PPL (UIUC) – Parallel Migratable Objects </a:t>
             </a:r>
             <a:endParaRPr lang="en-US" dirty="0"/>
           </a:p>
@@ -14427,29 +14201,6 @@
       </p:sp>
       <p:sp>
         <p:nvSpPr>
-          <p:cNvPr id="2" name="Date Placeholder 1"/>
-          <p:cNvSpPr>
-            <a:spLocks noGrp="1"/>
-          </p:cNvSpPr>
-          <p:nvPr>
-            <p:ph type="dt" sz="half" idx="10"/>
-          </p:nvPr>
-        </p:nvSpPr>
-        <p:spPr/>
-        <p:txBody>
-          <a:bodyPr/>
-          <a:lstStyle/>
-          <a:p>
-            <a:fld id="{7EE0B537-EEC6-A84A-9C51-603D8E7685E9}" type="datetime2">
-              <a:rPr lang="en-US" smtClean="0"/>
-              <a:t>Wednesday, September 10, 14</a:t>
-            </a:fld>
-            <a:endParaRPr lang="en-US"/>
-          </a:p>
-        </p:txBody>
-      </p:sp>
-      <p:sp>
-        <p:nvSpPr>
           <p:cNvPr id="3" name="Footer Placeholder 2"/>
           <p:cNvSpPr>
             <a:spLocks noGrp="1"/>
@@ -14466,7 +14217,7 @@
             <a:pPr algn="r"/>
             <a:r>
               <a:rPr lang="en-US" smtClean="0"/>
-              <a:t>Sanjay Kalé and PPL (UIUC) – Parallel Migratable Objects </a:t>
+              <a:t>Laxmikant Kalé and PPL (UIUC) – Parallel Migratable Objects </a:t>
             </a:r>
             <a:endParaRPr lang="en-US" dirty="0"/>
           </a:p>
@@ -14535,29 +14286,6 @@
       </p:grpSpPr>
       <p:sp>
         <p:nvSpPr>
-          <p:cNvPr id="5" name="Date Placeholder 4"/>
-          <p:cNvSpPr>
-            <a:spLocks noGrp="1"/>
-          </p:cNvSpPr>
-          <p:nvPr>
-            <p:ph type="dt" sz="half" idx="10"/>
-          </p:nvPr>
-        </p:nvSpPr>
-        <p:spPr/>
-        <p:txBody>
-          <a:bodyPr/>
-          <a:lstStyle/>
-          <a:p>
-            <a:fld id="{99D99C1C-6727-C344-B1D9-5F6CCC13E6A8}" type="datetime2">
-              <a:rPr lang="en-US" smtClean="0"/>
-              <a:t>Wednesday, September 10, 14</a:t>
-            </a:fld>
-            <a:endParaRPr lang="en-US"/>
-          </a:p>
-        </p:txBody>
-      </p:sp>
-      <p:sp>
-        <p:nvSpPr>
           <p:cNvPr id="6" name="Footer Placeholder 5"/>
           <p:cNvSpPr>
             <a:spLocks noGrp="1"/>
@@ -14574,7 +14302,7 @@
             <a:pPr algn="r"/>
             <a:r>
               <a:rPr lang="en-US" smtClean="0"/>
-              <a:t>Sanjay Kalé and PPL (UIUC) – Parallel Migratable Objects </a:t>
+              <a:t>Laxmikant Kalé and PPL (UIUC) – Parallel Migratable Objects </a:t>
             </a:r>
             <a:endParaRPr lang="en-US" dirty="0"/>
           </a:p>
@@ -19585,29 +19313,6 @@
       </p:grpSpPr>
       <p:sp>
         <p:nvSpPr>
-          <p:cNvPr id="5" name="Date Placeholder 4"/>
-          <p:cNvSpPr>
-            <a:spLocks noGrp="1"/>
-          </p:cNvSpPr>
-          <p:nvPr>
-            <p:ph type="dt" sz="half" idx="10"/>
-          </p:nvPr>
-        </p:nvSpPr>
-        <p:spPr/>
-        <p:txBody>
-          <a:bodyPr/>
-          <a:lstStyle/>
-          <a:p>
-            <a:fld id="{99D99C1C-6727-C344-B1D9-5F6CCC13E6A8}" type="datetime2">
-              <a:rPr lang="en-US" smtClean="0"/>
-              <a:t>Wednesday, September 10, 14</a:t>
-            </a:fld>
-            <a:endParaRPr lang="en-US"/>
-          </a:p>
-        </p:txBody>
-      </p:sp>
-      <p:sp>
-        <p:nvSpPr>
           <p:cNvPr id="6" name="Footer Placeholder 5"/>
           <p:cNvSpPr>
             <a:spLocks noGrp="1"/>
@@ -19624,7 +19329,7 @@
             <a:pPr algn="r"/>
             <a:r>
               <a:rPr lang="en-US" smtClean="0"/>
-              <a:t>Sanjay Kalé and PPL (UIUC) – Parallel Migratable Objects </a:t>
+              <a:t>Laxmikant Kalé and PPL (UIUC) – Parallel Migratable Objects </a:t>
             </a:r>
             <a:endParaRPr lang="en-US" dirty="0"/>
           </a:p>
@@ -25615,29 +25320,6 @@
       </p:grpSpPr>
       <p:sp>
         <p:nvSpPr>
-          <p:cNvPr id="5" name="Date Placeholder 4"/>
-          <p:cNvSpPr>
-            <a:spLocks noGrp="1"/>
-          </p:cNvSpPr>
-          <p:nvPr>
-            <p:ph type="dt" sz="half" idx="10"/>
-          </p:nvPr>
-        </p:nvSpPr>
-        <p:spPr/>
-        <p:txBody>
-          <a:bodyPr/>
-          <a:lstStyle/>
-          <a:p>
-            <a:fld id="{99D99C1C-6727-C344-B1D9-5F6CCC13E6A8}" type="datetime2">
-              <a:rPr lang="en-US" smtClean="0"/>
-              <a:t>Wednesday, September 10, 14</a:t>
-            </a:fld>
-            <a:endParaRPr lang="en-US"/>
-          </a:p>
-        </p:txBody>
-      </p:sp>
-      <p:sp>
-        <p:nvSpPr>
           <p:cNvPr id="6" name="Footer Placeholder 5"/>
           <p:cNvSpPr>
             <a:spLocks noGrp="1"/>
@@ -25654,7 +25336,7 @@
             <a:pPr algn="r"/>
             <a:r>
               <a:rPr lang="en-US" smtClean="0"/>
-              <a:t>Sanjay Kalé and PPL (UIUC) – Parallel Migratable Objects </a:t>
+              <a:t>Laxmikant Kalé and PPL (UIUC) – Parallel Migratable Objects </a:t>
             </a:r>
             <a:endParaRPr lang="en-US" dirty="0"/>
           </a:p>
@@ -30803,7 +30485,6 @@
               <a:rPr lang="en-US" dirty="0"/>
               <a:t>Empowering the RTS</a:t>
             </a:r>
-            <a:endParaRPr lang="en-US" dirty="0"/>
           </a:p>
         </p:txBody>
       </p:sp>
@@ -30885,29 +30566,6 @@
       </p:sp>
       <p:sp>
         <p:nvSpPr>
-          <p:cNvPr id="5" name="Date Placeholder 4"/>
-          <p:cNvSpPr>
-            <a:spLocks noGrp="1"/>
-          </p:cNvSpPr>
-          <p:nvPr>
-            <p:ph type="dt" sz="half" idx="10"/>
-          </p:nvPr>
-        </p:nvSpPr>
-        <p:spPr/>
-        <p:txBody>
-          <a:bodyPr/>
-          <a:lstStyle/>
-          <a:p>
-            <a:fld id="{8463968F-93A4-C84C-9FC0-6F1C4806BE33}" type="datetime2">
-              <a:rPr lang="en-US" smtClean="0"/>
-              <a:t>Wednesday, September 10, 14</a:t>
-            </a:fld>
-            <a:endParaRPr lang="en-US"/>
-          </a:p>
-        </p:txBody>
-      </p:sp>
-      <p:sp>
-        <p:nvSpPr>
           <p:cNvPr id="6" name="Footer Placeholder 5"/>
           <p:cNvSpPr>
             <a:spLocks noGrp="1"/>
@@ -30924,7 +30582,7 @@
             <a:pPr algn="r"/>
             <a:r>
               <a:rPr lang="en-US" smtClean="0"/>
-              <a:t>Sanjay Kalé and PPL (UIUC) – Parallel Migratable Objects </a:t>
+              <a:t>Laxmikant Kalé and PPL (UIUC) – Parallel Migratable Objects </a:t>
             </a:r>
             <a:endParaRPr lang="en-US" dirty="0"/>
           </a:p>
@@ -32113,29 +31771,6 @@
       </p:sp>
       <p:sp>
         <p:nvSpPr>
-          <p:cNvPr id="4" name="Date Placeholder 3"/>
-          <p:cNvSpPr>
-            <a:spLocks noGrp="1"/>
-          </p:cNvSpPr>
-          <p:nvPr>
-            <p:ph type="dt" sz="half" idx="10"/>
-          </p:nvPr>
-        </p:nvSpPr>
-        <p:spPr/>
-        <p:txBody>
-          <a:bodyPr/>
-          <a:lstStyle/>
-          <a:p>
-            <a:fld id="{36D5A094-9275-C84D-84D4-E4C2DFD8E1DF}" type="datetime2">
-              <a:rPr lang="en-US" smtClean="0"/>
-              <a:t>Wednesday, September 10, 14</a:t>
-            </a:fld>
-            <a:endParaRPr lang="en-US"/>
-          </a:p>
-        </p:txBody>
-      </p:sp>
-      <p:sp>
-        <p:nvSpPr>
           <p:cNvPr id="5" name="Footer Placeholder 4"/>
           <p:cNvSpPr>
             <a:spLocks noGrp="1"/>
@@ -32152,7 +31787,7 @@
             <a:pPr algn="r"/>
             <a:r>
               <a:rPr lang="en-US" smtClean="0"/>
-              <a:t>Sanjay Kalé and PPL (UIUC) – Parallel Migratable Objects </a:t>
+              <a:t>Laxmikant Kalé and PPL (UIUC) – Parallel Migratable Objects </a:t>
             </a:r>
             <a:endParaRPr lang="en-US" dirty="0"/>
           </a:p>
@@ -32437,29 +32072,6 @@
       </p:sp>
       <p:sp>
         <p:nvSpPr>
-          <p:cNvPr id="4" name="Date Placeholder 3"/>
-          <p:cNvSpPr>
-            <a:spLocks noGrp="1"/>
-          </p:cNvSpPr>
-          <p:nvPr>
-            <p:ph type="dt" sz="half" idx="10"/>
-          </p:nvPr>
-        </p:nvSpPr>
-        <p:spPr/>
-        <p:txBody>
-          <a:bodyPr/>
-          <a:lstStyle/>
-          <a:p>
-            <a:fld id="{231C4983-29CA-804F-B0C2-861AD8815D43}" type="datetime2">
-              <a:rPr lang="en-US" smtClean="0"/>
-              <a:t>Wednesday, September 10, 14</a:t>
-            </a:fld>
-            <a:endParaRPr lang="en-US"/>
-          </a:p>
-        </p:txBody>
-      </p:sp>
-      <p:sp>
-        <p:nvSpPr>
           <p:cNvPr id="5" name="Footer Placeholder 4"/>
           <p:cNvSpPr>
             <a:spLocks noGrp="1"/>
@@ -32476,7 +32088,7 @@
             <a:pPr algn="r"/>
             <a:r>
               <a:rPr lang="en-US" smtClean="0"/>
-              <a:t>Sanjay Kalé and PPL (UIUC) – Parallel Migratable Objects </a:t>
+              <a:t>Laxmikant Kalé and PPL (UIUC) – Parallel Migratable Objects </a:t>
             </a:r>
             <a:endParaRPr lang="en-US" dirty="0"/>
           </a:p>
@@ -32723,29 +32335,6 @@
       </p:pic>
       <p:sp>
         <p:nvSpPr>
-          <p:cNvPr id="3" name="Date Placeholder 2"/>
-          <p:cNvSpPr>
-            <a:spLocks noGrp="1"/>
-          </p:cNvSpPr>
-          <p:nvPr>
-            <p:ph type="dt" sz="half" idx="10"/>
-          </p:nvPr>
-        </p:nvSpPr>
-        <p:spPr/>
-        <p:txBody>
-          <a:bodyPr/>
-          <a:lstStyle/>
-          <a:p>
-            <a:fld id="{49969878-E4FC-4B4F-8757-96654B5071D4}" type="datetime2">
-              <a:rPr lang="en-US" smtClean="0"/>
-              <a:t>Wednesday, September 10, 14</a:t>
-            </a:fld>
-            <a:endParaRPr lang="en-US" dirty="0"/>
-          </a:p>
-        </p:txBody>
-      </p:sp>
-      <p:sp>
-        <p:nvSpPr>
           <p:cNvPr id="5" name="Footer Placeholder 4"/>
           <p:cNvSpPr>
             <a:spLocks noGrp="1"/>
@@ -32762,7 +32351,7 @@
             <a:pPr algn="r"/>
             <a:r>
               <a:rPr lang="en-US" smtClean="0"/>
-              <a:t>Sanjay Kalé and PPL (UIUC) – Parallel Migratable Objects </a:t>
+              <a:t>Laxmikant Kalé and PPL (UIUC) – Parallel Migratable Objects </a:t>
             </a:r>
             <a:endParaRPr lang="en-US" dirty="0"/>
           </a:p>
@@ -33311,29 +32900,6 @@
       </p:sp>
       <p:sp>
         <p:nvSpPr>
-          <p:cNvPr id="4" name="Date Placeholder 3"/>
-          <p:cNvSpPr>
-            <a:spLocks noGrp="1"/>
-          </p:cNvSpPr>
-          <p:nvPr>
-            <p:ph type="dt" sz="half" idx="10"/>
-          </p:nvPr>
-        </p:nvSpPr>
-        <p:spPr/>
-        <p:txBody>
-          <a:bodyPr/>
-          <a:lstStyle/>
-          <a:p>
-            <a:fld id="{1B28481D-820C-BD47-8A20-F66B1E586D0A}" type="datetime2">
-              <a:rPr lang="en-US" smtClean="0"/>
-              <a:t>Wednesday, September 10, 14</a:t>
-            </a:fld>
-            <a:endParaRPr lang="en-US"/>
-          </a:p>
-        </p:txBody>
-      </p:sp>
-      <p:sp>
-        <p:nvSpPr>
           <p:cNvPr id="5" name="Footer Placeholder 4"/>
           <p:cNvSpPr>
             <a:spLocks noGrp="1"/>
@@ -33350,7 +32916,7 @@
             <a:pPr algn="r"/>
             <a:r>
               <a:rPr lang="en-US" smtClean="0"/>
-              <a:t>Sanjay Kalé and PPL (UIUC) – Parallel Migratable Objects </a:t>
+              <a:t>Laxmikant Kalé and PPL (UIUC) – Parallel Migratable Objects </a:t>
             </a:r>
             <a:endParaRPr lang="en-US" dirty="0"/>
           </a:p>
@@ -33665,29 +33231,6 @@
       </p:sp>
       <p:sp>
         <p:nvSpPr>
-          <p:cNvPr id="4" name="Date Placeholder 3"/>
-          <p:cNvSpPr>
-            <a:spLocks noGrp="1"/>
-          </p:cNvSpPr>
-          <p:nvPr>
-            <p:ph type="dt" sz="half" idx="10"/>
-          </p:nvPr>
-        </p:nvSpPr>
-        <p:spPr/>
-        <p:txBody>
-          <a:bodyPr/>
-          <a:lstStyle/>
-          <a:p>
-            <a:fld id="{6687E3A6-73AF-3C4A-BF08-3ECAB60FC972}" type="datetime2">
-              <a:rPr lang="en-US" smtClean="0"/>
-              <a:t>Wednesday, September 10, 14</a:t>
-            </a:fld>
-            <a:endParaRPr lang="en-US"/>
-          </a:p>
-        </p:txBody>
-      </p:sp>
-      <p:sp>
-        <p:nvSpPr>
           <p:cNvPr id="5" name="Footer Placeholder 4"/>
           <p:cNvSpPr>
             <a:spLocks noGrp="1"/>
@@ -33704,7 +33247,7 @@
             <a:pPr algn="r"/>
             <a:r>
               <a:rPr lang="en-US" smtClean="0"/>
-              <a:t>Sanjay Kalé and PPL (UIUC) – Parallel Migratable Objects </a:t>
+              <a:t>Laxmikant Kalé and PPL (UIUC) – Parallel Migratable Objects </a:t>
             </a:r>
             <a:endParaRPr lang="en-US" dirty="0"/>
           </a:p>
@@ -33790,15 +33333,7 @@
           <a:p>
             <a:r>
               <a:rPr lang="en-US" sz="3200" dirty="0" smtClean="0"/>
-              <a:t>Programming </a:t>
-            </a:r>
-            <a:r>
-              <a:rPr lang="en-US" sz="3200" dirty="0" smtClean="0"/>
-              <a:t>Models: </a:t>
-            </a:r>
-            <a:r>
-              <a:rPr lang="en-US" sz="3200" dirty="0" smtClean="0"/>
-              <a:t>What is Charm++?</a:t>
+              <a:t>Programming Models: What is Charm++?</a:t>
             </a:r>
             <a:endParaRPr lang="en-US" sz="3200" dirty="0"/>
           </a:p>
@@ -33917,29 +33452,6 @@
       </p:sp>
       <p:sp>
         <p:nvSpPr>
-          <p:cNvPr id="4" name="Date Placeholder 3"/>
-          <p:cNvSpPr>
-            <a:spLocks noGrp="1"/>
-          </p:cNvSpPr>
-          <p:nvPr>
-            <p:ph type="dt" sz="half" idx="10"/>
-          </p:nvPr>
-        </p:nvSpPr>
-        <p:spPr/>
-        <p:txBody>
-          <a:bodyPr/>
-          <a:lstStyle/>
-          <a:p>
-            <a:fld id="{6687E3A6-73AF-3C4A-BF08-3ECAB60FC972}" type="datetime2">
-              <a:rPr lang="en-US" smtClean="0"/>
-              <a:t>Wednesday, September 10, 14</a:t>
-            </a:fld>
-            <a:endParaRPr lang="en-US"/>
-          </a:p>
-        </p:txBody>
-      </p:sp>
-      <p:sp>
-        <p:nvSpPr>
           <p:cNvPr id="5" name="Footer Placeholder 4"/>
           <p:cNvSpPr>
             <a:spLocks noGrp="1"/>
@@ -33956,7 +33468,7 @@
             <a:pPr algn="r"/>
             <a:r>
               <a:rPr lang="en-US" smtClean="0"/>
-              <a:t>Sanjay Kalé and PPL (UIUC) – Parallel Migratable Objects </a:t>
+              <a:t>Laxmikant Kalé and PPL (UIUC) – Parallel Migratable Objects </a:t>
             </a:r>
             <a:endParaRPr lang="en-US" dirty="0"/>
           </a:p>
@@ -34515,29 +34027,6 @@
       </p:sp>
       <p:sp>
         <p:nvSpPr>
-          <p:cNvPr id="6" name="Date Placeholder 5"/>
-          <p:cNvSpPr>
-            <a:spLocks noGrp="1"/>
-          </p:cNvSpPr>
-          <p:nvPr>
-            <p:ph type="dt" sz="half" idx="10"/>
-          </p:nvPr>
-        </p:nvSpPr>
-        <p:spPr/>
-        <p:txBody>
-          <a:bodyPr/>
-          <a:lstStyle/>
-          <a:p>
-            <a:fld id="{E2BEDE58-EB0D-8D49-81F3-C834FB63B2FF}" type="datetime2">
-              <a:rPr lang="en-US" smtClean="0"/>
-              <a:t>Wednesday, September 10, 14</a:t>
-            </a:fld>
-            <a:endParaRPr lang="en-US" dirty="0"/>
-          </a:p>
-        </p:txBody>
-      </p:sp>
-      <p:sp>
-        <p:nvSpPr>
           <p:cNvPr id="7" name="Footer Placeholder 6"/>
           <p:cNvSpPr>
             <a:spLocks noGrp="1"/>
@@ -34554,7 +34043,7 @@
             <a:pPr algn="r"/>
             <a:r>
               <a:rPr lang="en-US" smtClean="0"/>
-              <a:t>Sanjay Kalé and PPL (UIUC) – Parallel Migratable Objects </a:t>
+              <a:t>Laxmikant Kalé and PPL (UIUC) – Parallel Migratable Objects </a:t>
             </a:r>
             <a:endParaRPr lang="en-US" dirty="0"/>
           </a:p>

--- a/tutorial-01-intro.pptx
+++ b/tutorial-01-intro.pptx
@@ -6633,11 +6633,7 @@
           <a:p>
             <a:r>
               <a:rPr lang="en-US" dirty="0" smtClean="0"/>
-              <a:t>Laxmikant Kalé </a:t>
-            </a:r>
-            <a:r>
-              <a:rPr lang="en-US" dirty="0" smtClean="0"/>
-              <a:t>and PPL (UIUC) – Parallel Migratable Objects </a:t>
+              <a:t>Laxmikant Kalé and PPL (UIUC) – Parallel Migratable Objects </a:t>
             </a:r>
             <a:endParaRPr lang="en-US" dirty="0"/>
           </a:p>
@@ -30645,6 +30641,7 @@
           <a:bodyPr rtlCol="0" anchor="ctr"/>
           <a:lstStyle/>
           <a:p>
+            <a:pPr algn="ctr"/>
             <a:r>
               <a:rPr lang="en-US" dirty="0"/>
               <a:t>Asynchrony</a:t>
@@ -30727,6 +30724,7 @@
           <a:bodyPr rtlCol="0" anchor="ctr"/>
           <a:lstStyle/>
           <a:p>
+            <a:pPr algn="ctr"/>
             <a:r>
               <a:rPr lang="en-US" dirty="0" err="1" smtClean="0"/>
               <a:t>Migratability</a:t>
@@ -30863,6 +30861,7 @@
           <a:bodyPr rtlCol="0" anchor="ctr"/>
           <a:lstStyle/>
           <a:p>
+            <a:pPr algn="ctr"/>
             <a:r>
               <a:rPr lang="en-US" sz="2000" dirty="0" smtClean="0"/>
               <a:t>Introspection</a:t>
@@ -30931,6 +30930,7 @@
           <a:bodyPr rtlCol="0" anchor="ctr"/>
           <a:lstStyle/>
           <a:p>
+            <a:pPr algn="ctr"/>
             <a:r>
               <a:rPr lang="en-US" sz="2000" dirty="0" err="1" smtClean="0"/>
               <a:t>Adaptivity</a:t>

--- a/tutorial-01-intro.pptx
+++ b/tutorial-01-intro.pptx
@@ -5,35 +5,33 @@
     <p:sldMasterId id="2147483974" r:id="rId1"/>
   </p:sldMasterIdLst>
   <p:notesMasterIdLst>
-    <p:notesMasterId r:id="rId25"/>
+    <p:notesMasterId r:id="rId23"/>
   </p:notesMasterIdLst>
   <p:handoutMasterIdLst>
-    <p:handoutMasterId r:id="rId26"/>
+    <p:handoutMasterId r:id="rId24"/>
   </p:handoutMasterIdLst>
   <p:sldIdLst>
-    <p:sldId id="293" r:id="rId2"/>
-    <p:sldId id="292" r:id="rId3"/>
-    <p:sldId id="299" r:id="rId4"/>
-    <p:sldId id="295" r:id="rId5"/>
-    <p:sldId id="305" r:id="rId6"/>
-    <p:sldId id="300" r:id="rId7"/>
-    <p:sldId id="301" r:id="rId8"/>
-    <p:sldId id="317" r:id="rId9"/>
-    <p:sldId id="306" r:id="rId10"/>
-    <p:sldId id="304" r:id="rId11"/>
-    <p:sldId id="311" r:id="rId12"/>
-    <p:sldId id="312" r:id="rId13"/>
-    <p:sldId id="313" r:id="rId14"/>
-    <p:sldId id="315" r:id="rId15"/>
-    <p:sldId id="314" r:id="rId16"/>
-    <p:sldId id="318" r:id="rId17"/>
-    <p:sldId id="319" r:id="rId18"/>
-    <p:sldId id="307" r:id="rId19"/>
-    <p:sldId id="316" r:id="rId20"/>
-    <p:sldId id="320" r:id="rId21"/>
-    <p:sldId id="321" r:id="rId22"/>
-    <p:sldId id="322" r:id="rId23"/>
-    <p:sldId id="323" r:id="rId24"/>
+    <p:sldId id="299" r:id="rId2"/>
+    <p:sldId id="295" r:id="rId3"/>
+    <p:sldId id="305" r:id="rId4"/>
+    <p:sldId id="300" r:id="rId5"/>
+    <p:sldId id="301" r:id="rId6"/>
+    <p:sldId id="317" r:id="rId7"/>
+    <p:sldId id="306" r:id="rId8"/>
+    <p:sldId id="304" r:id="rId9"/>
+    <p:sldId id="311" r:id="rId10"/>
+    <p:sldId id="312" r:id="rId11"/>
+    <p:sldId id="313" r:id="rId12"/>
+    <p:sldId id="315" r:id="rId13"/>
+    <p:sldId id="314" r:id="rId14"/>
+    <p:sldId id="318" r:id="rId15"/>
+    <p:sldId id="319" r:id="rId16"/>
+    <p:sldId id="307" r:id="rId17"/>
+    <p:sldId id="316" r:id="rId18"/>
+    <p:sldId id="320" r:id="rId19"/>
+    <p:sldId id="321" r:id="rId20"/>
+    <p:sldId id="322" r:id="rId21"/>
+    <p:sldId id="323" r:id="rId22"/>
   </p:sldIdLst>
   <p:sldSz cx="9144000" cy="6858000" type="screen4x3"/>
   <p:notesSz cx="6858000" cy="9144000"/>
@@ -223,7 +221,7 @@
           <a:p>
             <a:fld id="{775CE290-E0F5-444C-B849-A8F17CD4104C}" type="datetimeFigureOut">
               <a:rPr lang="en-US" smtClean="0"/>
-              <a:t>9/12/14</a:t>
+              <a:t>11/16/14</a:t>
             </a:fld>
             <a:endParaRPr lang="en-US"/>
           </a:p>
@@ -389,7 +387,7 @@
           <a:p>
             <a:fld id="{AD53A24C-4135-094C-957B-35852E7EDFA4}" type="datetimeFigureOut">
               <a:rPr lang="en-US" smtClean="0"/>
-              <a:t>9/12/14</a:t>
+              <a:t>11/16/14</a:t>
             </a:fld>
             <a:endParaRPr lang="en-US"/>
           </a:p>
@@ -735,7 +733,7 @@
           <a:p>
             <a:fld id="{DF7F4D5E-EC34-BC40-81FA-0B854D990F5C}" type="slidenum">
               <a:rPr lang="en-US" smtClean="0"/>
-              <a:t>18</a:t>
+              <a:t>16</a:t>
             </a:fld>
             <a:endParaRPr lang="en-US"/>
           </a:p>
@@ -831,7 +829,7 @@
           <a:p>
             <a:fld id="{DF7F4D5E-EC34-BC40-81FA-0B854D990F5C}" type="slidenum">
               <a:rPr lang="en-US" smtClean="0"/>
-              <a:t>19</a:t>
+              <a:t>17</a:t>
             </a:fld>
             <a:endParaRPr lang="en-US"/>
           </a:p>
@@ -927,7 +925,7 @@
           <a:p>
             <a:fld id="{DF7F4D5E-EC34-BC40-81FA-0B854D990F5C}" type="slidenum">
               <a:rPr lang="en-US" smtClean="0"/>
-              <a:t>20</a:t>
+              <a:t>18</a:t>
             </a:fld>
             <a:endParaRPr lang="en-US"/>
           </a:p>
@@ -1023,7 +1021,7 @@
           <a:p>
             <a:fld id="{DF7F4D5E-EC34-BC40-81FA-0B854D990F5C}" type="slidenum">
               <a:rPr lang="en-US" smtClean="0"/>
-              <a:t>21</a:t>
+              <a:t>19</a:t>
             </a:fld>
             <a:endParaRPr lang="en-US"/>
           </a:p>
@@ -1119,7 +1117,7 @@
           <a:p>
             <a:fld id="{DF7F4D5E-EC34-BC40-81FA-0B854D990F5C}" type="slidenum">
               <a:rPr lang="en-US" smtClean="0"/>
-              <a:t>22</a:t>
+              <a:t>20</a:t>
             </a:fld>
             <a:endParaRPr lang="en-US"/>
           </a:p>
@@ -1215,7 +1213,7 @@
           <a:p>
             <a:fld id="{DF7F4D5E-EC34-BC40-81FA-0B854D990F5C}" type="slidenum">
               <a:rPr lang="en-US" smtClean="0"/>
-              <a:t>23</a:t>
+              <a:t>21</a:t>
             </a:fld>
             <a:endParaRPr lang="en-US"/>
           </a:p>
@@ -1426,7 +1424,7 @@
           <a:p>
             <a:fld id="{9EE71821-C25D-C84D-BC06-3A5B9B475A51}" type="datetime2">
               <a:rPr lang="en-US" smtClean="0"/>
-              <a:t>Friday, September 12, 14</a:t>
+              <a:t>Sunday, November 16, 14</a:t>
             </a:fld>
             <a:endParaRPr lang="en-US"/>
           </a:p>
@@ -1729,7 +1727,7 @@
                 <a:latin typeface="Times New Roman"/>
                 <a:cs typeface="Times New Roman"/>
               </a:rPr>
-              <a:t>September 12, 2014</a:t>
+              <a:t>November 16, 2014</a:t>
             </a:fld>
             <a:endParaRPr lang="en-US" dirty="0">
               <a:latin typeface="Times New Roman"/>
@@ -2003,7 +2001,7 @@
                 <a:latin typeface="Times New Roman"/>
                 <a:cs typeface="Times New Roman"/>
               </a:rPr>
-              <a:t>September 12, 2014</a:t>
+              <a:t>November 16, 2014</a:t>
             </a:fld>
             <a:endParaRPr lang="en-US" dirty="0">
               <a:latin typeface="Times New Roman"/>
@@ -2238,7 +2236,7 @@
           <a:p>
             <a:fld id="{F7E18B9C-4BF5-8240-B6AB-ADE712045BD6}" type="datetime2">
               <a:rPr lang="en-US" smtClean="0"/>
-              <a:t>Friday, September 12, 14</a:t>
+              <a:t>Sunday, November 16, 14</a:t>
             </a:fld>
             <a:endParaRPr lang="en-US"/>
           </a:p>
@@ -2549,7 +2547,7 @@
           <a:p>
             <a:fld id="{A40840C6-9FEC-0245-8DBB-094AA7D22CCF}" type="datetime2">
               <a:rPr lang="en-US" smtClean="0"/>
-              <a:t>Friday, September 12, 14</a:t>
+              <a:t>Sunday, November 16, 14</a:t>
             </a:fld>
             <a:endParaRPr lang="en-US"/>
           </a:p>
@@ -2720,7 +2718,7 @@
           <a:p>
             <a:fld id="{85E5FCBD-9AB3-2749-989C-ECE844367113}" type="datetime2">
               <a:rPr lang="en-US" smtClean="0"/>
-              <a:t>Friday, September 12, 14</a:t>
+              <a:t>Sunday, November 16, 14</a:t>
             </a:fld>
             <a:endParaRPr lang="en-US"/>
           </a:p>
@@ -2901,7 +2899,7 @@
           <a:p>
             <a:fld id="{2CE68F07-7347-BA4F-9684-8FA226AC9994}" type="datetime2">
               <a:rPr lang="en-US" smtClean="0"/>
-              <a:t>Friday, September 12, 14</a:t>
+              <a:t>Sunday, November 16, 14</a:t>
             </a:fld>
             <a:endParaRPr lang="en-US"/>
           </a:p>
@@ -3155,7 +3153,7 @@
           <a:p>
             <a:fld id="{DD89BE09-B630-CC4F-BE98-124A2EE8B130}" type="datetime2">
               <a:rPr lang="en-US" smtClean="0"/>
-              <a:t>Friday, September 12, 14</a:t>
+              <a:t>Sunday, November 16, 14</a:t>
             </a:fld>
             <a:endParaRPr lang="en-US"/>
           </a:p>
@@ -3458,7 +3456,7 @@
                 <a:latin typeface="Times New Roman"/>
                 <a:cs typeface="Times New Roman"/>
               </a:rPr>
-              <a:t>September 12, 2014</a:t>
+              <a:t>November 16, 2014</a:t>
             </a:fld>
             <a:endParaRPr lang="en-US" dirty="0">
               <a:latin typeface="Times New Roman"/>
@@ -3584,7 +3582,7 @@
           <a:p>
             <a:fld id="{519816A8-A8BC-EC45-B0FE-D44F789D99D9}" type="datetime2">
               <a:rPr lang="en-US" smtClean="0"/>
-              <a:t>Friday, September 12, 14</a:t>
+              <a:t>Sunday, November 16, 14</a:t>
             </a:fld>
             <a:endParaRPr lang="en-US" dirty="0"/>
           </a:p>
@@ -4113,7 +4111,7 @@
           <a:p>
             <a:fld id="{BE0E9CCC-0E7B-6041-9897-6EF413B16B3E}" type="datetime2">
               <a:rPr lang="en-US" smtClean="0"/>
-              <a:t>Friday, September 12, 14</a:t>
+              <a:t>Sunday, November 16, 14</a:t>
             </a:fld>
             <a:endParaRPr lang="en-US" dirty="0"/>
           </a:p>
@@ -4409,7 +4407,7 @@
           <a:p>
             <a:fld id="{3B74148E-8ADD-2B47-8BB3-ABD320C934E7}" type="datetime2">
               <a:rPr lang="en-US" smtClean="0"/>
-              <a:t>Friday, September 12, 14</a:t>
+              <a:t>Sunday, November 16, 14</a:t>
             </a:fld>
             <a:endParaRPr lang="en-US"/>
           </a:p>
@@ -4528,7 +4526,7 @@
           <a:p>
             <a:fld id="{7F02E6E9-9119-064C-81C4-1DA6DFE765FF}" type="datetime2">
               <a:rPr lang="en-US" smtClean="0"/>
-              <a:t>Friday, September 12, 14</a:t>
+              <a:t>Sunday, November 16, 14</a:t>
             </a:fld>
             <a:endParaRPr lang="en-US" dirty="0"/>
           </a:p>
@@ -5015,7 +5013,7 @@
           <a:p>
             <a:fld id="{5DA60957-BFCC-C345-B650-62BA95CE1170}" type="datetime2">
               <a:rPr lang="en-US" smtClean="0"/>
-              <a:t>Friday, September 12, 14</a:t>
+              <a:t>Sunday, November 16, 14</a:t>
             </a:fld>
             <a:endParaRPr lang="en-US"/>
           </a:p>
@@ -5346,7 +5344,7 @@
           <a:p>
             <a:fld id="{23E5D42B-E71F-D446-A410-472B6B2370C2}" type="datetime2">
               <a:rPr lang="en-US" smtClean="0"/>
-              <a:t>Friday, September 12, 14</a:t>
+              <a:t>Sunday, November 16, 14</a:t>
             </a:fld>
             <a:endParaRPr lang="en-US" dirty="0"/>
           </a:p>
@@ -5825,7 +5823,7 @@
           <a:p>
             <a:fld id="{CE5BA7E4-AA51-174E-BDA7-EBCC519D3B2D}" type="datetime2">
               <a:rPr lang="en-US" smtClean="0"/>
-              <a:t>Friday, September 12, 14</a:t>
+              <a:t>Sunday, November 16, 14</a:t>
             </a:fld>
             <a:endParaRPr lang="en-US"/>
           </a:p>
@@ -6121,7 +6119,7 @@
           <a:p>
             <a:fld id="{1DEB5EF7-9EA4-4744-9A6D-B361EDD9A13B}" type="datetime2">
               <a:rPr lang="en-US" smtClean="0"/>
-              <a:t>Friday, September 12, 14</a:t>
+              <a:t>Sunday, November 16, 14</a:t>
             </a:fld>
             <a:endParaRPr lang="en-US" dirty="0"/>
           </a:p>
@@ -6364,7 +6362,7 @@
           <a:p>
             <a:fld id="{148AEB91-14AB-0540-AB84-4182AA872FD7}" type="datetime2">
               <a:rPr lang="en-US" smtClean="0"/>
-              <a:t>Friday, September 12, 14</a:t>
+              <a:t>Sunday, November 16, 14</a:t>
             </a:fld>
             <a:endParaRPr lang="en-US"/>
           </a:p>
@@ -6460,7 +6458,7 @@
           <a:p>
             <a:fld id="{00E77434-9BF3-F04F-9C42-D83C903AE7BE}" type="datetime2">
               <a:rPr lang="en-US" smtClean="0"/>
-              <a:t>Friday, September 12, 14</a:t>
+              <a:t>Sunday, November 16, 14</a:t>
             </a:fld>
             <a:endParaRPr lang="en-US"/>
           </a:p>
@@ -6775,7 +6773,7 @@
           <a:p>
             <a:fld id="{FB880D32-D019-364E-9C36-C9180074EACA}" type="datetime2">
               <a:rPr lang="en-US" smtClean="0"/>
-              <a:t>Friday, September 12, 14</a:t>
+              <a:t>Sunday, November 16, 14</a:t>
             </a:fld>
             <a:endParaRPr lang="en-US" dirty="0"/>
           </a:p>
@@ -7153,71 +7151,297 @@
             <a:spLocks noGrp="1"/>
           </p:cNvSpPr>
           <p:nvPr>
-            <p:ph type="ctrTitle"/>
+            <p:ph type="title"/>
           </p:nvPr>
         </p:nvSpPr>
         <p:spPr/>
         <p:txBody>
           <a:bodyPr>
-            <a:noAutofit/>
+            <a:normAutofit/>
           </a:bodyPr>
           <a:lstStyle/>
           <a:p>
             <a:r>
-              <a:rPr lang="en-US" sz="3200" dirty="0" smtClean="0"/>
-              <a:t>Programming with Parallel </a:t>
-            </a:r>
-            <a:r>
-              <a:rPr lang="en-US" sz="3200" dirty="0" err="1" smtClean="0"/>
-              <a:t>Migratable</a:t>
-            </a:r>
-            <a:r>
-              <a:rPr lang="en-US" sz="3200" dirty="0" smtClean="0"/>
-              <a:t> Objects</a:t>
-            </a:r>
-            <a:endParaRPr lang="en-US" sz="3200" dirty="0"/>
-          </a:p>
-        </p:txBody>
-      </p:sp>
-      <p:sp>
-        <p:nvSpPr>
-          <p:cNvPr id="3" name="Subtitle 2"/>
+              <a:rPr lang="en-US" dirty="0" smtClean="0"/>
+              <a:t>Outline</a:t>
+            </a:r>
+            <a:endParaRPr lang="en-US" dirty="0"/>
+          </a:p>
+        </p:txBody>
+      </p:sp>
+      <p:sp>
+        <p:nvSpPr>
+          <p:cNvPr id="3" name="Content Placeholder 2"/>
           <p:cNvSpPr>
             <a:spLocks noGrp="1"/>
           </p:cNvSpPr>
           <p:nvPr>
-            <p:ph type="subTitle" idx="1"/>
+            <p:ph idx="1"/>
           </p:nvPr>
         </p:nvSpPr>
-        <p:spPr/>
-        <p:txBody>
-          <a:bodyPr/>
+        <p:spPr>
+          <a:xfrm>
+            <a:off x="0" y="1327046"/>
+            <a:ext cx="9144000" cy="4231132"/>
+          </a:xfrm>
+        </p:spPr>
+        <p:txBody>
+          <a:bodyPr numCol="2"/>
           <a:lstStyle/>
           <a:p>
+            <a:pPr marL="681038" indent="-681038">
+              <a:buClr>
+                <a:srgbClr val="0000FF"/>
+              </a:buClr>
+              <a:buSzPct val="100000"/>
+              <a:buFont typeface="+mj-lt"/>
+              <a:buAutoNum type="arabicParenR"/>
+            </a:pPr>
             <a:r>
               <a:rPr lang="en-US" dirty="0" smtClean="0"/>
-              <a:t>Sanjay </a:t>
-            </a:r>
+              <a:t>Introduction</a:t>
+            </a:r>
+          </a:p>
+          <a:p>
+            <a:pPr marL="955358" lvl="2" indent="-276225">
+              <a:buClr>
+                <a:srgbClr val="0000FF"/>
+              </a:buClr>
+              <a:buSzPct val="100000"/>
+              <a:buFont typeface="Arial"/>
+              <a:buChar char="•"/>
+            </a:pPr>
+            <a:r>
+              <a:rPr lang="en-US" dirty="0" smtClean="0"/>
+              <a:t>Object Design</a:t>
+            </a:r>
+          </a:p>
+          <a:p>
+            <a:pPr marL="955358" lvl="2" indent="-276225">
+              <a:buClr>
+                <a:srgbClr val="0000FF"/>
+              </a:buClr>
+              <a:buSzPct val="100000"/>
+              <a:buFont typeface="Arial"/>
+              <a:buChar char="•"/>
+            </a:pPr>
+            <a:r>
+              <a:rPr lang="en-US" dirty="0" smtClean="0"/>
+              <a:t>Execution Model</a:t>
+            </a:r>
+          </a:p>
+          <a:p>
+            <a:pPr marL="681038" indent="-681038">
+              <a:buClr>
+                <a:srgbClr val="0000FF"/>
+              </a:buClr>
+              <a:buSzPct val="100000"/>
+              <a:buFont typeface="+mj-lt"/>
+              <a:buAutoNum type="arabicParenR" startAt="2"/>
+            </a:pPr>
+            <a:r>
+              <a:rPr lang="en-US" dirty="0" smtClean="0"/>
+              <a:t>Hello World</a:t>
+            </a:r>
+          </a:p>
+          <a:p>
+            <a:pPr marL="681038" indent="-681038">
+              <a:buClr>
+                <a:srgbClr val="0000FF"/>
+              </a:buClr>
+              <a:buSzPct val="100000"/>
+              <a:buFont typeface="+mj-lt"/>
+              <a:buAutoNum type="arabicParenR" startAt="2"/>
+            </a:pPr>
+            <a:r>
+              <a:rPr lang="en-US" dirty="0" smtClean="0"/>
+              <a:t>Benefits of Charm++</a:t>
+            </a:r>
+          </a:p>
+          <a:p>
+            <a:pPr marL="681038" indent="-681038">
+              <a:buClr>
+                <a:srgbClr val="0000FF"/>
+              </a:buClr>
+              <a:buSzPct val="100000"/>
+              <a:buFont typeface="+mj-lt"/>
+              <a:buAutoNum type="arabicParenR" startAt="2"/>
+            </a:pPr>
+            <a:r>
+              <a:rPr lang="en-US" dirty="0" smtClean="0"/>
+              <a:t>Charm++ Basics</a:t>
+            </a:r>
+          </a:p>
+          <a:p>
+            <a:pPr marL="954088" lvl="2" indent="-266700">
+              <a:buClr>
+                <a:srgbClr val="0000FF"/>
+              </a:buClr>
+              <a:buSzPct val="100000"/>
+              <a:buFont typeface="Arial"/>
+              <a:buChar char="•"/>
+            </a:pPr>
+            <a:r>
+              <a:rPr lang="en-US" dirty="0" smtClean="0"/>
+              <a:t>Object Collections</a:t>
+            </a:r>
+          </a:p>
+          <a:p>
+            <a:pPr marL="681038" indent="-681038">
+              <a:buClr>
+                <a:srgbClr val="0000FF"/>
+              </a:buClr>
+              <a:buSzPct val="100000"/>
+              <a:buFont typeface="+mj-lt"/>
+              <a:buAutoNum type="arabicParenR" startAt="5"/>
+            </a:pPr>
             <a:r>
               <a:rPr lang="en-US" dirty="0" err="1" smtClean="0"/>
-              <a:t>Kalé</a:t>
+              <a:t>Overdecomposition</a:t>
+            </a:r>
+            <a:endParaRPr lang="en-US" dirty="0" smtClean="0"/>
+          </a:p>
+          <a:p>
+            <a:pPr marL="681038" indent="-681038">
+              <a:buClr>
+                <a:srgbClr val="0000FF"/>
+              </a:buClr>
+              <a:buSzPct val="100000"/>
+              <a:buFont typeface="+mj-lt"/>
+              <a:buAutoNum type="arabicParenR" startAt="5"/>
+            </a:pPr>
+            <a:r>
+              <a:rPr lang="en-US" dirty="0" err="1" smtClean="0"/>
+              <a:t>Migratability</a:t>
+            </a:r>
+            <a:endParaRPr lang="en-US" dirty="0" smtClean="0"/>
+          </a:p>
+          <a:p>
+            <a:pPr marL="954088" lvl="2" indent="-266700">
+              <a:buClr>
+                <a:srgbClr val="0000FF"/>
+              </a:buClr>
+              <a:buSzPct val="100000"/>
+              <a:buFont typeface="Arial"/>
+              <a:buChar char="•"/>
+            </a:pPr>
+            <a:r>
+              <a:rPr lang="en-US" dirty="0" err="1" smtClean="0"/>
+              <a:t>Checkpointing</a:t>
             </a:r>
             <a:r>
               <a:rPr lang="en-US" dirty="0" smtClean="0"/>
-              <a:t> and PPL</a:t>
-            </a:r>
-            <a:endParaRPr lang="en-US" dirty="0"/>
-          </a:p>
-        </p:txBody>
-      </p:sp>
-      <p:sp>
-        <p:nvSpPr>
-          <p:cNvPr id="4" name="Content Placeholder 3"/>
+              <a:t> and Resilience</a:t>
+            </a:r>
+          </a:p>
+          <a:p>
+            <a:pPr marL="681038" indent="-681038">
+              <a:buClr>
+                <a:srgbClr val="0000FF"/>
+              </a:buClr>
+              <a:buSzPct val="100000"/>
+              <a:buFont typeface="+mj-lt"/>
+              <a:buAutoNum type="arabicParenR" startAt="7"/>
+            </a:pPr>
+            <a:r>
+              <a:rPr lang="en-US" dirty="0" smtClean="0"/>
+              <a:t>Structured Dagger</a:t>
+            </a:r>
+          </a:p>
+          <a:p>
+            <a:pPr marL="681038" indent="-681038">
+              <a:buClr>
+                <a:srgbClr val="0000FF"/>
+              </a:buClr>
+              <a:buSzPct val="100000"/>
+              <a:buFont typeface="+mj-lt"/>
+              <a:buAutoNum type="arabicParenR" startAt="7"/>
+            </a:pPr>
+            <a:r>
+              <a:rPr lang="en-US" dirty="0" smtClean="0"/>
+              <a:t>Application Design</a:t>
+            </a:r>
+          </a:p>
+          <a:p>
+            <a:pPr marL="681038" indent="-681038">
+              <a:buClr>
+                <a:srgbClr val="0000FF"/>
+              </a:buClr>
+              <a:buSzPct val="100000"/>
+              <a:buFont typeface="+mj-lt"/>
+              <a:buAutoNum type="arabicParenR" startAt="7"/>
+            </a:pPr>
+            <a:r>
+              <a:rPr lang="en-US" dirty="0" smtClean="0"/>
+              <a:t>Performance Tuning</a:t>
+            </a:r>
+          </a:p>
+          <a:p>
+            <a:pPr marL="681038" indent="-681038">
+              <a:buClr>
+                <a:srgbClr val="0000FF"/>
+              </a:buClr>
+              <a:buSzPct val="100000"/>
+              <a:buFont typeface="+mj-lt"/>
+              <a:buAutoNum type="arabicParenR" startAt="7"/>
+            </a:pPr>
+            <a:r>
+              <a:rPr lang="en-US" dirty="0" smtClean="0"/>
+              <a:t>Using Dynamic Load Balancing</a:t>
+            </a:r>
+          </a:p>
+          <a:p>
+            <a:pPr marL="681038" indent="-681038">
+              <a:buClr>
+                <a:srgbClr val="0000FF"/>
+              </a:buClr>
+              <a:buSzPct val="100000"/>
+              <a:buFont typeface="+mj-lt"/>
+              <a:buAutoNum type="arabicParenR" startAt="7"/>
+            </a:pPr>
+            <a:r>
+              <a:rPr lang="en-US" dirty="0" smtClean="0"/>
+              <a:t>Interoperability</a:t>
+            </a:r>
+          </a:p>
+          <a:p>
+            <a:pPr marL="681038" indent="-681038">
+              <a:buClr>
+                <a:srgbClr val="0000FF"/>
+              </a:buClr>
+              <a:buSzPct val="100000"/>
+              <a:buFont typeface="+mj-lt"/>
+              <a:buAutoNum type="arabicParenR" startAt="7"/>
+            </a:pPr>
+            <a:r>
+              <a:rPr lang="en-US" dirty="0" smtClean="0"/>
+              <a:t>Debugging</a:t>
+            </a:r>
+          </a:p>
+          <a:p>
+            <a:pPr marL="681038" indent="-681038">
+              <a:buClr>
+                <a:srgbClr val="0000FF"/>
+              </a:buClr>
+              <a:buSzPct val="100000"/>
+              <a:buFont typeface="+mj-lt"/>
+              <a:buAutoNum type="arabicParenR" startAt="7"/>
+            </a:pPr>
+            <a:r>
+              <a:rPr lang="en-US" dirty="0" smtClean="0"/>
+              <a:t>Further Optimization</a:t>
+            </a:r>
+          </a:p>
+        </p:txBody>
+      </p:sp>
+      <p:sp>
+        <p:nvSpPr>
+          <p:cNvPr id="5" name="Footer Placeholder 4"/>
           <p:cNvSpPr>
             <a:spLocks noGrp="1"/>
           </p:cNvSpPr>
           <p:nvPr>
-            <p:ph sz="quarter" idx="13"/>
+            <p:ph type="ftr" sz="quarter" idx="11"/>
           </p:nvPr>
         </p:nvSpPr>
         <p:spPr/>
@@ -7225,24 +7449,43 @@
           <a:bodyPr/>
           <a:lstStyle/>
           <a:p>
-            <a:r>
-              <a:rPr lang="en-US" dirty="0" smtClean="0"/>
-              <a:t>Parallel Programming Laboratory</a:t>
-            </a:r>
-          </a:p>
-          <a:p>
-            <a:r>
-              <a:rPr lang="en-US" dirty="0" smtClean="0"/>
-              <a:t>University of Illinois at Urbana-Champaign</a:t>
+            <a:pPr algn="r"/>
+            <a:r>
+              <a:rPr lang="en-US" smtClean="0"/>
+              <a:t>Laxmikant Kalé and PPL (UIUC) – Parallel Migratable Objects </a:t>
             </a:r>
             <a:endParaRPr lang="en-US" dirty="0"/>
+          </a:p>
+        </p:txBody>
+      </p:sp>
+      <p:sp>
+        <p:nvSpPr>
+          <p:cNvPr id="6" name="Slide Number Placeholder 5"/>
+          <p:cNvSpPr>
+            <a:spLocks noGrp="1"/>
+          </p:cNvSpPr>
+          <p:nvPr>
+            <p:ph type="sldNum" sz="quarter" idx="12"/>
+          </p:nvPr>
+        </p:nvSpPr>
+        <p:spPr/>
+        <p:txBody>
+          <a:bodyPr/>
+          <a:lstStyle/>
+          <a:p>
+            <a:fld id="{0CFEC368-1D7A-4F81-ABF6-AE0E36BAF64C}" type="slidenum">
+              <a:rPr lang="en-US" smtClean="0"/>
+              <a:pPr/>
+              <a:t>1</a:t>
+            </a:fld>
+            <a:endParaRPr lang="en-US"/>
           </a:p>
         </p:txBody>
       </p:sp>
     </p:spTree>
     <p:extLst>
       <p:ext uri="{BB962C8B-B14F-4D97-AF65-F5344CB8AC3E}">
-        <p14:creationId xmlns:p14="http://schemas.microsoft.com/office/powerpoint/2010/main" val="2051363993"/>
+        <p14:creationId xmlns:p14="http://schemas.microsoft.com/office/powerpoint/2010/main" val="1440662259"/>
       </p:ext>
     </p:extLst>
   </p:cSld>
@@ -7252,7 +7495,81 @@
   <p:timing>
     <p:tnLst>
       <p:par>
-        <p:cTn xmlns:p14="http://schemas.microsoft.com/office/powerpoint/2010/main" id="1" dur="indefinite" restart="never" nodeType="tmRoot"/>
+        <p:cTn xmlns:p14="http://schemas.microsoft.com/office/powerpoint/2010/main" id="1" dur="indefinite" restart="never" nodeType="tmRoot">
+          <p:childTnLst>
+            <p:seq concurrent="1" nextAc="seek">
+              <p:cTn id="2" dur="indefinite" nodeType="mainSeq">
+                <p:childTnLst>
+                  <p:par>
+                    <p:cTn id="3" fill="hold">
+                      <p:stCondLst>
+                        <p:cond delay="indefinite"/>
+                        <p:cond evt="onBegin" delay="0">
+                          <p:tn val="2"/>
+                        </p:cond>
+                      </p:stCondLst>
+                      <p:childTnLst>
+                        <p:par>
+                          <p:cTn id="4" fill="hold">
+                            <p:stCondLst>
+                              <p:cond delay="0"/>
+                            </p:stCondLst>
+                            <p:childTnLst>
+                              <p:par>
+                                <p:cTn id="5" presetID="15" presetClass="emph" presetSubtype="0" nodeType="withEffect">
+                                  <p:stCondLst>
+                                    <p:cond delay="0"/>
+                                  </p:stCondLst>
+                                  <p:iterate type="lt">
+                                    <p:tmAbs val="25"/>
+                                  </p:iterate>
+                                  <p:childTnLst>
+                                    <p:set>
+                                      <p:cBhvr override="childStyle">
+                                        <p:cTn id="6" dur="indefinite"/>
+                                        <p:tgtEl>
+                                          <p:spTgt spid="3">
+                                            <p:txEl>
+                                              <p:pRg st="0" end="0"/>
+                                            </p:txEl>
+                                          </p:spTgt>
+                                        </p:tgtEl>
+                                        <p:attrNameLst>
+                                          <p:attrName>style.fontWeight</p:attrName>
+                                        </p:attrNameLst>
+                                      </p:cBhvr>
+                                      <p:to>
+                                        <p:strVal val="bold"/>
+                                      </p:to>
+                                    </p:set>
+                                  </p:childTnLst>
+                                </p:cTn>
+                              </p:par>
+                            </p:childTnLst>
+                          </p:cTn>
+                        </p:par>
+                      </p:childTnLst>
+                    </p:cTn>
+                  </p:par>
+                </p:childTnLst>
+              </p:cTn>
+              <p:prevCondLst>
+                <p:cond evt="onPrev" delay="0">
+                  <p:tgtEl>
+                    <p:sldTgt/>
+                  </p:tgtEl>
+                </p:cond>
+              </p:prevCondLst>
+              <p:nextCondLst>
+                <p:cond evt="onNext" delay="0">
+                  <p:tgtEl>
+                    <p:sldTgt/>
+                  </p:tgtEl>
+                </p:cond>
+              </p:nextCondLst>
+            </p:seq>
+          </p:childTnLst>
+        </p:cTn>
       </p:par>
     </p:tnLst>
   </p:timing>
@@ -7289,21 +7606,13 @@
         <p:spPr/>
         <p:txBody>
           <a:bodyPr>
-            <a:normAutofit/>
+            <a:normAutofit fontScale="90000"/>
           </a:bodyPr>
           <a:lstStyle/>
           <a:p>
             <a:r>
               <a:rPr lang="en-US" dirty="0"/>
-              <a:t>Globally-Visible Objects: </a:t>
-            </a:r>
-            <a:r>
-              <a:rPr lang="en-US" dirty="0" err="1"/>
-              <a:t>Chares</a:t>
-            </a:r>
-            <a:r>
-              <a:rPr lang="en-US" dirty="0"/>
-              <a:t> and Proxies</a:t>
+              <a:t>Method-Driven Asynchronous Communication</a:t>
             </a:r>
           </a:p>
         </p:txBody>
@@ -7320,2157 +7629,6 @@
         </p:nvSpPr>
         <p:spPr>
           <a:xfrm>
-            <a:off x="261865" y="4099127"/>
-            <a:ext cx="8615360" cy="2279095"/>
-          </a:xfrm>
-        </p:spPr>
-        <p:txBody>
-          <a:bodyPr/>
-          <a:lstStyle/>
-          <a:p>
-            <a:r>
-              <a:rPr lang="en-US" dirty="0"/>
-              <a:t>Certain “special” object </a:t>
-            </a:r>
-            <a:r>
-              <a:rPr lang="en-US" i="1" dirty="0"/>
-              <a:t>instances</a:t>
-            </a:r>
-            <a:r>
-              <a:rPr lang="en-US" dirty="0"/>
-              <a:t> are:</a:t>
-            </a:r>
-          </a:p>
-          <a:p>
-            <a:pPr lvl="1"/>
-            <a:r>
-              <a:rPr lang="en-US" dirty="0" smtClean="0"/>
-              <a:t>first</a:t>
-            </a:r>
-            <a:r>
-              <a:rPr lang="en-US" dirty="0"/>
-              <a:t>-class citizens in the parallel address space,</a:t>
-            </a:r>
-          </a:p>
-          <a:p>
-            <a:pPr lvl="1"/>
-            <a:r>
-              <a:rPr lang="en-US" dirty="0" smtClean="0"/>
-              <a:t>with </a:t>
-            </a:r>
-            <a:r>
-              <a:rPr lang="en-US" dirty="0"/>
-              <a:t>unique location-independent names</a:t>
-            </a:r>
-          </a:p>
-          <a:p>
-            <a:r>
-              <a:rPr lang="en-US" dirty="0"/>
-              <a:t>Under the hood, the runtime handles locality and provides </a:t>
-            </a:r>
-            <a:r>
-              <a:rPr lang="en-US" dirty="0" smtClean="0"/>
-              <a:t>the mechanisms </a:t>
-            </a:r>
-            <a:r>
-              <a:rPr lang="en-US" dirty="0"/>
-              <a:t>to promote objects to the parallel space</a:t>
-            </a:r>
-          </a:p>
-        </p:txBody>
-      </p:sp>
-      <p:sp>
-        <p:nvSpPr>
-          <p:cNvPr id="5" name="Footer Placeholder 4"/>
-          <p:cNvSpPr>
-            <a:spLocks noGrp="1"/>
-          </p:cNvSpPr>
-          <p:nvPr>
-            <p:ph type="ftr" sz="quarter" idx="11"/>
-          </p:nvPr>
-        </p:nvSpPr>
-        <p:spPr/>
-        <p:txBody>
-          <a:bodyPr/>
-          <a:lstStyle/>
-          <a:p>
-            <a:pPr algn="r"/>
-            <a:r>
-              <a:rPr lang="en-US" smtClean="0"/>
-              <a:t>Laxmikant Kalé and PPL (UIUC) – Parallel Migratable Objects </a:t>
-            </a:r>
-            <a:endParaRPr lang="en-US" dirty="0"/>
-          </a:p>
-        </p:txBody>
-      </p:sp>
-      <p:sp>
-        <p:nvSpPr>
-          <p:cNvPr id="26" name="Slide Number Placeholder 25"/>
-          <p:cNvSpPr>
-            <a:spLocks noGrp="1"/>
-          </p:cNvSpPr>
-          <p:nvPr>
-            <p:ph type="sldNum" sz="quarter" idx="12"/>
-          </p:nvPr>
-        </p:nvSpPr>
-        <p:spPr/>
-        <p:txBody>
-          <a:bodyPr/>
-          <a:lstStyle/>
-          <a:p>
-            <a:fld id="{0CFEC368-1D7A-4F81-ABF6-AE0E36BAF64C}" type="slidenum">
-              <a:rPr lang="en-US" smtClean="0"/>
-              <a:pPr/>
-              <a:t>10</a:t>
-            </a:fld>
-            <a:endParaRPr lang="en-US"/>
-          </a:p>
-        </p:txBody>
-      </p:sp>
-      <p:sp>
-        <p:nvSpPr>
-          <p:cNvPr id="6" name="Rectangle 5"/>
-          <p:cNvSpPr/>
-          <p:nvPr/>
-        </p:nvSpPr>
-        <p:spPr>
-          <a:xfrm>
-            <a:off x="457200" y="1678940"/>
-            <a:ext cx="8229600" cy="1430676"/>
-          </a:xfrm>
-          <a:prstGeom prst="rect">
-            <a:avLst/>
-          </a:prstGeom>
-          <a:solidFill>
-            <a:srgbClr val="99CCFF"/>
-          </a:solidFill>
-          <a:ln>
-            <a:solidFill>
-              <a:schemeClr val="accent5">
-                <a:lumMod val="50000"/>
-              </a:schemeClr>
-            </a:solidFill>
-          </a:ln>
-        </p:spPr>
-        <p:style>
-          <a:lnRef idx="1">
-            <a:schemeClr val="accent1"/>
-          </a:lnRef>
-          <a:fillRef idx="3">
-            <a:schemeClr val="accent1"/>
-          </a:fillRef>
-          <a:effectRef idx="2">
-            <a:schemeClr val="accent1"/>
-          </a:effectRef>
-          <a:fontRef idx="minor">
-            <a:schemeClr val="lt1"/>
-          </a:fontRef>
-        </p:style>
-        <p:txBody>
-          <a:bodyPr rtlCol="0" anchor="ctr"/>
-          <a:lstStyle/>
-          <a:p>
-            <a:pPr algn="ctr"/>
-            <a:endParaRPr lang="en-US"/>
-          </a:p>
-        </p:txBody>
-      </p:sp>
-      <p:sp>
-        <p:nvSpPr>
-          <p:cNvPr id="7" name="Oval 6"/>
-          <p:cNvSpPr/>
-          <p:nvPr/>
-        </p:nvSpPr>
-        <p:spPr>
-          <a:xfrm>
-            <a:off x="902915" y="1808193"/>
-            <a:ext cx="408752" cy="379580"/>
-          </a:xfrm>
-          <a:prstGeom prst="ellipse">
-            <a:avLst/>
-          </a:prstGeom>
-          <a:solidFill>
-            <a:srgbClr val="008000"/>
-          </a:solidFill>
-        </p:spPr>
-        <p:style>
-          <a:lnRef idx="1">
-            <a:schemeClr val="accent1"/>
-          </a:lnRef>
-          <a:fillRef idx="3">
-            <a:schemeClr val="accent1"/>
-          </a:fillRef>
-          <a:effectRef idx="2">
-            <a:schemeClr val="accent1"/>
-          </a:effectRef>
-          <a:fontRef idx="minor">
-            <a:schemeClr val="lt1"/>
-          </a:fontRef>
-        </p:style>
-        <p:txBody>
-          <a:bodyPr rtlCol="0" anchor="ctr"/>
-          <a:lstStyle/>
-          <a:p>
-            <a:pPr algn="ctr"/>
-            <a:r>
-              <a:rPr lang="en-US" dirty="0" smtClean="0"/>
-              <a:t>F</a:t>
-            </a:r>
-            <a:endParaRPr lang="en-US" dirty="0"/>
-          </a:p>
-        </p:txBody>
-      </p:sp>
-      <p:sp>
-        <p:nvSpPr>
-          <p:cNvPr id="8" name="Oval 7"/>
-          <p:cNvSpPr/>
-          <p:nvPr/>
-        </p:nvSpPr>
-        <p:spPr>
-          <a:xfrm>
-            <a:off x="2379033" y="1808193"/>
-            <a:ext cx="408752" cy="379580"/>
-          </a:xfrm>
-          <a:prstGeom prst="ellipse">
-            <a:avLst/>
-          </a:prstGeom>
-          <a:solidFill>
-            <a:srgbClr val="008000"/>
-          </a:solidFill>
-        </p:spPr>
-        <p:style>
-          <a:lnRef idx="1">
-            <a:schemeClr val="accent1"/>
-          </a:lnRef>
-          <a:fillRef idx="3">
-            <a:schemeClr val="accent1"/>
-          </a:fillRef>
-          <a:effectRef idx="2">
-            <a:schemeClr val="accent1"/>
-          </a:effectRef>
-          <a:fontRef idx="minor">
-            <a:schemeClr val="lt1"/>
-          </a:fontRef>
-        </p:style>
-        <p:txBody>
-          <a:bodyPr rtlCol="0" anchor="ctr"/>
-          <a:lstStyle/>
-          <a:p>
-            <a:pPr algn="ctr"/>
-            <a:r>
-              <a:rPr lang="en-US" dirty="0" smtClean="0"/>
-              <a:t>C</a:t>
-            </a:r>
-            <a:endParaRPr lang="en-US" dirty="0"/>
-          </a:p>
-        </p:txBody>
-      </p:sp>
-      <p:sp>
-        <p:nvSpPr>
-          <p:cNvPr id="9" name="Oval 8"/>
-          <p:cNvSpPr/>
-          <p:nvPr/>
-        </p:nvSpPr>
-        <p:spPr>
-          <a:xfrm>
-            <a:off x="4184869" y="1808193"/>
-            <a:ext cx="408752" cy="379580"/>
-          </a:xfrm>
-          <a:prstGeom prst="ellipse">
-            <a:avLst/>
-          </a:prstGeom>
-          <a:solidFill>
-            <a:srgbClr val="0000FF"/>
-          </a:solidFill>
-        </p:spPr>
-        <p:style>
-          <a:lnRef idx="1">
-            <a:schemeClr val="accent1"/>
-          </a:lnRef>
-          <a:fillRef idx="3">
-            <a:schemeClr val="accent1"/>
-          </a:fillRef>
-          <a:effectRef idx="2">
-            <a:schemeClr val="accent1"/>
-          </a:effectRef>
-          <a:fontRef idx="minor">
-            <a:schemeClr val="lt1"/>
-          </a:fontRef>
-        </p:style>
-        <p:txBody>
-          <a:bodyPr rtlCol="0" anchor="ctr"/>
-          <a:lstStyle/>
-          <a:p>
-            <a:pPr algn="ctr"/>
-            <a:r>
-              <a:rPr lang="en-US" dirty="0" smtClean="0"/>
-              <a:t>E</a:t>
-            </a:r>
-            <a:endParaRPr lang="en-US" dirty="0"/>
-          </a:p>
-        </p:txBody>
-      </p:sp>
-      <p:sp>
-        <p:nvSpPr>
-          <p:cNvPr id="10" name="Oval 9"/>
-          <p:cNvSpPr/>
-          <p:nvPr/>
-        </p:nvSpPr>
-        <p:spPr>
-          <a:xfrm>
-            <a:off x="6312119" y="1808193"/>
-            <a:ext cx="408752" cy="379580"/>
-          </a:xfrm>
-          <a:prstGeom prst="ellipse">
-            <a:avLst/>
-          </a:prstGeom>
-          <a:solidFill>
-            <a:srgbClr val="FF0000"/>
-          </a:solidFill>
-        </p:spPr>
-        <p:style>
-          <a:lnRef idx="1">
-            <a:schemeClr val="accent1"/>
-          </a:lnRef>
-          <a:fillRef idx="3">
-            <a:schemeClr val="accent1"/>
-          </a:fillRef>
-          <a:effectRef idx="2">
-            <a:schemeClr val="accent1"/>
-          </a:effectRef>
-          <a:fontRef idx="minor">
-            <a:schemeClr val="lt1"/>
-          </a:fontRef>
-        </p:style>
-        <p:txBody>
-          <a:bodyPr rtlCol="0" anchor="ctr"/>
-          <a:lstStyle/>
-          <a:p>
-            <a:pPr algn="ctr"/>
-            <a:r>
-              <a:rPr lang="en-US" dirty="0" smtClean="0"/>
-              <a:t>G</a:t>
-            </a:r>
-            <a:endParaRPr lang="en-US" dirty="0"/>
-          </a:p>
-        </p:txBody>
-      </p:sp>
-      <p:sp>
-        <p:nvSpPr>
-          <p:cNvPr id="11" name="Oval 10"/>
-          <p:cNvSpPr/>
-          <p:nvPr/>
-        </p:nvSpPr>
-        <p:spPr>
-          <a:xfrm>
-            <a:off x="1740119" y="2546678"/>
-            <a:ext cx="408752" cy="379580"/>
-          </a:xfrm>
-          <a:prstGeom prst="ellipse">
-            <a:avLst/>
-          </a:prstGeom>
-          <a:solidFill>
-            <a:srgbClr val="FF0000"/>
-          </a:solidFill>
-        </p:spPr>
-        <p:style>
-          <a:lnRef idx="1">
-            <a:schemeClr val="accent1"/>
-          </a:lnRef>
-          <a:fillRef idx="3">
-            <a:schemeClr val="accent1"/>
-          </a:fillRef>
-          <a:effectRef idx="2">
-            <a:schemeClr val="accent1"/>
-          </a:effectRef>
-          <a:fontRef idx="minor">
-            <a:schemeClr val="lt1"/>
-          </a:fontRef>
-        </p:style>
-        <p:txBody>
-          <a:bodyPr rtlCol="0" anchor="ctr"/>
-          <a:lstStyle/>
-          <a:p>
-            <a:pPr algn="ctr"/>
-            <a:r>
-              <a:rPr lang="en-US" dirty="0" smtClean="0"/>
-              <a:t>B</a:t>
-            </a:r>
-            <a:endParaRPr lang="en-US" dirty="0"/>
-          </a:p>
-        </p:txBody>
-      </p:sp>
-      <p:sp>
-        <p:nvSpPr>
-          <p:cNvPr id="12" name="Oval 11"/>
-          <p:cNvSpPr/>
-          <p:nvPr/>
-        </p:nvSpPr>
-        <p:spPr>
-          <a:xfrm>
-            <a:off x="3361534" y="2546678"/>
-            <a:ext cx="408752" cy="379580"/>
-          </a:xfrm>
-          <a:prstGeom prst="ellipse">
-            <a:avLst/>
-          </a:prstGeom>
-          <a:solidFill>
-            <a:srgbClr val="0000FF"/>
-          </a:solidFill>
-        </p:spPr>
-        <p:style>
-          <a:lnRef idx="1">
-            <a:schemeClr val="accent1"/>
-          </a:lnRef>
-          <a:fillRef idx="3">
-            <a:schemeClr val="accent1"/>
-          </a:fillRef>
-          <a:effectRef idx="2">
-            <a:schemeClr val="accent1"/>
-          </a:effectRef>
-          <a:fontRef idx="minor">
-            <a:schemeClr val="lt1"/>
-          </a:fontRef>
-        </p:style>
-        <p:txBody>
-          <a:bodyPr rtlCol="0" anchor="ctr"/>
-          <a:lstStyle/>
-          <a:p>
-            <a:pPr algn="ctr"/>
-            <a:r>
-              <a:rPr lang="en-US" dirty="0" smtClean="0"/>
-              <a:t>D</a:t>
-            </a:r>
-            <a:endParaRPr lang="en-US" dirty="0"/>
-          </a:p>
-        </p:txBody>
-      </p:sp>
-      <p:sp>
-        <p:nvSpPr>
-          <p:cNvPr id="13" name="Oval 12"/>
-          <p:cNvSpPr/>
-          <p:nvPr/>
-        </p:nvSpPr>
-        <p:spPr>
-          <a:xfrm>
-            <a:off x="5311994" y="2546678"/>
-            <a:ext cx="408752" cy="379580"/>
-          </a:xfrm>
-          <a:prstGeom prst="ellipse">
-            <a:avLst/>
-          </a:prstGeom>
-          <a:solidFill>
-            <a:srgbClr val="FF0000"/>
-          </a:solidFill>
-        </p:spPr>
-        <p:style>
-          <a:lnRef idx="1">
-            <a:schemeClr val="accent1"/>
-          </a:lnRef>
-          <a:fillRef idx="3">
-            <a:schemeClr val="accent1"/>
-          </a:fillRef>
-          <a:effectRef idx="2">
-            <a:schemeClr val="accent1"/>
-          </a:effectRef>
-          <a:fontRef idx="minor">
-            <a:schemeClr val="lt1"/>
-          </a:fontRef>
-        </p:style>
-        <p:txBody>
-          <a:bodyPr rtlCol="0" anchor="ctr"/>
-          <a:lstStyle/>
-          <a:p>
-            <a:pPr algn="ctr"/>
-            <a:r>
-              <a:rPr lang="en-US" dirty="0" smtClean="0"/>
-              <a:t>H</a:t>
-            </a:r>
-            <a:endParaRPr lang="en-US" dirty="0"/>
-          </a:p>
-        </p:txBody>
-      </p:sp>
-      <p:sp>
-        <p:nvSpPr>
-          <p:cNvPr id="14" name="Oval 13"/>
-          <p:cNvSpPr/>
-          <p:nvPr/>
-        </p:nvSpPr>
-        <p:spPr>
-          <a:xfrm>
-            <a:off x="7661494" y="2546678"/>
-            <a:ext cx="408752" cy="379580"/>
-          </a:xfrm>
-          <a:prstGeom prst="ellipse">
-            <a:avLst/>
-          </a:prstGeom>
-          <a:solidFill>
-            <a:srgbClr val="008000"/>
-          </a:solidFill>
-        </p:spPr>
-        <p:style>
-          <a:lnRef idx="1">
-            <a:schemeClr val="accent1"/>
-          </a:lnRef>
-          <a:fillRef idx="3">
-            <a:schemeClr val="accent1"/>
-          </a:fillRef>
-          <a:effectRef idx="2">
-            <a:schemeClr val="accent1"/>
-          </a:effectRef>
-          <a:fontRef idx="minor">
-            <a:schemeClr val="lt1"/>
-          </a:fontRef>
-        </p:style>
-        <p:txBody>
-          <a:bodyPr rtlCol="0" anchor="ctr"/>
-          <a:lstStyle/>
-          <a:p>
-            <a:pPr algn="ctr"/>
-            <a:r>
-              <a:rPr lang="en-US" dirty="0" smtClean="0"/>
-              <a:t>A</a:t>
-            </a:r>
-            <a:endParaRPr lang="en-US" dirty="0"/>
-          </a:p>
-        </p:txBody>
-      </p:sp>
-      <p:sp>
-        <p:nvSpPr>
-          <p:cNvPr id="15" name="Oval 14"/>
-          <p:cNvSpPr/>
-          <p:nvPr/>
-        </p:nvSpPr>
-        <p:spPr>
-          <a:xfrm>
-            <a:off x="1370945" y="1153272"/>
-            <a:ext cx="369174" cy="360161"/>
-          </a:xfrm>
-          <a:prstGeom prst="ellipse">
-            <a:avLst/>
-          </a:prstGeom>
-          <a:solidFill>
-            <a:schemeClr val="bg1">
-              <a:lumMod val="65000"/>
-            </a:schemeClr>
-          </a:solidFill>
-        </p:spPr>
-        <p:style>
-          <a:lnRef idx="1">
-            <a:schemeClr val="accent1"/>
-          </a:lnRef>
-          <a:fillRef idx="3">
-            <a:schemeClr val="accent1"/>
-          </a:fillRef>
-          <a:effectRef idx="2">
-            <a:schemeClr val="accent1"/>
-          </a:effectRef>
-          <a:fontRef idx="minor">
-            <a:schemeClr val="lt1"/>
-          </a:fontRef>
-        </p:style>
-        <p:txBody>
-          <a:bodyPr rtlCol="0" anchor="ctr"/>
-          <a:lstStyle/>
-          <a:p>
-            <a:pPr algn="ctr"/>
-            <a:r>
-              <a:rPr lang="en-US" dirty="0" smtClean="0"/>
-              <a:t>4</a:t>
-            </a:r>
-            <a:endParaRPr lang="en-US" dirty="0"/>
-          </a:p>
-        </p:txBody>
-      </p:sp>
-      <p:sp>
-        <p:nvSpPr>
-          <p:cNvPr id="16" name="Oval 15"/>
-          <p:cNvSpPr/>
-          <p:nvPr/>
-        </p:nvSpPr>
-        <p:spPr>
-          <a:xfrm>
-            <a:off x="2583409" y="801987"/>
-            <a:ext cx="369174" cy="360161"/>
-          </a:xfrm>
-          <a:prstGeom prst="ellipse">
-            <a:avLst/>
-          </a:prstGeom>
-          <a:solidFill>
-            <a:schemeClr val="bg1">
-              <a:lumMod val="65000"/>
-            </a:schemeClr>
-          </a:solidFill>
-        </p:spPr>
-        <p:style>
-          <a:lnRef idx="1">
-            <a:schemeClr val="accent1"/>
-          </a:lnRef>
-          <a:fillRef idx="3">
-            <a:schemeClr val="accent1"/>
-          </a:fillRef>
-          <a:effectRef idx="2">
-            <a:schemeClr val="accent1"/>
-          </a:effectRef>
-          <a:fontRef idx="minor">
-            <a:schemeClr val="lt1"/>
-          </a:fontRef>
-        </p:style>
-        <p:txBody>
-          <a:bodyPr rtlCol="0" anchor="ctr"/>
-          <a:lstStyle/>
-          <a:p>
-            <a:pPr algn="ctr"/>
-            <a:r>
-              <a:rPr lang="en-US" dirty="0"/>
-              <a:t>2</a:t>
-            </a:r>
-          </a:p>
-        </p:txBody>
-      </p:sp>
-      <p:sp>
-        <p:nvSpPr>
-          <p:cNvPr id="17" name="Oval 16"/>
-          <p:cNvSpPr/>
-          <p:nvPr/>
-        </p:nvSpPr>
-        <p:spPr>
-          <a:xfrm>
-            <a:off x="6741037" y="1162147"/>
-            <a:ext cx="369174" cy="360161"/>
-          </a:xfrm>
-          <a:prstGeom prst="ellipse">
-            <a:avLst/>
-          </a:prstGeom>
-          <a:solidFill>
-            <a:schemeClr val="bg1">
-              <a:lumMod val="65000"/>
-            </a:schemeClr>
-          </a:solidFill>
-        </p:spPr>
-        <p:style>
-          <a:lnRef idx="1">
-            <a:schemeClr val="accent1"/>
-          </a:lnRef>
-          <a:fillRef idx="3">
-            <a:schemeClr val="accent1"/>
-          </a:fillRef>
-          <a:effectRef idx="2">
-            <a:schemeClr val="accent1"/>
-          </a:effectRef>
-          <a:fontRef idx="minor">
-            <a:schemeClr val="lt1"/>
-          </a:fontRef>
-        </p:style>
-        <p:txBody>
-          <a:bodyPr rtlCol="0" anchor="ctr"/>
-          <a:lstStyle/>
-          <a:p>
-            <a:pPr algn="ctr"/>
-            <a:r>
-              <a:rPr lang="en-US" dirty="0" smtClean="0"/>
-              <a:t>6</a:t>
-            </a:r>
-            <a:endParaRPr lang="en-US" dirty="0"/>
-          </a:p>
-        </p:txBody>
-      </p:sp>
-      <p:sp>
-        <p:nvSpPr>
-          <p:cNvPr id="18" name="Oval 17"/>
-          <p:cNvSpPr/>
-          <p:nvPr/>
-        </p:nvSpPr>
-        <p:spPr>
-          <a:xfrm>
-            <a:off x="7704957" y="982067"/>
-            <a:ext cx="369174" cy="360161"/>
-          </a:xfrm>
-          <a:prstGeom prst="ellipse">
-            <a:avLst/>
-          </a:prstGeom>
-          <a:solidFill>
-            <a:schemeClr val="bg1">
-              <a:lumMod val="65000"/>
-            </a:schemeClr>
-          </a:solidFill>
-        </p:spPr>
-        <p:style>
-          <a:lnRef idx="1">
-            <a:schemeClr val="accent1"/>
-          </a:lnRef>
-          <a:fillRef idx="3">
-            <a:schemeClr val="accent1"/>
-          </a:fillRef>
-          <a:effectRef idx="2">
-            <a:schemeClr val="accent1"/>
-          </a:effectRef>
-          <a:fontRef idx="minor">
-            <a:schemeClr val="lt1"/>
-          </a:fontRef>
-        </p:style>
-        <p:txBody>
-          <a:bodyPr rtlCol="0" anchor="ctr"/>
-          <a:lstStyle/>
-          <a:p>
-            <a:pPr algn="ctr"/>
-            <a:r>
-              <a:rPr lang="en-US" dirty="0" smtClean="0"/>
-              <a:t>8</a:t>
-            </a:r>
-            <a:endParaRPr lang="en-US" dirty="0"/>
-          </a:p>
-        </p:txBody>
-      </p:sp>
-      <p:sp>
-        <p:nvSpPr>
-          <p:cNvPr id="19" name="Oval 18"/>
-          <p:cNvSpPr/>
-          <p:nvPr/>
-        </p:nvSpPr>
-        <p:spPr>
-          <a:xfrm>
-            <a:off x="842271" y="3378805"/>
-            <a:ext cx="369174" cy="360161"/>
-          </a:xfrm>
-          <a:prstGeom prst="ellipse">
-            <a:avLst/>
-          </a:prstGeom>
-          <a:solidFill>
-            <a:schemeClr val="bg1">
-              <a:lumMod val="65000"/>
-            </a:schemeClr>
-          </a:solidFill>
-        </p:spPr>
-        <p:style>
-          <a:lnRef idx="1">
-            <a:schemeClr val="accent1"/>
-          </a:lnRef>
-          <a:fillRef idx="3">
-            <a:schemeClr val="accent1"/>
-          </a:fillRef>
-          <a:effectRef idx="2">
-            <a:schemeClr val="accent1"/>
-          </a:effectRef>
-          <a:fontRef idx="minor">
-            <a:schemeClr val="lt1"/>
-          </a:fontRef>
-        </p:style>
-        <p:txBody>
-          <a:bodyPr rtlCol="0" anchor="ctr"/>
-          <a:lstStyle/>
-          <a:p>
-            <a:pPr algn="ctr"/>
-            <a:r>
-              <a:rPr lang="en-US" dirty="0" smtClean="0"/>
-              <a:t>7</a:t>
-            </a:r>
-            <a:endParaRPr lang="en-US" dirty="0"/>
-          </a:p>
-        </p:txBody>
-      </p:sp>
-      <p:sp>
-        <p:nvSpPr>
-          <p:cNvPr id="20" name="Oval 19"/>
-          <p:cNvSpPr/>
-          <p:nvPr/>
-        </p:nvSpPr>
-        <p:spPr>
-          <a:xfrm>
-            <a:off x="1738136" y="3198724"/>
-            <a:ext cx="369174" cy="360161"/>
-          </a:xfrm>
-          <a:prstGeom prst="ellipse">
-            <a:avLst/>
-          </a:prstGeom>
-          <a:solidFill>
-            <a:schemeClr val="bg1">
-              <a:lumMod val="65000"/>
-            </a:schemeClr>
-          </a:solidFill>
-        </p:spPr>
-        <p:style>
-          <a:lnRef idx="1">
-            <a:schemeClr val="accent1"/>
-          </a:lnRef>
-          <a:fillRef idx="3">
-            <a:schemeClr val="accent1"/>
-          </a:fillRef>
-          <a:effectRef idx="2">
-            <a:schemeClr val="accent1"/>
-          </a:effectRef>
-          <a:fontRef idx="minor">
-            <a:schemeClr val="lt1"/>
-          </a:fontRef>
-        </p:style>
-        <p:txBody>
-          <a:bodyPr rtlCol="0" anchor="ctr"/>
-          <a:lstStyle/>
-          <a:p>
-            <a:pPr algn="ctr"/>
-            <a:r>
-              <a:rPr lang="en-US" dirty="0" smtClean="0"/>
-              <a:t>0</a:t>
-            </a:r>
-            <a:endParaRPr lang="en-US" dirty="0"/>
-          </a:p>
-        </p:txBody>
-      </p:sp>
-      <p:sp>
-        <p:nvSpPr>
-          <p:cNvPr id="21" name="Oval 20"/>
-          <p:cNvSpPr/>
-          <p:nvPr/>
-        </p:nvSpPr>
-        <p:spPr>
-          <a:xfrm>
-            <a:off x="3176947" y="3378804"/>
-            <a:ext cx="369174" cy="360161"/>
-          </a:xfrm>
-          <a:prstGeom prst="ellipse">
-            <a:avLst/>
-          </a:prstGeom>
-          <a:solidFill>
-            <a:schemeClr val="bg1">
-              <a:lumMod val="65000"/>
-            </a:schemeClr>
-          </a:solidFill>
-        </p:spPr>
-        <p:style>
-          <a:lnRef idx="1">
-            <a:schemeClr val="accent1"/>
-          </a:lnRef>
-          <a:fillRef idx="3">
-            <a:schemeClr val="accent1"/>
-          </a:fillRef>
-          <a:effectRef idx="2">
-            <a:schemeClr val="accent1"/>
-          </a:effectRef>
-          <a:fontRef idx="minor">
-            <a:schemeClr val="lt1"/>
-          </a:fontRef>
-        </p:style>
-        <p:txBody>
-          <a:bodyPr rtlCol="0" anchor="ctr"/>
-          <a:lstStyle/>
-          <a:p>
-            <a:pPr algn="ctr"/>
-            <a:r>
-              <a:rPr lang="en-US" dirty="0" smtClean="0"/>
-              <a:t>5</a:t>
-            </a:r>
-            <a:endParaRPr lang="en-US" dirty="0"/>
-          </a:p>
-        </p:txBody>
-      </p:sp>
-      <p:sp>
-        <p:nvSpPr>
-          <p:cNvPr id="22" name="Oval 21"/>
-          <p:cNvSpPr/>
-          <p:nvPr/>
-        </p:nvSpPr>
-        <p:spPr>
-          <a:xfrm>
-            <a:off x="5412731" y="3558885"/>
-            <a:ext cx="369174" cy="360161"/>
-          </a:xfrm>
-          <a:prstGeom prst="ellipse">
-            <a:avLst/>
-          </a:prstGeom>
-          <a:solidFill>
-            <a:schemeClr val="bg1">
-              <a:lumMod val="65000"/>
-            </a:schemeClr>
-          </a:solidFill>
-        </p:spPr>
-        <p:style>
-          <a:lnRef idx="1">
-            <a:schemeClr val="accent1"/>
-          </a:lnRef>
-          <a:fillRef idx="3">
-            <a:schemeClr val="accent1"/>
-          </a:fillRef>
-          <a:effectRef idx="2">
-            <a:schemeClr val="accent1"/>
-          </a:effectRef>
-          <a:fontRef idx="minor">
-            <a:schemeClr val="lt1"/>
-          </a:fontRef>
-        </p:style>
-        <p:txBody>
-          <a:bodyPr rtlCol="0" anchor="ctr"/>
-          <a:lstStyle/>
-          <a:p>
-            <a:pPr algn="ctr"/>
-            <a:r>
-              <a:rPr lang="en-US" dirty="0" smtClean="0"/>
-              <a:t>1</a:t>
-            </a:r>
-            <a:endParaRPr lang="en-US" dirty="0"/>
-          </a:p>
-        </p:txBody>
-      </p:sp>
-      <p:sp>
-        <p:nvSpPr>
-          <p:cNvPr id="23" name="Oval 22"/>
-          <p:cNvSpPr/>
-          <p:nvPr/>
-        </p:nvSpPr>
-        <p:spPr>
-          <a:xfrm>
-            <a:off x="6371863" y="3198724"/>
-            <a:ext cx="369174" cy="360161"/>
-          </a:xfrm>
-          <a:prstGeom prst="ellipse">
-            <a:avLst/>
-          </a:prstGeom>
-          <a:solidFill>
-            <a:schemeClr val="bg1">
-              <a:lumMod val="65000"/>
-            </a:schemeClr>
-          </a:solidFill>
-        </p:spPr>
-        <p:style>
-          <a:lnRef idx="1">
-            <a:schemeClr val="accent1"/>
-          </a:lnRef>
-          <a:fillRef idx="3">
-            <a:schemeClr val="accent1"/>
-          </a:fillRef>
-          <a:effectRef idx="2">
-            <a:schemeClr val="accent1"/>
-          </a:effectRef>
-          <a:fontRef idx="minor">
-            <a:schemeClr val="lt1"/>
-          </a:fontRef>
-        </p:style>
-        <p:txBody>
-          <a:bodyPr rtlCol="0" anchor="ctr"/>
-          <a:lstStyle/>
-          <a:p>
-            <a:pPr algn="ctr"/>
-            <a:r>
-              <a:rPr lang="en-US" dirty="0" smtClean="0"/>
-              <a:t>3</a:t>
-            </a:r>
-            <a:endParaRPr lang="en-US" dirty="0"/>
-          </a:p>
-        </p:txBody>
-      </p:sp>
-      <p:sp>
-        <p:nvSpPr>
-          <p:cNvPr id="24" name="Oval 23"/>
-          <p:cNvSpPr/>
-          <p:nvPr/>
-        </p:nvSpPr>
-        <p:spPr>
-          <a:xfrm>
-            <a:off x="7889544" y="3378805"/>
-            <a:ext cx="369174" cy="360161"/>
-          </a:xfrm>
-          <a:prstGeom prst="ellipse">
-            <a:avLst/>
-          </a:prstGeom>
-          <a:solidFill>
-            <a:schemeClr val="bg1">
-              <a:lumMod val="65000"/>
-            </a:schemeClr>
-          </a:solidFill>
-        </p:spPr>
-        <p:style>
-          <a:lnRef idx="1">
-            <a:schemeClr val="accent1"/>
-          </a:lnRef>
-          <a:fillRef idx="3">
-            <a:schemeClr val="accent1"/>
-          </a:fillRef>
-          <a:effectRef idx="2">
-            <a:schemeClr val="accent1"/>
-          </a:effectRef>
-          <a:fontRef idx="minor">
-            <a:schemeClr val="lt1"/>
-          </a:fontRef>
-        </p:style>
-        <p:txBody>
-          <a:bodyPr rtlCol="0" anchor="ctr"/>
-          <a:lstStyle/>
-          <a:p>
-            <a:pPr algn="ctr"/>
-            <a:r>
-              <a:rPr lang="en-US" dirty="0" smtClean="0"/>
-              <a:t>9</a:t>
-            </a:r>
-            <a:endParaRPr lang="en-US" dirty="0"/>
-          </a:p>
-        </p:txBody>
-      </p:sp>
-      <p:sp>
-        <p:nvSpPr>
-          <p:cNvPr id="25" name="TextBox 24"/>
-          <p:cNvSpPr txBox="1"/>
-          <p:nvPr/>
-        </p:nvSpPr>
-        <p:spPr>
-          <a:xfrm>
-            <a:off x="3010727" y="1217275"/>
-            <a:ext cx="3188343" cy="461665"/>
-          </a:xfrm>
-          <a:prstGeom prst="rect">
-            <a:avLst/>
-          </a:prstGeom>
-          <a:noFill/>
-        </p:spPr>
-        <p:txBody>
-          <a:bodyPr wrap="none" rtlCol="0">
-            <a:spAutoFit/>
-          </a:bodyPr>
-          <a:lstStyle/>
-          <a:p>
-            <a:r>
-              <a:rPr lang="en-US" sz="2400" b="1" dirty="0" smtClean="0">
-                <a:latin typeface="Times New Roman"/>
-                <a:cs typeface="Times New Roman"/>
-              </a:rPr>
-              <a:t>Parallel Address Space</a:t>
-            </a:r>
-            <a:endParaRPr lang="en-US" sz="2400" b="1" dirty="0">
-              <a:latin typeface="Times New Roman"/>
-              <a:cs typeface="Times New Roman"/>
-            </a:endParaRPr>
-          </a:p>
-        </p:txBody>
-      </p:sp>
-    </p:spTree>
-    <p:extLst>
-      <p:ext uri="{BB962C8B-B14F-4D97-AF65-F5344CB8AC3E}">
-        <p14:creationId xmlns:p14="http://schemas.microsoft.com/office/powerpoint/2010/main" val="49409608"/>
-      </p:ext>
-    </p:extLst>
-  </p:cSld>
-  <p:clrMapOvr>
-    <a:masterClrMapping/>
-  </p:clrMapOvr>
-  <p:timing>
-    <p:tnLst>
-      <p:par>
-        <p:cTn xmlns:p14="http://schemas.microsoft.com/office/powerpoint/2010/main" id="1" dur="indefinite" restart="never" nodeType="tmRoot"/>
-      </p:par>
-    </p:tnLst>
-  </p:timing>
-</p:sld>
-</file>
-
-<file path=ppt/slides/slide11.xml><?xml version="1.0" encoding="utf-8"?>
-<p:sld xmlns:a="http://schemas.openxmlformats.org/drawingml/2006/main" xmlns:r="http://schemas.openxmlformats.org/officeDocument/2006/relationships" xmlns:p="http://schemas.openxmlformats.org/presentationml/2006/main">
-  <p:cSld>
-    <p:spTree>
-      <p:nvGrpSpPr>
-        <p:cNvPr id="1" name=""/>
-        <p:cNvGrpSpPr/>
-        <p:nvPr/>
-      </p:nvGrpSpPr>
-      <p:grpSpPr>
-        <a:xfrm>
-          <a:off x="0" y="0"/>
-          <a:ext cx="0" cy="0"/>
-          <a:chOff x="0" y="0"/>
-          <a:chExt cx="0" cy="0"/>
-        </a:xfrm>
-      </p:grpSpPr>
-      <p:sp>
-        <p:nvSpPr>
-          <p:cNvPr id="2" name="Title 1"/>
-          <p:cNvSpPr>
-            <a:spLocks noGrp="1"/>
-          </p:cNvSpPr>
-          <p:nvPr>
-            <p:ph type="title"/>
-          </p:nvPr>
-        </p:nvSpPr>
-        <p:spPr/>
-        <p:txBody>
-          <a:bodyPr>
-            <a:normAutofit/>
-          </a:bodyPr>
-          <a:lstStyle/>
-          <a:p>
-            <a:r>
-              <a:rPr lang="en-US" dirty="0"/>
-              <a:t>Globally-Visible </a:t>
-            </a:r>
-            <a:r>
-              <a:rPr lang="en-US" dirty="0" smtClean="0"/>
-              <a:t>Methods: Entry Methods</a:t>
-            </a:r>
-            <a:endParaRPr lang="en-US" dirty="0"/>
-          </a:p>
-        </p:txBody>
-      </p:sp>
-      <p:sp>
-        <p:nvSpPr>
-          <p:cNvPr id="3" name="Content Placeholder 2"/>
-          <p:cNvSpPr>
-            <a:spLocks noGrp="1"/>
-          </p:cNvSpPr>
-          <p:nvPr>
-            <p:ph idx="1"/>
-          </p:nvPr>
-        </p:nvSpPr>
-        <p:spPr>
-          <a:xfrm>
-            <a:off x="261865" y="4099127"/>
-            <a:ext cx="8523758" cy="2279095"/>
-          </a:xfrm>
-        </p:spPr>
-        <p:txBody>
-          <a:bodyPr>
-            <a:normAutofit/>
-          </a:bodyPr>
-          <a:lstStyle/>
-          <a:p>
-            <a:r>
-              <a:rPr lang="en-US" dirty="0"/>
-              <a:t>How can objects communicate across address spaces?</a:t>
-            </a:r>
-          </a:p>
-          <a:p>
-            <a:pPr lvl="1"/>
-            <a:r>
-              <a:rPr lang="en-US" dirty="0" smtClean="0"/>
-              <a:t>Just </a:t>
-            </a:r>
-            <a:r>
-              <a:rPr lang="en-US" dirty="0"/>
-              <a:t>like a sequential object-oriented language, an object’s reference </a:t>
-            </a:r>
-            <a:r>
-              <a:rPr lang="en-US" dirty="0" smtClean="0"/>
-              <a:t>is used </a:t>
-            </a:r>
-            <a:r>
-              <a:rPr lang="en-US" dirty="0"/>
-              <a:t>to invoke a method</a:t>
-            </a:r>
-          </a:p>
-          <a:p>
-            <a:pPr lvl="1"/>
-            <a:r>
-              <a:rPr lang="en-US" dirty="0" smtClean="0"/>
-              <a:t>In </a:t>
-            </a:r>
-            <a:r>
-              <a:rPr lang="en-US" dirty="0"/>
-              <a:t>the parallel space, this is a handle that is location transparent</a:t>
-            </a:r>
-          </a:p>
-          <a:p>
-            <a:pPr lvl="1"/>
-            <a:r>
-              <a:rPr lang="en-US" dirty="0" smtClean="0"/>
-              <a:t>A </a:t>
-            </a:r>
-            <a:r>
-              <a:rPr lang="en-US" dirty="0"/>
-              <a:t>method invocation becomes an act of communication</a:t>
-            </a:r>
-          </a:p>
-        </p:txBody>
-      </p:sp>
-      <p:sp>
-        <p:nvSpPr>
-          <p:cNvPr id="15" name="Footer Placeholder 14"/>
-          <p:cNvSpPr>
-            <a:spLocks noGrp="1"/>
-          </p:cNvSpPr>
-          <p:nvPr>
-            <p:ph type="ftr" sz="quarter" idx="11"/>
-          </p:nvPr>
-        </p:nvSpPr>
-        <p:spPr/>
-        <p:txBody>
-          <a:bodyPr/>
-          <a:lstStyle/>
-          <a:p>
-            <a:pPr algn="r"/>
-            <a:r>
-              <a:rPr lang="en-US" smtClean="0"/>
-              <a:t>Laxmikant Kalé and PPL (UIUC) – Parallel Migratable Objects </a:t>
-            </a:r>
-            <a:endParaRPr lang="en-US" dirty="0"/>
-          </a:p>
-        </p:txBody>
-      </p:sp>
-      <p:sp>
-        <p:nvSpPr>
-          <p:cNvPr id="16" name="Slide Number Placeholder 15"/>
-          <p:cNvSpPr>
-            <a:spLocks noGrp="1"/>
-          </p:cNvSpPr>
-          <p:nvPr>
-            <p:ph type="sldNum" sz="quarter" idx="12"/>
-          </p:nvPr>
-        </p:nvSpPr>
-        <p:spPr/>
-        <p:txBody>
-          <a:bodyPr/>
-          <a:lstStyle/>
-          <a:p>
-            <a:fld id="{0CFEC368-1D7A-4F81-ABF6-AE0E36BAF64C}" type="slidenum">
-              <a:rPr lang="en-US" smtClean="0"/>
-              <a:pPr/>
-              <a:t>11</a:t>
-            </a:fld>
-            <a:endParaRPr lang="en-US"/>
-          </a:p>
-        </p:txBody>
-      </p:sp>
-      <p:sp>
-        <p:nvSpPr>
-          <p:cNvPr id="6" name="Rectangle 5"/>
-          <p:cNvSpPr/>
-          <p:nvPr/>
-        </p:nvSpPr>
-        <p:spPr>
-          <a:xfrm>
-            <a:off x="0" y="1678939"/>
-            <a:ext cx="9144000" cy="2081768"/>
-          </a:xfrm>
-          <a:prstGeom prst="rect">
-            <a:avLst/>
-          </a:prstGeom>
-          <a:solidFill>
-            <a:srgbClr val="99CCFF"/>
-          </a:solidFill>
-          <a:ln>
-            <a:solidFill>
-              <a:schemeClr val="accent5">
-                <a:lumMod val="50000"/>
-              </a:schemeClr>
-            </a:solidFill>
-          </a:ln>
-        </p:spPr>
-        <p:style>
-          <a:lnRef idx="1">
-            <a:schemeClr val="accent1"/>
-          </a:lnRef>
-          <a:fillRef idx="3">
-            <a:schemeClr val="accent1"/>
-          </a:fillRef>
-          <a:effectRef idx="2">
-            <a:schemeClr val="accent1"/>
-          </a:effectRef>
-          <a:fontRef idx="minor">
-            <a:schemeClr val="lt1"/>
-          </a:fontRef>
-        </p:style>
-        <p:txBody>
-          <a:bodyPr rtlCol="0" anchor="ctr"/>
-          <a:lstStyle/>
-          <a:p>
-            <a:pPr algn="ctr"/>
-            <a:endParaRPr lang="en-US" dirty="0"/>
-          </a:p>
-        </p:txBody>
-      </p:sp>
-      <p:sp>
-        <p:nvSpPr>
-          <p:cNvPr id="7" name="Oval 6"/>
-          <p:cNvSpPr/>
-          <p:nvPr/>
-        </p:nvSpPr>
-        <p:spPr>
-          <a:xfrm>
-            <a:off x="457200" y="1994352"/>
-            <a:ext cx="569153" cy="552325"/>
-          </a:xfrm>
-          <a:prstGeom prst="ellipse">
-            <a:avLst/>
-          </a:prstGeom>
-          <a:solidFill>
-            <a:srgbClr val="008000"/>
-          </a:solidFill>
-        </p:spPr>
-        <p:style>
-          <a:lnRef idx="1">
-            <a:schemeClr val="accent1"/>
-          </a:lnRef>
-          <a:fillRef idx="3">
-            <a:schemeClr val="accent1"/>
-          </a:fillRef>
-          <a:effectRef idx="2">
-            <a:schemeClr val="accent1"/>
-          </a:effectRef>
-          <a:fontRef idx="minor">
-            <a:schemeClr val="lt1"/>
-          </a:fontRef>
-        </p:style>
-        <p:txBody>
-          <a:bodyPr rtlCol="0" anchor="ctr"/>
-          <a:lstStyle/>
-          <a:p>
-            <a:pPr algn="ctr"/>
-            <a:r>
-              <a:rPr lang="en-US" dirty="0" smtClean="0"/>
-              <a:t>F</a:t>
-            </a:r>
-            <a:endParaRPr lang="en-US" dirty="0"/>
-          </a:p>
-        </p:txBody>
-      </p:sp>
-      <p:sp>
-        <p:nvSpPr>
-          <p:cNvPr id="8" name="Oval 7"/>
-          <p:cNvSpPr/>
-          <p:nvPr/>
-        </p:nvSpPr>
-        <p:spPr>
-          <a:xfrm>
-            <a:off x="2241340" y="1994352"/>
-            <a:ext cx="569153" cy="552325"/>
-          </a:xfrm>
-          <a:prstGeom prst="ellipse">
-            <a:avLst/>
-          </a:prstGeom>
-          <a:solidFill>
-            <a:srgbClr val="008000"/>
-          </a:solidFill>
-        </p:spPr>
-        <p:style>
-          <a:lnRef idx="1">
-            <a:schemeClr val="accent1"/>
-          </a:lnRef>
-          <a:fillRef idx="3">
-            <a:schemeClr val="accent1"/>
-          </a:fillRef>
-          <a:effectRef idx="2">
-            <a:schemeClr val="accent1"/>
-          </a:effectRef>
-          <a:fontRef idx="minor">
-            <a:schemeClr val="lt1"/>
-          </a:fontRef>
-        </p:style>
-        <p:txBody>
-          <a:bodyPr rtlCol="0" anchor="ctr"/>
-          <a:lstStyle/>
-          <a:p>
-            <a:pPr algn="ctr"/>
-            <a:r>
-              <a:rPr lang="en-US" dirty="0" smtClean="0"/>
-              <a:t>C</a:t>
-            </a:r>
-            <a:endParaRPr lang="en-US" dirty="0"/>
-          </a:p>
-        </p:txBody>
-      </p:sp>
-      <p:sp>
-        <p:nvSpPr>
-          <p:cNvPr id="9" name="Oval 8"/>
-          <p:cNvSpPr/>
-          <p:nvPr/>
-        </p:nvSpPr>
-        <p:spPr>
-          <a:xfrm>
-            <a:off x="4331752" y="1994352"/>
-            <a:ext cx="569153" cy="552325"/>
-          </a:xfrm>
-          <a:prstGeom prst="ellipse">
-            <a:avLst/>
-          </a:prstGeom>
-          <a:solidFill>
-            <a:srgbClr val="0000FF"/>
-          </a:solidFill>
-        </p:spPr>
-        <p:style>
-          <a:lnRef idx="1">
-            <a:schemeClr val="accent1"/>
-          </a:lnRef>
-          <a:fillRef idx="3">
-            <a:schemeClr val="accent1"/>
-          </a:fillRef>
-          <a:effectRef idx="2">
-            <a:schemeClr val="accent1"/>
-          </a:effectRef>
-          <a:fontRef idx="minor">
-            <a:schemeClr val="lt1"/>
-          </a:fontRef>
-        </p:style>
-        <p:txBody>
-          <a:bodyPr rtlCol="0" anchor="ctr"/>
-          <a:lstStyle/>
-          <a:p>
-            <a:pPr algn="ctr"/>
-            <a:r>
-              <a:rPr lang="en-US" dirty="0" smtClean="0"/>
-              <a:t>E</a:t>
-            </a:r>
-            <a:endParaRPr lang="en-US" dirty="0"/>
-          </a:p>
-        </p:txBody>
-      </p:sp>
-      <p:sp>
-        <p:nvSpPr>
-          <p:cNvPr id="10" name="Oval 9"/>
-          <p:cNvSpPr/>
-          <p:nvPr/>
-        </p:nvSpPr>
-        <p:spPr>
-          <a:xfrm>
-            <a:off x="6743579" y="1937409"/>
-            <a:ext cx="569153" cy="552325"/>
-          </a:xfrm>
-          <a:prstGeom prst="ellipse">
-            <a:avLst/>
-          </a:prstGeom>
-          <a:solidFill>
-            <a:srgbClr val="FF0000"/>
-          </a:solidFill>
-        </p:spPr>
-        <p:style>
-          <a:lnRef idx="1">
-            <a:schemeClr val="accent1"/>
-          </a:lnRef>
-          <a:fillRef idx="3">
-            <a:schemeClr val="accent1"/>
-          </a:fillRef>
-          <a:effectRef idx="2">
-            <a:schemeClr val="accent1"/>
-          </a:effectRef>
-          <a:fontRef idx="minor">
-            <a:schemeClr val="lt1"/>
-          </a:fontRef>
-        </p:style>
-        <p:txBody>
-          <a:bodyPr rtlCol="0" anchor="ctr"/>
-          <a:lstStyle/>
-          <a:p>
-            <a:pPr algn="ctr"/>
-            <a:r>
-              <a:rPr lang="en-US" dirty="0" smtClean="0"/>
-              <a:t>G</a:t>
-            </a:r>
-            <a:endParaRPr lang="en-US" dirty="0"/>
-          </a:p>
-        </p:txBody>
-      </p:sp>
-      <p:sp>
-        <p:nvSpPr>
-          <p:cNvPr id="11" name="Oval 10"/>
-          <p:cNvSpPr/>
-          <p:nvPr/>
-        </p:nvSpPr>
-        <p:spPr>
-          <a:xfrm>
-            <a:off x="1455894" y="2953680"/>
-            <a:ext cx="569153" cy="552325"/>
-          </a:xfrm>
-          <a:prstGeom prst="ellipse">
-            <a:avLst/>
-          </a:prstGeom>
-          <a:solidFill>
-            <a:srgbClr val="FF0000"/>
-          </a:solidFill>
-        </p:spPr>
-        <p:style>
-          <a:lnRef idx="1">
-            <a:schemeClr val="accent1"/>
-          </a:lnRef>
-          <a:fillRef idx="3">
-            <a:schemeClr val="accent1"/>
-          </a:fillRef>
-          <a:effectRef idx="2">
-            <a:schemeClr val="accent1"/>
-          </a:effectRef>
-          <a:fontRef idx="minor">
-            <a:schemeClr val="lt1"/>
-          </a:fontRef>
-        </p:style>
-        <p:txBody>
-          <a:bodyPr rtlCol="0" anchor="ctr"/>
-          <a:lstStyle/>
-          <a:p>
-            <a:pPr algn="ctr"/>
-            <a:r>
-              <a:rPr lang="en-US" dirty="0" smtClean="0"/>
-              <a:t>B</a:t>
-            </a:r>
-            <a:endParaRPr lang="en-US" dirty="0"/>
-          </a:p>
-        </p:txBody>
-      </p:sp>
-      <p:sp>
-        <p:nvSpPr>
-          <p:cNvPr id="12" name="Oval 11"/>
-          <p:cNvSpPr/>
-          <p:nvPr/>
-        </p:nvSpPr>
-        <p:spPr>
-          <a:xfrm>
-            <a:off x="3478023" y="2822839"/>
-            <a:ext cx="569153" cy="552325"/>
-          </a:xfrm>
-          <a:prstGeom prst="ellipse">
-            <a:avLst/>
-          </a:prstGeom>
-          <a:solidFill>
-            <a:srgbClr val="0000FF"/>
-          </a:solidFill>
-        </p:spPr>
-        <p:style>
-          <a:lnRef idx="1">
-            <a:schemeClr val="accent1"/>
-          </a:lnRef>
-          <a:fillRef idx="3">
-            <a:schemeClr val="accent1"/>
-          </a:fillRef>
-          <a:effectRef idx="2">
-            <a:schemeClr val="accent1"/>
-          </a:effectRef>
-          <a:fontRef idx="minor">
-            <a:schemeClr val="lt1"/>
-          </a:fontRef>
-        </p:style>
-        <p:txBody>
-          <a:bodyPr rtlCol="0" anchor="ctr"/>
-          <a:lstStyle/>
-          <a:p>
-            <a:pPr algn="ctr"/>
-            <a:r>
-              <a:rPr lang="en-US" dirty="0" smtClean="0"/>
-              <a:t>D</a:t>
-            </a:r>
-            <a:endParaRPr lang="en-US" dirty="0"/>
-          </a:p>
-        </p:txBody>
-      </p:sp>
-      <p:sp>
-        <p:nvSpPr>
-          <p:cNvPr id="13" name="Oval 12"/>
-          <p:cNvSpPr/>
-          <p:nvPr/>
-        </p:nvSpPr>
-        <p:spPr>
-          <a:xfrm>
-            <a:off x="5682825" y="3089700"/>
-            <a:ext cx="569153" cy="552325"/>
-          </a:xfrm>
-          <a:prstGeom prst="ellipse">
-            <a:avLst/>
-          </a:prstGeom>
-          <a:solidFill>
-            <a:srgbClr val="FF0000"/>
-          </a:solidFill>
-        </p:spPr>
-        <p:style>
-          <a:lnRef idx="1">
-            <a:schemeClr val="accent1"/>
-          </a:lnRef>
-          <a:fillRef idx="3">
-            <a:schemeClr val="accent1"/>
-          </a:fillRef>
-          <a:effectRef idx="2">
-            <a:schemeClr val="accent1"/>
-          </a:effectRef>
-          <a:fontRef idx="minor">
-            <a:schemeClr val="lt1"/>
-          </a:fontRef>
-        </p:style>
-        <p:txBody>
-          <a:bodyPr rtlCol="0" anchor="ctr"/>
-          <a:lstStyle/>
-          <a:p>
-            <a:pPr algn="ctr"/>
-            <a:r>
-              <a:rPr lang="en-US" dirty="0" smtClean="0"/>
-              <a:t>H</a:t>
-            </a:r>
-            <a:endParaRPr lang="en-US" dirty="0"/>
-          </a:p>
-        </p:txBody>
-      </p:sp>
-      <p:sp>
-        <p:nvSpPr>
-          <p:cNvPr id="14" name="Oval 13"/>
-          <p:cNvSpPr/>
-          <p:nvPr/>
-        </p:nvSpPr>
-        <p:spPr>
-          <a:xfrm>
-            <a:off x="8216470" y="2822839"/>
-            <a:ext cx="569153" cy="552325"/>
-          </a:xfrm>
-          <a:prstGeom prst="ellipse">
-            <a:avLst/>
-          </a:prstGeom>
-          <a:solidFill>
-            <a:srgbClr val="008000"/>
-          </a:solidFill>
-        </p:spPr>
-        <p:style>
-          <a:lnRef idx="1">
-            <a:schemeClr val="accent1"/>
-          </a:lnRef>
-          <a:fillRef idx="3">
-            <a:schemeClr val="accent1"/>
-          </a:fillRef>
-          <a:effectRef idx="2">
-            <a:schemeClr val="accent1"/>
-          </a:effectRef>
-          <a:fontRef idx="minor">
-            <a:schemeClr val="lt1"/>
-          </a:fontRef>
-        </p:style>
-        <p:txBody>
-          <a:bodyPr rtlCol="0" anchor="ctr"/>
-          <a:lstStyle/>
-          <a:p>
-            <a:pPr algn="ctr"/>
-            <a:r>
-              <a:rPr lang="en-US" dirty="0" smtClean="0"/>
-              <a:t>A</a:t>
-            </a:r>
-            <a:endParaRPr lang="en-US" dirty="0"/>
-          </a:p>
-        </p:txBody>
-      </p:sp>
-      <p:sp>
-        <p:nvSpPr>
-          <p:cNvPr id="25" name="TextBox 24"/>
-          <p:cNvSpPr txBox="1"/>
-          <p:nvPr/>
-        </p:nvSpPr>
-        <p:spPr>
-          <a:xfrm>
-            <a:off x="2833597" y="1217275"/>
-            <a:ext cx="3542603" cy="461665"/>
-          </a:xfrm>
-          <a:prstGeom prst="rect">
-            <a:avLst/>
-          </a:prstGeom>
-          <a:noFill/>
-        </p:spPr>
-        <p:txBody>
-          <a:bodyPr wrap="square" rtlCol="0">
-            <a:spAutoFit/>
-          </a:bodyPr>
-          <a:lstStyle/>
-          <a:p>
-            <a:r>
-              <a:rPr lang="en-US" sz="2400" b="1" dirty="0" smtClean="0">
-                <a:latin typeface="Times New Roman"/>
-                <a:cs typeface="Times New Roman"/>
-              </a:rPr>
-              <a:t>Parallel Address Space</a:t>
-            </a:r>
-            <a:endParaRPr lang="en-US" sz="2400" b="1" dirty="0">
-              <a:latin typeface="Times New Roman"/>
-              <a:cs typeface="Times New Roman"/>
-            </a:endParaRPr>
-          </a:p>
-        </p:txBody>
-      </p:sp>
-      <p:cxnSp>
-        <p:nvCxnSpPr>
-          <p:cNvPr id="5" name="Straight Arrow Connector 4"/>
-          <p:cNvCxnSpPr>
-            <a:stCxn id="8" idx="2"/>
-          </p:cNvCxnSpPr>
-          <p:nvPr/>
-        </p:nvCxnSpPr>
-        <p:spPr>
-          <a:xfrm flipH="1">
-            <a:off x="1026353" y="2270515"/>
-            <a:ext cx="1214987" cy="21568"/>
-          </a:xfrm>
-          <a:prstGeom prst="straightConnector1">
-            <a:avLst/>
-          </a:prstGeom>
-          <a:ln>
-            <a:tailEnd type="arrow"/>
-          </a:ln>
-        </p:spPr>
-        <p:style>
-          <a:lnRef idx="2">
-            <a:schemeClr val="accent1"/>
-          </a:lnRef>
-          <a:fillRef idx="0">
-            <a:schemeClr val="accent1"/>
-          </a:fillRef>
-          <a:effectRef idx="1">
-            <a:schemeClr val="accent1"/>
-          </a:effectRef>
-          <a:fontRef idx="minor">
-            <a:schemeClr val="tx1"/>
-          </a:fontRef>
-        </p:style>
-      </p:cxnSp>
-      <p:cxnSp>
-        <p:nvCxnSpPr>
-          <p:cNvPr id="27" name="Straight Arrow Connector 26"/>
-          <p:cNvCxnSpPr>
-            <a:stCxn id="7" idx="5"/>
-            <a:endCxn id="11" idx="1"/>
-          </p:cNvCxnSpPr>
-          <p:nvPr/>
-        </p:nvCxnSpPr>
-        <p:spPr>
-          <a:xfrm>
-            <a:off x="943002" y="2465791"/>
-            <a:ext cx="596243" cy="568775"/>
-          </a:xfrm>
-          <a:prstGeom prst="straightConnector1">
-            <a:avLst/>
-          </a:prstGeom>
-          <a:ln>
-            <a:tailEnd type="arrow"/>
-          </a:ln>
-        </p:spPr>
-        <p:style>
-          <a:lnRef idx="2">
-            <a:schemeClr val="accent1"/>
-          </a:lnRef>
-          <a:fillRef idx="0">
-            <a:schemeClr val="accent1"/>
-          </a:fillRef>
-          <a:effectRef idx="1">
-            <a:schemeClr val="accent1"/>
-          </a:effectRef>
-          <a:fontRef idx="minor">
-            <a:schemeClr val="tx1"/>
-          </a:fontRef>
-        </p:style>
-      </p:cxnSp>
-      <p:cxnSp>
-        <p:nvCxnSpPr>
-          <p:cNvPr id="29" name="Straight Arrow Connector 28"/>
-          <p:cNvCxnSpPr>
-            <a:stCxn id="11" idx="6"/>
-          </p:cNvCxnSpPr>
-          <p:nvPr/>
-        </p:nvCxnSpPr>
-        <p:spPr>
-          <a:xfrm flipV="1">
-            <a:off x="2025047" y="2292083"/>
-            <a:ext cx="2306705" cy="937760"/>
-          </a:xfrm>
-          <a:prstGeom prst="straightConnector1">
-            <a:avLst/>
-          </a:prstGeom>
-          <a:ln>
-            <a:tailEnd type="arrow"/>
-          </a:ln>
-        </p:spPr>
-        <p:style>
-          <a:lnRef idx="2">
-            <a:schemeClr val="accent1"/>
-          </a:lnRef>
-          <a:fillRef idx="0">
-            <a:schemeClr val="accent1"/>
-          </a:fillRef>
-          <a:effectRef idx="1">
-            <a:schemeClr val="accent1"/>
-          </a:effectRef>
-          <a:fontRef idx="minor">
-            <a:schemeClr val="tx1"/>
-          </a:fontRef>
-        </p:style>
-      </p:cxnSp>
-      <p:cxnSp>
-        <p:nvCxnSpPr>
-          <p:cNvPr id="31" name="Straight Arrow Connector 30"/>
-          <p:cNvCxnSpPr>
-            <a:stCxn id="10" idx="2"/>
-            <a:endCxn id="9" idx="6"/>
-          </p:cNvCxnSpPr>
-          <p:nvPr/>
-        </p:nvCxnSpPr>
-        <p:spPr>
-          <a:xfrm flipH="1">
-            <a:off x="4900905" y="2213572"/>
-            <a:ext cx="1842674" cy="56943"/>
-          </a:xfrm>
-          <a:prstGeom prst="straightConnector1">
-            <a:avLst/>
-          </a:prstGeom>
-          <a:ln>
-            <a:tailEnd type="arrow"/>
-          </a:ln>
-        </p:spPr>
-        <p:style>
-          <a:lnRef idx="2">
-            <a:schemeClr val="accent1"/>
-          </a:lnRef>
-          <a:fillRef idx="0">
-            <a:schemeClr val="accent1"/>
-          </a:fillRef>
-          <a:effectRef idx="1">
-            <a:schemeClr val="accent1"/>
-          </a:effectRef>
-          <a:fontRef idx="minor">
-            <a:schemeClr val="tx1"/>
-          </a:fontRef>
-        </p:style>
-      </p:cxnSp>
-      <p:cxnSp>
-        <p:nvCxnSpPr>
-          <p:cNvPr id="33" name="Straight Arrow Connector 32"/>
-          <p:cNvCxnSpPr>
-            <a:stCxn id="14" idx="1"/>
-            <a:endCxn id="10" idx="5"/>
-          </p:cNvCxnSpPr>
-          <p:nvPr/>
-        </p:nvCxnSpPr>
-        <p:spPr>
-          <a:xfrm flipH="1" flipV="1">
-            <a:off x="7229381" y="2408848"/>
-            <a:ext cx="1070440" cy="494877"/>
-          </a:xfrm>
-          <a:prstGeom prst="straightConnector1">
-            <a:avLst/>
-          </a:prstGeom>
-          <a:ln>
-            <a:tailEnd type="arrow"/>
-          </a:ln>
-        </p:spPr>
-        <p:style>
-          <a:lnRef idx="2">
-            <a:schemeClr val="accent1"/>
-          </a:lnRef>
-          <a:fillRef idx="0">
-            <a:schemeClr val="accent1"/>
-          </a:fillRef>
-          <a:effectRef idx="1">
-            <a:schemeClr val="accent1"/>
-          </a:effectRef>
-          <a:fontRef idx="minor">
-            <a:schemeClr val="tx1"/>
-          </a:fontRef>
-        </p:style>
-      </p:cxnSp>
-      <p:cxnSp>
-        <p:nvCxnSpPr>
-          <p:cNvPr id="35" name="Straight Arrow Connector 34"/>
-          <p:cNvCxnSpPr>
-            <a:stCxn id="12" idx="5"/>
-            <a:endCxn id="13" idx="2"/>
-          </p:cNvCxnSpPr>
-          <p:nvPr/>
-        </p:nvCxnSpPr>
-        <p:spPr>
-          <a:xfrm>
-            <a:off x="3963825" y="3294278"/>
-            <a:ext cx="1719000" cy="71585"/>
-          </a:xfrm>
-          <a:prstGeom prst="straightConnector1">
-            <a:avLst/>
-          </a:prstGeom>
-          <a:ln>
-            <a:tailEnd type="arrow"/>
-          </a:ln>
-        </p:spPr>
-        <p:style>
-          <a:lnRef idx="2">
-            <a:schemeClr val="accent1"/>
-          </a:lnRef>
-          <a:fillRef idx="0">
-            <a:schemeClr val="accent1"/>
-          </a:fillRef>
-          <a:effectRef idx="1">
-            <a:schemeClr val="accent1"/>
-          </a:effectRef>
-          <a:fontRef idx="minor">
-            <a:schemeClr val="tx1"/>
-          </a:fontRef>
-        </p:style>
-      </p:cxnSp>
-      <p:sp>
-        <p:nvSpPr>
-          <p:cNvPr id="36" name="TextBox 35"/>
-          <p:cNvSpPr txBox="1"/>
-          <p:nvPr/>
-        </p:nvSpPr>
-        <p:spPr>
-          <a:xfrm>
-            <a:off x="1259092" y="1857648"/>
-            <a:ext cx="732492" cy="338554"/>
-          </a:xfrm>
-          <a:prstGeom prst="rect">
-            <a:avLst/>
-          </a:prstGeom>
-          <a:noFill/>
-        </p:spPr>
-        <p:txBody>
-          <a:bodyPr wrap="none" rtlCol="0">
-            <a:spAutoFit/>
-          </a:bodyPr>
-          <a:lstStyle/>
-          <a:p>
-            <a:r>
-              <a:rPr lang="en-US" sz="1600" dirty="0" smtClean="0">
-                <a:latin typeface="Times New Roman"/>
-                <a:cs typeface="Times New Roman"/>
-              </a:rPr>
-              <a:t>F.m4()</a:t>
-            </a:r>
-            <a:endParaRPr lang="en-US" sz="1600" dirty="0">
-              <a:latin typeface="Times New Roman"/>
-              <a:cs typeface="Times New Roman"/>
-            </a:endParaRPr>
-          </a:p>
-        </p:txBody>
-      </p:sp>
-      <p:sp>
-        <p:nvSpPr>
-          <p:cNvPr id="37" name="TextBox 36"/>
-          <p:cNvSpPr txBox="1"/>
-          <p:nvPr/>
-        </p:nvSpPr>
-        <p:spPr>
-          <a:xfrm>
-            <a:off x="1259092" y="2408848"/>
-            <a:ext cx="771666" cy="338554"/>
-          </a:xfrm>
-          <a:prstGeom prst="rect">
-            <a:avLst/>
-          </a:prstGeom>
-          <a:noFill/>
-        </p:spPr>
-        <p:txBody>
-          <a:bodyPr wrap="none" rtlCol="0">
-            <a:spAutoFit/>
-          </a:bodyPr>
-          <a:lstStyle/>
-          <a:p>
-            <a:r>
-              <a:rPr lang="en-US" sz="1600" dirty="0" smtClean="0">
-                <a:latin typeface="Times New Roman"/>
-                <a:cs typeface="Times New Roman"/>
-              </a:rPr>
-              <a:t>B.m2()</a:t>
-            </a:r>
-            <a:endParaRPr lang="en-US" sz="1600" dirty="0">
-              <a:latin typeface="Times New Roman"/>
-              <a:cs typeface="Times New Roman"/>
-            </a:endParaRPr>
-          </a:p>
-        </p:txBody>
-      </p:sp>
-      <p:sp>
-        <p:nvSpPr>
-          <p:cNvPr id="38" name="TextBox 37"/>
-          <p:cNvSpPr txBox="1"/>
-          <p:nvPr/>
-        </p:nvSpPr>
-        <p:spPr>
-          <a:xfrm>
-            <a:off x="3111777" y="2101238"/>
-            <a:ext cx="760144" cy="338554"/>
-          </a:xfrm>
-          <a:prstGeom prst="rect">
-            <a:avLst/>
-          </a:prstGeom>
-          <a:noFill/>
-        </p:spPr>
-        <p:txBody>
-          <a:bodyPr wrap="none" rtlCol="0">
-            <a:spAutoFit/>
-          </a:bodyPr>
-          <a:lstStyle/>
-          <a:p>
-            <a:r>
-              <a:rPr lang="en-US" sz="1600" dirty="0" smtClean="0">
-                <a:latin typeface="Times New Roman"/>
-                <a:cs typeface="Times New Roman"/>
-              </a:rPr>
-              <a:t>E.m3()</a:t>
-            </a:r>
-            <a:endParaRPr lang="en-US" sz="1600" dirty="0">
-              <a:latin typeface="Times New Roman"/>
-              <a:cs typeface="Times New Roman"/>
-            </a:endParaRPr>
-          </a:p>
-        </p:txBody>
-      </p:sp>
-      <p:sp>
-        <p:nvSpPr>
-          <p:cNvPr id="39" name="TextBox 38"/>
-          <p:cNvSpPr txBox="1"/>
-          <p:nvPr/>
-        </p:nvSpPr>
-        <p:spPr>
-          <a:xfrm>
-            <a:off x="5316579" y="1825075"/>
-            <a:ext cx="760144" cy="338554"/>
-          </a:xfrm>
-          <a:prstGeom prst="rect">
-            <a:avLst/>
-          </a:prstGeom>
-          <a:noFill/>
-        </p:spPr>
-        <p:txBody>
-          <a:bodyPr wrap="none" rtlCol="0">
-            <a:spAutoFit/>
-          </a:bodyPr>
-          <a:lstStyle/>
-          <a:p>
-            <a:r>
-              <a:rPr lang="en-US" sz="1600" dirty="0" smtClean="0">
-                <a:latin typeface="Times New Roman"/>
-                <a:cs typeface="Times New Roman"/>
-              </a:rPr>
-              <a:t>E.m1()</a:t>
-            </a:r>
-            <a:endParaRPr lang="en-US" sz="1600" dirty="0">
-              <a:latin typeface="Times New Roman"/>
-              <a:cs typeface="Times New Roman"/>
-            </a:endParaRPr>
-          </a:p>
-        </p:txBody>
-      </p:sp>
-      <p:sp>
-        <p:nvSpPr>
-          <p:cNvPr id="40" name="TextBox 39"/>
-          <p:cNvSpPr txBox="1"/>
-          <p:nvPr/>
-        </p:nvSpPr>
-        <p:spPr>
-          <a:xfrm>
-            <a:off x="7688754" y="2269262"/>
-            <a:ext cx="782987" cy="338554"/>
-          </a:xfrm>
-          <a:prstGeom prst="rect">
-            <a:avLst/>
-          </a:prstGeom>
-          <a:noFill/>
-        </p:spPr>
-        <p:txBody>
-          <a:bodyPr wrap="none" rtlCol="0">
-            <a:spAutoFit/>
-          </a:bodyPr>
-          <a:lstStyle/>
-          <a:p>
-            <a:r>
-              <a:rPr lang="en-US" sz="1600" dirty="0" smtClean="0">
-                <a:latin typeface="Times New Roman"/>
-                <a:cs typeface="Times New Roman"/>
-              </a:rPr>
-              <a:t>G.m2()</a:t>
-            </a:r>
-            <a:endParaRPr lang="en-US" sz="1600" dirty="0">
-              <a:latin typeface="Times New Roman"/>
-              <a:cs typeface="Times New Roman"/>
-            </a:endParaRPr>
-          </a:p>
-        </p:txBody>
-      </p:sp>
-      <p:sp>
-        <p:nvSpPr>
-          <p:cNvPr id="41" name="TextBox 40"/>
-          <p:cNvSpPr txBox="1"/>
-          <p:nvPr/>
-        </p:nvSpPr>
-        <p:spPr>
-          <a:xfrm>
-            <a:off x="4368751" y="2903725"/>
-            <a:ext cx="782987" cy="338554"/>
-          </a:xfrm>
-          <a:prstGeom prst="rect">
-            <a:avLst/>
-          </a:prstGeom>
-          <a:noFill/>
-        </p:spPr>
-        <p:txBody>
-          <a:bodyPr wrap="none" rtlCol="0">
-            <a:spAutoFit/>
-          </a:bodyPr>
-          <a:lstStyle/>
-          <a:p>
-            <a:r>
-              <a:rPr lang="en-US" sz="1600" dirty="0" smtClean="0">
-                <a:latin typeface="Times New Roman"/>
-                <a:cs typeface="Times New Roman"/>
-              </a:rPr>
-              <a:t>H.m2()</a:t>
-            </a:r>
-            <a:endParaRPr lang="en-US" sz="1600" dirty="0">
-              <a:latin typeface="Times New Roman"/>
-              <a:cs typeface="Times New Roman"/>
-            </a:endParaRPr>
-          </a:p>
-        </p:txBody>
-      </p:sp>
-    </p:spTree>
-    <p:extLst>
-      <p:ext uri="{BB962C8B-B14F-4D97-AF65-F5344CB8AC3E}">
-        <p14:creationId xmlns:p14="http://schemas.microsoft.com/office/powerpoint/2010/main" val="3501429745"/>
-      </p:ext>
-    </p:extLst>
-  </p:cSld>
-  <p:clrMapOvr>
-    <a:masterClrMapping/>
-  </p:clrMapOvr>
-  <p:timing>
-    <p:tnLst>
-      <p:par>
-        <p:cTn xmlns:p14="http://schemas.microsoft.com/office/powerpoint/2010/main" id="1" dur="indefinite" restart="never" nodeType="tmRoot"/>
-      </p:par>
-    </p:tnLst>
-  </p:timing>
-</p:sld>
-</file>
-
-<file path=ppt/slides/slide12.xml><?xml version="1.0" encoding="utf-8"?>
-<p:sld xmlns:a="http://schemas.openxmlformats.org/drawingml/2006/main" xmlns:r="http://schemas.openxmlformats.org/officeDocument/2006/relationships" xmlns:p="http://schemas.openxmlformats.org/presentationml/2006/main">
-  <p:cSld>
-    <p:spTree>
-      <p:nvGrpSpPr>
-        <p:cNvPr id="1" name=""/>
-        <p:cNvGrpSpPr/>
-        <p:nvPr/>
-      </p:nvGrpSpPr>
-      <p:grpSpPr>
-        <a:xfrm>
-          <a:off x="0" y="0"/>
-          <a:ext cx="0" cy="0"/>
-          <a:chOff x="0" y="0"/>
-          <a:chExt cx="0" cy="0"/>
-        </a:xfrm>
-      </p:grpSpPr>
-      <p:sp>
-        <p:nvSpPr>
-          <p:cNvPr id="2" name="Title 1"/>
-          <p:cNvSpPr>
-            <a:spLocks noGrp="1"/>
-          </p:cNvSpPr>
-          <p:nvPr>
-            <p:ph type="title"/>
-          </p:nvPr>
-        </p:nvSpPr>
-        <p:spPr/>
-        <p:txBody>
-          <a:bodyPr>
-            <a:normAutofit fontScale="90000"/>
-          </a:bodyPr>
-          <a:lstStyle/>
-          <a:p>
-            <a:r>
-              <a:rPr lang="en-US" dirty="0"/>
-              <a:t>Method-Driven Asynchronous Communication</a:t>
-            </a:r>
-          </a:p>
-        </p:txBody>
-      </p:sp>
-      <p:sp>
-        <p:nvSpPr>
-          <p:cNvPr id="3" name="Content Placeholder 2"/>
-          <p:cNvSpPr>
-            <a:spLocks noGrp="1"/>
-          </p:cNvSpPr>
-          <p:nvPr>
-            <p:ph idx="1"/>
-          </p:nvPr>
-        </p:nvSpPr>
-        <p:spPr>
-          <a:xfrm>
             <a:off x="261865" y="4418457"/>
             <a:ext cx="8615360" cy="1959764"/>
           </a:xfrm>
@@ -9555,7 +7713,7 @@
             <a:fld id="{0CFEC368-1D7A-4F81-ABF6-AE0E36BAF64C}" type="slidenum">
               <a:rPr lang="en-US" smtClean="0"/>
               <a:pPr/>
-              <a:t>12</a:t>
+              <a:t>10</a:t>
             </a:fld>
             <a:endParaRPr lang="en-US"/>
           </a:p>
@@ -9605,7 +7763,7 @@
 </p:sld>
 </file>
 
-<file path=ppt/slides/slide13.xml><?xml version="1.0" encoding="utf-8"?>
+<file path=ppt/slides/slide11.xml><?xml version="1.0" encoding="utf-8"?>
 <p:sld xmlns:a="http://schemas.openxmlformats.org/drawingml/2006/main" xmlns:r="http://schemas.openxmlformats.org/officeDocument/2006/relationships" xmlns:p="http://schemas.openxmlformats.org/presentationml/2006/main">
   <p:cSld>
     <p:spTree>
@@ -9761,7 +7919,7 @@
             <a:fld id="{0CFEC368-1D7A-4F81-ABF6-AE0E36BAF64C}" type="slidenum">
               <a:rPr lang="en-US" smtClean="0"/>
               <a:pPr/>
-              <a:t>13</a:t>
+              <a:t>11</a:t>
             </a:fld>
             <a:endParaRPr lang="en-US"/>
           </a:p>
@@ -9811,7 +7969,7 @@
 </p:sld>
 </file>
 
-<file path=ppt/slides/slide14.xml><?xml version="1.0" encoding="utf-8"?>
+<file path=ppt/slides/slide12.xml><?xml version="1.0" encoding="utf-8"?>
 <p:sld xmlns:a="http://schemas.openxmlformats.org/drawingml/2006/main" xmlns:r="http://schemas.openxmlformats.org/officeDocument/2006/relationships" xmlns:p="http://schemas.openxmlformats.org/presentationml/2006/main">
   <p:cSld>
     <p:spTree>
@@ -9847,8 +8005,13 @@
           <a:p>
             <a:r>
               <a:rPr lang="en-US" dirty="0"/>
-              <a:t>For example, a Jacobi reduction</a:t>
-            </a:r>
+              <a:t>For example, a </a:t>
+            </a:r>
+            <a:r>
+              <a:rPr lang="en-US" dirty="0" smtClean="0"/>
+              <a:t>Stencil reduction</a:t>
+            </a:r>
+            <a:endParaRPr lang="en-US" dirty="0"/>
           </a:p>
         </p:txBody>
       </p:sp>
@@ -9894,7 +8057,7 @@
             <a:fld id="{0CFEC368-1D7A-4F81-ABF6-AE0E36BAF64C}" type="slidenum">
               <a:rPr lang="en-US" smtClean="0"/>
               <a:pPr/>
-              <a:t>14</a:t>
+              <a:t>12</a:t>
             </a:fld>
             <a:endParaRPr lang="en-US"/>
           </a:p>
@@ -9944,7 +8107,7 @@
 </p:sld>
 </file>
 
-<file path=ppt/slides/slide15.xml><?xml version="1.0" encoding="utf-8"?>
+<file path=ppt/slides/slide13.xml><?xml version="1.0" encoding="utf-8"?>
 <p:sld xmlns:a="http://schemas.openxmlformats.org/drawingml/2006/main" xmlns:r="http://schemas.openxmlformats.org/officeDocument/2006/relationships" xmlns:p="http://schemas.openxmlformats.org/presentationml/2006/main">
   <p:cSld>
     <p:spTree>
@@ -10104,7 +8267,7 @@
             <a:fld id="{0CFEC368-1D7A-4F81-ABF6-AE0E36BAF64C}" type="slidenum">
               <a:rPr lang="en-US" smtClean="0"/>
               <a:pPr/>
-              <a:t>15</a:t>
+              <a:t>13</a:t>
             </a:fld>
             <a:endParaRPr lang="en-US" dirty="0"/>
           </a:p>
@@ -10149,6 +8312,37 @@
                                     <p:set>
                                       <p:cBhvr>
                                         <p:cTn id="6" dur="1" fill="hold">
+                                          <p:stCondLst>
+                                            <p:cond delay="0"/>
+                                          </p:stCondLst>
+                                        </p:cTn>
+                                        <p:tgtEl>
+                                          <p:spTgt spid="3">
+                                            <p:txEl>
+                                              <p:pRg st="4" end="4"/>
+                                            </p:txEl>
+                                          </p:spTgt>
+                                        </p:tgtEl>
+                                        <p:attrNameLst>
+                                          <p:attrName>style.visibility</p:attrName>
+                                        </p:attrNameLst>
+                                      </p:cBhvr>
+                                      <p:to>
+                                        <p:strVal val="visible"/>
+                                      </p:to>
+                                    </p:set>
+                                  </p:childTnLst>
+                                </p:cTn>
+                              </p:par>
+                              <p:par>
+                                <p:cTn id="7" presetID="1" presetClass="entr" presetSubtype="0" fill="hold" nodeType="withEffect">
+                                  <p:stCondLst>
+                                    <p:cond delay="0"/>
+                                  </p:stCondLst>
+                                  <p:childTnLst>
+                                    <p:set>
+                                      <p:cBhvr>
+                                        <p:cTn id="8" dur="1" fill="hold">
                                           <p:stCondLst>
                                             <p:cond delay="0"/>
                                           </p:stCondLst>
@@ -10198,7 +8392,7 @@
 </p:sld>
 </file>
 
-<file path=ppt/slides/slide16.xml><?xml version="1.0" encoding="utf-8"?>
+<file path=ppt/slides/slide14.xml><?xml version="1.0" encoding="utf-8"?>
 <p:sld xmlns:a="http://schemas.openxmlformats.org/drawingml/2006/main" xmlns:r="http://schemas.openxmlformats.org/officeDocument/2006/relationships" xmlns:p="http://schemas.openxmlformats.org/presentationml/2006/main">
   <p:cSld>
     <p:spTree>
@@ -10338,7 +8532,7 @@
             <a:fld id="{0CFEC368-1D7A-4F81-ABF6-AE0E36BAF64C}" type="slidenum">
               <a:rPr lang="en-US" smtClean="0"/>
               <a:pPr/>
-              <a:t>16</a:t>
+              <a:t>14</a:t>
             </a:fld>
             <a:endParaRPr lang="en-US"/>
           </a:p>
@@ -10394,7 +8588,7 @@
 </p:sld>
 </file>
 
-<file path=ppt/slides/slide17.xml><?xml version="1.0" encoding="utf-8"?>
+<file path=ppt/slides/slide15.xml><?xml version="1.0" encoding="utf-8"?>
 <p:sld xmlns:a="http://schemas.openxmlformats.org/drawingml/2006/main" xmlns:r="http://schemas.openxmlformats.org/officeDocument/2006/relationships" xmlns:p="http://schemas.openxmlformats.org/presentationml/2006/main">
   <p:cSld>
     <p:spTree>
@@ -10609,7 +8803,7 @@
             <a:fld id="{0CFEC368-1D7A-4F81-ABF6-AE0E36BAF64C}" type="slidenum">
               <a:rPr lang="en-US" smtClean="0"/>
               <a:pPr/>
-              <a:t>17</a:t>
+              <a:t>15</a:t>
             </a:fld>
             <a:endParaRPr lang="en-US"/>
           </a:p>
@@ -10628,14 +8822,345 @@
   <p:timing>
     <p:tnLst>
       <p:par>
-        <p:cTn xmlns:p14="http://schemas.microsoft.com/office/powerpoint/2010/main" id="1" dur="indefinite" restart="never" nodeType="tmRoot"/>
+        <p:cTn xmlns:p14="http://schemas.microsoft.com/office/powerpoint/2010/main" id="1" dur="indefinite" restart="never" nodeType="tmRoot">
+          <p:childTnLst>
+            <p:seq concurrent="1" nextAc="seek">
+              <p:cTn id="2" dur="indefinite" nodeType="mainSeq">
+                <p:childTnLst>
+                  <p:par>
+                    <p:cTn id="3" fill="hold">
+                      <p:stCondLst>
+                        <p:cond delay="indefinite"/>
+                        <p:cond evt="onBegin" delay="0">
+                          <p:tn val="2"/>
+                        </p:cond>
+                      </p:stCondLst>
+                      <p:childTnLst>
+                        <p:par>
+                          <p:cTn id="4" fill="hold">
+                            <p:stCondLst>
+                              <p:cond delay="0"/>
+                            </p:stCondLst>
+                            <p:childTnLst>
+                              <p:par>
+                                <p:cTn id="5" presetID="1" presetClass="entr" presetSubtype="0" fill="hold" grpId="0" nodeType="withEffect">
+                                  <p:stCondLst>
+                                    <p:cond delay="0"/>
+                                  </p:stCondLst>
+                                  <p:childTnLst>
+                                    <p:set>
+                                      <p:cBhvr>
+                                        <p:cTn id="6" dur="1" fill="hold">
+                                          <p:stCondLst>
+                                            <p:cond delay="0"/>
+                                          </p:stCondLst>
+                                        </p:cTn>
+                                        <p:tgtEl>
+                                          <p:spTgt spid="3">
+                                            <p:txEl>
+                                              <p:pRg st="0" end="0"/>
+                                            </p:txEl>
+                                          </p:spTgt>
+                                        </p:tgtEl>
+                                        <p:attrNameLst>
+                                          <p:attrName>style.visibility</p:attrName>
+                                        </p:attrNameLst>
+                                      </p:cBhvr>
+                                      <p:to>
+                                        <p:strVal val="visible"/>
+                                      </p:to>
+                                    </p:set>
+                                  </p:childTnLst>
+                                </p:cTn>
+                              </p:par>
+                              <p:par>
+                                <p:cTn id="7" presetID="1" presetClass="entr" presetSubtype="0" fill="hold" grpId="0" nodeType="withEffect">
+                                  <p:stCondLst>
+                                    <p:cond delay="0"/>
+                                  </p:stCondLst>
+                                  <p:childTnLst>
+                                    <p:set>
+                                      <p:cBhvr>
+                                        <p:cTn id="8" dur="1" fill="hold">
+                                          <p:stCondLst>
+                                            <p:cond delay="0"/>
+                                          </p:stCondLst>
+                                        </p:cTn>
+                                        <p:tgtEl>
+                                          <p:spTgt spid="3">
+                                            <p:txEl>
+                                              <p:pRg st="1" end="1"/>
+                                            </p:txEl>
+                                          </p:spTgt>
+                                        </p:tgtEl>
+                                        <p:attrNameLst>
+                                          <p:attrName>style.visibility</p:attrName>
+                                        </p:attrNameLst>
+                                      </p:cBhvr>
+                                      <p:to>
+                                        <p:strVal val="visible"/>
+                                      </p:to>
+                                    </p:set>
+                                  </p:childTnLst>
+                                </p:cTn>
+                              </p:par>
+                            </p:childTnLst>
+                          </p:cTn>
+                        </p:par>
+                      </p:childTnLst>
+                    </p:cTn>
+                  </p:par>
+                  <p:par>
+                    <p:cTn id="9" fill="hold">
+                      <p:stCondLst>
+                        <p:cond delay="indefinite"/>
+                      </p:stCondLst>
+                      <p:childTnLst>
+                        <p:par>
+                          <p:cTn id="10" fill="hold">
+                            <p:stCondLst>
+                              <p:cond delay="0"/>
+                            </p:stCondLst>
+                            <p:childTnLst>
+                              <p:par>
+                                <p:cTn id="11" presetID="1" presetClass="entr" presetSubtype="0" fill="hold" grpId="0" nodeType="clickEffect">
+                                  <p:stCondLst>
+                                    <p:cond delay="0"/>
+                                  </p:stCondLst>
+                                  <p:childTnLst>
+                                    <p:set>
+                                      <p:cBhvr>
+                                        <p:cTn id="12" dur="1" fill="hold">
+                                          <p:stCondLst>
+                                            <p:cond delay="0"/>
+                                          </p:stCondLst>
+                                        </p:cTn>
+                                        <p:tgtEl>
+                                          <p:spTgt spid="3">
+                                            <p:txEl>
+                                              <p:pRg st="3" end="3"/>
+                                            </p:txEl>
+                                          </p:spTgt>
+                                        </p:tgtEl>
+                                        <p:attrNameLst>
+                                          <p:attrName>style.visibility</p:attrName>
+                                        </p:attrNameLst>
+                                      </p:cBhvr>
+                                      <p:to>
+                                        <p:strVal val="visible"/>
+                                      </p:to>
+                                    </p:set>
+                                  </p:childTnLst>
+                                </p:cTn>
+                              </p:par>
+                              <p:par>
+                                <p:cTn id="13" presetID="1" presetClass="entr" presetSubtype="0" fill="hold" grpId="0" nodeType="withEffect">
+                                  <p:stCondLst>
+                                    <p:cond delay="0"/>
+                                  </p:stCondLst>
+                                  <p:childTnLst>
+                                    <p:set>
+                                      <p:cBhvr>
+                                        <p:cTn id="14" dur="1" fill="hold">
+                                          <p:stCondLst>
+                                            <p:cond delay="0"/>
+                                          </p:stCondLst>
+                                        </p:cTn>
+                                        <p:tgtEl>
+                                          <p:spTgt spid="3">
+                                            <p:txEl>
+                                              <p:pRg st="4" end="4"/>
+                                            </p:txEl>
+                                          </p:spTgt>
+                                        </p:tgtEl>
+                                        <p:attrNameLst>
+                                          <p:attrName>style.visibility</p:attrName>
+                                        </p:attrNameLst>
+                                      </p:cBhvr>
+                                      <p:to>
+                                        <p:strVal val="visible"/>
+                                      </p:to>
+                                    </p:set>
+                                  </p:childTnLst>
+                                </p:cTn>
+                              </p:par>
+                              <p:par>
+                                <p:cTn id="15" presetID="1" presetClass="entr" presetSubtype="0" fill="hold" grpId="0" nodeType="withEffect">
+                                  <p:stCondLst>
+                                    <p:cond delay="0"/>
+                                  </p:stCondLst>
+                                  <p:childTnLst>
+                                    <p:set>
+                                      <p:cBhvr>
+                                        <p:cTn id="16" dur="1" fill="hold">
+                                          <p:stCondLst>
+                                            <p:cond delay="0"/>
+                                          </p:stCondLst>
+                                        </p:cTn>
+                                        <p:tgtEl>
+                                          <p:spTgt spid="3">
+                                            <p:txEl>
+                                              <p:pRg st="5" end="5"/>
+                                            </p:txEl>
+                                          </p:spTgt>
+                                        </p:tgtEl>
+                                        <p:attrNameLst>
+                                          <p:attrName>style.visibility</p:attrName>
+                                        </p:attrNameLst>
+                                      </p:cBhvr>
+                                      <p:to>
+                                        <p:strVal val="visible"/>
+                                      </p:to>
+                                    </p:set>
+                                  </p:childTnLst>
+                                </p:cTn>
+                              </p:par>
+                            </p:childTnLst>
+                          </p:cTn>
+                        </p:par>
+                      </p:childTnLst>
+                    </p:cTn>
+                  </p:par>
+                  <p:par>
+                    <p:cTn id="17" fill="hold">
+                      <p:stCondLst>
+                        <p:cond delay="indefinite"/>
+                      </p:stCondLst>
+                      <p:childTnLst>
+                        <p:par>
+                          <p:cTn id="18" fill="hold">
+                            <p:stCondLst>
+                              <p:cond delay="0"/>
+                            </p:stCondLst>
+                            <p:childTnLst>
+                              <p:par>
+                                <p:cTn id="19" presetID="1" presetClass="entr" presetSubtype="0" fill="hold" grpId="0" nodeType="clickEffect">
+                                  <p:stCondLst>
+                                    <p:cond delay="0"/>
+                                  </p:stCondLst>
+                                  <p:childTnLst>
+                                    <p:set>
+                                      <p:cBhvr>
+                                        <p:cTn id="20" dur="1" fill="hold">
+                                          <p:stCondLst>
+                                            <p:cond delay="0"/>
+                                          </p:stCondLst>
+                                        </p:cTn>
+                                        <p:tgtEl>
+                                          <p:spTgt spid="3">
+                                            <p:txEl>
+                                              <p:pRg st="7" end="7"/>
+                                            </p:txEl>
+                                          </p:spTgt>
+                                        </p:tgtEl>
+                                        <p:attrNameLst>
+                                          <p:attrName>style.visibility</p:attrName>
+                                        </p:attrNameLst>
+                                      </p:cBhvr>
+                                      <p:to>
+                                        <p:strVal val="visible"/>
+                                      </p:to>
+                                    </p:set>
+                                  </p:childTnLst>
+                                </p:cTn>
+                              </p:par>
+                              <p:par>
+                                <p:cTn id="21" presetID="1" presetClass="entr" presetSubtype="0" fill="hold" grpId="0" nodeType="withEffect">
+                                  <p:stCondLst>
+                                    <p:cond delay="0"/>
+                                  </p:stCondLst>
+                                  <p:childTnLst>
+                                    <p:set>
+                                      <p:cBhvr>
+                                        <p:cTn id="22" dur="1" fill="hold">
+                                          <p:stCondLst>
+                                            <p:cond delay="0"/>
+                                          </p:stCondLst>
+                                        </p:cTn>
+                                        <p:tgtEl>
+                                          <p:spTgt spid="3">
+                                            <p:txEl>
+                                              <p:pRg st="8" end="8"/>
+                                            </p:txEl>
+                                          </p:spTgt>
+                                        </p:tgtEl>
+                                        <p:attrNameLst>
+                                          <p:attrName>style.visibility</p:attrName>
+                                        </p:attrNameLst>
+                                      </p:cBhvr>
+                                      <p:to>
+                                        <p:strVal val="visible"/>
+                                      </p:to>
+                                    </p:set>
+                                  </p:childTnLst>
+                                </p:cTn>
+                              </p:par>
+                              <p:par>
+                                <p:cTn id="23" presetID="1" presetClass="entr" presetSubtype="0" fill="hold" grpId="0" nodeType="withEffect">
+                                  <p:stCondLst>
+                                    <p:cond delay="0"/>
+                                  </p:stCondLst>
+                                  <p:childTnLst>
+                                    <p:set>
+                                      <p:cBhvr>
+                                        <p:cTn id="24" dur="1" fill="hold">
+                                          <p:stCondLst>
+                                            <p:cond delay="0"/>
+                                          </p:stCondLst>
+                                        </p:cTn>
+                                        <p:tgtEl>
+                                          <p:spTgt spid="3">
+                                            <p:txEl>
+                                              <p:pRg st="9" end="9"/>
+                                            </p:txEl>
+                                          </p:spTgt>
+                                        </p:tgtEl>
+                                        <p:attrNameLst>
+                                          <p:attrName>style.visibility</p:attrName>
+                                        </p:attrNameLst>
+                                      </p:cBhvr>
+                                      <p:to>
+                                        <p:strVal val="visible"/>
+                                      </p:to>
+                                    </p:set>
+                                  </p:childTnLst>
+                                </p:cTn>
+                              </p:par>
+                            </p:childTnLst>
+                          </p:cTn>
+                        </p:par>
+                      </p:childTnLst>
+                    </p:cTn>
+                  </p:par>
+                </p:childTnLst>
+              </p:cTn>
+              <p:prevCondLst>
+                <p:cond evt="onPrev" delay="0">
+                  <p:tgtEl>
+                    <p:sldTgt/>
+                  </p:tgtEl>
+                </p:cond>
+              </p:prevCondLst>
+              <p:nextCondLst>
+                <p:cond evt="onNext" delay="0">
+                  <p:tgtEl>
+                    <p:sldTgt/>
+                  </p:tgtEl>
+                </p:cond>
+              </p:nextCondLst>
+            </p:seq>
+          </p:childTnLst>
+        </p:cTn>
       </p:par>
     </p:tnLst>
+    <p:bldLst>
+      <p:bldP spid="3" grpId="0" uiExpand="1" build="p"/>
+    </p:bldLst>
   </p:timing>
 </p:sld>
 </file>
 
-<file path=ppt/slides/slide18.xml><?xml version="1.0" encoding="utf-8"?>
+<file path=ppt/slides/slide16.xml><?xml version="1.0" encoding="utf-8"?>
 <p:sld xmlns:a="http://schemas.openxmlformats.org/drawingml/2006/main" xmlns:r="http://schemas.openxmlformats.org/officeDocument/2006/relationships" xmlns:p="http://schemas.openxmlformats.org/presentationml/2006/main">
   <p:cSld>
     <p:spTree>
@@ -10869,7 +9394,7 @@
             <a:fld id="{0CFEC368-1D7A-4F81-ABF6-AE0E36BAF64C}" type="slidenum">
               <a:rPr lang="en-US" smtClean="0"/>
               <a:pPr/>
-              <a:t>18</a:t>
+              <a:t>16</a:t>
             </a:fld>
             <a:endParaRPr lang="en-US"/>
           </a:p>
@@ -11078,15 +9603,33 @@
                                   </p:childTnLst>
                                 </p:cTn>
                               </p:par>
+                            </p:childTnLst>
+                          </p:cTn>
+                        </p:par>
+                      </p:childTnLst>
+                    </p:cTn>
+                  </p:par>
+                  <p:par>
+                    <p:cTn id="17" fill="hold">
+                      <p:stCondLst>
+                        <p:cond delay="indefinite"/>
+                      </p:stCondLst>
+                      <p:childTnLst>
+                        <p:par>
+                          <p:cTn id="18" fill="hold">
+                            <p:stCondLst>
+                              <p:cond delay="0"/>
+                            </p:stCondLst>
+                            <p:childTnLst>
                               <p:par>
-                                <p:cTn id="17" presetID="1" presetClass="entr" presetSubtype="0" fill="hold" nodeType="withEffect">
+                                <p:cTn id="19" presetID="1" presetClass="entr" presetSubtype="0" fill="hold" nodeType="clickEffect">
                                   <p:stCondLst>
                                     <p:cond delay="0"/>
                                   </p:stCondLst>
                                   <p:childTnLst>
                                     <p:set>
                                       <p:cBhvr>
-                                        <p:cTn id="18" dur="1" fill="hold">
+                                        <p:cTn id="20" dur="1" fill="hold">
                                           <p:stCondLst>
                                             <p:cond delay="0"/>
                                           </p:stCondLst>
@@ -11110,14 +9653,14 @@
                                 </p:cTn>
                               </p:par>
                               <p:par>
-                                <p:cTn id="19" presetID="1" presetClass="entr" presetSubtype="0" fill="hold" nodeType="withEffect">
+                                <p:cTn id="21" presetID="1" presetClass="entr" presetSubtype="0" fill="hold" nodeType="withEffect">
                                   <p:stCondLst>
                                     <p:cond delay="0"/>
                                   </p:stCondLst>
                                   <p:childTnLst>
                                     <p:set>
                                       <p:cBhvr>
-                                        <p:cTn id="20" dur="1" fill="hold">
+                                        <p:cTn id="22" dur="1" fill="hold">
                                           <p:stCondLst>
                                             <p:cond delay="0"/>
                                           </p:stCondLst>
@@ -11141,14 +9684,14 @@
                                 </p:cTn>
                               </p:par>
                               <p:par>
-                                <p:cTn id="21" presetID="1" presetClass="entr" presetSubtype="0" fill="hold" nodeType="withEffect">
+                                <p:cTn id="23" presetID="1" presetClass="entr" presetSubtype="0" fill="hold" nodeType="withEffect">
                                   <p:stCondLst>
                                     <p:cond delay="0"/>
                                   </p:stCondLst>
                                   <p:childTnLst>
                                     <p:set>
                                       <p:cBhvr>
-                                        <p:cTn id="22" dur="1" fill="hold">
+                                        <p:cTn id="24" dur="1" fill="hold">
                                           <p:stCondLst>
                                             <p:cond delay="0"/>
                                           </p:stCondLst>
@@ -11202,7 +9745,7 @@
 </p:sld>
 </file>
 
-<file path=ppt/slides/slide19.xml><?xml version="1.0" encoding="utf-8"?>
+<file path=ppt/slides/slide17.xml><?xml version="1.0" encoding="utf-8"?>
 <p:sld xmlns:a="http://schemas.openxmlformats.org/drawingml/2006/main" xmlns:r="http://schemas.openxmlformats.org/officeDocument/2006/relationships" xmlns:p="http://schemas.openxmlformats.org/presentationml/2006/main">
   <p:cSld>
     <p:spTree>
@@ -11286,7 +9829,7 @@
             <a:fld id="{0CFEC368-1D7A-4F81-ABF6-AE0E36BAF64C}" type="slidenum">
               <a:rPr lang="en-US" smtClean="0"/>
               <a:pPr/>
-              <a:t>19</a:t>
+              <a:t>17</a:t>
             </a:fld>
             <a:endParaRPr lang="en-US"/>
           </a:p>
@@ -14117,7 +12660,7 @@
 </p:sld>
 </file>
 
-<file path=ppt/slides/slide2.xml><?xml version="1.0" encoding="utf-8"?>
+<file path=ppt/slides/slide18.xml><?xml version="1.0" encoding="utf-8"?>
 <p:sld xmlns:a="http://schemas.openxmlformats.org/drawingml/2006/main" xmlns:r="http://schemas.openxmlformats.org/officeDocument/2006/relationships" xmlns:p="http://schemas.openxmlformats.org/presentationml/2006/main">
   <p:cSld>
     <p:spTree>
@@ -14136,152 +12679,6 @@
       </p:grpSpPr>
       <p:sp>
         <p:nvSpPr>
-          <p:cNvPr id="4" name="Rectangle 3"/>
-          <p:cNvSpPr/>
-          <p:nvPr/>
-        </p:nvSpPr>
-        <p:spPr>
-          <a:xfrm>
-            <a:off x="243550" y="2750055"/>
-            <a:ext cx="8663424" cy="1061829"/>
-          </a:xfrm>
-          <a:prstGeom prst="rect">
-            <a:avLst/>
-          </a:prstGeom>
-        </p:spPr>
-        <p:txBody>
-          <a:bodyPr wrap="square">
-            <a:spAutoFit/>
-          </a:bodyPr>
-          <a:lstStyle/>
-          <a:p>
-            <a:pPr algn="ctr"/>
-            <a:r>
-              <a:rPr lang="en-US" sz="2100" dirty="0"/>
-              <a:t>Manual: </a:t>
-            </a:r>
-            <a:r>
-              <a:rPr lang="en-US" sz="2100" dirty="0" smtClean="0">
-                <a:hlinkClick r:id="rId2" tooltip="http://charm.cs.illinois.edu/manuals/html/charm++/manual.html"/>
-              </a:rPr>
-              <a:t>http://charm.cs.illinois.edu/manuals/html/charm++/manual.html</a:t>
-            </a:r>
-            <a:endParaRPr lang="en-US" sz="2100" dirty="0" smtClean="0"/>
-          </a:p>
-          <a:p>
-            <a:pPr algn="ctr"/>
-            <a:endParaRPr lang="en-US" sz="2100" dirty="0"/>
-          </a:p>
-          <a:p>
-            <a:pPr algn="ctr"/>
-            <a:r>
-              <a:rPr lang="en-US" sz="2100" dirty="0" smtClean="0"/>
-              <a:t>Installation</a:t>
-            </a:r>
-            <a:r>
-              <a:rPr lang="en-US" sz="2100" dirty="0"/>
-              <a:t>: </a:t>
-            </a:r>
-            <a:r>
-              <a:rPr lang="en-US" sz="2100" dirty="0">
-                <a:hlinkClick r:id="rId3"/>
-              </a:rPr>
-              <a:t>http://charm.cs.illinois.edu/manuals/html/charm++/A.html</a:t>
-            </a:r>
-            <a:r>
-              <a:rPr lang="en-US" sz="2100" dirty="0"/>
-              <a:t> </a:t>
-            </a:r>
-          </a:p>
-        </p:txBody>
-      </p:sp>
-      <p:sp>
-        <p:nvSpPr>
-          <p:cNvPr id="3" name="Footer Placeholder 2"/>
-          <p:cNvSpPr>
-            <a:spLocks noGrp="1"/>
-          </p:cNvSpPr>
-          <p:nvPr>
-            <p:ph type="ftr" sz="quarter" idx="11"/>
-          </p:nvPr>
-        </p:nvSpPr>
-        <p:spPr/>
-        <p:txBody>
-          <a:bodyPr/>
-          <a:lstStyle/>
-          <a:p>
-            <a:pPr algn="r"/>
-            <a:r>
-              <a:rPr lang="en-US" smtClean="0"/>
-              <a:t>Laxmikant Kalé and PPL (UIUC) – Parallel Migratable Objects </a:t>
-            </a:r>
-            <a:endParaRPr lang="en-US" dirty="0"/>
-          </a:p>
-        </p:txBody>
-      </p:sp>
-      <p:sp>
-        <p:nvSpPr>
-          <p:cNvPr id="5" name="Slide Number Placeholder 4"/>
-          <p:cNvSpPr>
-            <a:spLocks noGrp="1"/>
-          </p:cNvSpPr>
-          <p:nvPr>
-            <p:ph type="sldNum" sz="quarter" idx="12"/>
-          </p:nvPr>
-        </p:nvSpPr>
-        <p:spPr/>
-        <p:txBody>
-          <a:bodyPr/>
-          <a:lstStyle/>
-          <a:p>
-            <a:fld id="{0CFEC368-1D7A-4F81-ABF6-AE0E36BAF64C}" type="slidenum">
-              <a:rPr lang="en-US" smtClean="0"/>
-              <a:pPr/>
-              <a:t>2</a:t>
-            </a:fld>
-            <a:endParaRPr lang="en-US"/>
-          </a:p>
-        </p:txBody>
-      </p:sp>
-    </p:spTree>
-    <p:extLst>
-      <p:ext uri="{BB962C8B-B14F-4D97-AF65-F5344CB8AC3E}">
-        <p14:creationId xmlns:p14="http://schemas.microsoft.com/office/powerpoint/2010/main" val="3657326955"/>
-      </p:ext>
-    </p:extLst>
-  </p:cSld>
-  <p:clrMapOvr>
-    <a:masterClrMapping/>
-  </p:clrMapOvr>
-  <p:timing>
-    <p:tnLst>
-      <p:par>
-        <p:cTn xmlns:p14="http://schemas.microsoft.com/office/powerpoint/2010/main" id="1" dur="indefinite" restart="never" nodeType="tmRoot"/>
-      </p:par>
-    </p:tnLst>
-  </p:timing>
-</p:sld>
-</file>
-
-<file path=ppt/slides/slide20.xml><?xml version="1.0" encoding="utf-8"?>
-<p:sld xmlns:a="http://schemas.openxmlformats.org/drawingml/2006/main" xmlns:r="http://schemas.openxmlformats.org/officeDocument/2006/relationships" xmlns:p="http://schemas.openxmlformats.org/presentationml/2006/main">
-  <p:cSld>
-    <p:spTree>
-      <p:nvGrpSpPr>
-        <p:cNvPr id="1" name=""/>
-        <p:cNvGrpSpPr/>
-        <p:nvPr/>
-      </p:nvGrpSpPr>
-      <p:grpSpPr>
-        <a:xfrm>
-          <a:off x="0" y="0"/>
-          <a:ext cx="0" cy="0"/>
-          <a:chOff x="0" y="0"/>
-          <a:chExt cx="0" cy="0"/>
-        </a:xfrm>
-      </p:grpSpPr>
-      <p:sp>
-        <p:nvSpPr>
           <p:cNvPr id="6" name="Footer Placeholder 5"/>
           <p:cNvSpPr>
             <a:spLocks noGrp="1"/>
@@ -14322,7 +12719,7 @@
             <a:fld id="{0CFEC368-1D7A-4F81-ABF6-AE0E36BAF64C}" type="slidenum">
               <a:rPr lang="en-US" smtClean="0"/>
               <a:pPr/>
-              <a:t>20</a:t>
+              <a:t>18</a:t>
             </a:fld>
             <a:endParaRPr lang="en-US"/>
           </a:p>
@@ -19290,7 +17687,7 @@
 </p:sld>
 </file>
 
-<file path=ppt/slides/slide21.xml><?xml version="1.0" encoding="utf-8"?>
+<file path=ppt/slides/slide19.xml><?xml version="1.0" encoding="utf-8"?>
 <p:sld xmlns:a="http://schemas.openxmlformats.org/drawingml/2006/main" xmlns:r="http://schemas.openxmlformats.org/officeDocument/2006/relationships" xmlns:p="http://schemas.openxmlformats.org/presentationml/2006/main">
   <p:cSld>
     <p:spTree>
@@ -19349,7 +17746,7 @@
             <a:fld id="{0CFEC368-1D7A-4F81-ABF6-AE0E36BAF64C}" type="slidenum">
               <a:rPr lang="en-US" smtClean="0"/>
               <a:pPr/>
-              <a:t>21</a:t>
+              <a:t>19</a:t>
             </a:fld>
             <a:endParaRPr lang="en-US"/>
           </a:p>
@@ -25297,7 +23694,7 @@
 </p:sld>
 </file>
 
-<file path=ppt/slides/slide22.xml><?xml version="1.0" encoding="utf-8"?>
+<file path=ppt/slides/slide2.xml><?xml version="1.0" encoding="utf-8"?>
 <p:sld xmlns:a="http://schemas.openxmlformats.org/drawingml/2006/main" xmlns:r="http://schemas.openxmlformats.org/officeDocument/2006/relationships" xmlns:p="http://schemas.openxmlformats.org/presentationml/2006/main">
   <p:cSld>
     <p:spTree>
@@ -25316,6 +23713,233 @@
       </p:grpSpPr>
       <p:sp>
         <p:nvSpPr>
+          <p:cNvPr id="2" name="Title 1"/>
+          <p:cNvSpPr>
+            <a:spLocks noGrp="1"/>
+          </p:cNvSpPr>
+          <p:nvPr>
+            <p:ph type="title"/>
+          </p:nvPr>
+        </p:nvSpPr>
+        <p:spPr/>
+        <p:txBody>
+          <a:bodyPr>
+            <a:normAutofit fontScale="90000"/>
+          </a:bodyPr>
+          <a:lstStyle/>
+          <a:p>
+            <a:r>
+              <a:rPr lang="en-US" sz="3600" dirty="0"/>
+              <a:t>Harnessing Parallelism: Challenges </a:t>
+            </a:r>
+            <a:r>
+              <a:rPr lang="en-US" dirty="0"/>
+              <a:t/>
+            </a:r>
+            <a:br>
+              <a:rPr lang="en-US" dirty="0"/>
+            </a:br>
+            <a:r>
+              <a:rPr lang="en-US" sz="2200" dirty="0"/>
+              <a:t>Trends in System </a:t>
+            </a:r>
+            <a:r>
+              <a:rPr lang="en-US" sz="2200" dirty="0" smtClean="0"/>
+              <a:t>Architecture</a:t>
+            </a:r>
+            <a:endParaRPr lang="en-US" dirty="0"/>
+          </a:p>
+        </p:txBody>
+      </p:sp>
+      <p:sp>
+        <p:nvSpPr>
+          <p:cNvPr id="3" name="Content Placeholder 2"/>
+          <p:cNvSpPr>
+            <a:spLocks noGrp="1"/>
+          </p:cNvSpPr>
+          <p:nvPr>
+            <p:ph idx="1"/>
+          </p:nvPr>
+        </p:nvSpPr>
+        <p:spPr/>
+        <p:txBody>
+          <a:bodyPr/>
+          <a:lstStyle/>
+          <a:p>
+            <a:r>
+              <a:rPr lang="en-US" dirty="0"/>
+              <a:t>Frequencies have stopped increasing </a:t>
+            </a:r>
+            <a:endParaRPr lang="en-US" dirty="0" smtClean="0"/>
+          </a:p>
+          <a:p>
+            <a:r>
+              <a:rPr lang="en-US" dirty="0" smtClean="0"/>
+              <a:t>Memory </a:t>
+            </a:r>
+            <a:r>
+              <a:rPr lang="en-US" dirty="0"/>
+              <a:t>costs are high </a:t>
+            </a:r>
+          </a:p>
+          <a:p>
+            <a:pPr lvl="1"/>
+            <a:r>
+              <a:rPr lang="en-US" dirty="0" smtClean="0"/>
+              <a:t>Relatively </a:t>
+            </a:r>
+            <a:r>
+              <a:rPr lang="en-US" dirty="0"/>
+              <a:t>low </a:t>
+            </a:r>
+            <a:r>
+              <a:rPr lang="en-US" dirty="0" smtClean="0"/>
+              <a:t>per-core </a:t>
+            </a:r>
+            <a:r>
+              <a:rPr lang="en-US" dirty="0"/>
+              <a:t>memory </a:t>
+            </a:r>
+            <a:endParaRPr lang="en-US" dirty="0" smtClean="0"/>
+          </a:p>
+          <a:p>
+            <a:r>
+              <a:rPr lang="en-US" dirty="0" smtClean="0"/>
+              <a:t>Increasing </a:t>
+            </a:r>
+            <a:r>
+              <a:rPr lang="en-US" dirty="0"/>
+              <a:t>heterogeneity </a:t>
+            </a:r>
+          </a:p>
+          <a:p>
+            <a:pPr lvl="1"/>
+            <a:r>
+              <a:rPr lang="en-US" dirty="0" smtClean="0"/>
+              <a:t>Accelerators</a:t>
+            </a:r>
+            <a:r>
+              <a:rPr lang="en-US" dirty="0"/>
+              <a:t>, </a:t>
+            </a:r>
+            <a:r>
+              <a:rPr lang="en-US" dirty="0" smtClean="0"/>
+              <a:t>SMT</a:t>
+            </a:r>
+          </a:p>
+          <a:p>
+            <a:r>
+              <a:rPr lang="en-US" dirty="0" smtClean="0"/>
+              <a:t>Energy</a:t>
+            </a:r>
+            <a:r>
+              <a:rPr lang="en-US" dirty="0"/>
+              <a:t>, power, and thermal considerations </a:t>
+            </a:r>
+            <a:endParaRPr lang="en-US" dirty="0" smtClean="0"/>
+          </a:p>
+          <a:p>
+            <a:r>
+              <a:rPr lang="en-US" dirty="0" smtClean="0"/>
+              <a:t>Frequent </a:t>
+            </a:r>
+            <a:r>
+              <a:rPr lang="en-US" dirty="0"/>
+              <a:t>component failures </a:t>
+            </a:r>
+          </a:p>
+          <a:p>
+            <a:endParaRPr lang="en-US" dirty="0"/>
+          </a:p>
+        </p:txBody>
+      </p:sp>
+      <p:sp>
+        <p:nvSpPr>
+          <p:cNvPr id="5" name="Footer Placeholder 4"/>
+          <p:cNvSpPr>
+            <a:spLocks noGrp="1"/>
+          </p:cNvSpPr>
+          <p:nvPr>
+            <p:ph type="ftr" sz="quarter" idx="11"/>
+          </p:nvPr>
+        </p:nvSpPr>
+        <p:spPr/>
+        <p:txBody>
+          <a:bodyPr/>
+          <a:lstStyle/>
+          <a:p>
+            <a:pPr algn="r"/>
+            <a:r>
+              <a:rPr lang="en-US" smtClean="0"/>
+              <a:t>Laxmikant Kalé and PPL (UIUC) – Parallel Migratable Objects </a:t>
+            </a:r>
+            <a:endParaRPr lang="en-US" dirty="0"/>
+          </a:p>
+        </p:txBody>
+      </p:sp>
+      <p:sp>
+        <p:nvSpPr>
+          <p:cNvPr id="6" name="Slide Number Placeholder 5"/>
+          <p:cNvSpPr>
+            <a:spLocks noGrp="1"/>
+          </p:cNvSpPr>
+          <p:nvPr>
+            <p:ph type="sldNum" sz="quarter" idx="12"/>
+          </p:nvPr>
+        </p:nvSpPr>
+        <p:spPr/>
+        <p:txBody>
+          <a:bodyPr/>
+          <a:lstStyle/>
+          <a:p>
+            <a:fld id="{0CFEC368-1D7A-4F81-ABF6-AE0E36BAF64C}" type="slidenum">
+              <a:rPr lang="en-US" smtClean="0"/>
+              <a:pPr/>
+              <a:t>2</a:t>
+            </a:fld>
+            <a:endParaRPr lang="en-US"/>
+          </a:p>
+        </p:txBody>
+      </p:sp>
+    </p:spTree>
+    <p:extLst>
+      <p:ext uri="{BB962C8B-B14F-4D97-AF65-F5344CB8AC3E}">
+        <p14:creationId xmlns:p14="http://schemas.microsoft.com/office/powerpoint/2010/main" val="835733012"/>
+      </p:ext>
+    </p:extLst>
+  </p:cSld>
+  <p:clrMapOvr>
+    <a:masterClrMapping/>
+  </p:clrMapOvr>
+  <p:timing>
+    <p:tnLst>
+      <p:par>
+        <p:cTn xmlns:p14="http://schemas.microsoft.com/office/powerpoint/2010/main" id="1" dur="indefinite" restart="never" nodeType="tmRoot"/>
+      </p:par>
+    </p:tnLst>
+  </p:timing>
+</p:sld>
+</file>
+
+<file path=ppt/slides/slide20.xml><?xml version="1.0" encoding="utf-8"?>
+<p:sld xmlns:a="http://schemas.openxmlformats.org/drawingml/2006/main" xmlns:r="http://schemas.openxmlformats.org/officeDocument/2006/relationships" xmlns:p="http://schemas.openxmlformats.org/presentationml/2006/main">
+  <p:cSld>
+    <p:spTree>
+      <p:nvGrpSpPr>
+        <p:cNvPr id="1" name=""/>
+        <p:cNvGrpSpPr/>
+        <p:nvPr/>
+      </p:nvGrpSpPr>
+      <p:grpSpPr>
+        <a:xfrm>
+          <a:off x="0" y="0"/>
+          <a:ext cx="0" cy="0"/>
+          <a:chOff x="0" y="0"/>
+          <a:chExt cx="0" cy="0"/>
+        </a:xfrm>
+      </p:grpSpPr>
+      <p:sp>
+        <p:nvSpPr>
           <p:cNvPr id="6" name="Footer Placeholder 5"/>
           <p:cNvSpPr>
             <a:spLocks noGrp="1"/>
@@ -25356,7 +23980,7 @@
             <a:fld id="{0CFEC368-1D7A-4F81-ABF6-AE0E36BAF64C}" type="slidenum">
               <a:rPr lang="en-US" smtClean="0"/>
               <a:pPr/>
-              <a:t>22</a:t>
+              <a:t>20</a:t>
             </a:fld>
             <a:endParaRPr lang="en-US"/>
           </a:p>
@@ -30443,7 +29067,7 @@
 </p:sld>
 </file>
 
-<file path=ppt/slides/slide23.xml><?xml version="1.0" encoding="utf-8"?>
+<file path=ppt/slides/slide21.xml><?xml version="1.0" encoding="utf-8"?>
 <p:sld xmlns:a="http://schemas.openxmlformats.org/drawingml/2006/main" xmlns:r="http://schemas.openxmlformats.org/officeDocument/2006/relationships" xmlns:p="http://schemas.openxmlformats.org/presentationml/2006/main">
   <p:cSld>
     <p:spTree>
@@ -30602,7 +29226,7 @@
             <a:fld id="{0CFEC368-1D7A-4F81-ABF6-AE0E36BAF64C}" type="slidenum">
               <a:rPr lang="en-US" smtClean="0"/>
               <a:pPr/>
-              <a:t>23</a:t>
+              <a:t>21</a:t>
             </a:fld>
             <a:endParaRPr lang="en-US"/>
           </a:p>
@@ -30622,6 +29246,9 @@
           <a:prstGeom prst="roundRect">
             <a:avLst/>
           </a:prstGeom>
+          <a:solidFill>
+            <a:srgbClr val="000090"/>
+          </a:solidFill>
         </p:spPr>
         <p:style>
           <a:lnRef idx="1">
@@ -30643,7 +29270,7 @@
           <a:p>
             <a:pPr algn="ctr"/>
             <a:r>
-              <a:rPr lang="en-US" dirty="0"/>
+              <a:rPr lang="en-US" sz="2400" dirty="0"/>
               <a:t>Asynchrony</a:t>
             </a:r>
           </a:p>
@@ -30663,6 +29290,9 @@
           <a:prstGeom prst="roundRect">
             <a:avLst/>
           </a:prstGeom>
+          <a:solidFill>
+            <a:srgbClr val="000090"/>
+          </a:solidFill>
         </p:spPr>
         <p:style>
           <a:lnRef idx="1">
@@ -30684,10 +29314,10 @@
           <a:p>
             <a:pPr algn="ctr"/>
             <a:r>
-              <a:rPr lang="en-US" dirty="0" err="1" smtClean="0"/>
+              <a:rPr lang="en-US" sz="2400" dirty="0" err="1" smtClean="0"/>
               <a:t>Overdecomposition</a:t>
             </a:r>
-            <a:endParaRPr lang="en-US" dirty="0"/>
+            <a:endParaRPr lang="en-US" sz="2400" dirty="0"/>
           </a:p>
         </p:txBody>
       </p:sp>
@@ -30705,6 +29335,9 @@
           <a:prstGeom prst="roundRect">
             <a:avLst/>
           </a:prstGeom>
+          <a:solidFill>
+            <a:srgbClr val="000090"/>
+          </a:solidFill>
         </p:spPr>
         <p:style>
           <a:lnRef idx="1">
@@ -30726,10 +29359,10 @@
           <a:p>
             <a:pPr algn="ctr"/>
             <a:r>
-              <a:rPr lang="en-US" dirty="0" err="1" smtClean="0"/>
+              <a:rPr lang="en-US" sz="2400" dirty="0" err="1" smtClean="0"/>
               <a:t>Migratability</a:t>
             </a:r>
-            <a:endParaRPr lang="en-US" dirty="0"/>
+            <a:endParaRPr lang="en-US" sz="2400" dirty="0"/>
           </a:p>
         </p:txBody>
       </p:sp>
@@ -30748,10 +29381,13 @@
             <a:avLst/>
           </a:prstGeom>
           <a:solidFill>
-            <a:schemeClr val="bg2">
-              <a:lumMod val="75000"/>
-            </a:schemeClr>
+            <a:srgbClr val="000090"/>
           </a:solidFill>
+          <a:ln>
+            <a:solidFill>
+              <a:schemeClr val="bg1"/>
+            </a:solidFill>
+          </a:ln>
         </p:spPr>
         <p:style>
           <a:lnRef idx="1">
@@ -30773,29 +29409,10 @@
           <a:p>
             <a:pPr algn="ctr"/>
             <a:r>
-              <a:rPr lang="en-US" dirty="0" smtClean="0">
-                <a:solidFill>
-                  <a:schemeClr val="accent2">
-                    <a:lumMod val="75000"/>
-                  </a:schemeClr>
-                </a:solidFill>
-              </a:rPr>
-              <a:t>Adaptive</a:t>
-            </a:r>
-          </a:p>
-          <a:p>
-            <a:pPr algn="ctr"/>
-            <a:r>
-              <a:rPr lang="en-US" dirty="0" smtClean="0">
-                <a:solidFill>
-                  <a:schemeClr val="accent2">
-                    <a:lumMod val="75000"/>
-                  </a:schemeClr>
-                </a:solidFill>
-              </a:rPr>
-              <a:t>Runtime System</a:t>
-            </a:r>
-            <a:endParaRPr lang="en-US" dirty="0">
+              <a:rPr lang="en-US" sz="2800" dirty="0" smtClean="0"/>
+              <a:t>Adaptive Runtime System</a:t>
+            </a:r>
+            <a:endParaRPr lang="en-US" sz="2800" dirty="0">
               <a:solidFill>
                 <a:schemeClr val="accent2">
                   <a:lumMod val="75000"/>
@@ -30819,29 +29436,9 @@
           <a:prstGeom prst="roundRect">
             <a:avLst/>
           </a:prstGeom>
-          <a:gradFill flip="none" rotWithShape="1">
-            <a:gsLst>
-              <a:gs pos="0">
-                <a:schemeClr val="accent4">
-                  <a:lumMod val="75000"/>
-                </a:schemeClr>
-              </a:gs>
-              <a:gs pos="50000">
-                <a:schemeClr val="accent1">
-                  <a:lumMod val="75000"/>
-                </a:schemeClr>
-              </a:gs>
-              <a:gs pos="75000">
-                <a:schemeClr val="accent4">
-                  <a:lumMod val="75000"/>
-                </a:schemeClr>
-              </a:gs>
-            </a:gsLst>
-            <a:path path="circle">
-              <a:fillToRect l="100000" t="100000"/>
-            </a:path>
-            <a:tileRect r="-100000" b="-100000"/>
-          </a:gradFill>
+          <a:solidFill>
+            <a:schemeClr val="tx2"/>
+          </a:solidFill>
         </p:spPr>
         <p:style>
           <a:lnRef idx="1">
@@ -30863,10 +29460,18 @@
           <a:p>
             <a:pPr algn="ctr"/>
             <a:r>
-              <a:rPr lang="en-US" sz="2000" dirty="0" smtClean="0"/>
+              <a:rPr lang="en-US" sz="2400" dirty="0" smtClean="0">
+                <a:solidFill>
+                  <a:schemeClr val="tx1"/>
+                </a:solidFill>
+              </a:rPr>
               <a:t>Introspection</a:t>
             </a:r>
-            <a:endParaRPr lang="en-US" sz="2000" dirty="0"/>
+            <a:endParaRPr lang="en-US" sz="2400" dirty="0">
+              <a:solidFill>
+                <a:schemeClr val="tx1"/>
+              </a:solidFill>
+            </a:endParaRPr>
           </a:p>
         </p:txBody>
       </p:sp>
@@ -30884,33 +29489,9 @@
           <a:prstGeom prst="roundRect">
             <a:avLst/>
           </a:prstGeom>
-          <a:gradFill>
-            <a:gsLst>
-              <a:gs pos="0">
-                <a:schemeClr val="accent4">
-                  <a:lumMod val="75000"/>
-                </a:schemeClr>
-              </a:gs>
-              <a:gs pos="51000">
-                <a:schemeClr val="accent1">
-                  <a:shade val="58000"/>
-                  <a:satMod val="165000"/>
-                </a:schemeClr>
-              </a:gs>
-              <a:gs pos="75000">
-                <a:schemeClr val="accent1">
-                  <a:shade val="30000"/>
-                  <a:satMod val="175000"/>
-                </a:schemeClr>
-              </a:gs>
-              <a:gs pos="100000">
-                <a:schemeClr val="accent1">
-                  <a:shade val="15000"/>
-                  <a:satMod val="175000"/>
-                </a:schemeClr>
-              </a:gs>
-            </a:gsLst>
-          </a:gradFill>
+          <a:solidFill>
+            <a:srgbClr val="D2533C"/>
+          </a:solidFill>
         </p:spPr>
         <p:style>
           <a:lnRef idx="1">
@@ -30932,10 +29513,18 @@
           <a:p>
             <a:pPr algn="ctr"/>
             <a:r>
-              <a:rPr lang="en-US" sz="2000" dirty="0" err="1" smtClean="0"/>
+              <a:rPr lang="en-US" sz="2400" dirty="0" err="1" smtClean="0">
+                <a:solidFill>
+                  <a:srgbClr val="292934"/>
+                </a:solidFill>
+              </a:rPr>
               <a:t>Adaptivity</a:t>
             </a:r>
-            <a:endParaRPr lang="en-US" sz="2000" dirty="0"/>
+            <a:endParaRPr lang="en-US" sz="2400" dirty="0">
+              <a:solidFill>
+                <a:srgbClr val="292934"/>
+              </a:solidFill>
+            </a:endParaRPr>
           </a:p>
         </p:txBody>
       </p:sp>
@@ -31492,682 +30081,6 @@
         <p:spPr/>
         <p:txBody>
           <a:bodyPr>
-            <a:normAutofit/>
-          </a:bodyPr>
-          <a:lstStyle/>
-          <a:p>
-            <a:r>
-              <a:rPr lang="en-US" dirty="0" smtClean="0"/>
-              <a:t>Outline</a:t>
-            </a:r>
-            <a:endParaRPr lang="en-US" dirty="0"/>
-          </a:p>
-        </p:txBody>
-      </p:sp>
-      <p:sp>
-        <p:nvSpPr>
-          <p:cNvPr id="3" name="Content Placeholder 2"/>
-          <p:cNvSpPr>
-            <a:spLocks noGrp="1"/>
-          </p:cNvSpPr>
-          <p:nvPr>
-            <p:ph idx="1"/>
-          </p:nvPr>
-        </p:nvSpPr>
-        <p:spPr>
-          <a:xfrm>
-            <a:off x="0" y="1327046"/>
-            <a:ext cx="9144000" cy="4231132"/>
-          </a:xfrm>
-        </p:spPr>
-        <p:txBody>
-          <a:bodyPr numCol="2"/>
-          <a:lstStyle/>
-          <a:p>
-            <a:pPr marL="681038" indent="-681038">
-              <a:buClr>
-                <a:srgbClr val="0000FF"/>
-              </a:buClr>
-              <a:buSzPct val="100000"/>
-              <a:buFont typeface="+mj-lt"/>
-              <a:buAutoNum type="arabicParenR"/>
-            </a:pPr>
-            <a:r>
-              <a:rPr lang="en-US" dirty="0" smtClean="0"/>
-              <a:t>Introduction</a:t>
-            </a:r>
-          </a:p>
-          <a:p>
-            <a:pPr marL="955358" lvl="2" indent="-276225">
-              <a:buClr>
-                <a:srgbClr val="0000FF"/>
-              </a:buClr>
-              <a:buSzPct val="100000"/>
-              <a:buFont typeface="Arial"/>
-              <a:buChar char="•"/>
-            </a:pPr>
-            <a:r>
-              <a:rPr lang="en-US" dirty="0" smtClean="0"/>
-              <a:t>Object Design</a:t>
-            </a:r>
-          </a:p>
-          <a:p>
-            <a:pPr marL="955358" lvl="2" indent="-276225">
-              <a:buClr>
-                <a:srgbClr val="0000FF"/>
-              </a:buClr>
-              <a:buSzPct val="100000"/>
-              <a:buFont typeface="Arial"/>
-              <a:buChar char="•"/>
-            </a:pPr>
-            <a:r>
-              <a:rPr lang="en-US" dirty="0" smtClean="0"/>
-              <a:t>Execution Model</a:t>
-            </a:r>
-          </a:p>
-          <a:p>
-            <a:pPr marL="681038" indent="-681038">
-              <a:buClr>
-                <a:srgbClr val="0000FF"/>
-              </a:buClr>
-              <a:buSzPct val="100000"/>
-              <a:buFont typeface="+mj-lt"/>
-              <a:buAutoNum type="arabicParenR" startAt="2"/>
-            </a:pPr>
-            <a:r>
-              <a:rPr lang="en-US" dirty="0" smtClean="0"/>
-              <a:t>Hello World</a:t>
-            </a:r>
-          </a:p>
-          <a:p>
-            <a:pPr marL="681038" indent="-681038">
-              <a:buClr>
-                <a:srgbClr val="0000FF"/>
-              </a:buClr>
-              <a:buSzPct val="100000"/>
-              <a:buFont typeface="+mj-lt"/>
-              <a:buAutoNum type="arabicParenR" startAt="2"/>
-            </a:pPr>
-            <a:r>
-              <a:rPr lang="en-US" dirty="0" smtClean="0"/>
-              <a:t>Benefits of Charm++</a:t>
-            </a:r>
-          </a:p>
-          <a:p>
-            <a:pPr marL="681038" indent="-681038">
-              <a:buClr>
-                <a:srgbClr val="0000FF"/>
-              </a:buClr>
-              <a:buSzPct val="100000"/>
-              <a:buFont typeface="+mj-lt"/>
-              <a:buAutoNum type="arabicParenR" startAt="2"/>
-            </a:pPr>
-            <a:r>
-              <a:rPr lang="en-US" dirty="0" smtClean="0"/>
-              <a:t>Charm++ Basics</a:t>
-            </a:r>
-          </a:p>
-          <a:p>
-            <a:pPr marL="954088" lvl="2" indent="-266700">
-              <a:buClr>
-                <a:srgbClr val="0000FF"/>
-              </a:buClr>
-              <a:buSzPct val="100000"/>
-              <a:buFont typeface="Arial"/>
-              <a:buChar char="•"/>
-            </a:pPr>
-            <a:r>
-              <a:rPr lang="en-US" dirty="0" smtClean="0"/>
-              <a:t>Object Collections</a:t>
-            </a:r>
-          </a:p>
-          <a:p>
-            <a:pPr marL="681038" indent="-681038">
-              <a:buClr>
-                <a:srgbClr val="0000FF"/>
-              </a:buClr>
-              <a:buSzPct val="100000"/>
-              <a:buFont typeface="+mj-lt"/>
-              <a:buAutoNum type="arabicParenR" startAt="5"/>
-            </a:pPr>
-            <a:r>
-              <a:rPr lang="en-US" dirty="0" err="1" smtClean="0"/>
-              <a:t>Overdecomposition</a:t>
-            </a:r>
-            <a:endParaRPr lang="en-US" dirty="0" smtClean="0"/>
-          </a:p>
-          <a:p>
-            <a:pPr marL="681038" indent="-681038">
-              <a:buClr>
-                <a:srgbClr val="0000FF"/>
-              </a:buClr>
-              <a:buSzPct val="100000"/>
-              <a:buFont typeface="+mj-lt"/>
-              <a:buAutoNum type="arabicParenR" startAt="5"/>
-            </a:pPr>
-            <a:r>
-              <a:rPr lang="en-US" dirty="0" err="1" smtClean="0"/>
-              <a:t>Migratability</a:t>
-            </a:r>
-            <a:endParaRPr lang="en-US" dirty="0" smtClean="0"/>
-          </a:p>
-          <a:p>
-            <a:pPr marL="954088" lvl="2" indent="-266700">
-              <a:buClr>
-                <a:srgbClr val="0000FF"/>
-              </a:buClr>
-              <a:buSzPct val="100000"/>
-              <a:buFont typeface="Arial"/>
-              <a:buChar char="•"/>
-            </a:pPr>
-            <a:r>
-              <a:rPr lang="en-US" dirty="0" err="1" smtClean="0"/>
-              <a:t>Checkpointing</a:t>
-            </a:r>
-            <a:r>
-              <a:rPr lang="en-US" dirty="0" smtClean="0"/>
-              <a:t> and Resilience</a:t>
-            </a:r>
-          </a:p>
-          <a:p>
-            <a:pPr marL="681038" indent="-681038">
-              <a:buClr>
-                <a:srgbClr val="0000FF"/>
-              </a:buClr>
-              <a:buSzPct val="100000"/>
-              <a:buFont typeface="+mj-lt"/>
-              <a:buAutoNum type="arabicParenR" startAt="7"/>
-            </a:pPr>
-            <a:r>
-              <a:rPr lang="en-US" dirty="0" smtClean="0"/>
-              <a:t>Structured Dagger</a:t>
-            </a:r>
-          </a:p>
-          <a:p>
-            <a:pPr marL="681038" indent="-681038">
-              <a:buClr>
-                <a:srgbClr val="0000FF"/>
-              </a:buClr>
-              <a:buSzPct val="100000"/>
-              <a:buFont typeface="+mj-lt"/>
-              <a:buAutoNum type="arabicParenR" startAt="7"/>
-            </a:pPr>
-            <a:r>
-              <a:rPr lang="en-US" dirty="0" smtClean="0"/>
-              <a:t>Application Design</a:t>
-            </a:r>
-          </a:p>
-          <a:p>
-            <a:pPr marL="681038" indent="-681038">
-              <a:buClr>
-                <a:srgbClr val="0000FF"/>
-              </a:buClr>
-              <a:buSzPct val="100000"/>
-              <a:buFont typeface="+mj-lt"/>
-              <a:buAutoNum type="arabicParenR" startAt="7"/>
-            </a:pPr>
-            <a:r>
-              <a:rPr lang="en-US" dirty="0" smtClean="0"/>
-              <a:t>Performance Tuning</a:t>
-            </a:r>
-          </a:p>
-          <a:p>
-            <a:pPr marL="681038" indent="-681038">
-              <a:buClr>
-                <a:srgbClr val="0000FF"/>
-              </a:buClr>
-              <a:buSzPct val="100000"/>
-              <a:buFont typeface="+mj-lt"/>
-              <a:buAutoNum type="arabicParenR" startAt="7"/>
-            </a:pPr>
-            <a:r>
-              <a:rPr lang="en-US" dirty="0" smtClean="0"/>
-              <a:t>Using Dynamic Load Balancing</a:t>
-            </a:r>
-          </a:p>
-          <a:p>
-            <a:pPr marL="681038" indent="-681038">
-              <a:buClr>
-                <a:srgbClr val="0000FF"/>
-              </a:buClr>
-              <a:buSzPct val="100000"/>
-              <a:buFont typeface="+mj-lt"/>
-              <a:buAutoNum type="arabicParenR" startAt="7"/>
-            </a:pPr>
-            <a:r>
-              <a:rPr lang="en-US" dirty="0" smtClean="0"/>
-              <a:t>Interoperability</a:t>
-            </a:r>
-          </a:p>
-          <a:p>
-            <a:pPr marL="681038" indent="-681038">
-              <a:buClr>
-                <a:srgbClr val="0000FF"/>
-              </a:buClr>
-              <a:buSzPct val="100000"/>
-              <a:buFont typeface="+mj-lt"/>
-              <a:buAutoNum type="arabicParenR" startAt="7"/>
-            </a:pPr>
-            <a:r>
-              <a:rPr lang="en-US" dirty="0" smtClean="0"/>
-              <a:t>Debugging</a:t>
-            </a:r>
-          </a:p>
-          <a:p>
-            <a:pPr marL="681038" indent="-681038">
-              <a:buClr>
-                <a:srgbClr val="0000FF"/>
-              </a:buClr>
-              <a:buSzPct val="100000"/>
-              <a:buFont typeface="+mj-lt"/>
-              <a:buAutoNum type="arabicParenR" startAt="7"/>
-            </a:pPr>
-            <a:r>
-              <a:rPr lang="en-US" dirty="0" smtClean="0"/>
-              <a:t>Further Optimization</a:t>
-            </a:r>
-          </a:p>
-        </p:txBody>
-      </p:sp>
-      <p:sp>
-        <p:nvSpPr>
-          <p:cNvPr id="5" name="Footer Placeholder 4"/>
-          <p:cNvSpPr>
-            <a:spLocks noGrp="1"/>
-          </p:cNvSpPr>
-          <p:nvPr>
-            <p:ph type="ftr" sz="quarter" idx="11"/>
-          </p:nvPr>
-        </p:nvSpPr>
-        <p:spPr/>
-        <p:txBody>
-          <a:bodyPr/>
-          <a:lstStyle/>
-          <a:p>
-            <a:pPr algn="r"/>
-            <a:r>
-              <a:rPr lang="en-US" smtClean="0"/>
-              <a:t>Laxmikant Kalé and PPL (UIUC) – Parallel Migratable Objects </a:t>
-            </a:r>
-            <a:endParaRPr lang="en-US" dirty="0"/>
-          </a:p>
-        </p:txBody>
-      </p:sp>
-      <p:sp>
-        <p:nvSpPr>
-          <p:cNvPr id="6" name="Slide Number Placeholder 5"/>
-          <p:cNvSpPr>
-            <a:spLocks noGrp="1"/>
-          </p:cNvSpPr>
-          <p:nvPr>
-            <p:ph type="sldNum" sz="quarter" idx="12"/>
-          </p:nvPr>
-        </p:nvSpPr>
-        <p:spPr/>
-        <p:txBody>
-          <a:bodyPr/>
-          <a:lstStyle/>
-          <a:p>
-            <a:fld id="{0CFEC368-1D7A-4F81-ABF6-AE0E36BAF64C}" type="slidenum">
-              <a:rPr lang="en-US" smtClean="0"/>
-              <a:pPr/>
-              <a:t>3</a:t>
-            </a:fld>
-            <a:endParaRPr lang="en-US"/>
-          </a:p>
-        </p:txBody>
-      </p:sp>
-    </p:spTree>
-    <p:extLst>
-      <p:ext uri="{BB962C8B-B14F-4D97-AF65-F5344CB8AC3E}">
-        <p14:creationId xmlns:p14="http://schemas.microsoft.com/office/powerpoint/2010/main" val="1440662259"/>
-      </p:ext>
-    </p:extLst>
-  </p:cSld>
-  <p:clrMapOvr>
-    <a:masterClrMapping/>
-  </p:clrMapOvr>
-  <p:timing>
-    <p:tnLst>
-      <p:par>
-        <p:cTn xmlns:p14="http://schemas.microsoft.com/office/powerpoint/2010/main" id="1" dur="indefinite" restart="never" nodeType="tmRoot">
-          <p:childTnLst>
-            <p:seq concurrent="1" nextAc="seek">
-              <p:cTn id="2" dur="indefinite" nodeType="mainSeq">
-                <p:childTnLst>
-                  <p:par>
-                    <p:cTn id="3" fill="hold">
-                      <p:stCondLst>
-                        <p:cond delay="indefinite"/>
-                        <p:cond evt="onBegin" delay="0">
-                          <p:tn val="2"/>
-                        </p:cond>
-                      </p:stCondLst>
-                      <p:childTnLst>
-                        <p:par>
-                          <p:cTn id="4" fill="hold">
-                            <p:stCondLst>
-                              <p:cond delay="0"/>
-                            </p:stCondLst>
-                            <p:childTnLst>
-                              <p:par>
-                                <p:cTn id="5" presetID="15" presetClass="emph" presetSubtype="0" nodeType="withEffect">
-                                  <p:stCondLst>
-                                    <p:cond delay="0"/>
-                                  </p:stCondLst>
-                                  <p:iterate type="lt">
-                                    <p:tmAbs val="25"/>
-                                  </p:iterate>
-                                  <p:childTnLst>
-                                    <p:set>
-                                      <p:cBhvr override="childStyle">
-                                        <p:cTn id="6" dur="indefinite"/>
-                                        <p:tgtEl>
-                                          <p:spTgt spid="3">
-                                            <p:txEl>
-                                              <p:pRg st="0" end="0"/>
-                                            </p:txEl>
-                                          </p:spTgt>
-                                        </p:tgtEl>
-                                        <p:attrNameLst>
-                                          <p:attrName>style.fontWeight</p:attrName>
-                                        </p:attrNameLst>
-                                      </p:cBhvr>
-                                      <p:to>
-                                        <p:strVal val="bold"/>
-                                      </p:to>
-                                    </p:set>
-                                  </p:childTnLst>
-                                </p:cTn>
-                              </p:par>
-                            </p:childTnLst>
-                          </p:cTn>
-                        </p:par>
-                      </p:childTnLst>
-                    </p:cTn>
-                  </p:par>
-                </p:childTnLst>
-              </p:cTn>
-              <p:prevCondLst>
-                <p:cond evt="onPrev" delay="0">
-                  <p:tgtEl>
-                    <p:sldTgt/>
-                  </p:tgtEl>
-                </p:cond>
-              </p:prevCondLst>
-              <p:nextCondLst>
-                <p:cond evt="onNext" delay="0">
-                  <p:tgtEl>
-                    <p:sldTgt/>
-                  </p:tgtEl>
-                </p:cond>
-              </p:nextCondLst>
-            </p:seq>
-          </p:childTnLst>
-        </p:cTn>
-      </p:par>
-    </p:tnLst>
-  </p:timing>
-</p:sld>
-</file>
-
-<file path=ppt/slides/slide4.xml><?xml version="1.0" encoding="utf-8"?>
-<p:sld xmlns:a="http://schemas.openxmlformats.org/drawingml/2006/main" xmlns:r="http://schemas.openxmlformats.org/officeDocument/2006/relationships" xmlns:p="http://schemas.openxmlformats.org/presentationml/2006/main">
-  <p:cSld>
-    <p:spTree>
-      <p:nvGrpSpPr>
-        <p:cNvPr id="1" name=""/>
-        <p:cNvGrpSpPr/>
-        <p:nvPr/>
-      </p:nvGrpSpPr>
-      <p:grpSpPr>
-        <a:xfrm>
-          <a:off x="0" y="0"/>
-          <a:ext cx="0" cy="0"/>
-          <a:chOff x="0" y="0"/>
-          <a:chExt cx="0" cy="0"/>
-        </a:xfrm>
-      </p:grpSpPr>
-      <p:sp>
-        <p:nvSpPr>
-          <p:cNvPr id="2" name="Title 1"/>
-          <p:cNvSpPr>
-            <a:spLocks noGrp="1"/>
-          </p:cNvSpPr>
-          <p:nvPr>
-            <p:ph type="title"/>
-          </p:nvPr>
-        </p:nvSpPr>
-        <p:spPr/>
-        <p:txBody>
-          <a:bodyPr>
-            <a:normAutofit fontScale="90000"/>
-          </a:bodyPr>
-          <a:lstStyle/>
-          <a:p>
-            <a:r>
-              <a:rPr lang="en-US" sz="3600" dirty="0"/>
-              <a:t>Harnessing Parallelism: Challenges </a:t>
-            </a:r>
-            <a:r>
-              <a:rPr lang="en-US" dirty="0"/>
-              <a:t/>
-            </a:r>
-            <a:br>
-              <a:rPr lang="en-US" dirty="0"/>
-            </a:br>
-            <a:r>
-              <a:rPr lang="en-US" sz="2200" dirty="0"/>
-              <a:t>Trends in System </a:t>
-            </a:r>
-            <a:r>
-              <a:rPr lang="en-US" sz="2200" dirty="0" smtClean="0"/>
-              <a:t>Architecture</a:t>
-            </a:r>
-            <a:endParaRPr lang="en-US" dirty="0"/>
-          </a:p>
-        </p:txBody>
-      </p:sp>
-      <p:sp>
-        <p:nvSpPr>
-          <p:cNvPr id="3" name="Content Placeholder 2"/>
-          <p:cNvSpPr>
-            <a:spLocks noGrp="1"/>
-          </p:cNvSpPr>
-          <p:nvPr>
-            <p:ph idx="1"/>
-          </p:nvPr>
-        </p:nvSpPr>
-        <p:spPr/>
-        <p:txBody>
-          <a:bodyPr/>
-          <a:lstStyle/>
-          <a:p>
-            <a:r>
-              <a:rPr lang="en-US" dirty="0"/>
-              <a:t>Frequencies have stopped increasing </a:t>
-            </a:r>
-            <a:endParaRPr lang="en-US" dirty="0" smtClean="0"/>
-          </a:p>
-          <a:p>
-            <a:r>
-              <a:rPr lang="en-US" dirty="0" smtClean="0"/>
-              <a:t>Memory </a:t>
-            </a:r>
-            <a:r>
-              <a:rPr lang="en-US" dirty="0"/>
-              <a:t>costs are high </a:t>
-            </a:r>
-          </a:p>
-          <a:p>
-            <a:pPr lvl="1"/>
-            <a:r>
-              <a:rPr lang="en-US" dirty="0" smtClean="0"/>
-              <a:t>Relatively </a:t>
-            </a:r>
-            <a:r>
-              <a:rPr lang="en-US" dirty="0"/>
-              <a:t>low </a:t>
-            </a:r>
-            <a:r>
-              <a:rPr lang="en-US" dirty="0" smtClean="0"/>
-              <a:t>per-core </a:t>
-            </a:r>
-            <a:r>
-              <a:rPr lang="en-US" dirty="0"/>
-              <a:t>memory </a:t>
-            </a:r>
-            <a:endParaRPr lang="en-US" dirty="0" smtClean="0"/>
-          </a:p>
-          <a:p>
-            <a:r>
-              <a:rPr lang="en-US" dirty="0" smtClean="0"/>
-              <a:t>Increasing </a:t>
-            </a:r>
-            <a:r>
-              <a:rPr lang="en-US" dirty="0"/>
-              <a:t>heterogeneity </a:t>
-            </a:r>
-          </a:p>
-          <a:p>
-            <a:pPr lvl="1"/>
-            <a:r>
-              <a:rPr lang="en-US" dirty="0" smtClean="0"/>
-              <a:t>Accelerators</a:t>
-            </a:r>
-            <a:r>
-              <a:rPr lang="en-US" dirty="0"/>
-              <a:t>, </a:t>
-            </a:r>
-            <a:r>
-              <a:rPr lang="en-US" dirty="0" smtClean="0"/>
-              <a:t>SMT</a:t>
-            </a:r>
-          </a:p>
-          <a:p>
-            <a:r>
-              <a:rPr lang="en-US" dirty="0" smtClean="0"/>
-              <a:t>Energy</a:t>
-            </a:r>
-            <a:r>
-              <a:rPr lang="en-US" dirty="0"/>
-              <a:t>, power, and thermal considerations </a:t>
-            </a:r>
-            <a:endParaRPr lang="en-US" dirty="0" smtClean="0"/>
-          </a:p>
-          <a:p>
-            <a:r>
-              <a:rPr lang="en-US" dirty="0" smtClean="0"/>
-              <a:t>Frequent </a:t>
-            </a:r>
-            <a:r>
-              <a:rPr lang="en-US" dirty="0"/>
-              <a:t>component failures </a:t>
-            </a:r>
-          </a:p>
-          <a:p>
-            <a:endParaRPr lang="en-US" dirty="0"/>
-          </a:p>
-        </p:txBody>
-      </p:sp>
-      <p:sp>
-        <p:nvSpPr>
-          <p:cNvPr id="5" name="Footer Placeholder 4"/>
-          <p:cNvSpPr>
-            <a:spLocks noGrp="1"/>
-          </p:cNvSpPr>
-          <p:nvPr>
-            <p:ph type="ftr" sz="quarter" idx="11"/>
-          </p:nvPr>
-        </p:nvSpPr>
-        <p:spPr/>
-        <p:txBody>
-          <a:bodyPr/>
-          <a:lstStyle/>
-          <a:p>
-            <a:pPr algn="r"/>
-            <a:r>
-              <a:rPr lang="en-US" smtClean="0"/>
-              <a:t>Laxmikant Kalé and PPL (UIUC) – Parallel Migratable Objects </a:t>
-            </a:r>
-            <a:endParaRPr lang="en-US" dirty="0"/>
-          </a:p>
-        </p:txBody>
-      </p:sp>
-      <p:sp>
-        <p:nvSpPr>
-          <p:cNvPr id="6" name="Slide Number Placeholder 5"/>
-          <p:cNvSpPr>
-            <a:spLocks noGrp="1"/>
-          </p:cNvSpPr>
-          <p:nvPr>
-            <p:ph type="sldNum" sz="quarter" idx="12"/>
-          </p:nvPr>
-        </p:nvSpPr>
-        <p:spPr/>
-        <p:txBody>
-          <a:bodyPr/>
-          <a:lstStyle/>
-          <a:p>
-            <a:fld id="{0CFEC368-1D7A-4F81-ABF6-AE0E36BAF64C}" type="slidenum">
-              <a:rPr lang="en-US" smtClean="0"/>
-              <a:pPr/>
-              <a:t>4</a:t>
-            </a:fld>
-            <a:endParaRPr lang="en-US"/>
-          </a:p>
-        </p:txBody>
-      </p:sp>
-    </p:spTree>
-    <p:extLst>
-      <p:ext uri="{BB962C8B-B14F-4D97-AF65-F5344CB8AC3E}">
-        <p14:creationId xmlns:p14="http://schemas.microsoft.com/office/powerpoint/2010/main" val="835733012"/>
-      </p:ext>
-    </p:extLst>
-  </p:cSld>
-  <p:clrMapOvr>
-    <a:masterClrMapping/>
-  </p:clrMapOvr>
-  <p:timing>
-    <p:tnLst>
-      <p:par>
-        <p:cTn xmlns:p14="http://schemas.microsoft.com/office/powerpoint/2010/main" id="1" dur="indefinite" restart="never" nodeType="tmRoot"/>
-      </p:par>
-    </p:tnLst>
-  </p:timing>
-</p:sld>
-</file>
-
-<file path=ppt/slides/slide5.xml><?xml version="1.0" encoding="utf-8"?>
-<p:sld xmlns:a="http://schemas.openxmlformats.org/drawingml/2006/main" xmlns:r="http://schemas.openxmlformats.org/officeDocument/2006/relationships" xmlns:p="http://schemas.openxmlformats.org/presentationml/2006/main">
-  <p:cSld>
-    <p:spTree>
-      <p:nvGrpSpPr>
-        <p:cNvPr id="1" name=""/>
-        <p:cNvGrpSpPr/>
-        <p:nvPr/>
-      </p:nvGrpSpPr>
-      <p:grpSpPr>
-        <a:xfrm>
-          <a:off x="0" y="0"/>
-          <a:ext cx="0" cy="0"/>
-          <a:chOff x="0" y="0"/>
-          <a:chExt cx="0" cy="0"/>
-        </a:xfrm>
-      </p:grpSpPr>
-      <p:sp>
-        <p:nvSpPr>
-          <p:cNvPr id="2" name="Title 1"/>
-          <p:cNvSpPr>
-            <a:spLocks noGrp="1"/>
-          </p:cNvSpPr>
-          <p:nvPr>
-            <p:ph type="title"/>
-          </p:nvPr>
-        </p:nvSpPr>
-        <p:spPr/>
-        <p:txBody>
-          <a:bodyPr>
             <a:noAutofit/>
           </a:bodyPr>
           <a:lstStyle/>
@@ -32375,7 +30288,7 @@
             <a:fld id="{0CFEC368-1D7A-4F81-ABF6-AE0E36BAF64C}" type="slidenum">
               <a:rPr lang="en-US" smtClean="0"/>
               <a:pPr/>
-              <a:t>5</a:t>
+              <a:t>3</a:t>
             </a:fld>
             <a:endParaRPr lang="en-US" dirty="0"/>
           </a:p>
@@ -32451,7 +30364,7 @@
           <a:p>
             <a:r>
               <a:rPr lang="en-US" dirty="0" smtClean="0"/>
-              <a:t>Implications</a:t>
+              <a:t>What are the implications?</a:t>
             </a:r>
             <a:endParaRPr lang="en-US" dirty="0"/>
           </a:p>
@@ -32547,37 +30460,26 @@
                                   </p:childTnLst>
                                 </p:cTn>
                               </p:par>
+                            </p:childTnLst>
+                          </p:cTn>
+                        </p:par>
+                      </p:childTnLst>
+                    </p:cTn>
+                  </p:par>
+                  <p:par>
+                    <p:cTn id="9" fill="hold">
+                      <p:stCondLst>
+                        <p:cond delay="indefinite"/>
+                      </p:stCondLst>
+                      <p:childTnLst>
+                        <p:par>
+                          <p:cTn id="10" fill="hold">
+                            <p:stCondLst>
+                              <p:cond delay="0"/>
+                            </p:stCondLst>
+                            <p:childTnLst>
                               <p:par>
-                                <p:cTn id="9" presetID="1" presetClass="entr" presetSubtype="0" fill="hold" grpId="0" nodeType="withEffect">
-                                  <p:stCondLst>
-                                    <p:cond delay="0"/>
-                                  </p:stCondLst>
-                                  <p:childTnLst>
-                                    <p:set>
-                                      <p:cBhvr>
-                                        <p:cTn id="10" dur="1" fill="hold">
-                                          <p:stCondLst>
-                                            <p:cond delay="0"/>
-                                          </p:stCondLst>
-                                        </p:cTn>
-                                        <p:tgtEl>
-                                          <p:spTgt spid="6">
-                                            <p:bg/>
-                                          </p:spTgt>
-                                        </p:tgtEl>
-                                        <p:attrNameLst>
-                                          <p:attrName>style.visibility</p:attrName>
-                                        </p:attrNameLst>
-                                      </p:cBhvr>
-                                      <p:to>
-                                        <p:strVal val="visible"/>
-                                      </p:to>
-                                    </p:set>
-                                  </p:childTnLst>
-                                </p:cTn>
-                              </p:par>
-                              <p:par>
-                                <p:cTn id="11" presetID="1" presetClass="entr" presetSubtype="0" fill="hold" grpId="0" nodeType="withEffect">
+                                <p:cTn id="11" presetID="1" presetClass="entr" presetSubtype="0" fill="hold" grpId="0" nodeType="clickEffect">
                                   <p:stCondLst>
                                     <p:cond delay="0"/>
                                   </p:stCondLst>
@@ -32591,9 +30493,7 @@
                                         </p:cTn>
                                         <p:tgtEl>
                                           <p:spTgt spid="6">
-                                            <p:txEl>
-                                              <p:pRg st="0" end="0"/>
-                                            </p:txEl>
+                                            <p:bg/>
                                           </p:spTgt>
                                         </p:tgtEl>
                                         <p:attrNameLst>
@@ -32623,7 +30523,7 @@
                                         <p:tgtEl>
                                           <p:spTgt spid="6">
                                             <p:txEl>
-                                              <p:pRg st="1" end="1"/>
+                                              <p:pRg st="0" end="0"/>
                                             </p:txEl>
                                           </p:spTgt>
                                         </p:tgtEl>
@@ -32654,7 +30554,7 @@
                                         <p:tgtEl>
                                           <p:spTgt spid="6">
                                             <p:txEl>
-                                              <p:pRg st="2" end="2"/>
+                                              <p:pRg st="1" end="1"/>
                                             </p:txEl>
                                           </p:spTgt>
                                         </p:tgtEl>
@@ -32678,6 +30578,37 @@
                                     <p:set>
                                       <p:cBhvr>
                                         <p:cTn id="18" dur="1" fill="hold">
+                                          <p:stCondLst>
+                                            <p:cond delay="0"/>
+                                          </p:stCondLst>
+                                        </p:cTn>
+                                        <p:tgtEl>
+                                          <p:spTgt spid="6">
+                                            <p:txEl>
+                                              <p:pRg st="2" end="2"/>
+                                            </p:txEl>
+                                          </p:spTgt>
+                                        </p:tgtEl>
+                                        <p:attrNameLst>
+                                          <p:attrName>style.visibility</p:attrName>
+                                        </p:attrNameLst>
+                                      </p:cBhvr>
+                                      <p:to>
+                                        <p:strVal val="visible"/>
+                                      </p:to>
+                                    </p:set>
+                                  </p:childTnLst>
+                                </p:cTn>
+                              </p:par>
+                              <p:par>
+                                <p:cTn id="19" presetID="1" presetClass="entr" presetSubtype="0" fill="hold" grpId="0" nodeType="withEffect">
+                                  <p:stCondLst>
+                                    <p:cond delay="0"/>
+                                  </p:stCondLst>
+                                  <p:childTnLst>
+                                    <p:set>
+                                      <p:cBhvr>
+                                        <p:cTn id="20" dur="1" fill="hold">
                                           <p:stCondLst>
                                             <p:cond delay="0"/>
                                           </p:stCondLst>
@@ -32728,14 +30659,14 @@
       </p:par>
     </p:tnLst>
     <p:bldLst>
-      <p:bldP spid="6" grpId="0" uiExpand="1" build="p" animBg="1"/>
-      <p:bldP spid="7" grpId="0" uiExpand="1" build="p" animBg="1"/>
+      <p:bldP spid="6" grpId="0" build="p" animBg="1"/>
+      <p:bldP spid="7" grpId="0" build="p" animBg="1"/>
     </p:bldLst>
   </p:timing>
 </p:sld>
 </file>
 
-<file path=ppt/slides/slide6.xml><?xml version="1.0" encoding="utf-8"?>
+<file path=ppt/slides/slide4.xml><?xml version="1.0" encoding="utf-8"?>
 <p:sld xmlns:a="http://schemas.openxmlformats.org/drawingml/2006/main" xmlns:r="http://schemas.openxmlformats.org/officeDocument/2006/relationships" xmlns:p="http://schemas.openxmlformats.org/presentationml/2006/main">
   <p:cSld>
     <p:spTree>
@@ -32878,7 +30809,15 @@
           <a:p>
             <a:r>
               <a:rPr lang="en-US" dirty="0" smtClean="0"/>
-              <a:t>So? Consequences:</a:t>
+              <a:t>So? </a:t>
+            </a:r>
+            <a:r>
+              <a:rPr lang="en-US" dirty="0" smtClean="0"/>
+              <a:t>What are the consequences</a:t>
+            </a:r>
+            <a:r>
+              <a:rPr lang="en-US" dirty="0" smtClean="0"/>
+              <a:t>:</a:t>
             </a:r>
           </a:p>
           <a:p>
@@ -32940,7 +30879,7 @@
             <a:fld id="{0CFEC368-1D7A-4F81-ABF6-AE0E36BAF64C}" type="slidenum">
               <a:rPr lang="en-US" smtClean="0"/>
               <a:pPr/>
-              <a:t>6</a:t>
+              <a:t>4</a:t>
             </a:fld>
             <a:endParaRPr lang="en-US"/>
           </a:p>
@@ -32968,6 +30907,9 @@
                     <p:cTn id="3" fill="hold">
                       <p:stCondLst>
                         <p:cond delay="indefinite"/>
+                        <p:cond evt="onBegin" delay="0">
+                          <p:tn val="2"/>
+                        </p:cond>
                       </p:stCondLst>
                       <p:childTnLst>
                         <p:par>
@@ -32977,7 +30919,7 @@
                             </p:stCondLst>
                             <p:childTnLst>
                               <p:par>
-                                <p:cTn id="5" presetID="1" presetClass="entr" presetSubtype="0" fill="hold" nodeType="clickEffect">
+                                <p:cTn id="5" presetID="1" presetClass="entr" presetSubtype="0" fill="hold" nodeType="withEffect">
                                   <p:stCondLst>
                                     <p:cond delay="0"/>
                                   </p:stCondLst>
@@ -32992,7 +30934,7 @@
                                         <p:tgtEl>
                                           <p:spTgt spid="3">
                                             <p:txEl>
-                                              <p:pRg st="11" end="11"/>
+                                              <p:pRg st="2" end="2"/>
                                             </p:txEl>
                                           </p:spTgt>
                                         </p:tgtEl>
@@ -33023,7 +30965,7 @@
                                         <p:tgtEl>
                                           <p:spTgt spid="3">
                                             <p:txEl>
-                                              <p:pRg st="12" end="12"/>
+                                              <p:pRg st="3" end="3"/>
                                             </p:txEl>
                                           </p:spTgt>
                                         </p:tgtEl>
@@ -33047,6 +30989,321 @@
                                     <p:set>
                                       <p:cBhvr>
                                         <p:cTn id="10" dur="1" fill="hold">
+                                          <p:stCondLst>
+                                            <p:cond delay="0"/>
+                                          </p:stCondLst>
+                                        </p:cTn>
+                                        <p:tgtEl>
+                                          <p:spTgt spid="3">
+                                            <p:txEl>
+                                              <p:pRg st="4" end="4"/>
+                                            </p:txEl>
+                                          </p:spTgt>
+                                        </p:tgtEl>
+                                        <p:attrNameLst>
+                                          <p:attrName>style.visibility</p:attrName>
+                                        </p:attrNameLst>
+                                      </p:cBhvr>
+                                      <p:to>
+                                        <p:strVal val="visible"/>
+                                      </p:to>
+                                    </p:set>
+                                  </p:childTnLst>
+                                </p:cTn>
+                              </p:par>
+                              <p:par>
+                                <p:cTn id="11" presetID="1" presetClass="entr" presetSubtype="0" fill="hold" nodeType="withEffect">
+                                  <p:stCondLst>
+                                    <p:cond delay="0"/>
+                                  </p:stCondLst>
+                                  <p:childTnLst>
+                                    <p:set>
+                                      <p:cBhvr>
+                                        <p:cTn id="12" dur="1" fill="hold">
+                                          <p:stCondLst>
+                                            <p:cond delay="0"/>
+                                          </p:stCondLst>
+                                        </p:cTn>
+                                        <p:tgtEl>
+                                          <p:spTgt spid="3">
+                                            <p:txEl>
+                                              <p:pRg st="5" end="5"/>
+                                            </p:txEl>
+                                          </p:spTgt>
+                                        </p:tgtEl>
+                                        <p:attrNameLst>
+                                          <p:attrName>style.visibility</p:attrName>
+                                        </p:attrNameLst>
+                                      </p:cBhvr>
+                                      <p:to>
+                                        <p:strVal val="visible"/>
+                                      </p:to>
+                                    </p:set>
+                                  </p:childTnLst>
+                                </p:cTn>
+                              </p:par>
+                              <p:par>
+                                <p:cTn id="13" presetID="1" presetClass="entr" presetSubtype="0" fill="hold" nodeType="withEffect">
+                                  <p:stCondLst>
+                                    <p:cond delay="0"/>
+                                  </p:stCondLst>
+                                  <p:childTnLst>
+                                    <p:set>
+                                      <p:cBhvr>
+                                        <p:cTn id="14" dur="1" fill="hold">
+                                          <p:stCondLst>
+                                            <p:cond delay="0"/>
+                                          </p:stCondLst>
+                                        </p:cTn>
+                                        <p:tgtEl>
+                                          <p:spTgt spid="3">
+                                            <p:txEl>
+                                              <p:pRg st="6" end="6"/>
+                                            </p:txEl>
+                                          </p:spTgt>
+                                        </p:tgtEl>
+                                        <p:attrNameLst>
+                                          <p:attrName>style.visibility</p:attrName>
+                                        </p:attrNameLst>
+                                      </p:cBhvr>
+                                      <p:to>
+                                        <p:strVal val="visible"/>
+                                      </p:to>
+                                    </p:set>
+                                  </p:childTnLst>
+                                </p:cTn>
+                              </p:par>
+                              <p:par>
+                                <p:cTn id="15" presetID="1" presetClass="entr" presetSubtype="0" fill="hold" nodeType="withEffect">
+                                  <p:stCondLst>
+                                    <p:cond delay="0"/>
+                                  </p:stCondLst>
+                                  <p:childTnLst>
+                                    <p:set>
+                                      <p:cBhvr>
+                                        <p:cTn id="16" dur="1" fill="hold">
+                                          <p:stCondLst>
+                                            <p:cond delay="0"/>
+                                          </p:stCondLst>
+                                        </p:cTn>
+                                        <p:tgtEl>
+                                          <p:spTgt spid="3">
+                                            <p:txEl>
+                                              <p:pRg st="7" end="7"/>
+                                            </p:txEl>
+                                          </p:spTgt>
+                                        </p:tgtEl>
+                                        <p:attrNameLst>
+                                          <p:attrName>style.visibility</p:attrName>
+                                        </p:attrNameLst>
+                                      </p:cBhvr>
+                                      <p:to>
+                                        <p:strVal val="visible"/>
+                                      </p:to>
+                                    </p:set>
+                                  </p:childTnLst>
+                                </p:cTn>
+                              </p:par>
+                              <p:par>
+                                <p:cTn id="17" presetID="1" presetClass="entr" presetSubtype="0" fill="hold" nodeType="withEffect">
+                                  <p:stCondLst>
+                                    <p:cond delay="0"/>
+                                  </p:stCondLst>
+                                  <p:childTnLst>
+                                    <p:set>
+                                      <p:cBhvr>
+                                        <p:cTn id="18" dur="1" fill="hold">
+                                          <p:stCondLst>
+                                            <p:cond delay="0"/>
+                                          </p:stCondLst>
+                                        </p:cTn>
+                                        <p:tgtEl>
+                                          <p:spTgt spid="3">
+                                            <p:txEl>
+                                              <p:pRg st="8" end="8"/>
+                                            </p:txEl>
+                                          </p:spTgt>
+                                        </p:tgtEl>
+                                        <p:attrNameLst>
+                                          <p:attrName>style.visibility</p:attrName>
+                                        </p:attrNameLst>
+                                      </p:cBhvr>
+                                      <p:to>
+                                        <p:strVal val="visible"/>
+                                      </p:to>
+                                    </p:set>
+                                  </p:childTnLst>
+                                </p:cTn>
+                              </p:par>
+                              <p:par>
+                                <p:cTn id="19" presetID="1" presetClass="entr" presetSubtype="0" fill="hold" nodeType="withEffect">
+                                  <p:stCondLst>
+                                    <p:cond delay="0"/>
+                                  </p:stCondLst>
+                                  <p:childTnLst>
+                                    <p:set>
+                                      <p:cBhvr>
+                                        <p:cTn id="20" dur="1" fill="hold">
+                                          <p:stCondLst>
+                                            <p:cond delay="0"/>
+                                          </p:stCondLst>
+                                        </p:cTn>
+                                        <p:tgtEl>
+                                          <p:spTgt spid="3">
+                                            <p:txEl>
+                                              <p:pRg st="9" end="9"/>
+                                            </p:txEl>
+                                          </p:spTgt>
+                                        </p:tgtEl>
+                                        <p:attrNameLst>
+                                          <p:attrName>style.visibility</p:attrName>
+                                        </p:attrNameLst>
+                                      </p:cBhvr>
+                                      <p:to>
+                                        <p:strVal val="visible"/>
+                                      </p:to>
+                                    </p:set>
+                                  </p:childTnLst>
+                                </p:cTn>
+                              </p:par>
+                              <p:par>
+                                <p:cTn id="21" presetID="1" presetClass="entr" presetSubtype="0" fill="hold" nodeType="withEffect">
+                                  <p:stCondLst>
+                                    <p:cond delay="0"/>
+                                  </p:stCondLst>
+                                  <p:childTnLst>
+                                    <p:set>
+                                      <p:cBhvr>
+                                        <p:cTn id="22" dur="1" fill="hold">
+                                          <p:stCondLst>
+                                            <p:cond delay="0"/>
+                                          </p:stCondLst>
+                                        </p:cTn>
+                                        <p:tgtEl>
+                                          <p:spTgt spid="3">
+                                            <p:txEl>
+                                              <p:pRg st="10" end="10"/>
+                                            </p:txEl>
+                                          </p:spTgt>
+                                        </p:tgtEl>
+                                        <p:attrNameLst>
+                                          <p:attrName>style.visibility</p:attrName>
+                                        </p:attrNameLst>
+                                      </p:cBhvr>
+                                      <p:to>
+                                        <p:strVal val="visible"/>
+                                      </p:to>
+                                    </p:set>
+                                  </p:childTnLst>
+                                </p:cTn>
+                              </p:par>
+                            </p:childTnLst>
+                          </p:cTn>
+                        </p:par>
+                      </p:childTnLst>
+                    </p:cTn>
+                  </p:par>
+                  <p:par>
+                    <p:cTn id="23" fill="hold">
+                      <p:stCondLst>
+                        <p:cond delay="indefinite"/>
+                      </p:stCondLst>
+                      <p:childTnLst>
+                        <p:par>
+                          <p:cTn id="24" fill="hold">
+                            <p:stCondLst>
+                              <p:cond delay="0"/>
+                            </p:stCondLst>
+                            <p:childTnLst>
+                              <p:par>
+                                <p:cTn id="25" presetID="1" presetClass="entr" presetSubtype="0" fill="hold" nodeType="clickEffect">
+                                  <p:stCondLst>
+                                    <p:cond delay="0"/>
+                                  </p:stCondLst>
+                                  <p:childTnLst>
+                                    <p:set>
+                                      <p:cBhvr>
+                                        <p:cTn id="26" dur="1" fill="hold">
+                                          <p:stCondLst>
+                                            <p:cond delay="0"/>
+                                          </p:stCondLst>
+                                        </p:cTn>
+                                        <p:tgtEl>
+                                          <p:spTgt spid="3">
+                                            <p:txEl>
+                                              <p:pRg st="11" end="11"/>
+                                            </p:txEl>
+                                          </p:spTgt>
+                                        </p:tgtEl>
+                                        <p:attrNameLst>
+                                          <p:attrName>style.visibility</p:attrName>
+                                        </p:attrNameLst>
+                                      </p:cBhvr>
+                                      <p:to>
+                                        <p:strVal val="visible"/>
+                                      </p:to>
+                                    </p:set>
+                                  </p:childTnLst>
+                                </p:cTn>
+                              </p:par>
+                            </p:childTnLst>
+                          </p:cTn>
+                        </p:par>
+                      </p:childTnLst>
+                    </p:cTn>
+                  </p:par>
+                  <p:par>
+                    <p:cTn id="27" fill="hold">
+                      <p:stCondLst>
+                        <p:cond delay="indefinite"/>
+                      </p:stCondLst>
+                      <p:childTnLst>
+                        <p:par>
+                          <p:cTn id="28" fill="hold">
+                            <p:stCondLst>
+                              <p:cond delay="0"/>
+                            </p:stCondLst>
+                            <p:childTnLst>
+                              <p:par>
+                                <p:cTn id="29" presetID="1" presetClass="entr" presetSubtype="0" fill="hold" nodeType="clickEffect">
+                                  <p:stCondLst>
+                                    <p:cond delay="0"/>
+                                  </p:stCondLst>
+                                  <p:childTnLst>
+                                    <p:set>
+                                      <p:cBhvr>
+                                        <p:cTn id="30" dur="1" fill="hold">
+                                          <p:stCondLst>
+                                            <p:cond delay="0"/>
+                                          </p:stCondLst>
+                                        </p:cTn>
+                                        <p:tgtEl>
+                                          <p:spTgt spid="3">
+                                            <p:txEl>
+                                              <p:pRg st="12" end="12"/>
+                                            </p:txEl>
+                                          </p:spTgt>
+                                        </p:tgtEl>
+                                        <p:attrNameLst>
+                                          <p:attrName>style.visibility</p:attrName>
+                                        </p:attrNameLst>
+                                      </p:cBhvr>
+                                      <p:to>
+                                        <p:strVal val="visible"/>
+                                      </p:to>
+                                    </p:set>
+                                  </p:childTnLst>
+                                </p:cTn>
+                              </p:par>
+                              <p:par>
+                                <p:cTn id="31" presetID="1" presetClass="entr" presetSubtype="0" fill="hold" nodeType="withEffect">
+                                  <p:stCondLst>
+                                    <p:cond delay="0"/>
+                                  </p:stCondLst>
+                                  <p:childTnLst>
+                                    <p:set>
+                                      <p:cBhvr>
+                                        <p:cTn id="32" dur="1" fill="hold">
                                           <p:stCondLst>
                                             <p:cond delay="0"/>
                                           </p:stCondLst>
@@ -33100,7 +31357,7 @@
 </p:sld>
 </file>
 
-<file path=ppt/slides/slide7.xml><?xml version="1.0" encoding="utf-8"?>
+<file path=ppt/slides/slide5.xml><?xml version="1.0" encoding="utf-8"?>
 <p:sld xmlns:a="http://schemas.openxmlformats.org/drawingml/2006/main" xmlns:r="http://schemas.openxmlformats.org/officeDocument/2006/relationships" xmlns:p="http://schemas.openxmlformats.org/presentationml/2006/main">
   <p:cSld>
     <p:spTree>
@@ -33271,7 +31528,7 @@
             <a:fld id="{0CFEC368-1D7A-4F81-ABF6-AE0E36BAF64C}" type="slidenum">
               <a:rPr lang="en-US" smtClean="0"/>
               <a:pPr/>
-              <a:t>7</a:t>
+              <a:t>5</a:t>
             </a:fld>
             <a:endParaRPr lang="en-US"/>
           </a:p>
@@ -33290,14 +31547,283 @@
   <p:timing>
     <p:tnLst>
       <p:par>
-        <p:cTn xmlns:p14="http://schemas.microsoft.com/office/powerpoint/2010/main" id="1" dur="indefinite" restart="never" nodeType="tmRoot"/>
+        <p:cTn xmlns:p14="http://schemas.microsoft.com/office/powerpoint/2010/main" id="1" dur="indefinite" restart="never" nodeType="tmRoot">
+          <p:childTnLst>
+            <p:seq concurrent="1" nextAc="seek">
+              <p:cTn id="2" dur="indefinite" nodeType="mainSeq">
+                <p:childTnLst>
+                  <p:par>
+                    <p:cTn id="3" fill="hold">
+                      <p:stCondLst>
+                        <p:cond delay="indefinite"/>
+                        <p:cond evt="onBegin" delay="0">
+                          <p:tn val="2"/>
+                        </p:cond>
+                      </p:stCondLst>
+                      <p:childTnLst>
+                        <p:par>
+                          <p:cTn id="4" fill="hold">
+                            <p:stCondLst>
+                              <p:cond delay="0"/>
+                            </p:stCondLst>
+                            <p:childTnLst>
+                              <p:par>
+                                <p:cTn id="5" presetID="1" presetClass="entr" presetSubtype="0" fill="hold" grpId="0" nodeType="withEffect">
+                                  <p:stCondLst>
+                                    <p:cond delay="0"/>
+                                  </p:stCondLst>
+                                  <p:childTnLst>
+                                    <p:set>
+                                      <p:cBhvr>
+                                        <p:cTn id="6" dur="1" fill="hold">
+                                          <p:stCondLst>
+                                            <p:cond delay="0"/>
+                                          </p:stCondLst>
+                                        </p:cTn>
+                                        <p:tgtEl>
+                                          <p:spTgt spid="3">
+                                            <p:txEl>
+                                              <p:pRg st="0" end="0"/>
+                                            </p:txEl>
+                                          </p:spTgt>
+                                        </p:tgtEl>
+                                        <p:attrNameLst>
+                                          <p:attrName>style.visibility</p:attrName>
+                                        </p:attrNameLst>
+                                      </p:cBhvr>
+                                      <p:to>
+                                        <p:strVal val="visible"/>
+                                      </p:to>
+                                    </p:set>
+                                  </p:childTnLst>
+                                </p:cTn>
+                              </p:par>
+                              <p:par>
+                                <p:cTn id="7" presetID="1" presetClass="entr" presetSubtype="0" fill="hold" grpId="0" nodeType="withEffect">
+                                  <p:stCondLst>
+                                    <p:cond delay="0"/>
+                                  </p:stCondLst>
+                                  <p:childTnLst>
+                                    <p:set>
+                                      <p:cBhvr>
+                                        <p:cTn id="8" dur="1" fill="hold">
+                                          <p:stCondLst>
+                                            <p:cond delay="0"/>
+                                          </p:stCondLst>
+                                        </p:cTn>
+                                        <p:tgtEl>
+                                          <p:spTgt spid="3">
+                                            <p:txEl>
+                                              <p:pRg st="1" end="1"/>
+                                            </p:txEl>
+                                          </p:spTgt>
+                                        </p:tgtEl>
+                                        <p:attrNameLst>
+                                          <p:attrName>style.visibility</p:attrName>
+                                        </p:attrNameLst>
+                                      </p:cBhvr>
+                                      <p:to>
+                                        <p:strVal val="visible"/>
+                                      </p:to>
+                                    </p:set>
+                                  </p:childTnLst>
+                                </p:cTn>
+                              </p:par>
+                              <p:par>
+                                <p:cTn id="9" presetID="1" presetClass="entr" presetSubtype="0" fill="hold" grpId="0" nodeType="withEffect">
+                                  <p:stCondLst>
+                                    <p:cond delay="0"/>
+                                  </p:stCondLst>
+                                  <p:childTnLst>
+                                    <p:set>
+                                      <p:cBhvr>
+                                        <p:cTn id="10" dur="1" fill="hold">
+                                          <p:stCondLst>
+                                            <p:cond delay="0"/>
+                                          </p:stCondLst>
+                                        </p:cTn>
+                                        <p:tgtEl>
+                                          <p:spTgt spid="3">
+                                            <p:txEl>
+                                              <p:pRg st="2" end="2"/>
+                                            </p:txEl>
+                                          </p:spTgt>
+                                        </p:tgtEl>
+                                        <p:attrNameLst>
+                                          <p:attrName>style.visibility</p:attrName>
+                                        </p:attrNameLst>
+                                      </p:cBhvr>
+                                      <p:to>
+                                        <p:strVal val="visible"/>
+                                      </p:to>
+                                    </p:set>
+                                  </p:childTnLst>
+                                </p:cTn>
+                              </p:par>
+                            </p:childTnLst>
+                          </p:cTn>
+                        </p:par>
+                      </p:childTnLst>
+                    </p:cTn>
+                  </p:par>
+                  <p:par>
+                    <p:cTn id="11" fill="hold">
+                      <p:stCondLst>
+                        <p:cond delay="indefinite"/>
+                      </p:stCondLst>
+                      <p:childTnLst>
+                        <p:par>
+                          <p:cTn id="12" fill="hold">
+                            <p:stCondLst>
+                              <p:cond delay="0"/>
+                            </p:stCondLst>
+                            <p:childTnLst>
+                              <p:par>
+                                <p:cTn id="13" presetID="1" presetClass="entr" presetSubtype="0" fill="hold" grpId="0" nodeType="clickEffect">
+                                  <p:stCondLst>
+                                    <p:cond delay="0"/>
+                                  </p:stCondLst>
+                                  <p:childTnLst>
+                                    <p:set>
+                                      <p:cBhvr>
+                                        <p:cTn id="14" dur="1" fill="hold">
+                                          <p:stCondLst>
+                                            <p:cond delay="0"/>
+                                          </p:stCondLst>
+                                        </p:cTn>
+                                        <p:tgtEl>
+                                          <p:spTgt spid="3">
+                                            <p:txEl>
+                                              <p:pRg st="4" end="4"/>
+                                            </p:txEl>
+                                          </p:spTgt>
+                                        </p:tgtEl>
+                                        <p:attrNameLst>
+                                          <p:attrName>style.visibility</p:attrName>
+                                        </p:attrNameLst>
+                                      </p:cBhvr>
+                                      <p:to>
+                                        <p:strVal val="visible"/>
+                                      </p:to>
+                                    </p:set>
+                                  </p:childTnLst>
+                                </p:cTn>
+                              </p:par>
+                              <p:par>
+                                <p:cTn id="15" presetID="1" presetClass="entr" presetSubtype="0" fill="hold" grpId="0" nodeType="withEffect">
+                                  <p:stCondLst>
+                                    <p:cond delay="0"/>
+                                  </p:stCondLst>
+                                  <p:childTnLst>
+                                    <p:set>
+                                      <p:cBhvr>
+                                        <p:cTn id="16" dur="1" fill="hold">
+                                          <p:stCondLst>
+                                            <p:cond delay="0"/>
+                                          </p:stCondLst>
+                                        </p:cTn>
+                                        <p:tgtEl>
+                                          <p:spTgt spid="3">
+                                            <p:txEl>
+                                              <p:pRg st="5" end="5"/>
+                                            </p:txEl>
+                                          </p:spTgt>
+                                        </p:tgtEl>
+                                        <p:attrNameLst>
+                                          <p:attrName>style.visibility</p:attrName>
+                                        </p:attrNameLst>
+                                      </p:cBhvr>
+                                      <p:to>
+                                        <p:strVal val="visible"/>
+                                      </p:to>
+                                    </p:set>
+                                  </p:childTnLst>
+                                </p:cTn>
+                              </p:par>
+                            </p:childTnLst>
+                          </p:cTn>
+                        </p:par>
+                      </p:childTnLst>
+                    </p:cTn>
+                  </p:par>
+                  <p:par>
+                    <p:cTn id="17" fill="hold">
+                      <p:stCondLst>
+                        <p:cond delay="indefinite"/>
+                      </p:stCondLst>
+                      <p:childTnLst>
+                        <p:par>
+                          <p:cTn id="18" fill="hold">
+                            <p:stCondLst>
+                              <p:cond delay="0"/>
+                            </p:stCondLst>
+                            <p:childTnLst>
+                              <p:par>
+                                <p:cTn id="19" presetID="1" presetClass="entr" presetSubtype="0" fill="hold" grpId="0" nodeType="clickEffect">
+                                  <p:stCondLst>
+                                    <p:cond delay="0"/>
+                                  </p:stCondLst>
+                                  <p:childTnLst>
+                                    <p:set>
+                                      <p:cBhvr>
+                                        <p:cTn id="20" dur="1" fill="hold">
+                                          <p:stCondLst>
+                                            <p:cond delay="0"/>
+                                          </p:stCondLst>
+                                        </p:cTn>
+                                        <p:tgtEl>
+                                          <p:spTgt spid="3">
+                                            <p:txEl>
+                                              <p:pRg st="7" end="7"/>
+                                            </p:txEl>
+                                          </p:spTgt>
+                                        </p:tgtEl>
+                                        <p:attrNameLst>
+                                          <p:attrName>style.visibility</p:attrName>
+                                        </p:attrNameLst>
+                                      </p:cBhvr>
+                                      <p:to>
+                                        <p:strVal val="visible"/>
+                                      </p:to>
+                                    </p:set>
+                                  </p:childTnLst>
+                                </p:cTn>
+                              </p:par>
+                            </p:childTnLst>
+                          </p:cTn>
+                        </p:par>
+                      </p:childTnLst>
+                    </p:cTn>
+                  </p:par>
+                </p:childTnLst>
+              </p:cTn>
+              <p:prevCondLst>
+                <p:cond evt="onPrev" delay="0">
+                  <p:tgtEl>
+                    <p:sldTgt/>
+                  </p:tgtEl>
+                </p:cond>
+              </p:prevCondLst>
+              <p:nextCondLst>
+                <p:cond evt="onNext" delay="0">
+                  <p:tgtEl>
+                    <p:sldTgt/>
+                  </p:tgtEl>
+                </p:cond>
+              </p:nextCondLst>
+            </p:seq>
+          </p:childTnLst>
+        </p:cTn>
       </p:par>
     </p:tnLst>
+    <p:bldLst>
+      <p:bldP spid="3" grpId="0" build="p"/>
+    </p:bldLst>
   </p:timing>
 </p:sld>
 </file>
 
-<file path=ppt/slides/slide8.xml><?xml version="1.0" encoding="utf-8"?>
+<file path=ppt/slides/slide6.xml><?xml version="1.0" encoding="utf-8"?>
 <p:sld xmlns:a="http://schemas.openxmlformats.org/drawingml/2006/main" xmlns:r="http://schemas.openxmlformats.org/officeDocument/2006/relationships" xmlns:p="http://schemas.openxmlformats.org/presentationml/2006/main">
   <p:cSld>
     <p:spTree>
@@ -33492,7 +32018,7 @@
             <a:fld id="{0CFEC368-1D7A-4F81-ABF6-AE0E36BAF64C}" type="slidenum">
               <a:rPr lang="en-US" smtClean="0"/>
               <a:pPr/>
-              <a:t>8</a:t>
+              <a:t>6</a:t>
             </a:fld>
             <a:endParaRPr lang="en-US"/>
           </a:p>
@@ -33880,7 +32406,7 @@
 </p:sld>
 </file>
 
-<file path=ppt/slides/slide9.xml><?xml version="1.0" encoding="utf-8"?>
+<file path=ppt/slides/slide7.xml><?xml version="1.0" encoding="utf-8"?>
 <p:sld xmlns:a="http://schemas.openxmlformats.org/drawingml/2006/main" xmlns:r="http://schemas.openxmlformats.org/officeDocument/2006/relationships" xmlns:p="http://schemas.openxmlformats.org/presentationml/2006/main">
   <p:cSld>
     <p:spTree>
@@ -34067,7 +32593,7 @@
             <a:fld id="{0CFEC368-1D7A-4F81-ABF6-AE0E36BAF64C}" type="slidenum">
               <a:rPr lang="en-US" smtClean="0"/>
               <a:pPr/>
-              <a:t>9</a:t>
+              <a:t>7</a:t>
             </a:fld>
             <a:endParaRPr lang="en-US" dirty="0"/>
           </a:p>
@@ -34564,6 +33090,2165 @@
       <p:bldP spid="4" grpId="0" build="p"/>
       <p:bldP spid="5" grpId="0" build="p" animBg="1"/>
     </p:bldLst>
+  </p:timing>
+</p:sld>
+</file>
+
+<file path=ppt/slides/slide8.xml><?xml version="1.0" encoding="utf-8"?>
+<p:sld xmlns:a="http://schemas.openxmlformats.org/drawingml/2006/main" xmlns:r="http://schemas.openxmlformats.org/officeDocument/2006/relationships" xmlns:p="http://schemas.openxmlformats.org/presentationml/2006/main">
+  <p:cSld>
+    <p:spTree>
+      <p:nvGrpSpPr>
+        <p:cNvPr id="1" name=""/>
+        <p:cNvGrpSpPr/>
+        <p:nvPr/>
+      </p:nvGrpSpPr>
+      <p:grpSpPr>
+        <a:xfrm>
+          <a:off x="0" y="0"/>
+          <a:ext cx="0" cy="0"/>
+          <a:chOff x="0" y="0"/>
+          <a:chExt cx="0" cy="0"/>
+        </a:xfrm>
+      </p:grpSpPr>
+      <p:sp>
+        <p:nvSpPr>
+          <p:cNvPr id="2" name="Title 1"/>
+          <p:cNvSpPr>
+            <a:spLocks noGrp="1"/>
+          </p:cNvSpPr>
+          <p:nvPr>
+            <p:ph type="title"/>
+          </p:nvPr>
+        </p:nvSpPr>
+        <p:spPr/>
+        <p:txBody>
+          <a:bodyPr>
+            <a:normAutofit/>
+          </a:bodyPr>
+          <a:lstStyle/>
+          <a:p>
+            <a:r>
+              <a:rPr lang="en-US" dirty="0"/>
+              <a:t>Globally-Visible Objects: </a:t>
+            </a:r>
+            <a:r>
+              <a:rPr lang="en-US" dirty="0" err="1"/>
+              <a:t>Chares</a:t>
+            </a:r>
+            <a:r>
+              <a:rPr lang="en-US" dirty="0"/>
+              <a:t> and Proxies</a:t>
+            </a:r>
+          </a:p>
+        </p:txBody>
+      </p:sp>
+      <p:sp>
+        <p:nvSpPr>
+          <p:cNvPr id="3" name="Content Placeholder 2"/>
+          <p:cNvSpPr>
+            <a:spLocks noGrp="1"/>
+          </p:cNvSpPr>
+          <p:nvPr>
+            <p:ph idx="1"/>
+          </p:nvPr>
+        </p:nvSpPr>
+        <p:spPr>
+          <a:xfrm>
+            <a:off x="261865" y="4099127"/>
+            <a:ext cx="8615360" cy="2279095"/>
+          </a:xfrm>
+        </p:spPr>
+        <p:txBody>
+          <a:bodyPr/>
+          <a:lstStyle/>
+          <a:p>
+            <a:r>
+              <a:rPr lang="en-US" dirty="0"/>
+              <a:t>Certain “special” object </a:t>
+            </a:r>
+            <a:r>
+              <a:rPr lang="en-US" i="1" dirty="0"/>
+              <a:t>instances</a:t>
+            </a:r>
+            <a:r>
+              <a:rPr lang="en-US" dirty="0"/>
+              <a:t> are:</a:t>
+            </a:r>
+          </a:p>
+          <a:p>
+            <a:pPr lvl="1"/>
+            <a:r>
+              <a:rPr lang="en-US" dirty="0" smtClean="0"/>
+              <a:t>first</a:t>
+            </a:r>
+            <a:r>
+              <a:rPr lang="en-US" dirty="0"/>
+              <a:t>-class citizens in the parallel address space,</a:t>
+            </a:r>
+          </a:p>
+          <a:p>
+            <a:pPr lvl="1"/>
+            <a:r>
+              <a:rPr lang="en-US" dirty="0" smtClean="0"/>
+              <a:t>with </a:t>
+            </a:r>
+            <a:r>
+              <a:rPr lang="en-US" dirty="0"/>
+              <a:t>unique location-independent names</a:t>
+            </a:r>
+          </a:p>
+          <a:p>
+            <a:r>
+              <a:rPr lang="en-US" dirty="0"/>
+              <a:t>Under the hood, the runtime handles locality and provides </a:t>
+            </a:r>
+            <a:r>
+              <a:rPr lang="en-US" dirty="0" smtClean="0"/>
+              <a:t>the mechanisms </a:t>
+            </a:r>
+            <a:r>
+              <a:rPr lang="en-US" dirty="0"/>
+              <a:t>to promote objects to the parallel space</a:t>
+            </a:r>
+          </a:p>
+        </p:txBody>
+      </p:sp>
+      <p:sp>
+        <p:nvSpPr>
+          <p:cNvPr id="5" name="Footer Placeholder 4"/>
+          <p:cNvSpPr>
+            <a:spLocks noGrp="1"/>
+          </p:cNvSpPr>
+          <p:nvPr>
+            <p:ph type="ftr" sz="quarter" idx="11"/>
+          </p:nvPr>
+        </p:nvSpPr>
+        <p:spPr/>
+        <p:txBody>
+          <a:bodyPr/>
+          <a:lstStyle/>
+          <a:p>
+            <a:pPr algn="r"/>
+            <a:r>
+              <a:rPr lang="en-US" smtClean="0"/>
+              <a:t>Laxmikant Kalé and PPL (UIUC) – Parallel Migratable Objects </a:t>
+            </a:r>
+            <a:endParaRPr lang="en-US" dirty="0"/>
+          </a:p>
+        </p:txBody>
+      </p:sp>
+      <p:sp>
+        <p:nvSpPr>
+          <p:cNvPr id="26" name="Slide Number Placeholder 25"/>
+          <p:cNvSpPr>
+            <a:spLocks noGrp="1"/>
+          </p:cNvSpPr>
+          <p:nvPr>
+            <p:ph type="sldNum" sz="quarter" idx="12"/>
+          </p:nvPr>
+        </p:nvSpPr>
+        <p:spPr/>
+        <p:txBody>
+          <a:bodyPr/>
+          <a:lstStyle/>
+          <a:p>
+            <a:fld id="{0CFEC368-1D7A-4F81-ABF6-AE0E36BAF64C}" type="slidenum">
+              <a:rPr lang="en-US" smtClean="0"/>
+              <a:pPr/>
+              <a:t>8</a:t>
+            </a:fld>
+            <a:endParaRPr lang="en-US"/>
+          </a:p>
+        </p:txBody>
+      </p:sp>
+      <p:sp>
+        <p:nvSpPr>
+          <p:cNvPr id="6" name="Rectangle 5"/>
+          <p:cNvSpPr/>
+          <p:nvPr/>
+        </p:nvSpPr>
+        <p:spPr>
+          <a:xfrm>
+            <a:off x="457200" y="1678940"/>
+            <a:ext cx="8229600" cy="1430676"/>
+          </a:xfrm>
+          <a:prstGeom prst="rect">
+            <a:avLst/>
+          </a:prstGeom>
+          <a:solidFill>
+            <a:srgbClr val="99CCFF"/>
+          </a:solidFill>
+          <a:ln>
+            <a:solidFill>
+              <a:schemeClr val="accent5">
+                <a:lumMod val="50000"/>
+              </a:schemeClr>
+            </a:solidFill>
+          </a:ln>
+        </p:spPr>
+        <p:style>
+          <a:lnRef idx="1">
+            <a:schemeClr val="accent1"/>
+          </a:lnRef>
+          <a:fillRef idx="3">
+            <a:schemeClr val="accent1"/>
+          </a:fillRef>
+          <a:effectRef idx="2">
+            <a:schemeClr val="accent1"/>
+          </a:effectRef>
+          <a:fontRef idx="minor">
+            <a:schemeClr val="lt1"/>
+          </a:fontRef>
+        </p:style>
+        <p:txBody>
+          <a:bodyPr rtlCol="0" anchor="ctr"/>
+          <a:lstStyle/>
+          <a:p>
+            <a:pPr algn="ctr"/>
+            <a:endParaRPr lang="en-US"/>
+          </a:p>
+        </p:txBody>
+      </p:sp>
+      <p:sp>
+        <p:nvSpPr>
+          <p:cNvPr id="7" name="Oval 6"/>
+          <p:cNvSpPr/>
+          <p:nvPr/>
+        </p:nvSpPr>
+        <p:spPr>
+          <a:xfrm>
+            <a:off x="902915" y="1808193"/>
+            <a:ext cx="408752" cy="379580"/>
+          </a:xfrm>
+          <a:prstGeom prst="ellipse">
+            <a:avLst/>
+          </a:prstGeom>
+          <a:solidFill>
+            <a:srgbClr val="008000"/>
+          </a:solidFill>
+        </p:spPr>
+        <p:style>
+          <a:lnRef idx="1">
+            <a:schemeClr val="accent1"/>
+          </a:lnRef>
+          <a:fillRef idx="3">
+            <a:schemeClr val="accent1"/>
+          </a:fillRef>
+          <a:effectRef idx="2">
+            <a:schemeClr val="accent1"/>
+          </a:effectRef>
+          <a:fontRef idx="minor">
+            <a:schemeClr val="lt1"/>
+          </a:fontRef>
+        </p:style>
+        <p:txBody>
+          <a:bodyPr rtlCol="0" anchor="ctr"/>
+          <a:lstStyle/>
+          <a:p>
+            <a:pPr algn="ctr"/>
+            <a:r>
+              <a:rPr lang="en-US" dirty="0" smtClean="0"/>
+              <a:t>F</a:t>
+            </a:r>
+            <a:endParaRPr lang="en-US" dirty="0"/>
+          </a:p>
+        </p:txBody>
+      </p:sp>
+      <p:sp>
+        <p:nvSpPr>
+          <p:cNvPr id="8" name="Oval 7"/>
+          <p:cNvSpPr/>
+          <p:nvPr/>
+        </p:nvSpPr>
+        <p:spPr>
+          <a:xfrm>
+            <a:off x="2379033" y="1808193"/>
+            <a:ext cx="408752" cy="379580"/>
+          </a:xfrm>
+          <a:prstGeom prst="ellipse">
+            <a:avLst/>
+          </a:prstGeom>
+          <a:solidFill>
+            <a:srgbClr val="008000"/>
+          </a:solidFill>
+        </p:spPr>
+        <p:style>
+          <a:lnRef idx="1">
+            <a:schemeClr val="accent1"/>
+          </a:lnRef>
+          <a:fillRef idx="3">
+            <a:schemeClr val="accent1"/>
+          </a:fillRef>
+          <a:effectRef idx="2">
+            <a:schemeClr val="accent1"/>
+          </a:effectRef>
+          <a:fontRef idx="minor">
+            <a:schemeClr val="lt1"/>
+          </a:fontRef>
+        </p:style>
+        <p:txBody>
+          <a:bodyPr rtlCol="0" anchor="ctr"/>
+          <a:lstStyle/>
+          <a:p>
+            <a:pPr algn="ctr"/>
+            <a:r>
+              <a:rPr lang="en-US" dirty="0" smtClean="0"/>
+              <a:t>C</a:t>
+            </a:r>
+            <a:endParaRPr lang="en-US" dirty="0"/>
+          </a:p>
+        </p:txBody>
+      </p:sp>
+      <p:sp>
+        <p:nvSpPr>
+          <p:cNvPr id="9" name="Oval 8"/>
+          <p:cNvSpPr/>
+          <p:nvPr/>
+        </p:nvSpPr>
+        <p:spPr>
+          <a:xfrm>
+            <a:off x="4184869" y="1808193"/>
+            <a:ext cx="408752" cy="379580"/>
+          </a:xfrm>
+          <a:prstGeom prst="ellipse">
+            <a:avLst/>
+          </a:prstGeom>
+          <a:solidFill>
+            <a:srgbClr val="0000FF"/>
+          </a:solidFill>
+        </p:spPr>
+        <p:style>
+          <a:lnRef idx="1">
+            <a:schemeClr val="accent1"/>
+          </a:lnRef>
+          <a:fillRef idx="3">
+            <a:schemeClr val="accent1"/>
+          </a:fillRef>
+          <a:effectRef idx="2">
+            <a:schemeClr val="accent1"/>
+          </a:effectRef>
+          <a:fontRef idx="minor">
+            <a:schemeClr val="lt1"/>
+          </a:fontRef>
+        </p:style>
+        <p:txBody>
+          <a:bodyPr rtlCol="0" anchor="ctr"/>
+          <a:lstStyle/>
+          <a:p>
+            <a:pPr algn="ctr"/>
+            <a:r>
+              <a:rPr lang="en-US" dirty="0" smtClean="0"/>
+              <a:t>E</a:t>
+            </a:r>
+            <a:endParaRPr lang="en-US" dirty="0"/>
+          </a:p>
+        </p:txBody>
+      </p:sp>
+      <p:sp>
+        <p:nvSpPr>
+          <p:cNvPr id="10" name="Oval 9"/>
+          <p:cNvSpPr/>
+          <p:nvPr/>
+        </p:nvSpPr>
+        <p:spPr>
+          <a:xfrm>
+            <a:off x="6312119" y="1808193"/>
+            <a:ext cx="408752" cy="379580"/>
+          </a:xfrm>
+          <a:prstGeom prst="ellipse">
+            <a:avLst/>
+          </a:prstGeom>
+          <a:solidFill>
+            <a:srgbClr val="FF0000"/>
+          </a:solidFill>
+        </p:spPr>
+        <p:style>
+          <a:lnRef idx="1">
+            <a:schemeClr val="accent1"/>
+          </a:lnRef>
+          <a:fillRef idx="3">
+            <a:schemeClr val="accent1"/>
+          </a:fillRef>
+          <a:effectRef idx="2">
+            <a:schemeClr val="accent1"/>
+          </a:effectRef>
+          <a:fontRef idx="minor">
+            <a:schemeClr val="lt1"/>
+          </a:fontRef>
+        </p:style>
+        <p:txBody>
+          <a:bodyPr rtlCol="0" anchor="ctr"/>
+          <a:lstStyle/>
+          <a:p>
+            <a:pPr algn="ctr"/>
+            <a:r>
+              <a:rPr lang="en-US" dirty="0" smtClean="0"/>
+              <a:t>G</a:t>
+            </a:r>
+            <a:endParaRPr lang="en-US" dirty="0"/>
+          </a:p>
+        </p:txBody>
+      </p:sp>
+      <p:sp>
+        <p:nvSpPr>
+          <p:cNvPr id="11" name="Oval 10"/>
+          <p:cNvSpPr/>
+          <p:nvPr/>
+        </p:nvSpPr>
+        <p:spPr>
+          <a:xfrm>
+            <a:off x="1740119" y="2546678"/>
+            <a:ext cx="408752" cy="379580"/>
+          </a:xfrm>
+          <a:prstGeom prst="ellipse">
+            <a:avLst/>
+          </a:prstGeom>
+          <a:solidFill>
+            <a:srgbClr val="FF0000"/>
+          </a:solidFill>
+        </p:spPr>
+        <p:style>
+          <a:lnRef idx="1">
+            <a:schemeClr val="accent1"/>
+          </a:lnRef>
+          <a:fillRef idx="3">
+            <a:schemeClr val="accent1"/>
+          </a:fillRef>
+          <a:effectRef idx="2">
+            <a:schemeClr val="accent1"/>
+          </a:effectRef>
+          <a:fontRef idx="minor">
+            <a:schemeClr val="lt1"/>
+          </a:fontRef>
+        </p:style>
+        <p:txBody>
+          <a:bodyPr rtlCol="0" anchor="ctr"/>
+          <a:lstStyle/>
+          <a:p>
+            <a:pPr algn="ctr"/>
+            <a:r>
+              <a:rPr lang="en-US" dirty="0" smtClean="0"/>
+              <a:t>B</a:t>
+            </a:r>
+            <a:endParaRPr lang="en-US" dirty="0"/>
+          </a:p>
+        </p:txBody>
+      </p:sp>
+      <p:sp>
+        <p:nvSpPr>
+          <p:cNvPr id="12" name="Oval 11"/>
+          <p:cNvSpPr/>
+          <p:nvPr/>
+        </p:nvSpPr>
+        <p:spPr>
+          <a:xfrm>
+            <a:off x="3361534" y="2546678"/>
+            <a:ext cx="408752" cy="379580"/>
+          </a:xfrm>
+          <a:prstGeom prst="ellipse">
+            <a:avLst/>
+          </a:prstGeom>
+          <a:solidFill>
+            <a:srgbClr val="0000FF"/>
+          </a:solidFill>
+        </p:spPr>
+        <p:style>
+          <a:lnRef idx="1">
+            <a:schemeClr val="accent1"/>
+          </a:lnRef>
+          <a:fillRef idx="3">
+            <a:schemeClr val="accent1"/>
+          </a:fillRef>
+          <a:effectRef idx="2">
+            <a:schemeClr val="accent1"/>
+          </a:effectRef>
+          <a:fontRef idx="minor">
+            <a:schemeClr val="lt1"/>
+          </a:fontRef>
+        </p:style>
+        <p:txBody>
+          <a:bodyPr rtlCol="0" anchor="ctr"/>
+          <a:lstStyle/>
+          <a:p>
+            <a:pPr algn="ctr"/>
+            <a:r>
+              <a:rPr lang="en-US" dirty="0" smtClean="0"/>
+              <a:t>D</a:t>
+            </a:r>
+            <a:endParaRPr lang="en-US" dirty="0"/>
+          </a:p>
+        </p:txBody>
+      </p:sp>
+      <p:sp>
+        <p:nvSpPr>
+          <p:cNvPr id="13" name="Oval 12"/>
+          <p:cNvSpPr/>
+          <p:nvPr/>
+        </p:nvSpPr>
+        <p:spPr>
+          <a:xfrm>
+            <a:off x="5311994" y="2546678"/>
+            <a:ext cx="408752" cy="379580"/>
+          </a:xfrm>
+          <a:prstGeom prst="ellipse">
+            <a:avLst/>
+          </a:prstGeom>
+          <a:solidFill>
+            <a:srgbClr val="FF0000"/>
+          </a:solidFill>
+        </p:spPr>
+        <p:style>
+          <a:lnRef idx="1">
+            <a:schemeClr val="accent1"/>
+          </a:lnRef>
+          <a:fillRef idx="3">
+            <a:schemeClr val="accent1"/>
+          </a:fillRef>
+          <a:effectRef idx="2">
+            <a:schemeClr val="accent1"/>
+          </a:effectRef>
+          <a:fontRef idx="minor">
+            <a:schemeClr val="lt1"/>
+          </a:fontRef>
+        </p:style>
+        <p:txBody>
+          <a:bodyPr rtlCol="0" anchor="ctr"/>
+          <a:lstStyle/>
+          <a:p>
+            <a:pPr algn="ctr"/>
+            <a:r>
+              <a:rPr lang="en-US" dirty="0" smtClean="0"/>
+              <a:t>H</a:t>
+            </a:r>
+            <a:endParaRPr lang="en-US" dirty="0"/>
+          </a:p>
+        </p:txBody>
+      </p:sp>
+      <p:sp>
+        <p:nvSpPr>
+          <p:cNvPr id="14" name="Oval 13"/>
+          <p:cNvSpPr/>
+          <p:nvPr/>
+        </p:nvSpPr>
+        <p:spPr>
+          <a:xfrm>
+            <a:off x="7661494" y="2546678"/>
+            <a:ext cx="408752" cy="379580"/>
+          </a:xfrm>
+          <a:prstGeom prst="ellipse">
+            <a:avLst/>
+          </a:prstGeom>
+          <a:solidFill>
+            <a:srgbClr val="008000"/>
+          </a:solidFill>
+        </p:spPr>
+        <p:style>
+          <a:lnRef idx="1">
+            <a:schemeClr val="accent1"/>
+          </a:lnRef>
+          <a:fillRef idx="3">
+            <a:schemeClr val="accent1"/>
+          </a:fillRef>
+          <a:effectRef idx="2">
+            <a:schemeClr val="accent1"/>
+          </a:effectRef>
+          <a:fontRef idx="minor">
+            <a:schemeClr val="lt1"/>
+          </a:fontRef>
+        </p:style>
+        <p:txBody>
+          <a:bodyPr rtlCol="0" anchor="ctr"/>
+          <a:lstStyle/>
+          <a:p>
+            <a:pPr algn="ctr"/>
+            <a:r>
+              <a:rPr lang="en-US" dirty="0" smtClean="0"/>
+              <a:t>A</a:t>
+            </a:r>
+            <a:endParaRPr lang="en-US" dirty="0"/>
+          </a:p>
+        </p:txBody>
+      </p:sp>
+      <p:sp>
+        <p:nvSpPr>
+          <p:cNvPr id="15" name="Oval 14"/>
+          <p:cNvSpPr/>
+          <p:nvPr/>
+        </p:nvSpPr>
+        <p:spPr>
+          <a:xfrm>
+            <a:off x="1370945" y="1153272"/>
+            <a:ext cx="369174" cy="360161"/>
+          </a:xfrm>
+          <a:prstGeom prst="ellipse">
+            <a:avLst/>
+          </a:prstGeom>
+          <a:solidFill>
+            <a:schemeClr val="bg1">
+              <a:lumMod val="65000"/>
+            </a:schemeClr>
+          </a:solidFill>
+        </p:spPr>
+        <p:style>
+          <a:lnRef idx="1">
+            <a:schemeClr val="accent1"/>
+          </a:lnRef>
+          <a:fillRef idx="3">
+            <a:schemeClr val="accent1"/>
+          </a:fillRef>
+          <a:effectRef idx="2">
+            <a:schemeClr val="accent1"/>
+          </a:effectRef>
+          <a:fontRef idx="minor">
+            <a:schemeClr val="lt1"/>
+          </a:fontRef>
+        </p:style>
+        <p:txBody>
+          <a:bodyPr rtlCol="0" anchor="ctr"/>
+          <a:lstStyle/>
+          <a:p>
+            <a:pPr algn="ctr"/>
+            <a:r>
+              <a:rPr lang="en-US" dirty="0" smtClean="0"/>
+              <a:t>4</a:t>
+            </a:r>
+            <a:endParaRPr lang="en-US" dirty="0"/>
+          </a:p>
+        </p:txBody>
+      </p:sp>
+      <p:sp>
+        <p:nvSpPr>
+          <p:cNvPr id="16" name="Oval 15"/>
+          <p:cNvSpPr/>
+          <p:nvPr/>
+        </p:nvSpPr>
+        <p:spPr>
+          <a:xfrm>
+            <a:off x="2583409" y="801987"/>
+            <a:ext cx="369174" cy="360161"/>
+          </a:xfrm>
+          <a:prstGeom prst="ellipse">
+            <a:avLst/>
+          </a:prstGeom>
+          <a:solidFill>
+            <a:schemeClr val="bg1">
+              <a:lumMod val="65000"/>
+            </a:schemeClr>
+          </a:solidFill>
+        </p:spPr>
+        <p:style>
+          <a:lnRef idx="1">
+            <a:schemeClr val="accent1"/>
+          </a:lnRef>
+          <a:fillRef idx="3">
+            <a:schemeClr val="accent1"/>
+          </a:fillRef>
+          <a:effectRef idx="2">
+            <a:schemeClr val="accent1"/>
+          </a:effectRef>
+          <a:fontRef idx="minor">
+            <a:schemeClr val="lt1"/>
+          </a:fontRef>
+        </p:style>
+        <p:txBody>
+          <a:bodyPr rtlCol="0" anchor="ctr"/>
+          <a:lstStyle/>
+          <a:p>
+            <a:pPr algn="ctr"/>
+            <a:r>
+              <a:rPr lang="en-US" dirty="0"/>
+              <a:t>2</a:t>
+            </a:r>
+          </a:p>
+        </p:txBody>
+      </p:sp>
+      <p:sp>
+        <p:nvSpPr>
+          <p:cNvPr id="17" name="Oval 16"/>
+          <p:cNvSpPr/>
+          <p:nvPr/>
+        </p:nvSpPr>
+        <p:spPr>
+          <a:xfrm>
+            <a:off x="6741037" y="1162147"/>
+            <a:ext cx="369174" cy="360161"/>
+          </a:xfrm>
+          <a:prstGeom prst="ellipse">
+            <a:avLst/>
+          </a:prstGeom>
+          <a:solidFill>
+            <a:schemeClr val="bg1">
+              <a:lumMod val="65000"/>
+            </a:schemeClr>
+          </a:solidFill>
+        </p:spPr>
+        <p:style>
+          <a:lnRef idx="1">
+            <a:schemeClr val="accent1"/>
+          </a:lnRef>
+          <a:fillRef idx="3">
+            <a:schemeClr val="accent1"/>
+          </a:fillRef>
+          <a:effectRef idx="2">
+            <a:schemeClr val="accent1"/>
+          </a:effectRef>
+          <a:fontRef idx="minor">
+            <a:schemeClr val="lt1"/>
+          </a:fontRef>
+        </p:style>
+        <p:txBody>
+          <a:bodyPr rtlCol="0" anchor="ctr"/>
+          <a:lstStyle/>
+          <a:p>
+            <a:pPr algn="ctr"/>
+            <a:r>
+              <a:rPr lang="en-US" dirty="0" smtClean="0"/>
+              <a:t>6</a:t>
+            </a:r>
+            <a:endParaRPr lang="en-US" dirty="0"/>
+          </a:p>
+        </p:txBody>
+      </p:sp>
+      <p:sp>
+        <p:nvSpPr>
+          <p:cNvPr id="18" name="Oval 17"/>
+          <p:cNvSpPr/>
+          <p:nvPr/>
+        </p:nvSpPr>
+        <p:spPr>
+          <a:xfrm>
+            <a:off x="7704957" y="982067"/>
+            <a:ext cx="369174" cy="360161"/>
+          </a:xfrm>
+          <a:prstGeom prst="ellipse">
+            <a:avLst/>
+          </a:prstGeom>
+          <a:solidFill>
+            <a:schemeClr val="bg1">
+              <a:lumMod val="65000"/>
+            </a:schemeClr>
+          </a:solidFill>
+        </p:spPr>
+        <p:style>
+          <a:lnRef idx="1">
+            <a:schemeClr val="accent1"/>
+          </a:lnRef>
+          <a:fillRef idx="3">
+            <a:schemeClr val="accent1"/>
+          </a:fillRef>
+          <a:effectRef idx="2">
+            <a:schemeClr val="accent1"/>
+          </a:effectRef>
+          <a:fontRef idx="minor">
+            <a:schemeClr val="lt1"/>
+          </a:fontRef>
+        </p:style>
+        <p:txBody>
+          <a:bodyPr rtlCol="0" anchor="ctr"/>
+          <a:lstStyle/>
+          <a:p>
+            <a:pPr algn="ctr"/>
+            <a:r>
+              <a:rPr lang="en-US" dirty="0" smtClean="0"/>
+              <a:t>8</a:t>
+            </a:r>
+            <a:endParaRPr lang="en-US" dirty="0"/>
+          </a:p>
+        </p:txBody>
+      </p:sp>
+      <p:sp>
+        <p:nvSpPr>
+          <p:cNvPr id="19" name="Oval 18"/>
+          <p:cNvSpPr/>
+          <p:nvPr/>
+        </p:nvSpPr>
+        <p:spPr>
+          <a:xfrm>
+            <a:off x="842271" y="3378805"/>
+            <a:ext cx="369174" cy="360161"/>
+          </a:xfrm>
+          <a:prstGeom prst="ellipse">
+            <a:avLst/>
+          </a:prstGeom>
+          <a:solidFill>
+            <a:schemeClr val="bg1">
+              <a:lumMod val="65000"/>
+            </a:schemeClr>
+          </a:solidFill>
+        </p:spPr>
+        <p:style>
+          <a:lnRef idx="1">
+            <a:schemeClr val="accent1"/>
+          </a:lnRef>
+          <a:fillRef idx="3">
+            <a:schemeClr val="accent1"/>
+          </a:fillRef>
+          <a:effectRef idx="2">
+            <a:schemeClr val="accent1"/>
+          </a:effectRef>
+          <a:fontRef idx="minor">
+            <a:schemeClr val="lt1"/>
+          </a:fontRef>
+        </p:style>
+        <p:txBody>
+          <a:bodyPr rtlCol="0" anchor="ctr"/>
+          <a:lstStyle/>
+          <a:p>
+            <a:pPr algn="ctr"/>
+            <a:r>
+              <a:rPr lang="en-US" dirty="0" smtClean="0"/>
+              <a:t>7</a:t>
+            </a:r>
+            <a:endParaRPr lang="en-US" dirty="0"/>
+          </a:p>
+        </p:txBody>
+      </p:sp>
+      <p:sp>
+        <p:nvSpPr>
+          <p:cNvPr id="20" name="Oval 19"/>
+          <p:cNvSpPr/>
+          <p:nvPr/>
+        </p:nvSpPr>
+        <p:spPr>
+          <a:xfrm>
+            <a:off x="1738136" y="3198724"/>
+            <a:ext cx="369174" cy="360161"/>
+          </a:xfrm>
+          <a:prstGeom prst="ellipse">
+            <a:avLst/>
+          </a:prstGeom>
+          <a:solidFill>
+            <a:schemeClr val="bg1">
+              <a:lumMod val="65000"/>
+            </a:schemeClr>
+          </a:solidFill>
+        </p:spPr>
+        <p:style>
+          <a:lnRef idx="1">
+            <a:schemeClr val="accent1"/>
+          </a:lnRef>
+          <a:fillRef idx="3">
+            <a:schemeClr val="accent1"/>
+          </a:fillRef>
+          <a:effectRef idx="2">
+            <a:schemeClr val="accent1"/>
+          </a:effectRef>
+          <a:fontRef idx="minor">
+            <a:schemeClr val="lt1"/>
+          </a:fontRef>
+        </p:style>
+        <p:txBody>
+          <a:bodyPr rtlCol="0" anchor="ctr"/>
+          <a:lstStyle/>
+          <a:p>
+            <a:pPr algn="ctr"/>
+            <a:r>
+              <a:rPr lang="en-US" dirty="0" smtClean="0"/>
+              <a:t>0</a:t>
+            </a:r>
+            <a:endParaRPr lang="en-US" dirty="0"/>
+          </a:p>
+        </p:txBody>
+      </p:sp>
+      <p:sp>
+        <p:nvSpPr>
+          <p:cNvPr id="21" name="Oval 20"/>
+          <p:cNvSpPr/>
+          <p:nvPr/>
+        </p:nvSpPr>
+        <p:spPr>
+          <a:xfrm>
+            <a:off x="3176947" y="3378804"/>
+            <a:ext cx="369174" cy="360161"/>
+          </a:xfrm>
+          <a:prstGeom prst="ellipse">
+            <a:avLst/>
+          </a:prstGeom>
+          <a:solidFill>
+            <a:schemeClr val="bg1">
+              <a:lumMod val="65000"/>
+            </a:schemeClr>
+          </a:solidFill>
+        </p:spPr>
+        <p:style>
+          <a:lnRef idx="1">
+            <a:schemeClr val="accent1"/>
+          </a:lnRef>
+          <a:fillRef idx="3">
+            <a:schemeClr val="accent1"/>
+          </a:fillRef>
+          <a:effectRef idx="2">
+            <a:schemeClr val="accent1"/>
+          </a:effectRef>
+          <a:fontRef idx="minor">
+            <a:schemeClr val="lt1"/>
+          </a:fontRef>
+        </p:style>
+        <p:txBody>
+          <a:bodyPr rtlCol="0" anchor="ctr"/>
+          <a:lstStyle/>
+          <a:p>
+            <a:pPr algn="ctr"/>
+            <a:r>
+              <a:rPr lang="en-US" dirty="0" smtClean="0"/>
+              <a:t>5</a:t>
+            </a:r>
+            <a:endParaRPr lang="en-US" dirty="0"/>
+          </a:p>
+        </p:txBody>
+      </p:sp>
+      <p:sp>
+        <p:nvSpPr>
+          <p:cNvPr id="22" name="Oval 21"/>
+          <p:cNvSpPr/>
+          <p:nvPr/>
+        </p:nvSpPr>
+        <p:spPr>
+          <a:xfrm>
+            <a:off x="5412731" y="3558885"/>
+            <a:ext cx="369174" cy="360161"/>
+          </a:xfrm>
+          <a:prstGeom prst="ellipse">
+            <a:avLst/>
+          </a:prstGeom>
+          <a:solidFill>
+            <a:schemeClr val="bg1">
+              <a:lumMod val="65000"/>
+            </a:schemeClr>
+          </a:solidFill>
+        </p:spPr>
+        <p:style>
+          <a:lnRef idx="1">
+            <a:schemeClr val="accent1"/>
+          </a:lnRef>
+          <a:fillRef idx="3">
+            <a:schemeClr val="accent1"/>
+          </a:fillRef>
+          <a:effectRef idx="2">
+            <a:schemeClr val="accent1"/>
+          </a:effectRef>
+          <a:fontRef idx="minor">
+            <a:schemeClr val="lt1"/>
+          </a:fontRef>
+        </p:style>
+        <p:txBody>
+          <a:bodyPr rtlCol="0" anchor="ctr"/>
+          <a:lstStyle/>
+          <a:p>
+            <a:pPr algn="ctr"/>
+            <a:r>
+              <a:rPr lang="en-US" dirty="0" smtClean="0"/>
+              <a:t>1</a:t>
+            </a:r>
+            <a:endParaRPr lang="en-US" dirty="0"/>
+          </a:p>
+        </p:txBody>
+      </p:sp>
+      <p:sp>
+        <p:nvSpPr>
+          <p:cNvPr id="23" name="Oval 22"/>
+          <p:cNvSpPr/>
+          <p:nvPr/>
+        </p:nvSpPr>
+        <p:spPr>
+          <a:xfrm>
+            <a:off x="6371863" y="3198724"/>
+            <a:ext cx="369174" cy="360161"/>
+          </a:xfrm>
+          <a:prstGeom prst="ellipse">
+            <a:avLst/>
+          </a:prstGeom>
+          <a:solidFill>
+            <a:schemeClr val="bg1">
+              <a:lumMod val="65000"/>
+            </a:schemeClr>
+          </a:solidFill>
+        </p:spPr>
+        <p:style>
+          <a:lnRef idx="1">
+            <a:schemeClr val="accent1"/>
+          </a:lnRef>
+          <a:fillRef idx="3">
+            <a:schemeClr val="accent1"/>
+          </a:fillRef>
+          <a:effectRef idx="2">
+            <a:schemeClr val="accent1"/>
+          </a:effectRef>
+          <a:fontRef idx="minor">
+            <a:schemeClr val="lt1"/>
+          </a:fontRef>
+        </p:style>
+        <p:txBody>
+          <a:bodyPr rtlCol="0" anchor="ctr"/>
+          <a:lstStyle/>
+          <a:p>
+            <a:pPr algn="ctr"/>
+            <a:r>
+              <a:rPr lang="en-US" dirty="0" smtClean="0"/>
+              <a:t>3</a:t>
+            </a:r>
+            <a:endParaRPr lang="en-US" dirty="0"/>
+          </a:p>
+        </p:txBody>
+      </p:sp>
+      <p:sp>
+        <p:nvSpPr>
+          <p:cNvPr id="24" name="Oval 23"/>
+          <p:cNvSpPr/>
+          <p:nvPr/>
+        </p:nvSpPr>
+        <p:spPr>
+          <a:xfrm>
+            <a:off x="7889544" y="3378805"/>
+            <a:ext cx="369174" cy="360161"/>
+          </a:xfrm>
+          <a:prstGeom prst="ellipse">
+            <a:avLst/>
+          </a:prstGeom>
+          <a:solidFill>
+            <a:schemeClr val="bg1">
+              <a:lumMod val="65000"/>
+            </a:schemeClr>
+          </a:solidFill>
+        </p:spPr>
+        <p:style>
+          <a:lnRef idx="1">
+            <a:schemeClr val="accent1"/>
+          </a:lnRef>
+          <a:fillRef idx="3">
+            <a:schemeClr val="accent1"/>
+          </a:fillRef>
+          <a:effectRef idx="2">
+            <a:schemeClr val="accent1"/>
+          </a:effectRef>
+          <a:fontRef idx="minor">
+            <a:schemeClr val="lt1"/>
+          </a:fontRef>
+        </p:style>
+        <p:txBody>
+          <a:bodyPr rtlCol="0" anchor="ctr"/>
+          <a:lstStyle/>
+          <a:p>
+            <a:pPr algn="ctr"/>
+            <a:r>
+              <a:rPr lang="en-US" dirty="0" smtClean="0"/>
+              <a:t>9</a:t>
+            </a:r>
+            <a:endParaRPr lang="en-US" dirty="0"/>
+          </a:p>
+        </p:txBody>
+      </p:sp>
+      <p:sp>
+        <p:nvSpPr>
+          <p:cNvPr id="25" name="TextBox 24"/>
+          <p:cNvSpPr txBox="1"/>
+          <p:nvPr/>
+        </p:nvSpPr>
+        <p:spPr>
+          <a:xfrm>
+            <a:off x="3010727" y="1217275"/>
+            <a:ext cx="3188343" cy="461665"/>
+          </a:xfrm>
+          <a:prstGeom prst="rect">
+            <a:avLst/>
+          </a:prstGeom>
+          <a:noFill/>
+        </p:spPr>
+        <p:txBody>
+          <a:bodyPr wrap="none" rtlCol="0">
+            <a:spAutoFit/>
+          </a:bodyPr>
+          <a:lstStyle/>
+          <a:p>
+            <a:r>
+              <a:rPr lang="en-US" sz="2400" b="1" dirty="0" smtClean="0">
+                <a:latin typeface="Times New Roman"/>
+                <a:cs typeface="Times New Roman"/>
+              </a:rPr>
+              <a:t>Parallel Address Space</a:t>
+            </a:r>
+            <a:endParaRPr lang="en-US" sz="2400" b="1" dirty="0">
+              <a:latin typeface="Times New Roman"/>
+              <a:cs typeface="Times New Roman"/>
+            </a:endParaRPr>
+          </a:p>
+        </p:txBody>
+      </p:sp>
+    </p:spTree>
+    <p:extLst>
+      <p:ext uri="{BB962C8B-B14F-4D97-AF65-F5344CB8AC3E}">
+        <p14:creationId xmlns:p14="http://schemas.microsoft.com/office/powerpoint/2010/main" val="49409608"/>
+      </p:ext>
+    </p:extLst>
+  </p:cSld>
+  <p:clrMapOvr>
+    <a:masterClrMapping/>
+  </p:clrMapOvr>
+  <p:timing>
+    <p:tnLst>
+      <p:par>
+        <p:cTn xmlns:p14="http://schemas.microsoft.com/office/powerpoint/2010/main" id="1" dur="indefinite" restart="never" nodeType="tmRoot"/>
+      </p:par>
+    </p:tnLst>
+  </p:timing>
+</p:sld>
+</file>
+
+<file path=ppt/slides/slide9.xml><?xml version="1.0" encoding="utf-8"?>
+<p:sld xmlns:a="http://schemas.openxmlformats.org/drawingml/2006/main" xmlns:r="http://schemas.openxmlformats.org/officeDocument/2006/relationships" xmlns:p="http://schemas.openxmlformats.org/presentationml/2006/main">
+  <p:cSld>
+    <p:spTree>
+      <p:nvGrpSpPr>
+        <p:cNvPr id="1" name=""/>
+        <p:cNvGrpSpPr/>
+        <p:nvPr/>
+      </p:nvGrpSpPr>
+      <p:grpSpPr>
+        <a:xfrm>
+          <a:off x="0" y="0"/>
+          <a:ext cx="0" cy="0"/>
+          <a:chOff x="0" y="0"/>
+          <a:chExt cx="0" cy="0"/>
+        </a:xfrm>
+      </p:grpSpPr>
+      <p:sp>
+        <p:nvSpPr>
+          <p:cNvPr id="2" name="Title 1"/>
+          <p:cNvSpPr>
+            <a:spLocks noGrp="1"/>
+          </p:cNvSpPr>
+          <p:nvPr>
+            <p:ph type="title"/>
+          </p:nvPr>
+        </p:nvSpPr>
+        <p:spPr/>
+        <p:txBody>
+          <a:bodyPr>
+            <a:normAutofit/>
+          </a:bodyPr>
+          <a:lstStyle/>
+          <a:p>
+            <a:r>
+              <a:rPr lang="en-US" dirty="0"/>
+              <a:t>Globally-Visible </a:t>
+            </a:r>
+            <a:r>
+              <a:rPr lang="en-US" dirty="0" smtClean="0"/>
+              <a:t>Methods: Entry Methods</a:t>
+            </a:r>
+            <a:endParaRPr lang="en-US" dirty="0"/>
+          </a:p>
+        </p:txBody>
+      </p:sp>
+      <p:sp>
+        <p:nvSpPr>
+          <p:cNvPr id="3" name="Content Placeholder 2"/>
+          <p:cNvSpPr>
+            <a:spLocks noGrp="1"/>
+          </p:cNvSpPr>
+          <p:nvPr>
+            <p:ph idx="1"/>
+          </p:nvPr>
+        </p:nvSpPr>
+        <p:spPr>
+          <a:xfrm>
+            <a:off x="261865" y="4099127"/>
+            <a:ext cx="8523758" cy="2279095"/>
+          </a:xfrm>
+        </p:spPr>
+        <p:txBody>
+          <a:bodyPr>
+            <a:normAutofit/>
+          </a:bodyPr>
+          <a:lstStyle/>
+          <a:p>
+            <a:r>
+              <a:rPr lang="en-US" dirty="0"/>
+              <a:t>How can objects communicate across address spaces?</a:t>
+            </a:r>
+          </a:p>
+          <a:p>
+            <a:pPr lvl="1"/>
+            <a:r>
+              <a:rPr lang="en-US" dirty="0" smtClean="0"/>
+              <a:t>Just </a:t>
+            </a:r>
+            <a:r>
+              <a:rPr lang="en-US" dirty="0"/>
+              <a:t>like a sequential object-oriented language, an object’s reference </a:t>
+            </a:r>
+            <a:r>
+              <a:rPr lang="en-US" dirty="0" smtClean="0"/>
+              <a:t>is used </a:t>
+            </a:r>
+            <a:r>
+              <a:rPr lang="en-US" dirty="0"/>
+              <a:t>to invoke a method</a:t>
+            </a:r>
+          </a:p>
+          <a:p>
+            <a:pPr lvl="1"/>
+            <a:r>
+              <a:rPr lang="en-US" dirty="0" smtClean="0"/>
+              <a:t>In </a:t>
+            </a:r>
+            <a:r>
+              <a:rPr lang="en-US" dirty="0"/>
+              <a:t>the parallel space, this is a handle that is location transparent</a:t>
+            </a:r>
+          </a:p>
+          <a:p>
+            <a:pPr lvl="1"/>
+            <a:r>
+              <a:rPr lang="en-US" dirty="0" smtClean="0"/>
+              <a:t>A </a:t>
+            </a:r>
+            <a:r>
+              <a:rPr lang="en-US" dirty="0"/>
+              <a:t>method invocation becomes an act of communication</a:t>
+            </a:r>
+          </a:p>
+        </p:txBody>
+      </p:sp>
+      <p:sp>
+        <p:nvSpPr>
+          <p:cNvPr id="15" name="Footer Placeholder 14"/>
+          <p:cNvSpPr>
+            <a:spLocks noGrp="1"/>
+          </p:cNvSpPr>
+          <p:nvPr>
+            <p:ph type="ftr" sz="quarter" idx="11"/>
+          </p:nvPr>
+        </p:nvSpPr>
+        <p:spPr/>
+        <p:txBody>
+          <a:bodyPr/>
+          <a:lstStyle/>
+          <a:p>
+            <a:pPr algn="r"/>
+            <a:r>
+              <a:rPr lang="en-US" smtClean="0"/>
+              <a:t>Laxmikant Kalé and PPL (UIUC) – Parallel Migratable Objects </a:t>
+            </a:r>
+            <a:endParaRPr lang="en-US" dirty="0"/>
+          </a:p>
+        </p:txBody>
+      </p:sp>
+      <p:sp>
+        <p:nvSpPr>
+          <p:cNvPr id="16" name="Slide Number Placeholder 15"/>
+          <p:cNvSpPr>
+            <a:spLocks noGrp="1"/>
+          </p:cNvSpPr>
+          <p:nvPr>
+            <p:ph type="sldNum" sz="quarter" idx="12"/>
+          </p:nvPr>
+        </p:nvSpPr>
+        <p:spPr/>
+        <p:txBody>
+          <a:bodyPr/>
+          <a:lstStyle/>
+          <a:p>
+            <a:fld id="{0CFEC368-1D7A-4F81-ABF6-AE0E36BAF64C}" type="slidenum">
+              <a:rPr lang="en-US" smtClean="0"/>
+              <a:pPr/>
+              <a:t>9</a:t>
+            </a:fld>
+            <a:endParaRPr lang="en-US"/>
+          </a:p>
+        </p:txBody>
+      </p:sp>
+      <p:sp>
+        <p:nvSpPr>
+          <p:cNvPr id="6" name="Rectangle 5"/>
+          <p:cNvSpPr/>
+          <p:nvPr/>
+        </p:nvSpPr>
+        <p:spPr>
+          <a:xfrm>
+            <a:off x="0" y="1678939"/>
+            <a:ext cx="9144000" cy="2081768"/>
+          </a:xfrm>
+          <a:prstGeom prst="rect">
+            <a:avLst/>
+          </a:prstGeom>
+          <a:solidFill>
+            <a:srgbClr val="99CCFF"/>
+          </a:solidFill>
+          <a:ln>
+            <a:solidFill>
+              <a:schemeClr val="accent5">
+                <a:lumMod val="50000"/>
+              </a:schemeClr>
+            </a:solidFill>
+          </a:ln>
+        </p:spPr>
+        <p:style>
+          <a:lnRef idx="1">
+            <a:schemeClr val="accent1"/>
+          </a:lnRef>
+          <a:fillRef idx="3">
+            <a:schemeClr val="accent1"/>
+          </a:fillRef>
+          <a:effectRef idx="2">
+            <a:schemeClr val="accent1"/>
+          </a:effectRef>
+          <a:fontRef idx="minor">
+            <a:schemeClr val="lt1"/>
+          </a:fontRef>
+        </p:style>
+        <p:txBody>
+          <a:bodyPr rtlCol="0" anchor="ctr"/>
+          <a:lstStyle/>
+          <a:p>
+            <a:pPr algn="ctr"/>
+            <a:endParaRPr lang="en-US" dirty="0"/>
+          </a:p>
+        </p:txBody>
+      </p:sp>
+      <p:sp>
+        <p:nvSpPr>
+          <p:cNvPr id="7" name="Oval 6"/>
+          <p:cNvSpPr/>
+          <p:nvPr/>
+        </p:nvSpPr>
+        <p:spPr>
+          <a:xfrm>
+            <a:off x="457200" y="1994352"/>
+            <a:ext cx="569153" cy="552325"/>
+          </a:xfrm>
+          <a:prstGeom prst="ellipse">
+            <a:avLst/>
+          </a:prstGeom>
+          <a:solidFill>
+            <a:srgbClr val="008000"/>
+          </a:solidFill>
+        </p:spPr>
+        <p:style>
+          <a:lnRef idx="1">
+            <a:schemeClr val="accent1"/>
+          </a:lnRef>
+          <a:fillRef idx="3">
+            <a:schemeClr val="accent1"/>
+          </a:fillRef>
+          <a:effectRef idx="2">
+            <a:schemeClr val="accent1"/>
+          </a:effectRef>
+          <a:fontRef idx="minor">
+            <a:schemeClr val="lt1"/>
+          </a:fontRef>
+        </p:style>
+        <p:txBody>
+          <a:bodyPr rtlCol="0" anchor="ctr"/>
+          <a:lstStyle/>
+          <a:p>
+            <a:pPr algn="ctr"/>
+            <a:r>
+              <a:rPr lang="en-US" dirty="0" smtClean="0"/>
+              <a:t>F</a:t>
+            </a:r>
+            <a:endParaRPr lang="en-US" dirty="0"/>
+          </a:p>
+        </p:txBody>
+      </p:sp>
+      <p:sp>
+        <p:nvSpPr>
+          <p:cNvPr id="8" name="Oval 7"/>
+          <p:cNvSpPr/>
+          <p:nvPr/>
+        </p:nvSpPr>
+        <p:spPr>
+          <a:xfrm>
+            <a:off x="2241340" y="1994352"/>
+            <a:ext cx="569153" cy="552325"/>
+          </a:xfrm>
+          <a:prstGeom prst="ellipse">
+            <a:avLst/>
+          </a:prstGeom>
+          <a:solidFill>
+            <a:srgbClr val="008000"/>
+          </a:solidFill>
+        </p:spPr>
+        <p:style>
+          <a:lnRef idx="1">
+            <a:schemeClr val="accent1"/>
+          </a:lnRef>
+          <a:fillRef idx="3">
+            <a:schemeClr val="accent1"/>
+          </a:fillRef>
+          <a:effectRef idx="2">
+            <a:schemeClr val="accent1"/>
+          </a:effectRef>
+          <a:fontRef idx="minor">
+            <a:schemeClr val="lt1"/>
+          </a:fontRef>
+        </p:style>
+        <p:txBody>
+          <a:bodyPr rtlCol="0" anchor="ctr"/>
+          <a:lstStyle/>
+          <a:p>
+            <a:pPr algn="ctr"/>
+            <a:r>
+              <a:rPr lang="en-US" dirty="0" smtClean="0"/>
+              <a:t>C</a:t>
+            </a:r>
+            <a:endParaRPr lang="en-US" dirty="0"/>
+          </a:p>
+        </p:txBody>
+      </p:sp>
+      <p:sp>
+        <p:nvSpPr>
+          <p:cNvPr id="9" name="Oval 8"/>
+          <p:cNvSpPr/>
+          <p:nvPr/>
+        </p:nvSpPr>
+        <p:spPr>
+          <a:xfrm>
+            <a:off x="4331752" y="1994352"/>
+            <a:ext cx="569153" cy="552325"/>
+          </a:xfrm>
+          <a:prstGeom prst="ellipse">
+            <a:avLst/>
+          </a:prstGeom>
+          <a:solidFill>
+            <a:srgbClr val="0000FF"/>
+          </a:solidFill>
+        </p:spPr>
+        <p:style>
+          <a:lnRef idx="1">
+            <a:schemeClr val="accent1"/>
+          </a:lnRef>
+          <a:fillRef idx="3">
+            <a:schemeClr val="accent1"/>
+          </a:fillRef>
+          <a:effectRef idx="2">
+            <a:schemeClr val="accent1"/>
+          </a:effectRef>
+          <a:fontRef idx="minor">
+            <a:schemeClr val="lt1"/>
+          </a:fontRef>
+        </p:style>
+        <p:txBody>
+          <a:bodyPr rtlCol="0" anchor="ctr"/>
+          <a:lstStyle/>
+          <a:p>
+            <a:pPr algn="ctr"/>
+            <a:r>
+              <a:rPr lang="en-US" dirty="0" smtClean="0"/>
+              <a:t>E</a:t>
+            </a:r>
+            <a:endParaRPr lang="en-US" dirty="0"/>
+          </a:p>
+        </p:txBody>
+      </p:sp>
+      <p:sp>
+        <p:nvSpPr>
+          <p:cNvPr id="10" name="Oval 9"/>
+          <p:cNvSpPr/>
+          <p:nvPr/>
+        </p:nvSpPr>
+        <p:spPr>
+          <a:xfrm>
+            <a:off x="6743579" y="1937409"/>
+            <a:ext cx="569153" cy="552325"/>
+          </a:xfrm>
+          <a:prstGeom prst="ellipse">
+            <a:avLst/>
+          </a:prstGeom>
+          <a:solidFill>
+            <a:srgbClr val="FF0000"/>
+          </a:solidFill>
+        </p:spPr>
+        <p:style>
+          <a:lnRef idx="1">
+            <a:schemeClr val="accent1"/>
+          </a:lnRef>
+          <a:fillRef idx="3">
+            <a:schemeClr val="accent1"/>
+          </a:fillRef>
+          <a:effectRef idx="2">
+            <a:schemeClr val="accent1"/>
+          </a:effectRef>
+          <a:fontRef idx="minor">
+            <a:schemeClr val="lt1"/>
+          </a:fontRef>
+        </p:style>
+        <p:txBody>
+          <a:bodyPr rtlCol="0" anchor="ctr"/>
+          <a:lstStyle/>
+          <a:p>
+            <a:pPr algn="ctr"/>
+            <a:r>
+              <a:rPr lang="en-US" dirty="0" smtClean="0"/>
+              <a:t>G</a:t>
+            </a:r>
+            <a:endParaRPr lang="en-US" dirty="0"/>
+          </a:p>
+        </p:txBody>
+      </p:sp>
+      <p:sp>
+        <p:nvSpPr>
+          <p:cNvPr id="11" name="Oval 10"/>
+          <p:cNvSpPr/>
+          <p:nvPr/>
+        </p:nvSpPr>
+        <p:spPr>
+          <a:xfrm>
+            <a:off x="1455894" y="2953680"/>
+            <a:ext cx="569153" cy="552325"/>
+          </a:xfrm>
+          <a:prstGeom prst="ellipse">
+            <a:avLst/>
+          </a:prstGeom>
+          <a:solidFill>
+            <a:srgbClr val="FF0000"/>
+          </a:solidFill>
+        </p:spPr>
+        <p:style>
+          <a:lnRef idx="1">
+            <a:schemeClr val="accent1"/>
+          </a:lnRef>
+          <a:fillRef idx="3">
+            <a:schemeClr val="accent1"/>
+          </a:fillRef>
+          <a:effectRef idx="2">
+            <a:schemeClr val="accent1"/>
+          </a:effectRef>
+          <a:fontRef idx="minor">
+            <a:schemeClr val="lt1"/>
+          </a:fontRef>
+        </p:style>
+        <p:txBody>
+          <a:bodyPr rtlCol="0" anchor="ctr"/>
+          <a:lstStyle/>
+          <a:p>
+            <a:pPr algn="ctr"/>
+            <a:r>
+              <a:rPr lang="en-US" dirty="0" smtClean="0"/>
+              <a:t>B</a:t>
+            </a:r>
+            <a:endParaRPr lang="en-US" dirty="0"/>
+          </a:p>
+        </p:txBody>
+      </p:sp>
+      <p:sp>
+        <p:nvSpPr>
+          <p:cNvPr id="12" name="Oval 11"/>
+          <p:cNvSpPr/>
+          <p:nvPr/>
+        </p:nvSpPr>
+        <p:spPr>
+          <a:xfrm>
+            <a:off x="3478023" y="2822839"/>
+            <a:ext cx="569153" cy="552325"/>
+          </a:xfrm>
+          <a:prstGeom prst="ellipse">
+            <a:avLst/>
+          </a:prstGeom>
+          <a:solidFill>
+            <a:srgbClr val="0000FF"/>
+          </a:solidFill>
+        </p:spPr>
+        <p:style>
+          <a:lnRef idx="1">
+            <a:schemeClr val="accent1"/>
+          </a:lnRef>
+          <a:fillRef idx="3">
+            <a:schemeClr val="accent1"/>
+          </a:fillRef>
+          <a:effectRef idx="2">
+            <a:schemeClr val="accent1"/>
+          </a:effectRef>
+          <a:fontRef idx="minor">
+            <a:schemeClr val="lt1"/>
+          </a:fontRef>
+        </p:style>
+        <p:txBody>
+          <a:bodyPr rtlCol="0" anchor="ctr"/>
+          <a:lstStyle/>
+          <a:p>
+            <a:pPr algn="ctr"/>
+            <a:r>
+              <a:rPr lang="en-US" dirty="0" smtClean="0"/>
+              <a:t>D</a:t>
+            </a:r>
+            <a:endParaRPr lang="en-US" dirty="0"/>
+          </a:p>
+        </p:txBody>
+      </p:sp>
+      <p:sp>
+        <p:nvSpPr>
+          <p:cNvPr id="13" name="Oval 12"/>
+          <p:cNvSpPr/>
+          <p:nvPr/>
+        </p:nvSpPr>
+        <p:spPr>
+          <a:xfrm>
+            <a:off x="5682825" y="3089700"/>
+            <a:ext cx="569153" cy="552325"/>
+          </a:xfrm>
+          <a:prstGeom prst="ellipse">
+            <a:avLst/>
+          </a:prstGeom>
+          <a:solidFill>
+            <a:srgbClr val="FF0000"/>
+          </a:solidFill>
+        </p:spPr>
+        <p:style>
+          <a:lnRef idx="1">
+            <a:schemeClr val="accent1"/>
+          </a:lnRef>
+          <a:fillRef idx="3">
+            <a:schemeClr val="accent1"/>
+          </a:fillRef>
+          <a:effectRef idx="2">
+            <a:schemeClr val="accent1"/>
+          </a:effectRef>
+          <a:fontRef idx="minor">
+            <a:schemeClr val="lt1"/>
+          </a:fontRef>
+        </p:style>
+        <p:txBody>
+          <a:bodyPr rtlCol="0" anchor="ctr"/>
+          <a:lstStyle/>
+          <a:p>
+            <a:pPr algn="ctr"/>
+            <a:r>
+              <a:rPr lang="en-US" dirty="0" smtClean="0"/>
+              <a:t>H</a:t>
+            </a:r>
+            <a:endParaRPr lang="en-US" dirty="0"/>
+          </a:p>
+        </p:txBody>
+      </p:sp>
+      <p:sp>
+        <p:nvSpPr>
+          <p:cNvPr id="14" name="Oval 13"/>
+          <p:cNvSpPr/>
+          <p:nvPr/>
+        </p:nvSpPr>
+        <p:spPr>
+          <a:xfrm>
+            <a:off x="8216470" y="2822839"/>
+            <a:ext cx="569153" cy="552325"/>
+          </a:xfrm>
+          <a:prstGeom prst="ellipse">
+            <a:avLst/>
+          </a:prstGeom>
+          <a:solidFill>
+            <a:srgbClr val="008000"/>
+          </a:solidFill>
+        </p:spPr>
+        <p:style>
+          <a:lnRef idx="1">
+            <a:schemeClr val="accent1"/>
+          </a:lnRef>
+          <a:fillRef idx="3">
+            <a:schemeClr val="accent1"/>
+          </a:fillRef>
+          <a:effectRef idx="2">
+            <a:schemeClr val="accent1"/>
+          </a:effectRef>
+          <a:fontRef idx="minor">
+            <a:schemeClr val="lt1"/>
+          </a:fontRef>
+        </p:style>
+        <p:txBody>
+          <a:bodyPr rtlCol="0" anchor="ctr"/>
+          <a:lstStyle/>
+          <a:p>
+            <a:pPr algn="ctr"/>
+            <a:r>
+              <a:rPr lang="en-US" dirty="0" smtClean="0"/>
+              <a:t>A</a:t>
+            </a:r>
+            <a:endParaRPr lang="en-US" dirty="0"/>
+          </a:p>
+        </p:txBody>
+      </p:sp>
+      <p:sp>
+        <p:nvSpPr>
+          <p:cNvPr id="25" name="TextBox 24"/>
+          <p:cNvSpPr txBox="1"/>
+          <p:nvPr/>
+        </p:nvSpPr>
+        <p:spPr>
+          <a:xfrm>
+            <a:off x="2833597" y="1217275"/>
+            <a:ext cx="3542603" cy="461665"/>
+          </a:xfrm>
+          <a:prstGeom prst="rect">
+            <a:avLst/>
+          </a:prstGeom>
+          <a:noFill/>
+        </p:spPr>
+        <p:txBody>
+          <a:bodyPr wrap="square" rtlCol="0">
+            <a:spAutoFit/>
+          </a:bodyPr>
+          <a:lstStyle/>
+          <a:p>
+            <a:r>
+              <a:rPr lang="en-US" sz="2400" b="1" dirty="0" smtClean="0">
+                <a:latin typeface="Times New Roman"/>
+                <a:cs typeface="Times New Roman"/>
+              </a:rPr>
+              <a:t>Parallel Address Space</a:t>
+            </a:r>
+            <a:endParaRPr lang="en-US" sz="2400" b="1" dirty="0">
+              <a:latin typeface="Times New Roman"/>
+              <a:cs typeface="Times New Roman"/>
+            </a:endParaRPr>
+          </a:p>
+        </p:txBody>
+      </p:sp>
+      <p:cxnSp>
+        <p:nvCxnSpPr>
+          <p:cNvPr id="5" name="Straight Arrow Connector 4"/>
+          <p:cNvCxnSpPr>
+            <a:stCxn id="8" idx="2"/>
+          </p:cNvCxnSpPr>
+          <p:nvPr/>
+        </p:nvCxnSpPr>
+        <p:spPr>
+          <a:xfrm flipH="1">
+            <a:off x="1026353" y="2270515"/>
+            <a:ext cx="1214987" cy="21568"/>
+          </a:xfrm>
+          <a:prstGeom prst="straightConnector1">
+            <a:avLst/>
+          </a:prstGeom>
+          <a:ln>
+            <a:tailEnd type="arrow"/>
+          </a:ln>
+        </p:spPr>
+        <p:style>
+          <a:lnRef idx="2">
+            <a:schemeClr val="accent1"/>
+          </a:lnRef>
+          <a:fillRef idx="0">
+            <a:schemeClr val="accent1"/>
+          </a:fillRef>
+          <a:effectRef idx="1">
+            <a:schemeClr val="accent1"/>
+          </a:effectRef>
+          <a:fontRef idx="minor">
+            <a:schemeClr val="tx1"/>
+          </a:fontRef>
+        </p:style>
+      </p:cxnSp>
+      <p:cxnSp>
+        <p:nvCxnSpPr>
+          <p:cNvPr id="27" name="Straight Arrow Connector 26"/>
+          <p:cNvCxnSpPr>
+            <a:stCxn id="7" idx="5"/>
+            <a:endCxn id="11" idx="1"/>
+          </p:cNvCxnSpPr>
+          <p:nvPr/>
+        </p:nvCxnSpPr>
+        <p:spPr>
+          <a:xfrm>
+            <a:off x="943002" y="2465791"/>
+            <a:ext cx="596243" cy="568775"/>
+          </a:xfrm>
+          <a:prstGeom prst="straightConnector1">
+            <a:avLst/>
+          </a:prstGeom>
+          <a:ln>
+            <a:tailEnd type="arrow"/>
+          </a:ln>
+        </p:spPr>
+        <p:style>
+          <a:lnRef idx="2">
+            <a:schemeClr val="accent1"/>
+          </a:lnRef>
+          <a:fillRef idx="0">
+            <a:schemeClr val="accent1"/>
+          </a:fillRef>
+          <a:effectRef idx="1">
+            <a:schemeClr val="accent1"/>
+          </a:effectRef>
+          <a:fontRef idx="minor">
+            <a:schemeClr val="tx1"/>
+          </a:fontRef>
+        </p:style>
+      </p:cxnSp>
+      <p:cxnSp>
+        <p:nvCxnSpPr>
+          <p:cNvPr id="29" name="Straight Arrow Connector 28"/>
+          <p:cNvCxnSpPr>
+            <a:stCxn id="11" idx="6"/>
+          </p:cNvCxnSpPr>
+          <p:nvPr/>
+        </p:nvCxnSpPr>
+        <p:spPr>
+          <a:xfrm flipV="1">
+            <a:off x="2025047" y="2292083"/>
+            <a:ext cx="2306705" cy="937760"/>
+          </a:xfrm>
+          <a:prstGeom prst="straightConnector1">
+            <a:avLst/>
+          </a:prstGeom>
+          <a:ln>
+            <a:tailEnd type="arrow"/>
+          </a:ln>
+        </p:spPr>
+        <p:style>
+          <a:lnRef idx="2">
+            <a:schemeClr val="accent1"/>
+          </a:lnRef>
+          <a:fillRef idx="0">
+            <a:schemeClr val="accent1"/>
+          </a:fillRef>
+          <a:effectRef idx="1">
+            <a:schemeClr val="accent1"/>
+          </a:effectRef>
+          <a:fontRef idx="minor">
+            <a:schemeClr val="tx1"/>
+          </a:fontRef>
+        </p:style>
+      </p:cxnSp>
+      <p:cxnSp>
+        <p:nvCxnSpPr>
+          <p:cNvPr id="31" name="Straight Arrow Connector 30"/>
+          <p:cNvCxnSpPr>
+            <a:stCxn id="10" idx="2"/>
+            <a:endCxn id="9" idx="6"/>
+          </p:cNvCxnSpPr>
+          <p:nvPr/>
+        </p:nvCxnSpPr>
+        <p:spPr>
+          <a:xfrm flipH="1">
+            <a:off x="4900905" y="2213572"/>
+            <a:ext cx="1842674" cy="56943"/>
+          </a:xfrm>
+          <a:prstGeom prst="straightConnector1">
+            <a:avLst/>
+          </a:prstGeom>
+          <a:ln>
+            <a:tailEnd type="arrow"/>
+          </a:ln>
+        </p:spPr>
+        <p:style>
+          <a:lnRef idx="2">
+            <a:schemeClr val="accent1"/>
+          </a:lnRef>
+          <a:fillRef idx="0">
+            <a:schemeClr val="accent1"/>
+          </a:fillRef>
+          <a:effectRef idx="1">
+            <a:schemeClr val="accent1"/>
+          </a:effectRef>
+          <a:fontRef idx="minor">
+            <a:schemeClr val="tx1"/>
+          </a:fontRef>
+        </p:style>
+      </p:cxnSp>
+      <p:cxnSp>
+        <p:nvCxnSpPr>
+          <p:cNvPr id="33" name="Straight Arrow Connector 32"/>
+          <p:cNvCxnSpPr>
+            <a:stCxn id="14" idx="1"/>
+            <a:endCxn id="10" idx="5"/>
+          </p:cNvCxnSpPr>
+          <p:nvPr/>
+        </p:nvCxnSpPr>
+        <p:spPr>
+          <a:xfrm flipH="1" flipV="1">
+            <a:off x="7229381" y="2408848"/>
+            <a:ext cx="1070440" cy="494877"/>
+          </a:xfrm>
+          <a:prstGeom prst="straightConnector1">
+            <a:avLst/>
+          </a:prstGeom>
+          <a:ln>
+            <a:tailEnd type="arrow"/>
+          </a:ln>
+        </p:spPr>
+        <p:style>
+          <a:lnRef idx="2">
+            <a:schemeClr val="accent1"/>
+          </a:lnRef>
+          <a:fillRef idx="0">
+            <a:schemeClr val="accent1"/>
+          </a:fillRef>
+          <a:effectRef idx="1">
+            <a:schemeClr val="accent1"/>
+          </a:effectRef>
+          <a:fontRef idx="minor">
+            <a:schemeClr val="tx1"/>
+          </a:fontRef>
+        </p:style>
+      </p:cxnSp>
+      <p:cxnSp>
+        <p:nvCxnSpPr>
+          <p:cNvPr id="35" name="Straight Arrow Connector 34"/>
+          <p:cNvCxnSpPr>
+            <a:stCxn id="12" idx="5"/>
+            <a:endCxn id="13" idx="2"/>
+          </p:cNvCxnSpPr>
+          <p:nvPr/>
+        </p:nvCxnSpPr>
+        <p:spPr>
+          <a:xfrm>
+            <a:off x="3963825" y="3294278"/>
+            <a:ext cx="1719000" cy="71585"/>
+          </a:xfrm>
+          <a:prstGeom prst="straightConnector1">
+            <a:avLst/>
+          </a:prstGeom>
+          <a:ln>
+            <a:tailEnd type="arrow"/>
+          </a:ln>
+        </p:spPr>
+        <p:style>
+          <a:lnRef idx="2">
+            <a:schemeClr val="accent1"/>
+          </a:lnRef>
+          <a:fillRef idx="0">
+            <a:schemeClr val="accent1"/>
+          </a:fillRef>
+          <a:effectRef idx="1">
+            <a:schemeClr val="accent1"/>
+          </a:effectRef>
+          <a:fontRef idx="minor">
+            <a:schemeClr val="tx1"/>
+          </a:fontRef>
+        </p:style>
+      </p:cxnSp>
+      <p:sp>
+        <p:nvSpPr>
+          <p:cNvPr id="36" name="TextBox 35"/>
+          <p:cNvSpPr txBox="1"/>
+          <p:nvPr/>
+        </p:nvSpPr>
+        <p:spPr>
+          <a:xfrm>
+            <a:off x="1259092" y="1857648"/>
+            <a:ext cx="732492" cy="338554"/>
+          </a:xfrm>
+          <a:prstGeom prst="rect">
+            <a:avLst/>
+          </a:prstGeom>
+          <a:noFill/>
+        </p:spPr>
+        <p:txBody>
+          <a:bodyPr wrap="none" rtlCol="0">
+            <a:spAutoFit/>
+          </a:bodyPr>
+          <a:lstStyle/>
+          <a:p>
+            <a:r>
+              <a:rPr lang="en-US" sz="1600" dirty="0" smtClean="0">
+                <a:latin typeface="Times New Roman"/>
+                <a:cs typeface="Times New Roman"/>
+              </a:rPr>
+              <a:t>F.m4()</a:t>
+            </a:r>
+            <a:endParaRPr lang="en-US" sz="1600" dirty="0">
+              <a:latin typeface="Times New Roman"/>
+              <a:cs typeface="Times New Roman"/>
+            </a:endParaRPr>
+          </a:p>
+        </p:txBody>
+      </p:sp>
+      <p:sp>
+        <p:nvSpPr>
+          <p:cNvPr id="37" name="TextBox 36"/>
+          <p:cNvSpPr txBox="1"/>
+          <p:nvPr/>
+        </p:nvSpPr>
+        <p:spPr>
+          <a:xfrm>
+            <a:off x="1259092" y="2408848"/>
+            <a:ext cx="771666" cy="338554"/>
+          </a:xfrm>
+          <a:prstGeom prst="rect">
+            <a:avLst/>
+          </a:prstGeom>
+          <a:noFill/>
+        </p:spPr>
+        <p:txBody>
+          <a:bodyPr wrap="none" rtlCol="0">
+            <a:spAutoFit/>
+          </a:bodyPr>
+          <a:lstStyle/>
+          <a:p>
+            <a:r>
+              <a:rPr lang="en-US" sz="1600" dirty="0" smtClean="0">
+                <a:latin typeface="Times New Roman"/>
+                <a:cs typeface="Times New Roman"/>
+              </a:rPr>
+              <a:t>B.m2()</a:t>
+            </a:r>
+            <a:endParaRPr lang="en-US" sz="1600" dirty="0">
+              <a:latin typeface="Times New Roman"/>
+              <a:cs typeface="Times New Roman"/>
+            </a:endParaRPr>
+          </a:p>
+        </p:txBody>
+      </p:sp>
+      <p:sp>
+        <p:nvSpPr>
+          <p:cNvPr id="38" name="TextBox 37"/>
+          <p:cNvSpPr txBox="1"/>
+          <p:nvPr/>
+        </p:nvSpPr>
+        <p:spPr>
+          <a:xfrm>
+            <a:off x="3111777" y="2101238"/>
+            <a:ext cx="760144" cy="338554"/>
+          </a:xfrm>
+          <a:prstGeom prst="rect">
+            <a:avLst/>
+          </a:prstGeom>
+          <a:noFill/>
+        </p:spPr>
+        <p:txBody>
+          <a:bodyPr wrap="none" rtlCol="0">
+            <a:spAutoFit/>
+          </a:bodyPr>
+          <a:lstStyle/>
+          <a:p>
+            <a:r>
+              <a:rPr lang="en-US" sz="1600" dirty="0" smtClean="0">
+                <a:latin typeface="Times New Roman"/>
+                <a:cs typeface="Times New Roman"/>
+              </a:rPr>
+              <a:t>E.m3()</a:t>
+            </a:r>
+            <a:endParaRPr lang="en-US" sz="1600" dirty="0">
+              <a:latin typeface="Times New Roman"/>
+              <a:cs typeface="Times New Roman"/>
+            </a:endParaRPr>
+          </a:p>
+        </p:txBody>
+      </p:sp>
+      <p:sp>
+        <p:nvSpPr>
+          <p:cNvPr id="39" name="TextBox 38"/>
+          <p:cNvSpPr txBox="1"/>
+          <p:nvPr/>
+        </p:nvSpPr>
+        <p:spPr>
+          <a:xfrm>
+            <a:off x="5316579" y="1825075"/>
+            <a:ext cx="760144" cy="338554"/>
+          </a:xfrm>
+          <a:prstGeom prst="rect">
+            <a:avLst/>
+          </a:prstGeom>
+          <a:noFill/>
+        </p:spPr>
+        <p:txBody>
+          <a:bodyPr wrap="none" rtlCol="0">
+            <a:spAutoFit/>
+          </a:bodyPr>
+          <a:lstStyle/>
+          <a:p>
+            <a:r>
+              <a:rPr lang="en-US" sz="1600" dirty="0" smtClean="0">
+                <a:latin typeface="Times New Roman"/>
+                <a:cs typeface="Times New Roman"/>
+              </a:rPr>
+              <a:t>E.m1()</a:t>
+            </a:r>
+            <a:endParaRPr lang="en-US" sz="1600" dirty="0">
+              <a:latin typeface="Times New Roman"/>
+              <a:cs typeface="Times New Roman"/>
+            </a:endParaRPr>
+          </a:p>
+        </p:txBody>
+      </p:sp>
+      <p:sp>
+        <p:nvSpPr>
+          <p:cNvPr id="40" name="TextBox 39"/>
+          <p:cNvSpPr txBox="1"/>
+          <p:nvPr/>
+        </p:nvSpPr>
+        <p:spPr>
+          <a:xfrm>
+            <a:off x="7688754" y="2269262"/>
+            <a:ext cx="782987" cy="338554"/>
+          </a:xfrm>
+          <a:prstGeom prst="rect">
+            <a:avLst/>
+          </a:prstGeom>
+          <a:noFill/>
+        </p:spPr>
+        <p:txBody>
+          <a:bodyPr wrap="none" rtlCol="0">
+            <a:spAutoFit/>
+          </a:bodyPr>
+          <a:lstStyle/>
+          <a:p>
+            <a:r>
+              <a:rPr lang="en-US" sz="1600" dirty="0" smtClean="0">
+                <a:latin typeface="Times New Roman"/>
+                <a:cs typeface="Times New Roman"/>
+              </a:rPr>
+              <a:t>G.m2()</a:t>
+            </a:r>
+            <a:endParaRPr lang="en-US" sz="1600" dirty="0">
+              <a:latin typeface="Times New Roman"/>
+              <a:cs typeface="Times New Roman"/>
+            </a:endParaRPr>
+          </a:p>
+        </p:txBody>
+      </p:sp>
+      <p:sp>
+        <p:nvSpPr>
+          <p:cNvPr id="41" name="TextBox 40"/>
+          <p:cNvSpPr txBox="1"/>
+          <p:nvPr/>
+        </p:nvSpPr>
+        <p:spPr>
+          <a:xfrm>
+            <a:off x="4368751" y="2903725"/>
+            <a:ext cx="782987" cy="338554"/>
+          </a:xfrm>
+          <a:prstGeom prst="rect">
+            <a:avLst/>
+          </a:prstGeom>
+          <a:noFill/>
+        </p:spPr>
+        <p:txBody>
+          <a:bodyPr wrap="none" rtlCol="0">
+            <a:spAutoFit/>
+          </a:bodyPr>
+          <a:lstStyle/>
+          <a:p>
+            <a:r>
+              <a:rPr lang="en-US" sz="1600" dirty="0" smtClean="0">
+                <a:latin typeface="Times New Roman"/>
+                <a:cs typeface="Times New Roman"/>
+              </a:rPr>
+              <a:t>H.m2()</a:t>
+            </a:r>
+            <a:endParaRPr lang="en-US" sz="1600" dirty="0">
+              <a:latin typeface="Times New Roman"/>
+              <a:cs typeface="Times New Roman"/>
+            </a:endParaRPr>
+          </a:p>
+        </p:txBody>
+      </p:sp>
+    </p:spTree>
+    <p:extLst>
+      <p:ext uri="{BB962C8B-B14F-4D97-AF65-F5344CB8AC3E}">
+        <p14:creationId xmlns:p14="http://schemas.microsoft.com/office/powerpoint/2010/main" val="3501429745"/>
+      </p:ext>
+    </p:extLst>
+  </p:cSld>
+  <p:clrMapOvr>
+    <a:masterClrMapping/>
+  </p:clrMapOvr>
+  <p:timing>
+    <p:tnLst>
+      <p:par>
+        <p:cTn xmlns:p14="http://schemas.microsoft.com/office/powerpoint/2010/main" id="1" dur="indefinite" restart="never" nodeType="tmRoot"/>
+      </p:par>
+    </p:tnLst>
   </p:timing>
 </p:sld>
 </file>
